--- a/my_template.pptx
+++ b/my_template.pptx
@@ -5,13 +5,17 @@
     <p:sldMasterId id="2147483648" r:id="rId1"/>
   </p:sldMasterIdLst>
   <p:notesMasterIdLst>
-    <p:notesMasterId r:id="rId3"/>
+    <p:notesMasterId r:id="rId7"/>
   </p:notesMasterIdLst>
   <p:handoutMasterIdLst>
-    <p:handoutMasterId r:id="rId4"/>
+    <p:handoutMasterId r:id="rId8"/>
   </p:handoutMasterIdLst>
   <p:sldIdLst>
     <p:sldId id="256" r:id="rId2"/>
+    <p:sldId id="258" r:id="rId3"/>
+    <p:sldId id="259" r:id="rId4"/>
+    <p:sldId id="260" r:id="rId5"/>
+    <p:sldId id="261" r:id="rId6"/>
   </p:sldIdLst>
   <p:sldSz cx="12192000" cy="6858000"/>
   <p:notesSz cx="6858000" cy="9144000"/>
@@ -693,7 +697,7 @@
         </p:nvSpPr>
         <p:spPr>
           <a:xfrm>
-            <a:off x="642850" y="1709731"/>
+            <a:off x="642849" y="2022475"/>
             <a:ext cx="10906299" cy="1406525"/>
           </a:xfrm>
           <a:prstGeom prst="roundRect">
@@ -788,7 +792,7 @@
               <a:buFont typeface="Arial" panose="020B0604020202020204" pitchFamily="34" charset="0"/>
               <a:buNone/>
               <a:tabLst/>
-              <a:defRPr sz="1600" i="0"/>
+              <a:defRPr sz="1400" i="0"/>
             </a:lvl1pPr>
             <a:lvl2pPr marL="457200" indent="0" algn="ctr">
               <a:buNone/>
@@ -847,7 +851,12 @@
             <p:ph type="dt" sz="half" idx="10"/>
           </p:nvPr>
         </p:nvSpPr>
-        <p:spPr/>
+        <p:spPr>
+          <a:xfrm>
+            <a:off x="0" y="6492873"/>
+            <a:ext cx="3581400" cy="365125"/>
+          </a:xfrm>
+        </p:spPr>
         <p:txBody>
           <a:bodyPr/>
           <a:lstStyle/>
@@ -961,7 +970,7 @@
               <a:buFont typeface="Arial" panose="020B0604020202020204" pitchFamily="34" charset="0"/>
               <a:buNone/>
               <a:tabLst/>
-              <a:defRPr sz="1500"/>
+              <a:defRPr sz="1400"/>
             </a:lvl1pPr>
           </a:lstStyle>
           <a:p>
@@ -1002,7 +1011,7 @@
           <a:lstStyle>
             <a:lvl1pPr marL="0" indent="0" algn="ctr">
               <a:buNone/>
-              <a:defRPr sz="1600"/>
+              <a:defRPr sz="1400"/>
             </a:lvl1pPr>
             <a:lvl2pPr marL="457200" indent="0" algn="ctr">
               <a:buNone/>
@@ -1057,11 +1066,11 @@
           </a:prstGeom>
         </p:spPr>
         <p:txBody>
-          <a:bodyPr/>
+          <a:bodyPr anchor="ctr"/>
           <a:lstStyle>
             <a:lvl1pPr marL="0" indent="0" algn="ctr">
               <a:buNone/>
-              <a:defRPr sz="1400" b="0" i="1"/>
+              <a:defRPr sz="1300" b="0" i="1"/>
             </a:lvl1pPr>
             <a:lvl2pPr marL="457200" indent="0" algn="ctr">
               <a:buNone/>
@@ -1103,9 +1112,9 @@
 </p:sldLayout>
 </file>
 
-<file path=ppt/slideLayouts/slideLayout10.xml><?xml version="1.0" encoding="utf-8"?>
-<p:sldLayout xmlns:a="http://schemas.openxmlformats.org/drawingml/2006/main" xmlns:r="http://schemas.openxmlformats.org/officeDocument/2006/relationships" xmlns:p="http://schemas.openxmlformats.org/presentationml/2006/main" type="vertTx" preserve="1">
-  <p:cSld name="Title and Vertical Text">
+<file path=ppt/slideLayouts/slideLayout2.xml><?xml version="1.0" encoding="utf-8"?>
+<p:sldLayout xmlns:a="http://schemas.openxmlformats.org/drawingml/2006/main" xmlns:r="http://schemas.openxmlformats.org/officeDocument/2006/relationships" xmlns:p="http://schemas.openxmlformats.org/presentationml/2006/main" preserve="1" userDrawn="1">
+  <p:cSld name="standard">
     <p:spTree>
       <p:nvGrpSpPr>
         <p:cNvPr id="1" name=""/>
@@ -1125,137 +1134,141 @@
           <p:cNvPr id="2" name="Title 1">
             <a:extLst>
               <a:ext uri="{FF2B5EF4-FFF2-40B4-BE49-F238E27FC236}">
-                <a16:creationId xmlns:a16="http://schemas.microsoft.com/office/drawing/2014/main" id="{23FEAFDA-8FEF-4CD1-A19E-9E21B623C426}"/>
-              </a:ext>
-            </a:extLst>
-          </p:cNvPr>
-          <p:cNvSpPr>
-            <a:spLocks noGrp="1"/>
-          </p:cNvSpPr>
-          <p:nvPr>
-            <p:ph type="title"/>
+                <a16:creationId xmlns:a16="http://schemas.microsoft.com/office/drawing/2014/main" id="{31AC4831-11D2-4B3F-B2D9-80E32BFDA061}"/>
+              </a:ext>
+            </a:extLst>
+          </p:cNvPr>
+          <p:cNvSpPr>
+            <a:spLocks noGrp="1"/>
+          </p:cNvSpPr>
+          <p:nvPr>
+            <p:ph type="title" hasCustomPrompt="1"/>
           </p:nvPr>
         </p:nvSpPr>
         <p:spPr>
           <a:xfrm>
-            <a:off x="838200" y="561756"/>
-            <a:ext cx="10515600" cy="1325563"/>
+            <a:off x="-1" y="394588"/>
+            <a:ext cx="12188953" cy="456311"/>
+          </a:xfrm>
+          <a:prstGeom prst="rect">
+            <a:avLst/>
+          </a:prstGeom>
+          <a:solidFill>
+            <a:srgbClr val="F2F2F2"/>
+          </a:solidFill>
+        </p:spPr>
+        <p:txBody>
+          <a:bodyPr anchor="ctr"/>
+          <a:lstStyle>
+            <a:lvl1pPr>
+              <a:defRPr sz="2100" b="1">
+                <a:solidFill>
+                  <a:srgbClr val="A30000"/>
+                </a:solidFill>
+              </a:defRPr>
+            </a:lvl1pPr>
+          </a:lstStyle>
+          <a:p>
+            <a:r>
+              <a:rPr lang="en-US" dirty="0"/>
+              <a:t>     Click to edit Master title style</a:t>
+            </a:r>
+          </a:p>
+        </p:txBody>
+      </p:sp>
+      <p:sp>
+        <p:nvSpPr>
+          <p:cNvPr id="4" name="Content Placeholder 3">
+            <a:extLst>
+              <a:ext uri="{FF2B5EF4-FFF2-40B4-BE49-F238E27FC236}">
+                <a16:creationId xmlns:a16="http://schemas.microsoft.com/office/drawing/2014/main" id="{F2A5DCCB-134E-454F-90BE-B66D9A2A8745}"/>
+              </a:ext>
+            </a:extLst>
+          </p:cNvPr>
+          <p:cNvSpPr>
+            <a:spLocks noGrp="1"/>
+          </p:cNvSpPr>
+          <p:nvPr>
+            <p:ph sz="half" idx="2" hasCustomPrompt="1"/>
+          </p:nvPr>
+        </p:nvSpPr>
+        <p:spPr>
+          <a:xfrm>
+            <a:off x="381000" y="850898"/>
+            <a:ext cx="11430000" cy="5641973"/>
           </a:xfrm>
           <a:prstGeom prst="rect">
             <a:avLst/>
           </a:prstGeom>
         </p:spPr>
         <p:txBody>
+          <a:bodyPr anchor="ctr"/>
+          <a:lstStyle>
+            <a:lvl1pPr marL="0" indent="0" algn="just">
+              <a:buNone/>
+              <a:defRPr sz="1900"/>
+            </a:lvl1pPr>
+            <a:lvl2pPr marL="457200" indent="0" algn="just">
+              <a:buNone/>
+              <a:defRPr sz="1800"/>
+            </a:lvl2pPr>
+            <a:lvl3pPr marL="914400" indent="0" algn="just">
+              <a:buNone/>
+              <a:defRPr sz="1800"/>
+            </a:lvl3pPr>
+            <a:lvl4pPr marL="1371600" indent="0" algn="just">
+              <a:buNone/>
+              <a:defRPr sz="1800"/>
+            </a:lvl4pPr>
+            <a:lvl5pPr marL="1828800" indent="0" algn="just">
+              <a:buNone/>
+              <a:defRPr sz="1800"/>
+            </a:lvl5pPr>
+          </a:lstStyle>
+          <a:p>
+            <a:pPr lvl="0"/>
+            <a:r>
+              <a:rPr lang="en-US" dirty="0"/>
+              <a:t>Content</a:t>
+            </a:r>
+          </a:p>
+        </p:txBody>
+      </p:sp>
+      <p:sp>
+        <p:nvSpPr>
+          <p:cNvPr id="7" name="Date Placeholder 6">
+            <a:extLst>
+              <a:ext uri="{FF2B5EF4-FFF2-40B4-BE49-F238E27FC236}">
+                <a16:creationId xmlns:a16="http://schemas.microsoft.com/office/drawing/2014/main" id="{F647999E-5AC1-4E6C-9F2C-AC127F29F612}"/>
+              </a:ext>
+            </a:extLst>
+          </p:cNvPr>
+          <p:cNvSpPr>
+            <a:spLocks noGrp="1"/>
+          </p:cNvSpPr>
+          <p:nvPr>
+            <p:ph type="dt" sz="half" idx="10"/>
+          </p:nvPr>
+        </p:nvSpPr>
+        <p:spPr/>
+        <p:txBody>
           <a:bodyPr/>
           <a:lstStyle/>
           <a:p>
-            <a:r>
-              <a:rPr lang="en-US"/>
-              <a:t>Click to edit Master title style</a:t>
-            </a:r>
-          </a:p>
-        </p:txBody>
-      </p:sp>
-      <p:sp>
-        <p:nvSpPr>
-          <p:cNvPr id="3" name="Vertical Text Placeholder 2">
-            <a:extLst>
-              <a:ext uri="{FF2B5EF4-FFF2-40B4-BE49-F238E27FC236}">
-                <a16:creationId xmlns:a16="http://schemas.microsoft.com/office/drawing/2014/main" id="{F80E9417-438F-4771-B65A-22C22ADC762E}"/>
-              </a:ext>
-            </a:extLst>
-          </p:cNvPr>
-          <p:cNvSpPr>
-            <a:spLocks noGrp="1"/>
-          </p:cNvSpPr>
-          <p:nvPr>
-            <p:ph type="body" orient="vert" idx="1"/>
-          </p:nvPr>
-        </p:nvSpPr>
-        <p:spPr>
-          <a:xfrm>
-            <a:off x="838200" y="1908748"/>
-            <a:ext cx="10515600" cy="4351338"/>
-          </a:xfrm>
-          <a:prstGeom prst="rect">
-            <a:avLst/>
-          </a:prstGeom>
-        </p:spPr>
-        <p:txBody>
-          <a:bodyPr vert="eaVert"/>
-          <a:lstStyle/>
-          <a:p>
-            <a:pPr lvl="0"/>
-            <a:r>
-              <a:rPr lang="en-US"/>
-              <a:t>Click to edit Master text styles</a:t>
-            </a:r>
-          </a:p>
-          <a:p>
-            <a:pPr lvl="1"/>
-            <a:r>
-              <a:rPr lang="en-US"/>
-              <a:t>Second level</a:t>
-            </a:r>
-          </a:p>
-          <a:p>
-            <a:pPr lvl="2"/>
-            <a:r>
-              <a:rPr lang="en-US"/>
-              <a:t>Third level</a:t>
-            </a:r>
-          </a:p>
-          <a:p>
-            <a:pPr lvl="3"/>
-            <a:r>
-              <a:rPr lang="en-US"/>
-              <a:t>Fourth level</a:t>
-            </a:r>
-          </a:p>
-          <a:p>
-            <a:pPr lvl="4"/>
-            <a:r>
-              <a:rPr lang="en-US"/>
-              <a:t>Fifth level</a:t>
-            </a:r>
-          </a:p>
-        </p:txBody>
-      </p:sp>
-      <p:sp>
-        <p:nvSpPr>
-          <p:cNvPr id="4" name="Date Placeholder 3">
-            <a:extLst>
-              <a:ext uri="{FF2B5EF4-FFF2-40B4-BE49-F238E27FC236}">
-                <a16:creationId xmlns:a16="http://schemas.microsoft.com/office/drawing/2014/main" id="{D63B3A23-C9A9-472C-A55A-97BA6E40000D}"/>
-              </a:ext>
-            </a:extLst>
-          </p:cNvPr>
-          <p:cNvSpPr>
-            <a:spLocks noGrp="1"/>
-          </p:cNvSpPr>
-          <p:nvPr>
-            <p:ph type="dt" sz="half" idx="10"/>
-          </p:nvPr>
-        </p:nvSpPr>
-        <p:spPr/>
-        <p:txBody>
-          <a:bodyPr/>
-          <a:lstStyle/>
-          <a:p>
-            <a:fld id="{2CEE6B4A-1081-409E-AB70-5B85985256C4}" type="datetime1">
+            <a:fld id="{499624E5-6640-4B65-82B0-BACE50C7D1B2}" type="datetime1">
               <a:rPr lang="en-US" smtClean="0"/>
               <a:t>10/5/2021</a:t>
             </a:fld>
-            <a:endParaRPr lang="en-US"/>
-          </a:p>
-        </p:txBody>
-      </p:sp>
-      <p:sp>
-        <p:nvSpPr>
-          <p:cNvPr id="5" name="Footer Placeholder 4">
-            <a:extLst>
-              <a:ext uri="{FF2B5EF4-FFF2-40B4-BE49-F238E27FC236}">
-                <a16:creationId xmlns:a16="http://schemas.microsoft.com/office/drawing/2014/main" id="{1F7CED57-3DBD-4752-AF46-2FF86E861A3C}"/>
+            <a:endParaRPr lang="en-US" dirty="0"/>
+          </a:p>
+        </p:txBody>
+      </p:sp>
+      <p:sp>
+        <p:nvSpPr>
+          <p:cNvPr id="8" name="Footer Placeholder 7">
+            <a:extLst>
+              <a:ext uri="{FF2B5EF4-FFF2-40B4-BE49-F238E27FC236}">
+                <a16:creationId xmlns:a16="http://schemas.microsoft.com/office/drawing/2014/main" id="{743E6589-355C-493F-AE5C-B8401BABEFED}"/>
               </a:ext>
             </a:extLst>
           </p:cNvPr>
@@ -1272,19 +1285,39 @@
           <a:lstStyle/>
           <a:p>
             <a:r>
-              <a:rPr lang="fr-FR"/>
-              <a:t>Le Quy Don Technical University</a:t>
-            </a:r>
-            <a:endParaRPr lang="en-US"/>
-          </a:p>
-        </p:txBody>
-      </p:sp>
-      <p:sp>
-        <p:nvSpPr>
-          <p:cNvPr id="6" name="Slide Number Placeholder 5">
-            <a:extLst>
-              <a:ext uri="{FF2B5EF4-FFF2-40B4-BE49-F238E27FC236}">
-                <a16:creationId xmlns:a16="http://schemas.microsoft.com/office/drawing/2014/main" id="{07189AA2-BC1D-4A45-85B8-BD86578B1C2F}"/>
+              <a:rPr lang="fr-FR" dirty="0"/>
+              <a:t>Le </a:t>
+            </a:r>
+            <a:r>
+              <a:rPr lang="fr-FR" dirty="0" err="1"/>
+              <a:t>Quy</a:t>
+            </a:r>
+            <a:r>
+              <a:rPr lang="fr-FR" dirty="0"/>
+              <a:t> Don </a:t>
+            </a:r>
+            <a:r>
+              <a:rPr lang="fr-FR" dirty="0" err="1"/>
+              <a:t>Technical</a:t>
+            </a:r>
+            <a:r>
+              <a:rPr lang="fr-FR" dirty="0"/>
+              <a:t> </a:t>
+            </a:r>
+            <a:r>
+              <a:rPr lang="fr-FR" dirty="0" err="1"/>
+              <a:t>University</a:t>
+            </a:r>
+            <a:endParaRPr lang="en-US" dirty="0"/>
+          </a:p>
+        </p:txBody>
+      </p:sp>
+      <p:sp>
+        <p:nvSpPr>
+          <p:cNvPr id="9" name="Slide Number Placeholder 8">
+            <a:extLst>
+              <a:ext uri="{FF2B5EF4-FFF2-40B4-BE49-F238E27FC236}">
+                <a16:creationId xmlns:a16="http://schemas.microsoft.com/office/drawing/2014/main" id="{8322BC35-1733-4ED0-8322-031874F2CA09}"/>
               </a:ext>
             </a:extLst>
           </p:cNvPr>
@@ -1308,22 +1341,164 @@
           </a:p>
         </p:txBody>
       </p:sp>
+      <p:sp>
+        <p:nvSpPr>
+          <p:cNvPr id="12" name="Text Placeholder 11">
+            <a:extLst>
+              <a:ext uri="{FF2B5EF4-FFF2-40B4-BE49-F238E27FC236}">
+                <a16:creationId xmlns:a16="http://schemas.microsoft.com/office/drawing/2014/main" id="{95CD0151-49F5-437E-B1A5-ABA17B707905}"/>
+              </a:ext>
+            </a:extLst>
+          </p:cNvPr>
+          <p:cNvSpPr>
+            <a:spLocks noGrp="1"/>
+          </p:cNvSpPr>
+          <p:nvPr>
+            <p:ph type="body" sz="quarter" idx="13" hasCustomPrompt="1"/>
+          </p:nvPr>
+        </p:nvSpPr>
+        <p:spPr>
+          <a:xfrm>
+            <a:off x="0" y="0"/>
+            <a:ext cx="6100620" cy="394588"/>
+          </a:xfrm>
+          <a:prstGeom prst="rect">
+            <a:avLst/>
+          </a:prstGeom>
+          <a:solidFill>
+            <a:srgbClr val="A30000"/>
+          </a:solidFill>
+        </p:spPr>
+        <p:txBody>
+          <a:bodyPr anchor="ctr"/>
+          <a:lstStyle>
+            <a:lvl1pPr marL="0" indent="0">
+              <a:buNone/>
+              <a:defRPr sz="1500">
+                <a:solidFill>
+                  <a:schemeClr val="bg1"/>
+                </a:solidFill>
+              </a:defRPr>
+            </a:lvl1pPr>
+            <a:lvl2pPr marL="457200" indent="0">
+              <a:buNone/>
+              <a:defRPr sz="1500"/>
+            </a:lvl2pPr>
+            <a:lvl3pPr marL="914400" indent="0">
+              <a:buNone/>
+              <a:defRPr sz="1500"/>
+            </a:lvl3pPr>
+            <a:lvl4pPr marL="1371600" indent="0">
+              <a:buNone/>
+              <a:defRPr sz="1500"/>
+            </a:lvl4pPr>
+            <a:lvl5pPr marL="1828800" indent="0">
+              <a:buNone/>
+              <a:defRPr sz="1500"/>
+            </a:lvl5pPr>
+          </a:lstStyle>
+          <a:p>
+            <a:pPr lvl="0"/>
+            <a:r>
+              <a:rPr lang="en-US" dirty="0"/>
+              <a:t>Section</a:t>
+            </a:r>
+          </a:p>
+        </p:txBody>
+      </p:sp>
+      <p:sp>
+        <p:nvSpPr>
+          <p:cNvPr id="14" name="Text Placeholder 13">
+            <a:extLst>
+              <a:ext uri="{FF2B5EF4-FFF2-40B4-BE49-F238E27FC236}">
+                <a16:creationId xmlns:a16="http://schemas.microsoft.com/office/drawing/2014/main" id="{69018403-3F1D-40D4-BC5C-DB0074B20939}"/>
+              </a:ext>
+            </a:extLst>
+          </p:cNvPr>
+          <p:cNvSpPr>
+            <a:spLocks noGrp="1"/>
+          </p:cNvSpPr>
+          <p:nvPr>
+            <p:ph type="body" sz="quarter" idx="14" hasCustomPrompt="1"/>
+          </p:nvPr>
+        </p:nvSpPr>
+        <p:spPr>
+          <a:xfrm>
+            <a:off x="6100620" y="0"/>
+            <a:ext cx="6091380" cy="394588"/>
+          </a:xfrm>
+          <a:prstGeom prst="rect">
+            <a:avLst/>
+          </a:prstGeom>
+          <a:solidFill>
+            <a:srgbClr val="D9D9D9"/>
+          </a:solidFill>
+        </p:spPr>
+        <p:txBody>
+          <a:bodyPr anchor="ctr"/>
+          <a:lstStyle>
+            <a:lvl1pPr marL="0" indent="0">
+              <a:buNone/>
+              <a:defRPr sz="1400">
+                <a:solidFill>
+                  <a:srgbClr val="A30000"/>
+                </a:solidFill>
+              </a:defRPr>
+            </a:lvl1pPr>
+            <a:lvl2pPr marL="457200" indent="0">
+              <a:buNone/>
+              <a:defRPr sz="1400"/>
+            </a:lvl2pPr>
+            <a:lvl3pPr marL="914400" indent="0">
+              <a:buNone/>
+              <a:defRPr sz="1400"/>
+            </a:lvl3pPr>
+            <a:lvl4pPr marL="1371600" indent="0">
+              <a:buNone/>
+              <a:defRPr sz="1400"/>
+            </a:lvl4pPr>
+            <a:lvl5pPr marL="1828800" indent="0">
+              <a:buNone/>
+              <a:defRPr sz="1400"/>
+            </a:lvl5pPr>
+          </a:lstStyle>
+          <a:p>
+            <a:pPr lvl="0"/>
+            <a:r>
+              <a:rPr lang="en-US" dirty="0"/>
+              <a:t>Subsection</a:t>
+            </a:r>
+          </a:p>
+        </p:txBody>
+      </p:sp>
     </p:spTree>
     <p:extLst>
       <p:ext uri="{BB962C8B-B14F-4D97-AF65-F5344CB8AC3E}">
-        <p14:creationId xmlns:p14="http://schemas.microsoft.com/office/powerpoint/2010/main" val="2991759406"/>
+        <p14:creationId xmlns:p14="http://schemas.microsoft.com/office/powerpoint/2010/main" val="1351638131"/>
       </p:ext>
     </p:extLst>
   </p:cSld>
   <p:clrMapOvr>
     <a:masterClrMapping/>
   </p:clrMapOvr>
+  <mc:AlternateContent xmlns:mc="http://schemas.openxmlformats.org/markup-compatibility/2006">
+    <mc:Choice xmlns:p14="http://schemas.microsoft.com/office/powerpoint/2010/main" Requires="p14">
+      <p:transition spd="med" p14:dur="700">
+        <p:fade/>
+      </p:transition>
+    </mc:Choice>
+    <mc:Fallback>
+      <p:transition spd="med">
+        <p:fade/>
+      </p:transition>
+    </mc:Fallback>
+  </mc:AlternateContent>
 </p:sldLayout>
 </file>
 
-<file path=ppt/slideLayouts/slideLayout11.xml><?xml version="1.0" encoding="utf-8"?>
-<p:sldLayout xmlns:a="http://schemas.openxmlformats.org/drawingml/2006/main" xmlns:r="http://schemas.openxmlformats.org/officeDocument/2006/relationships" xmlns:p="http://schemas.openxmlformats.org/presentationml/2006/main" type="vertTitleAndTx" preserve="1">
-  <p:cSld name="Vertical Title and Text">
+<file path=ppt/slideLayouts/slideLayout3.xml><?xml version="1.0" encoding="utf-8"?>
+<p:sldLayout xmlns:a="http://schemas.openxmlformats.org/drawingml/2006/main" xmlns:r="http://schemas.openxmlformats.org/officeDocument/2006/relationships" xmlns:p="http://schemas.openxmlformats.org/presentationml/2006/main" preserve="1" userDrawn="1">
+  <p:cSld name="No_header">
     <p:spTree>
       <p:nvGrpSpPr>
         <p:cNvPr id="1" name=""/>
@@ -1340,111 +1515,72 @@
       </p:grpSpPr>
       <p:sp>
         <p:nvSpPr>
-          <p:cNvPr id="2" name="Vertical Title 1">
-            <a:extLst>
-              <a:ext uri="{FF2B5EF4-FFF2-40B4-BE49-F238E27FC236}">
-                <a16:creationId xmlns:a16="http://schemas.microsoft.com/office/drawing/2014/main" id="{5304AC25-6643-40A8-BAE5-59DA138C80E7}"/>
-              </a:ext>
-            </a:extLst>
-          </p:cNvPr>
-          <p:cNvSpPr>
-            <a:spLocks noGrp="1"/>
-          </p:cNvSpPr>
-          <p:nvPr>
-            <p:ph type="title" orient="vert"/>
+          <p:cNvPr id="4" name="Content Placeholder 3">
+            <a:extLst>
+              <a:ext uri="{FF2B5EF4-FFF2-40B4-BE49-F238E27FC236}">
+                <a16:creationId xmlns:a16="http://schemas.microsoft.com/office/drawing/2014/main" id="{F2A5DCCB-134E-454F-90BE-B66D9A2A8745}"/>
+              </a:ext>
+            </a:extLst>
+          </p:cNvPr>
+          <p:cNvSpPr>
+            <a:spLocks noGrp="1"/>
+          </p:cNvSpPr>
+          <p:nvPr>
+            <p:ph sz="half" idx="2" hasCustomPrompt="1"/>
           </p:nvPr>
         </p:nvSpPr>
         <p:spPr>
           <a:xfrm>
-            <a:off x="8724900" y="365125"/>
-            <a:ext cx="2628900" cy="5811838"/>
+            <a:off x="381000" y="394588"/>
+            <a:ext cx="11430000" cy="6098283"/>
           </a:xfrm>
           <a:prstGeom prst="rect">
             <a:avLst/>
           </a:prstGeom>
         </p:spPr>
         <p:txBody>
-          <a:bodyPr vert="eaVert"/>
-          <a:lstStyle/>
-          <a:p>
-            <a:r>
-              <a:rPr lang="en-US"/>
-              <a:t>Click to edit Master title style</a:t>
-            </a:r>
-          </a:p>
-        </p:txBody>
-      </p:sp>
-      <p:sp>
-        <p:nvSpPr>
-          <p:cNvPr id="3" name="Vertical Text Placeholder 2">
-            <a:extLst>
-              <a:ext uri="{FF2B5EF4-FFF2-40B4-BE49-F238E27FC236}">
-                <a16:creationId xmlns:a16="http://schemas.microsoft.com/office/drawing/2014/main" id="{639075E2-A94D-43B4-96AD-3019F3E347BF}"/>
-              </a:ext>
-            </a:extLst>
-          </p:cNvPr>
-          <p:cNvSpPr>
-            <a:spLocks noGrp="1"/>
-          </p:cNvSpPr>
-          <p:nvPr>
-            <p:ph type="body" orient="vert" idx="1"/>
-          </p:nvPr>
-        </p:nvSpPr>
-        <p:spPr>
-          <a:xfrm>
-            <a:off x="838200" y="365125"/>
-            <a:ext cx="7734300" cy="5811838"/>
-          </a:xfrm>
-          <a:prstGeom prst="rect">
-            <a:avLst/>
-          </a:prstGeom>
-        </p:spPr>
-        <p:txBody>
-          <a:bodyPr vert="eaVert"/>
-          <a:lstStyle/>
+          <a:bodyPr anchor="ctr"/>
+          <a:lstStyle>
+            <a:lvl1pPr marL="0" indent="0" algn="just">
+              <a:buClr>
+                <a:srgbClr val="233FB5"/>
+              </a:buClr>
+              <a:buFont typeface="+mj-lt"/>
+              <a:buNone/>
+              <a:defRPr sz="1900"/>
+            </a:lvl1pPr>
+            <a:lvl2pPr marL="457200" indent="0" algn="just">
+              <a:buNone/>
+              <a:defRPr sz="1800"/>
+            </a:lvl2pPr>
+            <a:lvl3pPr marL="914400" indent="0" algn="just">
+              <a:buNone/>
+              <a:defRPr sz="1800"/>
+            </a:lvl3pPr>
+            <a:lvl4pPr marL="1371600" indent="0" algn="just">
+              <a:buNone/>
+              <a:defRPr sz="1800"/>
+            </a:lvl4pPr>
+            <a:lvl5pPr marL="1828800" indent="0" algn="just">
+              <a:buNone/>
+              <a:defRPr sz="1800"/>
+            </a:lvl5pPr>
+          </a:lstStyle>
           <a:p>
             <a:pPr lvl="0"/>
             <a:r>
-              <a:rPr lang="en-US"/>
-              <a:t>Click to edit Master text styles</a:t>
-            </a:r>
-          </a:p>
-          <a:p>
-            <a:pPr lvl="1"/>
-            <a:r>
-              <a:rPr lang="en-US"/>
-              <a:t>Second level</a:t>
-            </a:r>
-          </a:p>
-          <a:p>
-            <a:pPr lvl="2"/>
-            <a:r>
-              <a:rPr lang="en-US"/>
-              <a:t>Third level</a:t>
-            </a:r>
-          </a:p>
-          <a:p>
-            <a:pPr lvl="3"/>
-            <a:r>
-              <a:rPr lang="en-US"/>
-              <a:t>Fourth level</a:t>
-            </a:r>
-          </a:p>
-          <a:p>
-            <a:pPr lvl="4"/>
-            <a:r>
-              <a:rPr lang="en-US"/>
-              <a:t>Fifth level</a:t>
-            </a:r>
-          </a:p>
-        </p:txBody>
-      </p:sp>
-      <p:sp>
-        <p:nvSpPr>
-          <p:cNvPr id="4" name="Date Placeholder 3">
-            <a:extLst>
-              <a:ext uri="{FF2B5EF4-FFF2-40B4-BE49-F238E27FC236}">
-                <a16:creationId xmlns:a16="http://schemas.microsoft.com/office/drawing/2014/main" id="{241C2DA7-9F17-4992-81DC-2A1E672DB4B7}"/>
+              <a:rPr lang="en-US" dirty="0"/>
+              <a:t>Content </a:t>
+            </a:r>
+          </a:p>
+        </p:txBody>
+      </p:sp>
+      <p:sp>
+        <p:nvSpPr>
+          <p:cNvPr id="7" name="Date Placeholder 6">
+            <a:extLst>
+              <a:ext uri="{FF2B5EF4-FFF2-40B4-BE49-F238E27FC236}">
+                <a16:creationId xmlns:a16="http://schemas.microsoft.com/office/drawing/2014/main" id="{F647999E-5AC1-4E6C-9F2C-AC127F29F612}"/>
               </a:ext>
             </a:extLst>
           </p:cNvPr>
@@ -1460,20 +1596,20 @@
           <a:bodyPr/>
           <a:lstStyle/>
           <a:p>
-            <a:fld id="{F8712342-2E2C-44D4-AC72-E67CC2AE9E0A}" type="datetime1">
+            <a:fld id="{499624E5-6640-4B65-82B0-BACE50C7D1B2}" type="datetime1">
               <a:rPr lang="en-US" smtClean="0"/>
               <a:t>10/5/2021</a:t>
             </a:fld>
-            <a:endParaRPr lang="en-US"/>
-          </a:p>
-        </p:txBody>
-      </p:sp>
-      <p:sp>
-        <p:nvSpPr>
-          <p:cNvPr id="5" name="Footer Placeholder 4">
-            <a:extLst>
-              <a:ext uri="{FF2B5EF4-FFF2-40B4-BE49-F238E27FC236}">
-                <a16:creationId xmlns:a16="http://schemas.microsoft.com/office/drawing/2014/main" id="{BD715DFB-6975-4B5D-9686-AD2285AE61FA}"/>
+            <a:endParaRPr lang="en-US" dirty="0"/>
+          </a:p>
+        </p:txBody>
+      </p:sp>
+      <p:sp>
+        <p:nvSpPr>
+          <p:cNvPr id="8" name="Footer Placeholder 7">
+            <a:extLst>
+              <a:ext uri="{FF2B5EF4-FFF2-40B4-BE49-F238E27FC236}">
+                <a16:creationId xmlns:a16="http://schemas.microsoft.com/office/drawing/2014/main" id="{743E6589-355C-493F-AE5C-B8401BABEFED}"/>
               </a:ext>
             </a:extLst>
           </p:cNvPr>
@@ -1490,19 +1626,39 @@
           <a:lstStyle/>
           <a:p>
             <a:r>
-              <a:rPr lang="fr-FR"/>
-              <a:t>Le Quy Don Technical University</a:t>
-            </a:r>
-            <a:endParaRPr lang="en-US"/>
-          </a:p>
-        </p:txBody>
-      </p:sp>
-      <p:sp>
-        <p:nvSpPr>
-          <p:cNvPr id="6" name="Slide Number Placeholder 5">
-            <a:extLst>
-              <a:ext uri="{FF2B5EF4-FFF2-40B4-BE49-F238E27FC236}">
-                <a16:creationId xmlns:a16="http://schemas.microsoft.com/office/drawing/2014/main" id="{C68EFE7D-E957-4047-B8E9-C6CDF577B9B1}"/>
+              <a:rPr lang="fr-FR" dirty="0"/>
+              <a:t>Le </a:t>
+            </a:r>
+            <a:r>
+              <a:rPr lang="fr-FR" dirty="0" err="1"/>
+              <a:t>Quy</a:t>
+            </a:r>
+            <a:r>
+              <a:rPr lang="fr-FR" dirty="0"/>
+              <a:t> Don </a:t>
+            </a:r>
+            <a:r>
+              <a:rPr lang="fr-FR" dirty="0" err="1"/>
+              <a:t>Technical</a:t>
+            </a:r>
+            <a:r>
+              <a:rPr lang="fr-FR" dirty="0"/>
+              <a:t> </a:t>
+            </a:r>
+            <a:r>
+              <a:rPr lang="fr-FR" dirty="0" err="1"/>
+              <a:t>University</a:t>
+            </a:r>
+            <a:endParaRPr lang="en-US" dirty="0"/>
+          </a:p>
+        </p:txBody>
+      </p:sp>
+      <p:sp>
+        <p:nvSpPr>
+          <p:cNvPr id="9" name="Slide Number Placeholder 8">
+            <a:extLst>
+              <a:ext uri="{FF2B5EF4-FFF2-40B4-BE49-F238E27FC236}">
+                <a16:creationId xmlns:a16="http://schemas.microsoft.com/office/drawing/2014/main" id="{8322BC35-1733-4ED0-8322-031874F2CA09}"/>
               </a:ext>
             </a:extLst>
           </p:cNvPr>
@@ -1526,22 +1682,164 @@
           </a:p>
         </p:txBody>
       </p:sp>
+      <p:sp>
+        <p:nvSpPr>
+          <p:cNvPr id="12" name="Text Placeholder 11">
+            <a:extLst>
+              <a:ext uri="{FF2B5EF4-FFF2-40B4-BE49-F238E27FC236}">
+                <a16:creationId xmlns:a16="http://schemas.microsoft.com/office/drawing/2014/main" id="{95CD0151-49F5-437E-B1A5-ABA17B707905}"/>
+              </a:ext>
+            </a:extLst>
+          </p:cNvPr>
+          <p:cNvSpPr>
+            <a:spLocks noGrp="1"/>
+          </p:cNvSpPr>
+          <p:nvPr>
+            <p:ph type="body" sz="quarter" idx="13" hasCustomPrompt="1"/>
+          </p:nvPr>
+        </p:nvSpPr>
+        <p:spPr>
+          <a:xfrm>
+            <a:off x="0" y="0"/>
+            <a:ext cx="6100620" cy="394588"/>
+          </a:xfrm>
+          <a:prstGeom prst="rect">
+            <a:avLst/>
+          </a:prstGeom>
+          <a:solidFill>
+            <a:srgbClr val="A30000"/>
+          </a:solidFill>
+        </p:spPr>
+        <p:txBody>
+          <a:bodyPr anchor="ctr"/>
+          <a:lstStyle>
+            <a:lvl1pPr marL="0" indent="0">
+              <a:buNone/>
+              <a:defRPr sz="1500">
+                <a:solidFill>
+                  <a:schemeClr val="bg1"/>
+                </a:solidFill>
+              </a:defRPr>
+            </a:lvl1pPr>
+            <a:lvl2pPr marL="457200" indent="0">
+              <a:buNone/>
+              <a:defRPr sz="1500"/>
+            </a:lvl2pPr>
+            <a:lvl3pPr marL="914400" indent="0">
+              <a:buNone/>
+              <a:defRPr sz="1500"/>
+            </a:lvl3pPr>
+            <a:lvl4pPr marL="1371600" indent="0">
+              <a:buNone/>
+              <a:defRPr sz="1500"/>
+            </a:lvl4pPr>
+            <a:lvl5pPr marL="1828800" indent="0">
+              <a:buNone/>
+              <a:defRPr sz="1500"/>
+            </a:lvl5pPr>
+          </a:lstStyle>
+          <a:p>
+            <a:pPr lvl="0"/>
+            <a:r>
+              <a:rPr lang="en-US" dirty="0"/>
+              <a:t>Section</a:t>
+            </a:r>
+          </a:p>
+        </p:txBody>
+      </p:sp>
+      <p:sp>
+        <p:nvSpPr>
+          <p:cNvPr id="14" name="Text Placeholder 13">
+            <a:extLst>
+              <a:ext uri="{FF2B5EF4-FFF2-40B4-BE49-F238E27FC236}">
+                <a16:creationId xmlns:a16="http://schemas.microsoft.com/office/drawing/2014/main" id="{69018403-3F1D-40D4-BC5C-DB0074B20939}"/>
+              </a:ext>
+            </a:extLst>
+          </p:cNvPr>
+          <p:cNvSpPr>
+            <a:spLocks noGrp="1"/>
+          </p:cNvSpPr>
+          <p:nvPr>
+            <p:ph type="body" sz="quarter" idx="14" hasCustomPrompt="1"/>
+          </p:nvPr>
+        </p:nvSpPr>
+        <p:spPr>
+          <a:xfrm>
+            <a:off x="6100620" y="0"/>
+            <a:ext cx="6091380" cy="394588"/>
+          </a:xfrm>
+          <a:prstGeom prst="rect">
+            <a:avLst/>
+          </a:prstGeom>
+          <a:solidFill>
+            <a:srgbClr val="D9D9D9"/>
+          </a:solidFill>
+        </p:spPr>
+        <p:txBody>
+          <a:bodyPr anchor="ctr"/>
+          <a:lstStyle>
+            <a:lvl1pPr marL="0" indent="0">
+              <a:buNone/>
+              <a:defRPr sz="1400">
+                <a:solidFill>
+                  <a:srgbClr val="A30000"/>
+                </a:solidFill>
+              </a:defRPr>
+            </a:lvl1pPr>
+            <a:lvl2pPr marL="457200" indent="0">
+              <a:buNone/>
+              <a:defRPr sz="1400"/>
+            </a:lvl2pPr>
+            <a:lvl3pPr marL="914400" indent="0">
+              <a:buNone/>
+              <a:defRPr sz="1400"/>
+            </a:lvl3pPr>
+            <a:lvl4pPr marL="1371600" indent="0">
+              <a:buNone/>
+              <a:defRPr sz="1400"/>
+            </a:lvl4pPr>
+            <a:lvl5pPr marL="1828800" indent="0">
+              <a:buNone/>
+              <a:defRPr sz="1400"/>
+            </a:lvl5pPr>
+          </a:lstStyle>
+          <a:p>
+            <a:pPr lvl="0"/>
+            <a:r>
+              <a:rPr lang="en-US" dirty="0"/>
+              <a:t>Subsection</a:t>
+            </a:r>
+          </a:p>
+        </p:txBody>
+      </p:sp>
     </p:spTree>
     <p:extLst>
       <p:ext uri="{BB962C8B-B14F-4D97-AF65-F5344CB8AC3E}">
-        <p14:creationId xmlns:p14="http://schemas.microsoft.com/office/powerpoint/2010/main" val="2502666084"/>
+        <p14:creationId xmlns:p14="http://schemas.microsoft.com/office/powerpoint/2010/main" val="4070528001"/>
       </p:ext>
     </p:extLst>
   </p:cSld>
   <p:clrMapOvr>
     <a:masterClrMapping/>
   </p:clrMapOvr>
+  <mc:AlternateContent xmlns:mc="http://schemas.openxmlformats.org/markup-compatibility/2006">
+    <mc:Choice xmlns:p14="http://schemas.microsoft.com/office/powerpoint/2010/main" Requires="p14">
+      <p:transition spd="med" p14:dur="700">
+        <p:fade/>
+      </p:transition>
+    </mc:Choice>
+    <mc:Fallback>
+      <p:transition spd="med">
+        <p:fade/>
+      </p:transition>
+    </mc:Fallback>
+  </mc:AlternateContent>
 </p:sldLayout>
 </file>
 
-<file path=ppt/slideLayouts/slideLayout2.xml><?xml version="1.0" encoding="utf-8"?>
+<file path=ppt/slideLayouts/slideLayout4.xml><?xml version="1.0" encoding="utf-8"?>
 <p:sldLayout xmlns:a="http://schemas.openxmlformats.org/drawingml/2006/main" xmlns:r="http://schemas.openxmlformats.org/officeDocument/2006/relationships" xmlns:p="http://schemas.openxmlformats.org/presentationml/2006/main" preserve="1" userDrawn="1">
-  <p:cSld name="Comparison">
+  <p:cSld name="Picture">
     <p:spTree>
       <p:nvGrpSpPr>
         <p:cNvPr id="1" name=""/>
@@ -1574,8 +1872,55 @@
         </p:nvSpPr>
         <p:spPr>
           <a:xfrm>
-            <a:off x="381000" y="485774"/>
-            <a:ext cx="11430000" cy="365125"/>
+            <a:off x="-1" y="394588"/>
+            <a:ext cx="12188953" cy="456311"/>
+          </a:xfrm>
+          <a:prstGeom prst="rect">
+            <a:avLst/>
+          </a:prstGeom>
+          <a:solidFill>
+            <a:srgbClr val="F2F2F2"/>
+          </a:solidFill>
+        </p:spPr>
+        <p:txBody>
+          <a:bodyPr anchor="ctr"/>
+          <a:lstStyle>
+            <a:lvl1pPr marL="282575" indent="0">
+              <a:defRPr sz="2100" b="1">
+                <a:solidFill>
+                  <a:srgbClr val="A30000"/>
+                </a:solidFill>
+              </a:defRPr>
+            </a:lvl1pPr>
+          </a:lstStyle>
+          <a:p>
+            <a:r>
+              <a:rPr lang="en-US" dirty="0"/>
+              <a:t>Click to edit Master title style</a:t>
+            </a:r>
+          </a:p>
+        </p:txBody>
+      </p:sp>
+      <p:sp>
+        <p:nvSpPr>
+          <p:cNvPr id="4" name="Content Placeholder 3">
+            <a:extLst>
+              <a:ext uri="{FF2B5EF4-FFF2-40B4-BE49-F238E27FC236}">
+                <a16:creationId xmlns:a16="http://schemas.microsoft.com/office/drawing/2014/main" id="{F2A5DCCB-134E-454F-90BE-B66D9A2A8745}"/>
+              </a:ext>
+            </a:extLst>
+          </p:cNvPr>
+          <p:cNvSpPr>
+            <a:spLocks noGrp="1"/>
+          </p:cNvSpPr>
+          <p:nvPr>
+            <p:ph sz="half" idx="2" hasCustomPrompt="1"/>
+          </p:nvPr>
+        </p:nvSpPr>
+        <p:spPr>
+          <a:xfrm>
+            <a:off x="381000" y="850899"/>
+            <a:ext cx="11430000" cy="5641972"/>
           </a:xfrm>
           <a:prstGeom prst="rect">
             <a:avLst/>
@@ -1584,38 +1929,163 @@
         <p:txBody>
           <a:bodyPr anchor="ctr"/>
           <a:lstStyle>
-            <a:lvl1pPr>
-              <a:defRPr sz="2000" b="1"/>
+            <a:lvl1pPr marL="0" indent="0" algn="just">
+              <a:buNone/>
+              <a:defRPr sz="1900"/>
             </a:lvl1pPr>
+            <a:lvl2pPr marL="457200" indent="0" algn="just">
+              <a:buNone/>
+              <a:defRPr sz="1800"/>
+            </a:lvl2pPr>
+            <a:lvl3pPr marL="914400" indent="0" algn="just">
+              <a:buNone/>
+              <a:defRPr sz="1800"/>
+            </a:lvl3pPr>
+            <a:lvl4pPr marL="1371600" indent="0" algn="just">
+              <a:buNone/>
+              <a:defRPr sz="1800"/>
+            </a:lvl4pPr>
+            <a:lvl5pPr marL="1828800" indent="0" algn="just">
+              <a:buNone/>
+              <a:defRPr sz="1800"/>
+            </a:lvl5pPr>
           </a:lstStyle>
           <a:p>
+            <a:pPr lvl="0"/>
             <a:r>
               <a:rPr lang="en-US" dirty="0"/>
-              <a:t>Click to edit Master title style</a:t>
-            </a:r>
-          </a:p>
-        </p:txBody>
-      </p:sp>
-      <p:sp>
-        <p:nvSpPr>
-          <p:cNvPr id="3" name="Text Placeholder 2">
-            <a:extLst>
-              <a:ext uri="{FF2B5EF4-FFF2-40B4-BE49-F238E27FC236}">
-                <a16:creationId xmlns:a16="http://schemas.microsoft.com/office/drawing/2014/main" id="{3A0C4C88-4E89-48F8-8AA3-A95D2C581314}"/>
-              </a:ext>
-            </a:extLst>
-          </p:cNvPr>
-          <p:cNvSpPr>
-            <a:spLocks noGrp="1"/>
-          </p:cNvSpPr>
-          <p:nvPr>
-            <p:ph type="body" idx="1" hasCustomPrompt="1"/>
+              <a:t>Content</a:t>
+            </a:r>
+          </a:p>
+        </p:txBody>
+      </p:sp>
+      <p:sp>
+        <p:nvSpPr>
+          <p:cNvPr id="7" name="Date Placeholder 6">
+            <a:extLst>
+              <a:ext uri="{FF2B5EF4-FFF2-40B4-BE49-F238E27FC236}">
+                <a16:creationId xmlns:a16="http://schemas.microsoft.com/office/drawing/2014/main" id="{F647999E-5AC1-4E6C-9F2C-AC127F29F612}"/>
+              </a:ext>
+            </a:extLst>
+          </p:cNvPr>
+          <p:cNvSpPr>
+            <a:spLocks noGrp="1"/>
+          </p:cNvSpPr>
+          <p:nvPr>
+            <p:ph type="dt" sz="half" idx="10"/>
+          </p:nvPr>
+        </p:nvSpPr>
+        <p:spPr/>
+        <p:txBody>
+          <a:bodyPr/>
+          <a:lstStyle/>
+          <a:p>
+            <a:fld id="{499624E5-6640-4B65-82B0-BACE50C7D1B2}" type="datetime1">
+              <a:rPr lang="en-US" smtClean="0"/>
+              <a:t>10/5/2021</a:t>
+            </a:fld>
+            <a:endParaRPr lang="en-US" dirty="0"/>
+          </a:p>
+        </p:txBody>
+      </p:sp>
+      <p:sp>
+        <p:nvSpPr>
+          <p:cNvPr id="8" name="Footer Placeholder 7">
+            <a:extLst>
+              <a:ext uri="{FF2B5EF4-FFF2-40B4-BE49-F238E27FC236}">
+                <a16:creationId xmlns:a16="http://schemas.microsoft.com/office/drawing/2014/main" id="{743E6589-355C-493F-AE5C-B8401BABEFED}"/>
+              </a:ext>
+            </a:extLst>
+          </p:cNvPr>
+          <p:cNvSpPr>
+            <a:spLocks noGrp="1"/>
+          </p:cNvSpPr>
+          <p:nvPr>
+            <p:ph type="ftr" sz="quarter" idx="11"/>
+          </p:nvPr>
+        </p:nvSpPr>
+        <p:spPr/>
+        <p:txBody>
+          <a:bodyPr/>
+          <a:lstStyle/>
+          <a:p>
+            <a:r>
+              <a:rPr lang="fr-FR" dirty="0"/>
+              <a:t>Le </a:t>
+            </a:r>
+            <a:r>
+              <a:rPr lang="fr-FR" dirty="0" err="1"/>
+              <a:t>Quy</a:t>
+            </a:r>
+            <a:r>
+              <a:rPr lang="fr-FR" dirty="0"/>
+              <a:t> Don </a:t>
+            </a:r>
+            <a:r>
+              <a:rPr lang="fr-FR" dirty="0" err="1"/>
+              <a:t>Technical</a:t>
+            </a:r>
+            <a:r>
+              <a:rPr lang="fr-FR" dirty="0"/>
+              <a:t> </a:t>
+            </a:r>
+            <a:r>
+              <a:rPr lang="fr-FR" dirty="0" err="1"/>
+              <a:t>University</a:t>
+            </a:r>
+            <a:endParaRPr lang="en-US" dirty="0"/>
+          </a:p>
+        </p:txBody>
+      </p:sp>
+      <p:sp>
+        <p:nvSpPr>
+          <p:cNvPr id="9" name="Slide Number Placeholder 8">
+            <a:extLst>
+              <a:ext uri="{FF2B5EF4-FFF2-40B4-BE49-F238E27FC236}">
+                <a16:creationId xmlns:a16="http://schemas.microsoft.com/office/drawing/2014/main" id="{8322BC35-1733-4ED0-8322-031874F2CA09}"/>
+              </a:ext>
+            </a:extLst>
+          </p:cNvPr>
+          <p:cNvSpPr>
+            <a:spLocks noGrp="1"/>
+          </p:cNvSpPr>
+          <p:nvPr>
+            <p:ph type="sldNum" sz="quarter" idx="12"/>
+          </p:nvPr>
+        </p:nvSpPr>
+        <p:spPr/>
+        <p:txBody>
+          <a:bodyPr/>
+          <a:lstStyle/>
+          <a:p>
+            <a:fld id="{B881B6B3-2069-452F-BF40-F653D75B3DB0}" type="slidenum">
+              <a:rPr lang="en-US" smtClean="0"/>
+              <a:t>‹#›</a:t>
+            </a:fld>
+            <a:endParaRPr lang="en-US"/>
+          </a:p>
+        </p:txBody>
+      </p:sp>
+      <p:sp>
+        <p:nvSpPr>
+          <p:cNvPr id="12" name="Text Placeholder 11">
+            <a:extLst>
+              <a:ext uri="{FF2B5EF4-FFF2-40B4-BE49-F238E27FC236}">
+                <a16:creationId xmlns:a16="http://schemas.microsoft.com/office/drawing/2014/main" id="{95CD0151-49F5-437E-B1A5-ABA17B707905}"/>
+              </a:ext>
+            </a:extLst>
+          </p:cNvPr>
+          <p:cNvSpPr>
+            <a:spLocks noGrp="1"/>
+          </p:cNvSpPr>
+          <p:nvPr>
+            <p:ph type="body" sz="quarter" idx="13" hasCustomPrompt="1"/>
           </p:nvPr>
         </p:nvSpPr>
         <p:spPr>
           <a:xfrm>
             <a:off x="0" y="0"/>
-            <a:ext cx="5157787" cy="379570"/>
+            <a:ext cx="6100620" cy="394588"/>
           </a:xfrm>
           <a:prstGeom prst="rect">
             <a:avLst/>
@@ -1629,7 +2099,7 @@
           <a:lstStyle>
             <a:lvl1pPr marL="0" indent="0">
               <a:buNone/>
-              <a:defRPr sz="1500" b="0">
+              <a:defRPr sz="1500">
                 <a:solidFill>
                   <a:schemeClr val="bg1"/>
                 </a:solidFill>
@@ -1637,36 +2107,20 @@
             </a:lvl1pPr>
             <a:lvl2pPr marL="457200" indent="0">
               <a:buNone/>
-              <a:defRPr sz="2000" b="1"/>
+              <a:defRPr sz="1500"/>
             </a:lvl2pPr>
             <a:lvl3pPr marL="914400" indent="0">
               <a:buNone/>
-              <a:defRPr sz="1800" b="1"/>
+              <a:defRPr sz="1500"/>
             </a:lvl3pPr>
             <a:lvl4pPr marL="1371600" indent="0">
               <a:buNone/>
-              <a:defRPr sz="1600" b="1"/>
+              <a:defRPr sz="1500"/>
             </a:lvl4pPr>
             <a:lvl5pPr marL="1828800" indent="0">
               <a:buNone/>
-              <a:defRPr sz="1600" b="1"/>
+              <a:defRPr sz="1500"/>
             </a:lvl5pPr>
-            <a:lvl6pPr marL="2286000" indent="0">
-              <a:buNone/>
-              <a:defRPr sz="1600" b="1"/>
-            </a:lvl6pPr>
-            <a:lvl7pPr marL="2743200" indent="0">
-              <a:buNone/>
-              <a:defRPr sz="1600" b="1"/>
-            </a:lvl7pPr>
-            <a:lvl8pPr marL="3200400" indent="0">
-              <a:buNone/>
-              <a:defRPr sz="1600" b="1"/>
-            </a:lvl8pPr>
-            <a:lvl9pPr marL="3657600" indent="0">
-              <a:buNone/>
-              <a:defRPr sz="1600" b="1"/>
-            </a:lvl9pPr>
           </a:lstStyle>
           <a:p>
             <a:pPr lvl="0"/>
@@ -1679,105 +2133,24 @@
       </p:sp>
       <p:sp>
         <p:nvSpPr>
-          <p:cNvPr id="4" name="Content Placeholder 3">
-            <a:extLst>
-              <a:ext uri="{FF2B5EF4-FFF2-40B4-BE49-F238E27FC236}">
-                <a16:creationId xmlns:a16="http://schemas.microsoft.com/office/drawing/2014/main" id="{F2A5DCCB-134E-454F-90BE-B66D9A2A8745}"/>
-              </a:ext>
-            </a:extLst>
-          </p:cNvPr>
-          <p:cNvSpPr>
-            <a:spLocks noGrp="1"/>
-          </p:cNvSpPr>
-          <p:nvPr>
-            <p:ph sz="half" idx="2"/>
+          <p:cNvPr id="14" name="Text Placeholder 13">
+            <a:extLst>
+              <a:ext uri="{FF2B5EF4-FFF2-40B4-BE49-F238E27FC236}">
+                <a16:creationId xmlns:a16="http://schemas.microsoft.com/office/drawing/2014/main" id="{69018403-3F1D-40D4-BC5C-DB0074B20939}"/>
+              </a:ext>
+            </a:extLst>
+          </p:cNvPr>
+          <p:cNvSpPr>
+            <a:spLocks noGrp="1"/>
+          </p:cNvSpPr>
+          <p:nvPr>
+            <p:ph type="body" sz="quarter" idx="14" hasCustomPrompt="1"/>
           </p:nvPr>
         </p:nvSpPr>
         <p:spPr>
           <a:xfrm>
-            <a:off x="381000" y="850898"/>
-            <a:ext cx="11430000" cy="5641973"/>
-          </a:xfrm>
-          <a:prstGeom prst="rect">
-            <a:avLst/>
-          </a:prstGeom>
-        </p:spPr>
-        <p:txBody>
-          <a:bodyPr anchor="ctr"/>
-          <a:lstStyle>
-            <a:lvl1pPr>
-              <a:defRPr sz="1800"/>
-            </a:lvl1pPr>
-            <a:lvl2pPr>
-              <a:defRPr sz="1800"/>
-            </a:lvl2pPr>
-            <a:lvl3pPr>
-              <a:defRPr sz="1800"/>
-            </a:lvl3pPr>
-            <a:lvl4pPr>
-              <a:defRPr sz="1800"/>
-            </a:lvl4pPr>
-            <a:lvl5pPr>
-              <a:defRPr sz="1800"/>
-            </a:lvl5pPr>
-          </a:lstStyle>
-          <a:p>
-            <a:pPr lvl="0"/>
-            <a:r>
-              <a:rPr lang="en-US" dirty="0"/>
-              <a:t>Click to edit Master text styles</a:t>
-            </a:r>
-          </a:p>
-          <a:p>
-            <a:pPr lvl="1"/>
-            <a:r>
-              <a:rPr lang="en-US" dirty="0"/>
-              <a:t>Second level</a:t>
-            </a:r>
-          </a:p>
-          <a:p>
-            <a:pPr lvl="2"/>
-            <a:r>
-              <a:rPr lang="en-US" dirty="0"/>
-              <a:t>Third level</a:t>
-            </a:r>
-          </a:p>
-          <a:p>
-            <a:pPr lvl="3"/>
-            <a:r>
-              <a:rPr lang="en-US" dirty="0"/>
-              <a:t>Fourth level</a:t>
-            </a:r>
-          </a:p>
-          <a:p>
-            <a:pPr lvl="4"/>
-            <a:r>
-              <a:rPr lang="en-US" dirty="0"/>
-              <a:t>Fifth level</a:t>
-            </a:r>
-          </a:p>
-        </p:txBody>
-      </p:sp>
-      <p:sp>
-        <p:nvSpPr>
-          <p:cNvPr id="5" name="Text Placeholder 4">
-            <a:extLst>
-              <a:ext uri="{FF2B5EF4-FFF2-40B4-BE49-F238E27FC236}">
-                <a16:creationId xmlns:a16="http://schemas.microsoft.com/office/drawing/2014/main" id="{4398CBFD-6BD0-4C12-B79C-F5B57EAE64B6}"/>
-              </a:ext>
-            </a:extLst>
-          </p:cNvPr>
-          <p:cNvSpPr>
-            <a:spLocks noGrp="1"/>
-          </p:cNvSpPr>
-          <p:nvPr>
-            <p:ph type="body" sz="quarter" idx="3" hasCustomPrompt="1"/>
-          </p:nvPr>
-        </p:nvSpPr>
-        <p:spPr>
-          <a:xfrm>
-            <a:off x="5157787" y="4"/>
-            <a:ext cx="7031166" cy="379571"/>
+            <a:off x="6100620" y="0"/>
+            <a:ext cx="6091380" cy="394588"/>
           </a:xfrm>
           <a:prstGeom prst="rect">
             <a:avLst/>
@@ -1791,7 +2164,7 @@
           <a:lstStyle>
             <a:lvl1pPr marL="0" indent="0">
               <a:buNone/>
-              <a:defRPr sz="1400" b="0">
+              <a:defRPr sz="1400">
                 <a:solidFill>
                   <a:srgbClr val="A30000"/>
                 </a:solidFill>
@@ -1799,36 +2172,20 @@
             </a:lvl1pPr>
             <a:lvl2pPr marL="457200" indent="0">
               <a:buNone/>
-              <a:defRPr sz="2000" b="1"/>
+              <a:defRPr sz="1400"/>
             </a:lvl2pPr>
             <a:lvl3pPr marL="914400" indent="0">
               <a:buNone/>
-              <a:defRPr sz="1800" b="1"/>
+              <a:defRPr sz="1400"/>
             </a:lvl3pPr>
             <a:lvl4pPr marL="1371600" indent="0">
               <a:buNone/>
-              <a:defRPr sz="1600" b="1"/>
+              <a:defRPr sz="1400"/>
             </a:lvl4pPr>
             <a:lvl5pPr marL="1828800" indent="0">
               <a:buNone/>
-              <a:defRPr sz="1600" b="1"/>
+              <a:defRPr sz="1400"/>
             </a:lvl5pPr>
-            <a:lvl6pPr marL="2286000" indent="0">
-              <a:buNone/>
-              <a:defRPr sz="1600" b="1"/>
-            </a:lvl6pPr>
-            <a:lvl7pPr marL="2743200" indent="0">
-              <a:buNone/>
-              <a:defRPr sz="1600" b="1"/>
-            </a:lvl7pPr>
-            <a:lvl8pPr marL="3200400" indent="0">
-              <a:buNone/>
-              <a:defRPr sz="1600" b="1"/>
-            </a:lvl8pPr>
-            <a:lvl9pPr marL="3657600" indent="0">
-              <a:buNone/>
-              <a:defRPr sz="1600" b="1"/>
-            </a:lvl9pPr>
           </a:lstStyle>
           <a:p>
             <a:pPr lvl="0"/>
@@ -1841,1737 +2198,91 @@
       </p:sp>
       <p:sp>
         <p:nvSpPr>
-          <p:cNvPr id="7" name="Date Placeholder 6">
-            <a:extLst>
-              <a:ext uri="{FF2B5EF4-FFF2-40B4-BE49-F238E27FC236}">
-                <a16:creationId xmlns:a16="http://schemas.microsoft.com/office/drawing/2014/main" id="{F647999E-5AC1-4E6C-9F2C-AC127F29F612}"/>
-              </a:ext>
-            </a:extLst>
-          </p:cNvPr>
-          <p:cNvSpPr>
-            <a:spLocks noGrp="1"/>
-          </p:cNvSpPr>
-          <p:nvPr>
-            <p:ph type="dt" sz="half" idx="10"/>
-          </p:nvPr>
-        </p:nvSpPr>
-        <p:spPr/>
-        <p:txBody>
-          <a:bodyPr/>
-          <a:lstStyle/>
-          <a:p>
-            <a:fld id="{499624E5-6640-4B65-82B0-BACE50C7D1B2}" type="datetime1">
-              <a:rPr lang="en-US" smtClean="0"/>
-              <a:t>10/5/2021</a:t>
-            </a:fld>
-            <a:endParaRPr lang="en-US" dirty="0"/>
-          </a:p>
-        </p:txBody>
-      </p:sp>
-      <p:sp>
-        <p:nvSpPr>
-          <p:cNvPr id="8" name="Footer Placeholder 7">
-            <a:extLst>
-              <a:ext uri="{FF2B5EF4-FFF2-40B4-BE49-F238E27FC236}">
-                <a16:creationId xmlns:a16="http://schemas.microsoft.com/office/drawing/2014/main" id="{743E6589-355C-493F-AE5C-B8401BABEFED}"/>
-              </a:ext>
-            </a:extLst>
-          </p:cNvPr>
-          <p:cNvSpPr>
-            <a:spLocks noGrp="1"/>
-          </p:cNvSpPr>
-          <p:nvPr>
-            <p:ph type="ftr" sz="quarter" idx="11"/>
-          </p:nvPr>
-        </p:nvSpPr>
-        <p:spPr/>
-        <p:txBody>
-          <a:bodyPr/>
-          <a:lstStyle/>
-          <a:p>
-            <a:r>
-              <a:rPr lang="fr-FR" dirty="0"/>
-              <a:t>Le </a:t>
-            </a:r>
-            <a:r>
-              <a:rPr lang="fr-FR" dirty="0" err="1"/>
-              <a:t>Quy</a:t>
-            </a:r>
-            <a:r>
-              <a:rPr lang="fr-FR" dirty="0"/>
-              <a:t> Don </a:t>
-            </a:r>
-            <a:r>
-              <a:rPr lang="fr-FR" dirty="0" err="1"/>
-              <a:t>Technical</a:t>
-            </a:r>
-            <a:r>
-              <a:rPr lang="fr-FR" dirty="0"/>
-              <a:t> </a:t>
-            </a:r>
-            <a:r>
-              <a:rPr lang="fr-FR" dirty="0" err="1"/>
-              <a:t>University</a:t>
-            </a:r>
-            <a:endParaRPr lang="en-US" dirty="0"/>
-          </a:p>
-        </p:txBody>
-      </p:sp>
-      <p:sp>
-        <p:nvSpPr>
-          <p:cNvPr id="9" name="Slide Number Placeholder 8">
-            <a:extLst>
-              <a:ext uri="{FF2B5EF4-FFF2-40B4-BE49-F238E27FC236}">
-                <a16:creationId xmlns:a16="http://schemas.microsoft.com/office/drawing/2014/main" id="{8322BC35-1733-4ED0-8322-031874F2CA09}"/>
-              </a:ext>
-            </a:extLst>
-          </p:cNvPr>
-          <p:cNvSpPr>
-            <a:spLocks noGrp="1"/>
-          </p:cNvSpPr>
-          <p:nvPr>
-            <p:ph type="sldNum" sz="quarter" idx="12"/>
-          </p:nvPr>
-        </p:nvSpPr>
-        <p:spPr/>
-        <p:txBody>
-          <a:bodyPr/>
-          <a:lstStyle/>
-          <a:p>
-            <a:fld id="{B881B6B3-2069-452F-BF40-F653D75B3DB0}" type="slidenum">
-              <a:rPr lang="en-US" smtClean="0"/>
-              <a:t>‹#›</a:t>
-            </a:fld>
-            <a:endParaRPr lang="en-US"/>
+          <p:cNvPr id="16" name="Text Placeholder 15">
+            <a:extLst>
+              <a:ext uri="{FF2B5EF4-FFF2-40B4-BE49-F238E27FC236}">
+                <a16:creationId xmlns:a16="http://schemas.microsoft.com/office/drawing/2014/main" id="{D4AB21C4-42CD-4920-BCF7-A34790F303ED}"/>
+              </a:ext>
+            </a:extLst>
+          </p:cNvPr>
+          <p:cNvSpPr>
+            <a:spLocks noGrp="1"/>
+          </p:cNvSpPr>
+          <p:nvPr>
+            <p:ph type="body" sz="quarter" idx="15" hasCustomPrompt="1"/>
+          </p:nvPr>
+        </p:nvSpPr>
+        <p:spPr>
+          <a:xfrm>
+            <a:off x="6932209" y="4749966"/>
+            <a:ext cx="4697297" cy="300082"/>
+          </a:xfrm>
+          <a:prstGeom prst="rect">
+            <a:avLst/>
+          </a:prstGeom>
+        </p:spPr>
+        <p:txBody>
+          <a:bodyPr wrap="square" anchor="ctr">
+            <a:spAutoFit/>
+          </a:bodyPr>
+          <a:lstStyle>
+            <a:lvl1pPr marL="0" indent="0" algn="ctr">
+              <a:buFont typeface="+mj-lt"/>
+              <a:buNone/>
+              <a:defRPr sz="1500" b="0" i="1"/>
+            </a:lvl1pPr>
+            <a:lvl2pPr marL="457200" indent="0">
+              <a:buFont typeface="+mj-lt"/>
+              <a:buNone/>
+              <a:defRPr sz="1400" i="1"/>
+            </a:lvl2pPr>
+            <a:lvl3pPr marL="914400" indent="0">
+              <a:buFont typeface="+mj-lt"/>
+              <a:buNone/>
+              <a:defRPr sz="1400" i="1"/>
+            </a:lvl3pPr>
+            <a:lvl4pPr marL="1371600" indent="0">
+              <a:buFont typeface="+mj-lt"/>
+              <a:buNone/>
+              <a:defRPr sz="1400" i="1"/>
+            </a:lvl4pPr>
+            <a:lvl5pPr marL="1828800" indent="0">
+              <a:buFont typeface="+mj-lt"/>
+              <a:buNone/>
+              <a:defRPr sz="1400" i="1"/>
+            </a:lvl5pPr>
+          </a:lstStyle>
+          <a:p>
+            <a:pPr lvl="0"/>
+            <a:r>
+              <a:rPr lang="en-US" dirty="0"/>
+              <a:t>Fig. caption</a:t>
+            </a:r>
           </a:p>
         </p:txBody>
       </p:sp>
     </p:spTree>
     <p:extLst>
       <p:ext uri="{BB962C8B-B14F-4D97-AF65-F5344CB8AC3E}">
-        <p14:creationId xmlns:p14="http://schemas.microsoft.com/office/powerpoint/2010/main" val="1351638131"/>
+        <p14:creationId xmlns:p14="http://schemas.microsoft.com/office/powerpoint/2010/main" val="1863871959"/>
       </p:ext>
     </p:extLst>
   </p:cSld>
   <p:clrMapOvr>
     <a:masterClrMapping/>
   </p:clrMapOvr>
-</p:sldLayout>
-</file>
-
-<file path=ppt/slideLayouts/slideLayout3.xml><?xml version="1.0" encoding="utf-8"?>
-<p:sldLayout xmlns:a="http://schemas.openxmlformats.org/drawingml/2006/main" xmlns:r="http://schemas.openxmlformats.org/officeDocument/2006/relationships" xmlns:p="http://schemas.openxmlformats.org/presentationml/2006/main" preserve="1" userDrawn="1">
-  <p:cSld name="Title and Content">
-    <p:spTree>
-      <p:nvGrpSpPr>
-        <p:cNvPr id="1" name=""/>
-        <p:cNvGrpSpPr/>
-        <p:nvPr/>
-      </p:nvGrpSpPr>
-      <p:grpSpPr>
-        <a:xfrm>
-          <a:off x="0" y="0"/>
-          <a:ext cx="0" cy="0"/>
-          <a:chOff x="0" y="0"/>
-          <a:chExt cx="0" cy="0"/>
-        </a:xfrm>
-      </p:grpSpPr>
-      <p:sp>
-        <p:nvSpPr>
-          <p:cNvPr id="4" name="Date Placeholder 3">
-            <a:extLst>
-              <a:ext uri="{FF2B5EF4-FFF2-40B4-BE49-F238E27FC236}">
-                <a16:creationId xmlns:a16="http://schemas.microsoft.com/office/drawing/2014/main" id="{B63658C5-552C-4F35-A343-8D6BB71FA4B6}"/>
-              </a:ext>
-            </a:extLst>
-          </p:cNvPr>
-          <p:cNvSpPr>
-            <a:spLocks noGrp="1"/>
-          </p:cNvSpPr>
-          <p:nvPr>
-            <p:ph type="dt" sz="half" idx="10"/>
-          </p:nvPr>
-        </p:nvSpPr>
-        <p:spPr/>
-        <p:txBody>
-          <a:bodyPr/>
-          <a:lstStyle/>
-          <a:p>
-            <a:fld id="{928FC8CC-A459-4C71-9D5D-B60D29F9E200}" type="datetime1">
-              <a:rPr lang="en-US" smtClean="0"/>
-              <a:t>10/5/2021</a:t>
-            </a:fld>
-            <a:endParaRPr lang="en-US"/>
-          </a:p>
-        </p:txBody>
-      </p:sp>
-      <p:sp>
-        <p:nvSpPr>
-          <p:cNvPr id="5" name="Footer Placeholder 4">
-            <a:extLst>
-              <a:ext uri="{FF2B5EF4-FFF2-40B4-BE49-F238E27FC236}">
-                <a16:creationId xmlns:a16="http://schemas.microsoft.com/office/drawing/2014/main" id="{16508087-8785-4168-828C-7DC140919AD5}"/>
-              </a:ext>
-            </a:extLst>
-          </p:cNvPr>
-          <p:cNvSpPr>
-            <a:spLocks noGrp="1"/>
-          </p:cNvSpPr>
-          <p:nvPr>
-            <p:ph type="ftr" sz="quarter" idx="11"/>
-          </p:nvPr>
-        </p:nvSpPr>
-        <p:spPr/>
-        <p:txBody>
-          <a:bodyPr/>
-          <a:lstStyle/>
-          <a:p>
-            <a:r>
-              <a:rPr lang="fr-FR"/>
-              <a:t>Le Quy Don Technical University</a:t>
-            </a:r>
-            <a:endParaRPr lang="en-US" dirty="0"/>
-          </a:p>
-        </p:txBody>
-      </p:sp>
-      <p:sp>
-        <p:nvSpPr>
-          <p:cNvPr id="6" name="Slide Number Placeholder 5">
-            <a:extLst>
-              <a:ext uri="{FF2B5EF4-FFF2-40B4-BE49-F238E27FC236}">
-                <a16:creationId xmlns:a16="http://schemas.microsoft.com/office/drawing/2014/main" id="{05733ECD-138D-4B42-8267-4B014146C43B}"/>
-              </a:ext>
-            </a:extLst>
-          </p:cNvPr>
-          <p:cNvSpPr>
-            <a:spLocks noGrp="1"/>
-          </p:cNvSpPr>
-          <p:nvPr>
-            <p:ph type="sldNum" sz="quarter" idx="12"/>
-          </p:nvPr>
-        </p:nvSpPr>
-        <p:spPr/>
-        <p:txBody>
-          <a:bodyPr/>
-          <a:lstStyle/>
-          <a:p>
-            <a:fld id="{B881B6B3-2069-452F-BF40-F653D75B3DB0}" type="slidenum">
-              <a:rPr lang="en-US" smtClean="0"/>
-              <a:t>‹#›</a:t>
-            </a:fld>
-            <a:endParaRPr lang="en-US"/>
-          </a:p>
-        </p:txBody>
-      </p:sp>
-      <p:sp>
-        <p:nvSpPr>
-          <p:cNvPr id="2" name="Title 1">
-            <a:extLst>
-              <a:ext uri="{FF2B5EF4-FFF2-40B4-BE49-F238E27FC236}">
-                <a16:creationId xmlns:a16="http://schemas.microsoft.com/office/drawing/2014/main" id="{398015CB-4BC6-42F2-8C33-B37E6DEDC53B}"/>
-              </a:ext>
-            </a:extLst>
-          </p:cNvPr>
-          <p:cNvSpPr>
-            <a:spLocks noGrp="1"/>
-          </p:cNvSpPr>
-          <p:nvPr>
-            <p:ph type="title"/>
-          </p:nvPr>
-        </p:nvSpPr>
-        <p:spPr>
-          <a:xfrm>
-            <a:off x="838200" y="365125"/>
-            <a:ext cx="10515600" cy="1325563"/>
-          </a:xfrm>
-          <a:prstGeom prst="rect">
-            <a:avLst/>
-          </a:prstGeom>
-        </p:spPr>
-        <p:txBody>
-          <a:bodyPr/>
-          <a:lstStyle/>
-          <a:p>
-            <a:r>
-              <a:rPr lang="en-US"/>
-              <a:t>Click to edit Master title style</a:t>
-            </a:r>
-          </a:p>
-        </p:txBody>
-      </p:sp>
-    </p:spTree>
-    <p:extLst>
-      <p:ext uri="{BB962C8B-B14F-4D97-AF65-F5344CB8AC3E}">
-        <p14:creationId xmlns:p14="http://schemas.microsoft.com/office/powerpoint/2010/main" val="502817570"/>
-      </p:ext>
-    </p:extLst>
-  </p:cSld>
-  <p:clrMapOvr>
-    <a:masterClrMapping/>
-  </p:clrMapOvr>
-</p:sldLayout>
-</file>
-
-<file path=ppt/slideLayouts/slideLayout4.xml><?xml version="1.0" encoding="utf-8"?>
-<p:sldLayout xmlns:a="http://schemas.openxmlformats.org/drawingml/2006/main" xmlns:r="http://schemas.openxmlformats.org/officeDocument/2006/relationships" xmlns:p="http://schemas.openxmlformats.org/presentationml/2006/main" type="secHead" preserve="1">
-  <p:cSld name="Section Header">
-    <p:spTree>
-      <p:nvGrpSpPr>
-        <p:cNvPr id="1" name=""/>
-        <p:cNvGrpSpPr/>
-        <p:nvPr/>
-      </p:nvGrpSpPr>
-      <p:grpSpPr>
-        <a:xfrm>
-          <a:off x="0" y="0"/>
-          <a:ext cx="0" cy="0"/>
-          <a:chOff x="0" y="0"/>
-          <a:chExt cx="0" cy="0"/>
-        </a:xfrm>
-      </p:grpSpPr>
-      <p:sp>
-        <p:nvSpPr>
-          <p:cNvPr id="2" name="Title 1">
-            <a:extLst>
-              <a:ext uri="{FF2B5EF4-FFF2-40B4-BE49-F238E27FC236}">
-                <a16:creationId xmlns:a16="http://schemas.microsoft.com/office/drawing/2014/main" id="{AAE4F2FE-364A-44B9-9392-80D729DE24D6}"/>
-              </a:ext>
-            </a:extLst>
-          </p:cNvPr>
-          <p:cNvSpPr>
-            <a:spLocks noGrp="1"/>
-          </p:cNvSpPr>
-          <p:nvPr>
-            <p:ph type="title"/>
-          </p:nvPr>
-        </p:nvSpPr>
-        <p:spPr>
-          <a:xfrm>
-            <a:off x="831850" y="1709738"/>
-            <a:ext cx="10515600" cy="2852737"/>
-          </a:xfrm>
-          <a:prstGeom prst="rect">
-            <a:avLst/>
-          </a:prstGeom>
-        </p:spPr>
-        <p:txBody>
-          <a:bodyPr anchor="b"/>
-          <a:lstStyle>
-            <a:lvl1pPr>
-              <a:defRPr sz="6000"/>
-            </a:lvl1pPr>
-          </a:lstStyle>
-          <a:p>
-            <a:r>
-              <a:rPr lang="en-US"/>
-              <a:t>Click to edit Master title style</a:t>
-            </a:r>
-          </a:p>
-        </p:txBody>
-      </p:sp>
-      <p:sp>
-        <p:nvSpPr>
-          <p:cNvPr id="3" name="Text Placeholder 2">
-            <a:extLst>
-              <a:ext uri="{FF2B5EF4-FFF2-40B4-BE49-F238E27FC236}">
-                <a16:creationId xmlns:a16="http://schemas.microsoft.com/office/drawing/2014/main" id="{062B4C9B-E2B1-41A7-AC04-A16A7C5038A0}"/>
-              </a:ext>
-            </a:extLst>
-          </p:cNvPr>
-          <p:cNvSpPr>
-            <a:spLocks noGrp="1"/>
-          </p:cNvSpPr>
-          <p:nvPr>
-            <p:ph type="body" idx="1"/>
-          </p:nvPr>
-        </p:nvSpPr>
-        <p:spPr>
-          <a:xfrm>
-            <a:off x="831850" y="4589463"/>
-            <a:ext cx="10515600" cy="1500187"/>
-          </a:xfrm>
-          <a:prstGeom prst="rect">
-            <a:avLst/>
-          </a:prstGeom>
-        </p:spPr>
-        <p:txBody>
-          <a:bodyPr/>
-          <a:lstStyle>
-            <a:lvl1pPr marL="0" indent="0">
-              <a:buNone/>
-              <a:defRPr sz="2400">
-                <a:solidFill>
-                  <a:schemeClr val="tx1">
-                    <a:tint val="75000"/>
-                  </a:schemeClr>
-                </a:solidFill>
-              </a:defRPr>
-            </a:lvl1pPr>
-            <a:lvl2pPr marL="457200" indent="0">
-              <a:buNone/>
-              <a:defRPr sz="2000">
-                <a:solidFill>
-                  <a:schemeClr val="tx1">
-                    <a:tint val="75000"/>
-                  </a:schemeClr>
-                </a:solidFill>
-              </a:defRPr>
-            </a:lvl2pPr>
-            <a:lvl3pPr marL="914400" indent="0">
-              <a:buNone/>
-              <a:defRPr sz="1800">
-                <a:solidFill>
-                  <a:schemeClr val="tx1">
-                    <a:tint val="75000"/>
-                  </a:schemeClr>
-                </a:solidFill>
-              </a:defRPr>
-            </a:lvl3pPr>
-            <a:lvl4pPr marL="1371600" indent="0">
-              <a:buNone/>
-              <a:defRPr sz="1600">
-                <a:solidFill>
-                  <a:schemeClr val="tx1">
-                    <a:tint val="75000"/>
-                  </a:schemeClr>
-                </a:solidFill>
-              </a:defRPr>
-            </a:lvl4pPr>
-            <a:lvl5pPr marL="1828800" indent="0">
-              <a:buNone/>
-              <a:defRPr sz="1600">
-                <a:solidFill>
-                  <a:schemeClr val="tx1">
-                    <a:tint val="75000"/>
-                  </a:schemeClr>
-                </a:solidFill>
-              </a:defRPr>
-            </a:lvl5pPr>
-            <a:lvl6pPr marL="2286000" indent="0">
-              <a:buNone/>
-              <a:defRPr sz="1600">
-                <a:solidFill>
-                  <a:schemeClr val="tx1">
-                    <a:tint val="75000"/>
-                  </a:schemeClr>
-                </a:solidFill>
-              </a:defRPr>
-            </a:lvl6pPr>
-            <a:lvl7pPr marL="2743200" indent="0">
-              <a:buNone/>
-              <a:defRPr sz="1600">
-                <a:solidFill>
-                  <a:schemeClr val="tx1">
-                    <a:tint val="75000"/>
-                  </a:schemeClr>
-                </a:solidFill>
-              </a:defRPr>
-            </a:lvl7pPr>
-            <a:lvl8pPr marL="3200400" indent="0">
-              <a:buNone/>
-              <a:defRPr sz="1600">
-                <a:solidFill>
-                  <a:schemeClr val="tx1">
-                    <a:tint val="75000"/>
-                  </a:schemeClr>
-                </a:solidFill>
-              </a:defRPr>
-            </a:lvl8pPr>
-            <a:lvl9pPr marL="3657600" indent="0">
-              <a:buNone/>
-              <a:defRPr sz="1600">
-                <a:solidFill>
-                  <a:schemeClr val="tx1">
-                    <a:tint val="75000"/>
-                  </a:schemeClr>
-                </a:solidFill>
-              </a:defRPr>
-            </a:lvl9pPr>
-          </a:lstStyle>
-          <a:p>
-            <a:pPr lvl="0"/>
-            <a:r>
-              <a:rPr lang="en-US"/>
-              <a:t>Click to edit Master text styles</a:t>
-            </a:r>
-          </a:p>
-        </p:txBody>
-      </p:sp>
-      <p:sp>
-        <p:nvSpPr>
-          <p:cNvPr id="4" name="Date Placeholder 3">
-            <a:extLst>
-              <a:ext uri="{FF2B5EF4-FFF2-40B4-BE49-F238E27FC236}">
-                <a16:creationId xmlns:a16="http://schemas.microsoft.com/office/drawing/2014/main" id="{80FBA826-5A18-4831-B1EC-7A75933C7D9B}"/>
-              </a:ext>
-            </a:extLst>
-          </p:cNvPr>
-          <p:cNvSpPr>
-            <a:spLocks noGrp="1"/>
-          </p:cNvSpPr>
-          <p:nvPr>
-            <p:ph type="dt" sz="half" idx="10"/>
-          </p:nvPr>
-        </p:nvSpPr>
-        <p:spPr/>
-        <p:txBody>
-          <a:bodyPr/>
-          <a:lstStyle/>
-          <a:p>
-            <a:fld id="{FD92DCC0-EABA-4C30-AA01-6D8215B4E301}" type="datetime1">
-              <a:rPr lang="en-US" smtClean="0"/>
-              <a:t>10/5/2021</a:t>
-            </a:fld>
-            <a:endParaRPr lang="en-US"/>
-          </a:p>
-        </p:txBody>
-      </p:sp>
-      <p:sp>
-        <p:nvSpPr>
-          <p:cNvPr id="5" name="Footer Placeholder 4">
-            <a:extLst>
-              <a:ext uri="{FF2B5EF4-FFF2-40B4-BE49-F238E27FC236}">
-                <a16:creationId xmlns:a16="http://schemas.microsoft.com/office/drawing/2014/main" id="{CBDB96F9-F5A7-46F2-B1E3-66141CA0E779}"/>
-              </a:ext>
-            </a:extLst>
-          </p:cNvPr>
-          <p:cNvSpPr>
-            <a:spLocks noGrp="1"/>
-          </p:cNvSpPr>
-          <p:nvPr>
-            <p:ph type="ftr" sz="quarter" idx="11"/>
-          </p:nvPr>
-        </p:nvSpPr>
-        <p:spPr/>
-        <p:txBody>
-          <a:bodyPr/>
-          <a:lstStyle/>
-          <a:p>
-            <a:r>
-              <a:rPr lang="fr-FR"/>
-              <a:t>Le Quy Don Technical University</a:t>
-            </a:r>
-            <a:endParaRPr lang="en-US"/>
-          </a:p>
-        </p:txBody>
-      </p:sp>
-      <p:sp>
-        <p:nvSpPr>
-          <p:cNvPr id="6" name="Slide Number Placeholder 5">
-            <a:extLst>
-              <a:ext uri="{FF2B5EF4-FFF2-40B4-BE49-F238E27FC236}">
-                <a16:creationId xmlns:a16="http://schemas.microsoft.com/office/drawing/2014/main" id="{FF584079-C8C1-4EB8-ADFF-FFB5D336A442}"/>
-              </a:ext>
-            </a:extLst>
-          </p:cNvPr>
-          <p:cNvSpPr>
-            <a:spLocks noGrp="1"/>
-          </p:cNvSpPr>
-          <p:nvPr>
-            <p:ph type="sldNum" sz="quarter" idx="12"/>
-          </p:nvPr>
-        </p:nvSpPr>
-        <p:spPr/>
-        <p:txBody>
-          <a:bodyPr/>
-          <a:lstStyle/>
-          <a:p>
-            <a:fld id="{B881B6B3-2069-452F-BF40-F653D75B3DB0}" type="slidenum">
-              <a:rPr lang="en-US" smtClean="0"/>
-              <a:t>‹#›</a:t>
-            </a:fld>
-            <a:endParaRPr lang="en-US"/>
-          </a:p>
-        </p:txBody>
-      </p:sp>
-    </p:spTree>
-    <p:extLst>
-      <p:ext uri="{BB962C8B-B14F-4D97-AF65-F5344CB8AC3E}">
-        <p14:creationId xmlns:p14="http://schemas.microsoft.com/office/powerpoint/2010/main" val="3080472112"/>
-      </p:ext>
-    </p:extLst>
-  </p:cSld>
-  <p:clrMapOvr>
-    <a:masterClrMapping/>
-  </p:clrMapOvr>
-</p:sldLayout>
-</file>
-
-<file path=ppt/slideLayouts/slideLayout5.xml><?xml version="1.0" encoding="utf-8"?>
-<p:sldLayout xmlns:a="http://schemas.openxmlformats.org/drawingml/2006/main" xmlns:r="http://schemas.openxmlformats.org/officeDocument/2006/relationships" xmlns:p="http://schemas.openxmlformats.org/presentationml/2006/main" type="twoObj" preserve="1">
-  <p:cSld name="Two Content">
-    <p:spTree>
-      <p:nvGrpSpPr>
-        <p:cNvPr id="1" name=""/>
-        <p:cNvGrpSpPr/>
-        <p:nvPr/>
-      </p:nvGrpSpPr>
-      <p:grpSpPr>
-        <a:xfrm>
-          <a:off x="0" y="0"/>
-          <a:ext cx="0" cy="0"/>
-          <a:chOff x="0" y="0"/>
-          <a:chExt cx="0" cy="0"/>
-        </a:xfrm>
-      </p:grpSpPr>
-      <p:sp>
-        <p:nvSpPr>
-          <p:cNvPr id="2" name="Title 1">
-            <a:extLst>
-              <a:ext uri="{FF2B5EF4-FFF2-40B4-BE49-F238E27FC236}">
-                <a16:creationId xmlns:a16="http://schemas.microsoft.com/office/drawing/2014/main" id="{4A1E5CB9-68D0-4805-B92B-212DA47B300D}"/>
-              </a:ext>
-            </a:extLst>
-          </p:cNvPr>
-          <p:cNvSpPr>
-            <a:spLocks noGrp="1"/>
-          </p:cNvSpPr>
-          <p:nvPr>
-            <p:ph type="title"/>
-          </p:nvPr>
-        </p:nvSpPr>
-        <p:spPr>
-          <a:xfrm>
-            <a:off x="838200" y="561756"/>
-            <a:ext cx="10515600" cy="1325563"/>
-          </a:xfrm>
-          <a:prstGeom prst="rect">
-            <a:avLst/>
-          </a:prstGeom>
-        </p:spPr>
-        <p:txBody>
-          <a:bodyPr/>
-          <a:lstStyle/>
-          <a:p>
-            <a:r>
-              <a:rPr lang="en-US"/>
-              <a:t>Click to edit Master title style</a:t>
-            </a:r>
-          </a:p>
-        </p:txBody>
-      </p:sp>
-      <p:sp>
-        <p:nvSpPr>
-          <p:cNvPr id="3" name="Content Placeholder 2">
-            <a:extLst>
-              <a:ext uri="{FF2B5EF4-FFF2-40B4-BE49-F238E27FC236}">
-                <a16:creationId xmlns:a16="http://schemas.microsoft.com/office/drawing/2014/main" id="{CED3772C-1CD6-4390-BB0B-D887DCBD4152}"/>
-              </a:ext>
-            </a:extLst>
-          </p:cNvPr>
-          <p:cNvSpPr>
-            <a:spLocks noGrp="1"/>
-          </p:cNvSpPr>
-          <p:nvPr>
-            <p:ph sz="half" idx="1"/>
-          </p:nvPr>
-        </p:nvSpPr>
-        <p:spPr>
-          <a:xfrm>
-            <a:off x="838200" y="1825625"/>
-            <a:ext cx="5181600" cy="4351338"/>
-          </a:xfrm>
-          <a:prstGeom prst="rect">
-            <a:avLst/>
-          </a:prstGeom>
-        </p:spPr>
-        <p:txBody>
-          <a:bodyPr/>
-          <a:lstStyle/>
-          <a:p>
-            <a:pPr lvl="0"/>
-            <a:r>
-              <a:rPr lang="en-US"/>
-              <a:t>Click to edit Master text styles</a:t>
-            </a:r>
-          </a:p>
-          <a:p>
-            <a:pPr lvl="1"/>
-            <a:r>
-              <a:rPr lang="en-US"/>
-              <a:t>Second level</a:t>
-            </a:r>
-          </a:p>
-          <a:p>
-            <a:pPr lvl="2"/>
-            <a:r>
-              <a:rPr lang="en-US"/>
-              <a:t>Third level</a:t>
-            </a:r>
-          </a:p>
-          <a:p>
-            <a:pPr lvl="3"/>
-            <a:r>
-              <a:rPr lang="en-US"/>
-              <a:t>Fourth level</a:t>
-            </a:r>
-          </a:p>
-          <a:p>
-            <a:pPr lvl="4"/>
-            <a:r>
-              <a:rPr lang="en-US"/>
-              <a:t>Fifth level</a:t>
-            </a:r>
-          </a:p>
-        </p:txBody>
-      </p:sp>
-      <p:sp>
-        <p:nvSpPr>
-          <p:cNvPr id="4" name="Content Placeholder 3">
-            <a:extLst>
-              <a:ext uri="{FF2B5EF4-FFF2-40B4-BE49-F238E27FC236}">
-                <a16:creationId xmlns:a16="http://schemas.microsoft.com/office/drawing/2014/main" id="{9BA1021D-207E-4453-A1E7-E0C213ABB736}"/>
-              </a:ext>
-            </a:extLst>
-          </p:cNvPr>
-          <p:cNvSpPr>
-            <a:spLocks noGrp="1"/>
-          </p:cNvSpPr>
-          <p:nvPr>
-            <p:ph sz="half" idx="2"/>
-          </p:nvPr>
-        </p:nvSpPr>
-        <p:spPr>
-          <a:xfrm>
-            <a:off x="6172200" y="1825625"/>
-            <a:ext cx="5181600" cy="4351338"/>
-          </a:xfrm>
-          <a:prstGeom prst="rect">
-            <a:avLst/>
-          </a:prstGeom>
-        </p:spPr>
-        <p:txBody>
-          <a:bodyPr/>
-          <a:lstStyle/>
-          <a:p>
-            <a:pPr lvl="0"/>
-            <a:r>
-              <a:rPr lang="en-US"/>
-              <a:t>Click to edit Master text styles</a:t>
-            </a:r>
-          </a:p>
-          <a:p>
-            <a:pPr lvl="1"/>
-            <a:r>
-              <a:rPr lang="en-US"/>
-              <a:t>Second level</a:t>
-            </a:r>
-          </a:p>
-          <a:p>
-            <a:pPr lvl="2"/>
-            <a:r>
-              <a:rPr lang="en-US"/>
-              <a:t>Third level</a:t>
-            </a:r>
-          </a:p>
-          <a:p>
-            <a:pPr lvl="3"/>
-            <a:r>
-              <a:rPr lang="en-US"/>
-              <a:t>Fourth level</a:t>
-            </a:r>
-          </a:p>
-          <a:p>
-            <a:pPr lvl="4"/>
-            <a:r>
-              <a:rPr lang="en-US"/>
-              <a:t>Fifth level</a:t>
-            </a:r>
-          </a:p>
-        </p:txBody>
-      </p:sp>
-      <p:sp>
-        <p:nvSpPr>
-          <p:cNvPr id="5" name="Date Placeholder 4">
-            <a:extLst>
-              <a:ext uri="{FF2B5EF4-FFF2-40B4-BE49-F238E27FC236}">
-                <a16:creationId xmlns:a16="http://schemas.microsoft.com/office/drawing/2014/main" id="{36DA1901-C009-4915-897E-55399639C147}"/>
-              </a:ext>
-            </a:extLst>
-          </p:cNvPr>
-          <p:cNvSpPr>
-            <a:spLocks noGrp="1"/>
-          </p:cNvSpPr>
-          <p:nvPr>
-            <p:ph type="dt" sz="half" idx="10"/>
-          </p:nvPr>
-        </p:nvSpPr>
-        <p:spPr/>
-        <p:txBody>
-          <a:bodyPr/>
-          <a:lstStyle/>
-          <a:p>
-            <a:fld id="{C257AB4B-962A-42C6-9ED4-B8AEE81B1AF8}" type="datetime1">
-              <a:rPr lang="en-US" smtClean="0"/>
-              <a:t>10/5/2021</a:t>
-            </a:fld>
-            <a:endParaRPr lang="en-US"/>
-          </a:p>
-        </p:txBody>
-      </p:sp>
-      <p:sp>
-        <p:nvSpPr>
-          <p:cNvPr id="6" name="Footer Placeholder 5">
-            <a:extLst>
-              <a:ext uri="{FF2B5EF4-FFF2-40B4-BE49-F238E27FC236}">
-                <a16:creationId xmlns:a16="http://schemas.microsoft.com/office/drawing/2014/main" id="{209FDB4D-4041-4426-8736-2BBA0CE35A1C}"/>
-              </a:ext>
-            </a:extLst>
-          </p:cNvPr>
-          <p:cNvSpPr>
-            <a:spLocks noGrp="1"/>
-          </p:cNvSpPr>
-          <p:nvPr>
-            <p:ph type="ftr" sz="quarter" idx="11"/>
-          </p:nvPr>
-        </p:nvSpPr>
-        <p:spPr/>
-        <p:txBody>
-          <a:bodyPr/>
-          <a:lstStyle/>
-          <a:p>
-            <a:r>
-              <a:rPr lang="fr-FR"/>
-              <a:t>Le Quy Don Technical University</a:t>
-            </a:r>
-            <a:endParaRPr lang="en-US"/>
-          </a:p>
-        </p:txBody>
-      </p:sp>
-      <p:sp>
-        <p:nvSpPr>
-          <p:cNvPr id="7" name="Slide Number Placeholder 6">
-            <a:extLst>
-              <a:ext uri="{FF2B5EF4-FFF2-40B4-BE49-F238E27FC236}">
-                <a16:creationId xmlns:a16="http://schemas.microsoft.com/office/drawing/2014/main" id="{EE2B3FAC-C3C1-47DA-AA3A-19B450D25AAF}"/>
-              </a:ext>
-            </a:extLst>
-          </p:cNvPr>
-          <p:cNvSpPr>
-            <a:spLocks noGrp="1"/>
-          </p:cNvSpPr>
-          <p:nvPr>
-            <p:ph type="sldNum" sz="quarter" idx="12"/>
-          </p:nvPr>
-        </p:nvSpPr>
-        <p:spPr/>
-        <p:txBody>
-          <a:bodyPr/>
-          <a:lstStyle/>
-          <a:p>
-            <a:fld id="{B881B6B3-2069-452F-BF40-F653D75B3DB0}" type="slidenum">
-              <a:rPr lang="en-US" smtClean="0"/>
-              <a:t>‹#›</a:t>
-            </a:fld>
-            <a:endParaRPr lang="en-US"/>
-          </a:p>
-        </p:txBody>
-      </p:sp>
-    </p:spTree>
-    <p:extLst>
-      <p:ext uri="{BB962C8B-B14F-4D97-AF65-F5344CB8AC3E}">
-        <p14:creationId xmlns:p14="http://schemas.microsoft.com/office/powerpoint/2010/main" val="2393670941"/>
-      </p:ext>
-    </p:extLst>
-  </p:cSld>
-  <p:clrMapOvr>
-    <a:masterClrMapping/>
-  </p:clrMapOvr>
-</p:sldLayout>
-</file>
-
-<file path=ppt/slideLayouts/slideLayout6.xml><?xml version="1.0" encoding="utf-8"?>
-<p:sldLayout xmlns:a="http://schemas.openxmlformats.org/drawingml/2006/main" xmlns:r="http://schemas.openxmlformats.org/officeDocument/2006/relationships" xmlns:p="http://schemas.openxmlformats.org/presentationml/2006/main" type="titleOnly" preserve="1">
-  <p:cSld name="Title Only">
-    <p:spTree>
-      <p:nvGrpSpPr>
-        <p:cNvPr id="1" name=""/>
-        <p:cNvGrpSpPr/>
-        <p:nvPr/>
-      </p:nvGrpSpPr>
-      <p:grpSpPr>
-        <a:xfrm>
-          <a:off x="0" y="0"/>
-          <a:ext cx="0" cy="0"/>
-          <a:chOff x="0" y="0"/>
-          <a:chExt cx="0" cy="0"/>
-        </a:xfrm>
-      </p:grpSpPr>
-      <p:sp>
-        <p:nvSpPr>
-          <p:cNvPr id="2" name="Title 1">
-            <a:extLst>
-              <a:ext uri="{FF2B5EF4-FFF2-40B4-BE49-F238E27FC236}">
-                <a16:creationId xmlns:a16="http://schemas.microsoft.com/office/drawing/2014/main" id="{2B6D1783-B41B-4BA7-9D5E-8CC2CE83FE61}"/>
-              </a:ext>
-            </a:extLst>
-          </p:cNvPr>
-          <p:cNvSpPr>
-            <a:spLocks noGrp="1"/>
-          </p:cNvSpPr>
-          <p:nvPr>
-            <p:ph type="title"/>
-          </p:nvPr>
-        </p:nvSpPr>
-        <p:spPr>
-          <a:xfrm>
-            <a:off x="838200" y="561756"/>
-            <a:ext cx="10515600" cy="1325563"/>
-          </a:xfrm>
-          <a:prstGeom prst="rect">
-            <a:avLst/>
-          </a:prstGeom>
-        </p:spPr>
-        <p:txBody>
-          <a:bodyPr/>
-          <a:lstStyle/>
-          <a:p>
-            <a:r>
-              <a:rPr lang="en-US"/>
-              <a:t>Click to edit Master title style</a:t>
-            </a:r>
-          </a:p>
-        </p:txBody>
-      </p:sp>
-      <p:sp>
-        <p:nvSpPr>
-          <p:cNvPr id="3" name="Date Placeholder 2">
-            <a:extLst>
-              <a:ext uri="{FF2B5EF4-FFF2-40B4-BE49-F238E27FC236}">
-                <a16:creationId xmlns:a16="http://schemas.microsoft.com/office/drawing/2014/main" id="{61B7006B-D946-425B-8ED5-5D2CBE2F6BFB}"/>
-              </a:ext>
-            </a:extLst>
-          </p:cNvPr>
-          <p:cNvSpPr>
-            <a:spLocks noGrp="1"/>
-          </p:cNvSpPr>
-          <p:nvPr>
-            <p:ph type="dt" sz="half" idx="10"/>
-          </p:nvPr>
-        </p:nvSpPr>
-        <p:spPr/>
-        <p:txBody>
-          <a:bodyPr/>
-          <a:lstStyle/>
-          <a:p>
-            <a:fld id="{98C33404-B965-45C3-B106-4C6395F0E027}" type="datetime1">
-              <a:rPr lang="en-US" smtClean="0"/>
-              <a:t>10/5/2021</a:t>
-            </a:fld>
-            <a:endParaRPr lang="en-US"/>
-          </a:p>
-        </p:txBody>
-      </p:sp>
-      <p:sp>
-        <p:nvSpPr>
-          <p:cNvPr id="4" name="Footer Placeholder 3">
-            <a:extLst>
-              <a:ext uri="{FF2B5EF4-FFF2-40B4-BE49-F238E27FC236}">
-                <a16:creationId xmlns:a16="http://schemas.microsoft.com/office/drawing/2014/main" id="{6120DB36-8E07-446D-9114-8627C8E5A7D5}"/>
-              </a:ext>
-            </a:extLst>
-          </p:cNvPr>
-          <p:cNvSpPr>
-            <a:spLocks noGrp="1"/>
-          </p:cNvSpPr>
-          <p:nvPr>
-            <p:ph type="ftr" sz="quarter" idx="11"/>
-          </p:nvPr>
-        </p:nvSpPr>
-        <p:spPr/>
-        <p:txBody>
-          <a:bodyPr/>
-          <a:lstStyle/>
-          <a:p>
-            <a:r>
-              <a:rPr lang="fr-FR"/>
-              <a:t>Le Quy Don Technical University</a:t>
-            </a:r>
-            <a:endParaRPr lang="en-US"/>
-          </a:p>
-        </p:txBody>
-      </p:sp>
-      <p:sp>
-        <p:nvSpPr>
-          <p:cNvPr id="5" name="Slide Number Placeholder 4">
-            <a:extLst>
-              <a:ext uri="{FF2B5EF4-FFF2-40B4-BE49-F238E27FC236}">
-                <a16:creationId xmlns:a16="http://schemas.microsoft.com/office/drawing/2014/main" id="{4595BC39-C9E0-4E9D-ADFD-6F9D78216BB5}"/>
-              </a:ext>
-            </a:extLst>
-          </p:cNvPr>
-          <p:cNvSpPr>
-            <a:spLocks noGrp="1"/>
-          </p:cNvSpPr>
-          <p:nvPr>
-            <p:ph type="sldNum" sz="quarter" idx="12"/>
-          </p:nvPr>
-        </p:nvSpPr>
-        <p:spPr/>
-        <p:txBody>
-          <a:bodyPr/>
-          <a:lstStyle/>
-          <a:p>
-            <a:fld id="{B881B6B3-2069-452F-BF40-F653D75B3DB0}" type="slidenum">
-              <a:rPr lang="en-US" smtClean="0"/>
-              <a:t>‹#›</a:t>
-            </a:fld>
-            <a:endParaRPr lang="en-US"/>
-          </a:p>
-        </p:txBody>
-      </p:sp>
-    </p:spTree>
-    <p:extLst>
-      <p:ext uri="{BB962C8B-B14F-4D97-AF65-F5344CB8AC3E}">
-        <p14:creationId xmlns:p14="http://schemas.microsoft.com/office/powerpoint/2010/main" val="3895616254"/>
-      </p:ext>
-    </p:extLst>
-  </p:cSld>
-  <p:clrMapOvr>
-    <a:masterClrMapping/>
-  </p:clrMapOvr>
-</p:sldLayout>
-</file>
-
-<file path=ppt/slideLayouts/slideLayout7.xml><?xml version="1.0" encoding="utf-8"?>
-<p:sldLayout xmlns:a="http://schemas.openxmlformats.org/drawingml/2006/main" xmlns:r="http://schemas.openxmlformats.org/officeDocument/2006/relationships" xmlns:p="http://schemas.openxmlformats.org/presentationml/2006/main" type="blank" preserve="1">
-  <p:cSld name="Blank">
-    <p:spTree>
-      <p:nvGrpSpPr>
-        <p:cNvPr id="1" name=""/>
-        <p:cNvGrpSpPr/>
-        <p:nvPr/>
-      </p:nvGrpSpPr>
-      <p:grpSpPr>
-        <a:xfrm>
-          <a:off x="0" y="0"/>
-          <a:ext cx="0" cy="0"/>
-          <a:chOff x="0" y="0"/>
-          <a:chExt cx="0" cy="0"/>
-        </a:xfrm>
-      </p:grpSpPr>
-      <p:sp>
-        <p:nvSpPr>
-          <p:cNvPr id="2" name="Date Placeholder 1">
-            <a:extLst>
-              <a:ext uri="{FF2B5EF4-FFF2-40B4-BE49-F238E27FC236}">
-                <a16:creationId xmlns:a16="http://schemas.microsoft.com/office/drawing/2014/main" id="{1C407C00-6842-4EB4-B656-E8803FDF033F}"/>
-              </a:ext>
-            </a:extLst>
-          </p:cNvPr>
-          <p:cNvSpPr>
-            <a:spLocks noGrp="1"/>
-          </p:cNvSpPr>
-          <p:nvPr>
-            <p:ph type="dt" sz="half" idx="10"/>
-          </p:nvPr>
-        </p:nvSpPr>
-        <p:spPr/>
-        <p:txBody>
-          <a:bodyPr/>
-          <a:lstStyle/>
-          <a:p>
-            <a:fld id="{AAFEE1A4-48B9-4905-8EA8-405A31317F03}" type="datetime1">
-              <a:rPr lang="en-US" smtClean="0"/>
-              <a:t>10/5/2021</a:t>
-            </a:fld>
-            <a:endParaRPr lang="en-US"/>
-          </a:p>
-        </p:txBody>
-      </p:sp>
-      <p:sp>
-        <p:nvSpPr>
-          <p:cNvPr id="3" name="Footer Placeholder 2">
-            <a:extLst>
-              <a:ext uri="{FF2B5EF4-FFF2-40B4-BE49-F238E27FC236}">
-                <a16:creationId xmlns:a16="http://schemas.microsoft.com/office/drawing/2014/main" id="{E811D36B-BA0A-45AF-9D02-7330054F195C}"/>
-              </a:ext>
-            </a:extLst>
-          </p:cNvPr>
-          <p:cNvSpPr>
-            <a:spLocks noGrp="1"/>
-          </p:cNvSpPr>
-          <p:nvPr>
-            <p:ph type="ftr" sz="quarter" idx="11"/>
-          </p:nvPr>
-        </p:nvSpPr>
-        <p:spPr/>
-        <p:txBody>
-          <a:bodyPr/>
-          <a:lstStyle/>
-          <a:p>
-            <a:r>
-              <a:rPr lang="fr-FR"/>
-              <a:t>Le Quy Don Technical University</a:t>
-            </a:r>
-            <a:endParaRPr lang="en-US"/>
-          </a:p>
-        </p:txBody>
-      </p:sp>
-      <p:sp>
-        <p:nvSpPr>
-          <p:cNvPr id="4" name="Slide Number Placeholder 3">
-            <a:extLst>
-              <a:ext uri="{FF2B5EF4-FFF2-40B4-BE49-F238E27FC236}">
-                <a16:creationId xmlns:a16="http://schemas.microsoft.com/office/drawing/2014/main" id="{E0B4D7E4-8B51-42EE-99F5-1DF3D8EC6F9D}"/>
-              </a:ext>
-            </a:extLst>
-          </p:cNvPr>
-          <p:cNvSpPr>
-            <a:spLocks noGrp="1"/>
-          </p:cNvSpPr>
-          <p:nvPr>
-            <p:ph type="sldNum" sz="quarter" idx="12"/>
-          </p:nvPr>
-        </p:nvSpPr>
-        <p:spPr/>
-        <p:txBody>
-          <a:bodyPr/>
-          <a:lstStyle/>
-          <a:p>
-            <a:fld id="{B881B6B3-2069-452F-BF40-F653D75B3DB0}" type="slidenum">
-              <a:rPr lang="en-US" smtClean="0"/>
-              <a:t>‹#›</a:t>
-            </a:fld>
-            <a:endParaRPr lang="en-US"/>
-          </a:p>
-        </p:txBody>
-      </p:sp>
-    </p:spTree>
-    <p:extLst>
-      <p:ext uri="{BB962C8B-B14F-4D97-AF65-F5344CB8AC3E}">
-        <p14:creationId xmlns:p14="http://schemas.microsoft.com/office/powerpoint/2010/main" val="98057120"/>
-      </p:ext>
-    </p:extLst>
-  </p:cSld>
-  <p:clrMapOvr>
-    <a:masterClrMapping/>
-  </p:clrMapOvr>
-</p:sldLayout>
-</file>
-
-<file path=ppt/slideLayouts/slideLayout8.xml><?xml version="1.0" encoding="utf-8"?>
-<p:sldLayout xmlns:a="http://schemas.openxmlformats.org/drawingml/2006/main" xmlns:r="http://schemas.openxmlformats.org/officeDocument/2006/relationships" xmlns:p="http://schemas.openxmlformats.org/presentationml/2006/main" type="objTx" preserve="1">
-  <p:cSld name="Content with Caption">
-    <p:spTree>
-      <p:nvGrpSpPr>
-        <p:cNvPr id="1" name=""/>
-        <p:cNvGrpSpPr/>
-        <p:nvPr/>
-      </p:nvGrpSpPr>
-      <p:grpSpPr>
-        <a:xfrm>
-          <a:off x="0" y="0"/>
-          <a:ext cx="0" cy="0"/>
-          <a:chOff x="0" y="0"/>
-          <a:chExt cx="0" cy="0"/>
-        </a:xfrm>
-      </p:grpSpPr>
-      <p:sp>
-        <p:nvSpPr>
-          <p:cNvPr id="2" name="Title 1">
-            <a:extLst>
-              <a:ext uri="{FF2B5EF4-FFF2-40B4-BE49-F238E27FC236}">
-                <a16:creationId xmlns:a16="http://schemas.microsoft.com/office/drawing/2014/main" id="{059CB9AA-EBC2-4240-94B3-D338693C8766}"/>
-              </a:ext>
-            </a:extLst>
-          </p:cNvPr>
-          <p:cNvSpPr>
-            <a:spLocks noGrp="1"/>
-          </p:cNvSpPr>
-          <p:nvPr>
-            <p:ph type="title"/>
-          </p:nvPr>
-        </p:nvSpPr>
-        <p:spPr>
-          <a:xfrm>
-            <a:off x="839788" y="457200"/>
-            <a:ext cx="3932237" cy="1600200"/>
-          </a:xfrm>
-          <a:prstGeom prst="rect">
-            <a:avLst/>
-          </a:prstGeom>
-        </p:spPr>
-        <p:txBody>
-          <a:bodyPr anchor="b"/>
-          <a:lstStyle>
-            <a:lvl1pPr>
-              <a:defRPr sz="3200"/>
-            </a:lvl1pPr>
-          </a:lstStyle>
-          <a:p>
-            <a:r>
-              <a:rPr lang="en-US"/>
-              <a:t>Click to edit Master title style</a:t>
-            </a:r>
-          </a:p>
-        </p:txBody>
-      </p:sp>
-      <p:sp>
-        <p:nvSpPr>
-          <p:cNvPr id="3" name="Content Placeholder 2">
-            <a:extLst>
-              <a:ext uri="{FF2B5EF4-FFF2-40B4-BE49-F238E27FC236}">
-                <a16:creationId xmlns:a16="http://schemas.microsoft.com/office/drawing/2014/main" id="{B451C4FC-8BF6-42DD-89FF-6B3CA68D14CD}"/>
-              </a:ext>
-            </a:extLst>
-          </p:cNvPr>
-          <p:cNvSpPr>
-            <a:spLocks noGrp="1"/>
-          </p:cNvSpPr>
-          <p:nvPr>
-            <p:ph idx="1"/>
-          </p:nvPr>
-        </p:nvSpPr>
-        <p:spPr>
-          <a:xfrm>
-            <a:off x="5183188" y="987425"/>
-            <a:ext cx="6172200" cy="4873625"/>
-          </a:xfrm>
-          <a:prstGeom prst="rect">
-            <a:avLst/>
-          </a:prstGeom>
-        </p:spPr>
-        <p:txBody>
-          <a:bodyPr/>
-          <a:lstStyle>
-            <a:lvl1pPr>
-              <a:defRPr sz="3200"/>
-            </a:lvl1pPr>
-            <a:lvl2pPr>
-              <a:defRPr sz="2800"/>
-            </a:lvl2pPr>
-            <a:lvl3pPr>
-              <a:defRPr sz="2400"/>
-            </a:lvl3pPr>
-            <a:lvl4pPr>
-              <a:defRPr sz="2000"/>
-            </a:lvl4pPr>
-            <a:lvl5pPr>
-              <a:defRPr sz="2000"/>
-            </a:lvl5pPr>
-            <a:lvl6pPr>
-              <a:defRPr sz="2000"/>
-            </a:lvl6pPr>
-            <a:lvl7pPr>
-              <a:defRPr sz="2000"/>
-            </a:lvl7pPr>
-            <a:lvl8pPr>
-              <a:defRPr sz="2000"/>
-            </a:lvl8pPr>
-            <a:lvl9pPr>
-              <a:defRPr sz="2000"/>
-            </a:lvl9pPr>
-          </a:lstStyle>
-          <a:p>
-            <a:pPr lvl="0"/>
-            <a:r>
-              <a:rPr lang="en-US"/>
-              <a:t>Click to edit Master text styles</a:t>
-            </a:r>
-          </a:p>
-          <a:p>
-            <a:pPr lvl="1"/>
-            <a:r>
-              <a:rPr lang="en-US"/>
-              <a:t>Second level</a:t>
-            </a:r>
-          </a:p>
-          <a:p>
-            <a:pPr lvl="2"/>
-            <a:r>
-              <a:rPr lang="en-US"/>
-              <a:t>Third level</a:t>
-            </a:r>
-          </a:p>
-          <a:p>
-            <a:pPr lvl="3"/>
-            <a:r>
-              <a:rPr lang="en-US"/>
-              <a:t>Fourth level</a:t>
-            </a:r>
-          </a:p>
-          <a:p>
-            <a:pPr lvl="4"/>
-            <a:r>
-              <a:rPr lang="en-US"/>
-              <a:t>Fifth level</a:t>
-            </a:r>
-          </a:p>
-        </p:txBody>
-      </p:sp>
-      <p:sp>
-        <p:nvSpPr>
-          <p:cNvPr id="4" name="Text Placeholder 3">
-            <a:extLst>
-              <a:ext uri="{FF2B5EF4-FFF2-40B4-BE49-F238E27FC236}">
-                <a16:creationId xmlns:a16="http://schemas.microsoft.com/office/drawing/2014/main" id="{EC5EB69C-3CBF-47B0-B015-4070FEEC6140}"/>
-              </a:ext>
-            </a:extLst>
-          </p:cNvPr>
-          <p:cNvSpPr>
-            <a:spLocks noGrp="1"/>
-          </p:cNvSpPr>
-          <p:nvPr>
-            <p:ph type="body" sz="half" idx="2"/>
-          </p:nvPr>
-        </p:nvSpPr>
-        <p:spPr>
-          <a:xfrm>
-            <a:off x="839788" y="2057400"/>
-            <a:ext cx="3932237" cy="3811588"/>
-          </a:xfrm>
-          <a:prstGeom prst="rect">
-            <a:avLst/>
-          </a:prstGeom>
-        </p:spPr>
-        <p:txBody>
-          <a:bodyPr/>
-          <a:lstStyle>
-            <a:lvl1pPr marL="0" indent="0">
-              <a:buNone/>
-              <a:defRPr sz="1600"/>
-            </a:lvl1pPr>
-            <a:lvl2pPr marL="457200" indent="0">
-              <a:buNone/>
-              <a:defRPr sz="1400"/>
-            </a:lvl2pPr>
-            <a:lvl3pPr marL="914400" indent="0">
-              <a:buNone/>
-              <a:defRPr sz="1200"/>
-            </a:lvl3pPr>
-            <a:lvl4pPr marL="1371600" indent="0">
-              <a:buNone/>
-              <a:defRPr sz="1000"/>
-            </a:lvl4pPr>
-            <a:lvl5pPr marL="1828800" indent="0">
-              <a:buNone/>
-              <a:defRPr sz="1000"/>
-            </a:lvl5pPr>
-            <a:lvl6pPr marL="2286000" indent="0">
-              <a:buNone/>
-              <a:defRPr sz="1000"/>
-            </a:lvl6pPr>
-            <a:lvl7pPr marL="2743200" indent="0">
-              <a:buNone/>
-              <a:defRPr sz="1000"/>
-            </a:lvl7pPr>
-            <a:lvl8pPr marL="3200400" indent="0">
-              <a:buNone/>
-              <a:defRPr sz="1000"/>
-            </a:lvl8pPr>
-            <a:lvl9pPr marL="3657600" indent="0">
-              <a:buNone/>
-              <a:defRPr sz="1000"/>
-            </a:lvl9pPr>
-          </a:lstStyle>
-          <a:p>
-            <a:pPr lvl="0"/>
-            <a:r>
-              <a:rPr lang="en-US"/>
-              <a:t>Click to edit Master text styles</a:t>
-            </a:r>
-          </a:p>
-        </p:txBody>
-      </p:sp>
-      <p:sp>
-        <p:nvSpPr>
-          <p:cNvPr id="5" name="Date Placeholder 4">
-            <a:extLst>
-              <a:ext uri="{FF2B5EF4-FFF2-40B4-BE49-F238E27FC236}">
-                <a16:creationId xmlns:a16="http://schemas.microsoft.com/office/drawing/2014/main" id="{64DC2B66-257A-4C36-8737-59397012507B}"/>
-              </a:ext>
-            </a:extLst>
-          </p:cNvPr>
-          <p:cNvSpPr>
-            <a:spLocks noGrp="1"/>
-          </p:cNvSpPr>
-          <p:nvPr>
-            <p:ph type="dt" sz="half" idx="10"/>
-          </p:nvPr>
-        </p:nvSpPr>
-        <p:spPr/>
-        <p:txBody>
-          <a:bodyPr/>
-          <a:lstStyle/>
-          <a:p>
-            <a:fld id="{9198C3F6-9E6D-4BFE-A0EF-F49FEDB9D09B}" type="datetime1">
-              <a:rPr lang="en-US" smtClean="0"/>
-              <a:t>10/5/2021</a:t>
-            </a:fld>
-            <a:endParaRPr lang="en-US"/>
-          </a:p>
-        </p:txBody>
-      </p:sp>
-      <p:sp>
-        <p:nvSpPr>
-          <p:cNvPr id="6" name="Footer Placeholder 5">
-            <a:extLst>
-              <a:ext uri="{FF2B5EF4-FFF2-40B4-BE49-F238E27FC236}">
-                <a16:creationId xmlns:a16="http://schemas.microsoft.com/office/drawing/2014/main" id="{7B7FEDBD-1424-4D03-9445-1AA33A8EB5E2}"/>
-              </a:ext>
-            </a:extLst>
-          </p:cNvPr>
-          <p:cNvSpPr>
-            <a:spLocks noGrp="1"/>
-          </p:cNvSpPr>
-          <p:nvPr>
-            <p:ph type="ftr" sz="quarter" idx="11"/>
-          </p:nvPr>
-        </p:nvSpPr>
-        <p:spPr/>
-        <p:txBody>
-          <a:bodyPr/>
-          <a:lstStyle/>
-          <a:p>
-            <a:r>
-              <a:rPr lang="fr-FR"/>
-              <a:t>Le Quy Don Technical University</a:t>
-            </a:r>
-            <a:endParaRPr lang="en-US"/>
-          </a:p>
-        </p:txBody>
-      </p:sp>
-      <p:sp>
-        <p:nvSpPr>
-          <p:cNvPr id="7" name="Slide Number Placeholder 6">
-            <a:extLst>
-              <a:ext uri="{FF2B5EF4-FFF2-40B4-BE49-F238E27FC236}">
-                <a16:creationId xmlns:a16="http://schemas.microsoft.com/office/drawing/2014/main" id="{9E89FB6B-0A5D-4518-9BA3-531AD887DDA4}"/>
-              </a:ext>
-            </a:extLst>
-          </p:cNvPr>
-          <p:cNvSpPr>
-            <a:spLocks noGrp="1"/>
-          </p:cNvSpPr>
-          <p:nvPr>
-            <p:ph type="sldNum" sz="quarter" idx="12"/>
-          </p:nvPr>
-        </p:nvSpPr>
-        <p:spPr/>
-        <p:txBody>
-          <a:bodyPr/>
-          <a:lstStyle/>
-          <a:p>
-            <a:fld id="{B881B6B3-2069-452F-BF40-F653D75B3DB0}" type="slidenum">
-              <a:rPr lang="en-US" smtClean="0"/>
-              <a:t>‹#›</a:t>
-            </a:fld>
-            <a:endParaRPr lang="en-US"/>
-          </a:p>
-        </p:txBody>
-      </p:sp>
-    </p:spTree>
-    <p:extLst>
-      <p:ext uri="{BB962C8B-B14F-4D97-AF65-F5344CB8AC3E}">
-        <p14:creationId xmlns:p14="http://schemas.microsoft.com/office/powerpoint/2010/main" val="3372020532"/>
-      </p:ext>
-    </p:extLst>
-  </p:cSld>
-  <p:clrMapOvr>
-    <a:masterClrMapping/>
-  </p:clrMapOvr>
-</p:sldLayout>
-</file>
-
-<file path=ppt/slideLayouts/slideLayout9.xml><?xml version="1.0" encoding="utf-8"?>
-<p:sldLayout xmlns:a="http://schemas.openxmlformats.org/drawingml/2006/main" xmlns:r="http://schemas.openxmlformats.org/officeDocument/2006/relationships" xmlns:p="http://schemas.openxmlformats.org/presentationml/2006/main" type="picTx" preserve="1">
-  <p:cSld name="Picture with Caption">
-    <p:spTree>
-      <p:nvGrpSpPr>
-        <p:cNvPr id="1" name=""/>
-        <p:cNvGrpSpPr/>
-        <p:nvPr/>
-      </p:nvGrpSpPr>
-      <p:grpSpPr>
-        <a:xfrm>
-          <a:off x="0" y="0"/>
-          <a:ext cx="0" cy="0"/>
-          <a:chOff x="0" y="0"/>
-          <a:chExt cx="0" cy="0"/>
-        </a:xfrm>
-      </p:grpSpPr>
-      <p:sp>
-        <p:nvSpPr>
-          <p:cNvPr id="2" name="Title 1">
-            <a:extLst>
-              <a:ext uri="{FF2B5EF4-FFF2-40B4-BE49-F238E27FC236}">
-                <a16:creationId xmlns:a16="http://schemas.microsoft.com/office/drawing/2014/main" id="{BD0DE485-1806-4FE5-A6F7-F7D3DD676162}"/>
-              </a:ext>
-            </a:extLst>
-          </p:cNvPr>
-          <p:cNvSpPr>
-            <a:spLocks noGrp="1"/>
-          </p:cNvSpPr>
-          <p:nvPr>
-            <p:ph type="title"/>
-          </p:nvPr>
-        </p:nvSpPr>
-        <p:spPr>
-          <a:xfrm>
-            <a:off x="839788" y="457200"/>
-            <a:ext cx="3932237" cy="1600200"/>
-          </a:xfrm>
-          <a:prstGeom prst="rect">
-            <a:avLst/>
-          </a:prstGeom>
-        </p:spPr>
-        <p:txBody>
-          <a:bodyPr anchor="b"/>
-          <a:lstStyle>
-            <a:lvl1pPr>
-              <a:defRPr sz="3200"/>
-            </a:lvl1pPr>
-          </a:lstStyle>
-          <a:p>
-            <a:r>
-              <a:rPr lang="en-US"/>
-              <a:t>Click to edit Master title style</a:t>
-            </a:r>
-          </a:p>
-        </p:txBody>
-      </p:sp>
-      <p:sp>
-        <p:nvSpPr>
-          <p:cNvPr id="3" name="Picture Placeholder 2">
-            <a:extLst>
-              <a:ext uri="{FF2B5EF4-FFF2-40B4-BE49-F238E27FC236}">
-                <a16:creationId xmlns:a16="http://schemas.microsoft.com/office/drawing/2014/main" id="{2C863BBB-A976-4665-918C-2A51510A9242}"/>
-              </a:ext>
-            </a:extLst>
-          </p:cNvPr>
-          <p:cNvSpPr>
-            <a:spLocks noGrp="1"/>
-          </p:cNvSpPr>
-          <p:nvPr>
-            <p:ph type="pic" idx="1"/>
-          </p:nvPr>
-        </p:nvSpPr>
-        <p:spPr>
-          <a:xfrm>
-            <a:off x="5183188" y="987425"/>
-            <a:ext cx="6172200" cy="4873625"/>
-          </a:xfrm>
-          <a:prstGeom prst="rect">
-            <a:avLst/>
-          </a:prstGeom>
-        </p:spPr>
-        <p:txBody>
-          <a:bodyPr/>
-          <a:lstStyle>
-            <a:lvl1pPr marL="0" indent="0">
-              <a:buNone/>
-              <a:defRPr sz="3200"/>
-            </a:lvl1pPr>
-            <a:lvl2pPr marL="457200" indent="0">
-              <a:buNone/>
-              <a:defRPr sz="2800"/>
-            </a:lvl2pPr>
-            <a:lvl3pPr marL="914400" indent="0">
-              <a:buNone/>
-              <a:defRPr sz="2400"/>
-            </a:lvl3pPr>
-            <a:lvl4pPr marL="1371600" indent="0">
-              <a:buNone/>
-              <a:defRPr sz="2000"/>
-            </a:lvl4pPr>
-            <a:lvl5pPr marL="1828800" indent="0">
-              <a:buNone/>
-              <a:defRPr sz="2000"/>
-            </a:lvl5pPr>
-            <a:lvl6pPr marL="2286000" indent="0">
-              <a:buNone/>
-              <a:defRPr sz="2000"/>
-            </a:lvl6pPr>
-            <a:lvl7pPr marL="2743200" indent="0">
-              <a:buNone/>
-              <a:defRPr sz="2000"/>
-            </a:lvl7pPr>
-            <a:lvl8pPr marL="3200400" indent="0">
-              <a:buNone/>
-              <a:defRPr sz="2000"/>
-            </a:lvl8pPr>
-            <a:lvl9pPr marL="3657600" indent="0">
-              <a:buNone/>
-              <a:defRPr sz="2000"/>
-            </a:lvl9pPr>
-          </a:lstStyle>
-          <a:p>
-            <a:endParaRPr lang="en-US"/>
-          </a:p>
-        </p:txBody>
-      </p:sp>
-      <p:sp>
-        <p:nvSpPr>
-          <p:cNvPr id="4" name="Text Placeholder 3">
-            <a:extLst>
-              <a:ext uri="{FF2B5EF4-FFF2-40B4-BE49-F238E27FC236}">
-                <a16:creationId xmlns:a16="http://schemas.microsoft.com/office/drawing/2014/main" id="{7C14FD0F-F3DD-4A90-88E2-DEAD42D838DC}"/>
-              </a:ext>
-            </a:extLst>
-          </p:cNvPr>
-          <p:cNvSpPr>
-            <a:spLocks noGrp="1"/>
-          </p:cNvSpPr>
-          <p:nvPr>
-            <p:ph type="body" sz="half" idx="2"/>
-          </p:nvPr>
-        </p:nvSpPr>
-        <p:spPr>
-          <a:xfrm>
-            <a:off x="839788" y="2057400"/>
-            <a:ext cx="3932237" cy="3811588"/>
-          </a:xfrm>
-          <a:prstGeom prst="rect">
-            <a:avLst/>
-          </a:prstGeom>
-        </p:spPr>
-        <p:txBody>
-          <a:bodyPr/>
-          <a:lstStyle>
-            <a:lvl1pPr marL="0" indent="0">
-              <a:buNone/>
-              <a:defRPr sz="1600"/>
-            </a:lvl1pPr>
-            <a:lvl2pPr marL="457200" indent="0">
-              <a:buNone/>
-              <a:defRPr sz="1400"/>
-            </a:lvl2pPr>
-            <a:lvl3pPr marL="914400" indent="0">
-              <a:buNone/>
-              <a:defRPr sz="1200"/>
-            </a:lvl3pPr>
-            <a:lvl4pPr marL="1371600" indent="0">
-              <a:buNone/>
-              <a:defRPr sz="1000"/>
-            </a:lvl4pPr>
-            <a:lvl5pPr marL="1828800" indent="0">
-              <a:buNone/>
-              <a:defRPr sz="1000"/>
-            </a:lvl5pPr>
-            <a:lvl6pPr marL="2286000" indent="0">
-              <a:buNone/>
-              <a:defRPr sz="1000"/>
-            </a:lvl6pPr>
-            <a:lvl7pPr marL="2743200" indent="0">
-              <a:buNone/>
-              <a:defRPr sz="1000"/>
-            </a:lvl7pPr>
-            <a:lvl8pPr marL="3200400" indent="0">
-              <a:buNone/>
-              <a:defRPr sz="1000"/>
-            </a:lvl8pPr>
-            <a:lvl9pPr marL="3657600" indent="0">
-              <a:buNone/>
-              <a:defRPr sz="1000"/>
-            </a:lvl9pPr>
-          </a:lstStyle>
-          <a:p>
-            <a:pPr lvl="0"/>
-            <a:r>
-              <a:rPr lang="en-US"/>
-              <a:t>Click to edit Master text styles</a:t>
-            </a:r>
-          </a:p>
-        </p:txBody>
-      </p:sp>
-      <p:sp>
-        <p:nvSpPr>
-          <p:cNvPr id="5" name="Date Placeholder 4">
-            <a:extLst>
-              <a:ext uri="{FF2B5EF4-FFF2-40B4-BE49-F238E27FC236}">
-                <a16:creationId xmlns:a16="http://schemas.microsoft.com/office/drawing/2014/main" id="{1894FFAF-049F-4EC6-A208-395984218164}"/>
-              </a:ext>
-            </a:extLst>
-          </p:cNvPr>
-          <p:cNvSpPr>
-            <a:spLocks noGrp="1"/>
-          </p:cNvSpPr>
-          <p:nvPr>
-            <p:ph type="dt" sz="half" idx="10"/>
-          </p:nvPr>
-        </p:nvSpPr>
-        <p:spPr/>
-        <p:txBody>
-          <a:bodyPr/>
-          <a:lstStyle/>
-          <a:p>
-            <a:fld id="{D74C87FA-9C85-47E4-B824-CE053DB76684}" type="datetime1">
-              <a:rPr lang="en-US" smtClean="0"/>
-              <a:t>10/5/2021</a:t>
-            </a:fld>
-            <a:endParaRPr lang="en-US"/>
-          </a:p>
-        </p:txBody>
-      </p:sp>
-      <p:sp>
-        <p:nvSpPr>
-          <p:cNvPr id="6" name="Footer Placeholder 5">
-            <a:extLst>
-              <a:ext uri="{FF2B5EF4-FFF2-40B4-BE49-F238E27FC236}">
-                <a16:creationId xmlns:a16="http://schemas.microsoft.com/office/drawing/2014/main" id="{E40CE97F-1208-4093-B7B2-645DEE71D1C3}"/>
-              </a:ext>
-            </a:extLst>
-          </p:cNvPr>
-          <p:cNvSpPr>
-            <a:spLocks noGrp="1"/>
-          </p:cNvSpPr>
-          <p:nvPr>
-            <p:ph type="ftr" sz="quarter" idx="11"/>
-          </p:nvPr>
-        </p:nvSpPr>
-        <p:spPr/>
-        <p:txBody>
-          <a:bodyPr/>
-          <a:lstStyle/>
-          <a:p>
-            <a:r>
-              <a:rPr lang="fr-FR"/>
-              <a:t>Le Quy Don Technical University</a:t>
-            </a:r>
-            <a:endParaRPr lang="en-US"/>
-          </a:p>
-        </p:txBody>
-      </p:sp>
-      <p:sp>
-        <p:nvSpPr>
-          <p:cNvPr id="7" name="Slide Number Placeholder 6">
-            <a:extLst>
-              <a:ext uri="{FF2B5EF4-FFF2-40B4-BE49-F238E27FC236}">
-                <a16:creationId xmlns:a16="http://schemas.microsoft.com/office/drawing/2014/main" id="{75DF0ED3-C464-4828-8262-B572F0117D9F}"/>
-              </a:ext>
-            </a:extLst>
-          </p:cNvPr>
-          <p:cNvSpPr>
-            <a:spLocks noGrp="1"/>
-          </p:cNvSpPr>
-          <p:nvPr>
-            <p:ph type="sldNum" sz="quarter" idx="12"/>
-          </p:nvPr>
-        </p:nvSpPr>
-        <p:spPr/>
-        <p:txBody>
-          <a:bodyPr/>
-          <a:lstStyle/>
-          <a:p>
-            <a:fld id="{B881B6B3-2069-452F-BF40-F653D75B3DB0}" type="slidenum">
-              <a:rPr lang="en-US" smtClean="0"/>
-              <a:t>‹#›</a:t>
-            </a:fld>
-            <a:endParaRPr lang="en-US"/>
-          </a:p>
-        </p:txBody>
-      </p:sp>
-    </p:spTree>
-    <p:extLst>
-      <p:ext uri="{BB962C8B-B14F-4D97-AF65-F5344CB8AC3E}">
-        <p14:creationId xmlns:p14="http://schemas.microsoft.com/office/powerpoint/2010/main" val="3155706924"/>
-      </p:ext>
-    </p:extLst>
-  </p:cSld>
-  <p:clrMapOvr>
-    <a:masterClrMapping/>
-  </p:clrMapOvr>
+  <mc:AlternateContent xmlns:mc="http://schemas.openxmlformats.org/markup-compatibility/2006">
+    <mc:Choice xmlns:p14="http://schemas.microsoft.com/office/powerpoint/2010/main" Requires="p14">
+      <p:transition spd="med" p14:dur="700">
+        <p:fade/>
+      </p:transition>
+    </mc:Choice>
+    <mc:Fallback>
+      <p:transition spd="med">
+        <p:fade/>
+      </p:transition>
+    </mc:Fallback>
+  </mc:AlternateContent>
 </p:sldLayout>
 </file>
 
@@ -3615,8 +2326,8 @@
         </p:nvSpPr>
         <p:spPr>
           <a:xfrm>
-            <a:off x="4618" y="6492873"/>
-            <a:ext cx="3576782" cy="365125"/>
+            <a:off x="0" y="6492873"/>
+            <a:ext cx="3581400" cy="365125"/>
           </a:xfrm>
           <a:prstGeom prst="rect">
             <a:avLst/>
@@ -3769,7 +2480,7 @@
         <p:spPr>
           <a:xfrm>
             <a:off x="3047" y="0"/>
-            <a:ext cx="5157787" cy="394588"/>
+            <a:ext cx="6092953" cy="394588"/>
           </a:xfrm>
           <a:prstGeom prst="rect">
             <a:avLst/>
@@ -3965,8 +2676,8 @@
         </p:nvSpPr>
         <p:spPr>
           <a:xfrm>
-            <a:off x="5160834" y="0"/>
-            <a:ext cx="7031166" cy="394588"/>
+            <a:off x="6096000" y="0"/>
+            <a:ext cx="6096000" cy="394588"/>
           </a:xfrm>
           <a:prstGeom prst="rect">
             <a:avLst/>
@@ -4157,15 +2868,8 @@
   <p:sldLayoutIdLst>
     <p:sldLayoutId id="2147483649" r:id="rId1"/>
     <p:sldLayoutId id="2147483653" r:id="rId2"/>
-    <p:sldLayoutId id="2147483650" r:id="rId3"/>
-    <p:sldLayoutId id="2147483651" r:id="rId4"/>
-    <p:sldLayoutId id="2147483652" r:id="rId5"/>
-    <p:sldLayoutId id="2147483654" r:id="rId6"/>
-    <p:sldLayoutId id="2147483655" r:id="rId7"/>
-    <p:sldLayoutId id="2147483656" r:id="rId8"/>
-    <p:sldLayoutId id="2147483657" r:id="rId9"/>
-    <p:sldLayoutId id="2147483658" r:id="rId10"/>
-    <p:sldLayoutId id="2147483659" r:id="rId11"/>
+    <p:sldLayoutId id="2147483660" r:id="rId3"/>
+    <p:sldLayoutId id="2147483661" r:id="rId4"/>
   </p:sldLayoutIdLst>
   <p:hf hdr="0"/>
   <p:txStyles>
@@ -4484,37 +3188,70 @@
             <p:ph type="ctrTitle"/>
           </p:nvPr>
         </p:nvSpPr>
+        <p:spPr>
+          <a:xfrm>
+            <a:off x="642851" y="2083033"/>
+            <a:ext cx="10906299" cy="1406525"/>
+          </a:xfrm>
+        </p:spPr>
+        <p:txBody>
+          <a:bodyPr>
+            <a:normAutofit fontScale="90000"/>
+          </a:bodyPr>
+          <a:lstStyle/>
+          <a:p>
+            <a:r>
+              <a:rPr lang="en-US" dirty="0"/>
+              <a:t>An efficient method to improve the accuracy of Vietnamese vehicle license plate recognition in unconstrained environment</a:t>
+            </a:r>
+          </a:p>
+        </p:txBody>
+      </p:sp>
+      <p:sp>
+        <p:nvSpPr>
+          <p:cNvPr id="3" name="Subtitle 2">
+            <a:extLst>
+              <a:ext uri="{FF2B5EF4-FFF2-40B4-BE49-F238E27FC236}">
+                <a16:creationId xmlns:a16="http://schemas.microsoft.com/office/drawing/2014/main" id="{7747C03F-DB98-4A7F-9201-6039FC00BB28}"/>
+              </a:ext>
+            </a:extLst>
+          </p:cNvPr>
+          <p:cNvSpPr>
+            <a:spLocks noGrp="1"/>
+          </p:cNvSpPr>
+          <p:nvPr>
+            <p:ph type="subTitle" idx="1"/>
+          </p:nvPr>
+        </p:nvSpPr>
         <p:spPr/>
         <p:txBody>
           <a:bodyPr/>
           <a:lstStyle/>
           <a:p>
-            <a:endParaRPr lang="en-US" dirty="0"/>
-          </a:p>
-        </p:txBody>
-      </p:sp>
-      <p:sp>
-        <p:nvSpPr>
-          <p:cNvPr id="3" name="Subtitle 2">
-            <a:extLst>
-              <a:ext uri="{FF2B5EF4-FFF2-40B4-BE49-F238E27FC236}">
-                <a16:creationId xmlns:a16="http://schemas.microsoft.com/office/drawing/2014/main" id="{7747C03F-DB98-4A7F-9201-6039FC00BB28}"/>
-              </a:ext>
-            </a:extLst>
-          </p:cNvPr>
-          <p:cNvSpPr>
-            <a:spLocks noGrp="1"/>
-          </p:cNvSpPr>
-          <p:nvPr>
-            <p:ph type="subTitle" idx="1"/>
-          </p:nvPr>
-        </p:nvSpPr>
-        <p:spPr/>
-        <p:txBody>
-          <a:bodyPr/>
-          <a:lstStyle/>
-          <a:p>
-            <a:endParaRPr lang="en-US" dirty="0"/>
+            <a:r>
+              <a:rPr lang="en-US" dirty="0" err="1"/>
+              <a:t>Khanh</a:t>
+            </a:r>
+            <a:r>
+              <a:rPr lang="en-US" dirty="0"/>
+              <a:t> Nguyen Quoc, Dan Pham Van, Van Pham </a:t>
+            </a:r>
+            <a:r>
+              <a:rPr lang="en-US" dirty="0" err="1"/>
+              <a:t>Thi</a:t>
+            </a:r>
+            <a:r>
+              <a:rPr lang="en-US" dirty="0"/>
+              <a:t> </a:t>
+            </a:r>
+            <a:r>
+              <a:rPr lang="en-US" dirty="0" err="1"/>
+              <a:t>Bich</a:t>
+            </a:r>
+            <a:r>
+              <a:rPr lang="en-US" dirty="0"/>
+              <a:t> </a:t>
+            </a:r>
           </a:p>
         </p:txBody>
       </p:sp>
@@ -4626,7 +3363,10 @@
           <a:bodyPr/>
           <a:lstStyle/>
           <a:p>
-            <a:endParaRPr lang="en-US"/>
+            <a:r>
+              <a:rPr lang="en-US" dirty="0"/>
+              <a:t>Faculty Of Information Technology </a:t>
+            </a:r>
           </a:p>
         </p:txBody>
       </p:sp>
@@ -4651,7 +3391,31 @@
           <a:bodyPr/>
           <a:lstStyle/>
           <a:p>
-            <a:endParaRPr lang="en-US"/>
+            <a:r>
+              <a:rPr lang="fr-FR" dirty="0"/>
+              <a:t>Le </a:t>
+            </a:r>
+            <a:r>
+              <a:rPr lang="fr-FR" dirty="0" err="1"/>
+              <a:t>Quy</a:t>
+            </a:r>
+            <a:r>
+              <a:rPr lang="fr-FR" dirty="0"/>
+              <a:t> Don </a:t>
+            </a:r>
+            <a:r>
+              <a:rPr lang="fr-FR" dirty="0" err="1"/>
+              <a:t>Technical</a:t>
+            </a:r>
+            <a:r>
+              <a:rPr lang="fr-FR" dirty="0"/>
+              <a:t> </a:t>
+            </a:r>
+            <a:r>
+              <a:rPr lang="fr-FR" dirty="0" err="1"/>
+              <a:t>University</a:t>
+            </a:r>
+            <a:endParaRPr lang="fr-FR" dirty="0"/>
           </a:p>
         </p:txBody>
       </p:sp>
@@ -4676,10 +3440,85 @@
           <a:bodyPr/>
           <a:lstStyle/>
           <a:p>
-            <a:endParaRPr lang="en-US"/>
-          </a:p>
-        </p:txBody>
-      </p:sp>
+            <a:r>
+              <a:rPr lang="en-US" dirty="0">
+                <a:hlinkClick r:id="rId2"/>
+              </a:rPr>
+              <a:t>khanh29bk@mta.edu.vn</a:t>
+            </a:r>
+            <a:r>
+              <a:rPr lang="en-US" dirty="0"/>
+              <a:t>, </a:t>
+            </a:r>
+            <a:r>
+              <a:rPr lang="en-US" dirty="0">
+                <a:hlinkClick r:id="rId3"/>
+              </a:rPr>
+              <a:t>phamvandan.cntt2@gmail.com</a:t>
+            </a:r>
+            <a:r>
+              <a:rPr lang="en-US" dirty="0"/>
+              <a:t>, </a:t>
+            </a:r>
+            <a:r>
+              <a:rPr lang="en-US" dirty="0">
+                <a:hlinkClick r:id="rId4"/>
+              </a:rPr>
+              <a:t>vanptb@lqdtu.edu.vn</a:t>
+            </a:r>
+            <a:r>
+              <a:rPr lang="en-US" dirty="0"/>
+              <a:t> </a:t>
+            </a:r>
+          </a:p>
+        </p:txBody>
+      </p:sp>
+      <p:pic>
+        <p:nvPicPr>
+          <p:cNvPr id="10" name="Picture 9">
+            <a:extLst>
+              <a:ext uri="{FF2B5EF4-FFF2-40B4-BE49-F238E27FC236}">
+                <a16:creationId xmlns:a16="http://schemas.microsoft.com/office/drawing/2014/main" id="{52DB479E-BB61-4678-9058-BBE2F1404A14}"/>
+              </a:ext>
+            </a:extLst>
+          </p:cNvPr>
+          <p:cNvPicPr>
+            <a:picLocks noChangeAspect="1"/>
+          </p:cNvPicPr>
+          <p:nvPr/>
+        </p:nvPicPr>
+        <p:blipFill>
+          <a:blip r:embed="rId5">
+            <a:extLst>
+              <a:ext uri="{28A0092B-C50C-407E-A947-70E740481C1C}">
+                <a14:useLocalDpi xmlns:a14="http://schemas.microsoft.com/office/drawing/2010/main" val="0"/>
+              </a:ext>
+            </a:extLst>
+          </a:blip>
+          <a:stretch>
+            <a:fillRect/>
+          </a:stretch>
+        </p:blipFill>
+        <p:spPr>
+          <a:xfrm>
+            <a:off x="5544002" y="794695"/>
+            <a:ext cx="1103989" cy="1103989"/>
+          </a:xfrm>
+          <a:prstGeom prst="rect">
+            <a:avLst/>
+          </a:prstGeom>
+          <a:ln>
+            <a:noFill/>
+          </a:ln>
+          <a:effectLst>
+            <a:outerShdw blurRad="190500" algn="tl" rotWithShape="0">
+              <a:srgbClr val="000000">
+                <a:alpha val="70000"/>
+              </a:srgbClr>
+            </a:outerShdw>
+          </a:effectLst>
+        </p:spPr>
+      </p:pic>
     </p:spTree>
     <p:extLst>
       <p:ext uri="{BB962C8B-B14F-4D97-AF65-F5344CB8AC3E}">
@@ -4693,8 +3532,1138 @@
 </p:sld>
 </file>
 
+<file path=ppt/slides/slide2.xml><?xml version="1.0" encoding="utf-8"?>
+<p:sld xmlns:a="http://schemas.openxmlformats.org/drawingml/2006/main" xmlns:r="http://schemas.openxmlformats.org/officeDocument/2006/relationships" xmlns:p="http://schemas.openxmlformats.org/presentationml/2006/main">
+  <p:cSld>
+    <p:spTree>
+      <p:nvGrpSpPr>
+        <p:cNvPr id="1" name=""/>
+        <p:cNvGrpSpPr/>
+        <p:nvPr/>
+      </p:nvGrpSpPr>
+      <p:grpSpPr>
+        <a:xfrm>
+          <a:off x="0" y="0"/>
+          <a:ext cx="0" cy="0"/>
+          <a:chOff x="0" y="0"/>
+          <a:chExt cx="0" cy="0"/>
+        </a:xfrm>
+      </p:grpSpPr>
+      <p:sp>
+        <p:nvSpPr>
+          <p:cNvPr id="2" name="Content Placeholder 1">
+            <a:extLst>
+              <a:ext uri="{FF2B5EF4-FFF2-40B4-BE49-F238E27FC236}">
+                <a16:creationId xmlns:a16="http://schemas.microsoft.com/office/drawing/2014/main" id="{C734C294-D997-4100-8447-278784994C23}"/>
+              </a:ext>
+            </a:extLst>
+          </p:cNvPr>
+          <p:cNvSpPr>
+            <a:spLocks noGrp="1"/>
+          </p:cNvSpPr>
+          <p:nvPr>
+            <p:ph sz="half" idx="2"/>
+          </p:nvPr>
+        </p:nvSpPr>
+        <p:spPr/>
+        <p:txBody>
+          <a:bodyPr/>
+          <a:lstStyle/>
+          <a:p>
+            <a:pPr marL="342900" indent="-342900">
+              <a:buFont typeface="+mj-lt"/>
+              <a:buAutoNum type="arabicPeriod"/>
+            </a:pPr>
+            <a:r>
+              <a:rPr lang="en-US" dirty="0"/>
+              <a:t>Preface</a:t>
+            </a:r>
+          </a:p>
+          <a:p>
+            <a:pPr marL="342900" indent="-342900">
+              <a:buFont typeface="+mj-lt"/>
+              <a:buAutoNum type="arabicPeriod"/>
+            </a:pPr>
+            <a:r>
+              <a:rPr lang="en-US" dirty="0"/>
+              <a:t>Introduction</a:t>
+            </a:r>
+          </a:p>
+          <a:p>
+            <a:pPr marL="342900" indent="-342900">
+              <a:buFont typeface="+mj-lt"/>
+              <a:buAutoNum type="arabicPeriod"/>
+            </a:pPr>
+            <a:r>
+              <a:rPr lang="en-US" dirty="0"/>
+              <a:t>Related work</a:t>
+            </a:r>
+          </a:p>
+          <a:p>
+            <a:pPr marL="342900" indent="-342900">
+              <a:buFont typeface="+mj-lt"/>
+              <a:buAutoNum type="arabicPeriod"/>
+            </a:pPr>
+            <a:r>
+              <a:rPr lang="en-US" dirty="0"/>
+              <a:t>Proposed method</a:t>
+            </a:r>
+          </a:p>
+          <a:p>
+            <a:pPr marL="342900" indent="-342900">
+              <a:buFont typeface="+mj-lt"/>
+              <a:buAutoNum type="arabicPeriod"/>
+            </a:pPr>
+            <a:r>
+              <a:rPr lang="en-US" dirty="0"/>
+              <a:t>Experiments and results</a:t>
+            </a:r>
+          </a:p>
+          <a:p>
+            <a:pPr marL="342900" indent="-342900">
+              <a:buFont typeface="+mj-lt"/>
+              <a:buAutoNum type="arabicPeriod"/>
+            </a:pPr>
+            <a:r>
+              <a:rPr lang="en-US" dirty="0"/>
+              <a:t>Conclusion</a:t>
+            </a:r>
+          </a:p>
+        </p:txBody>
+      </p:sp>
+      <p:sp>
+        <p:nvSpPr>
+          <p:cNvPr id="3" name="Date Placeholder 2">
+            <a:extLst>
+              <a:ext uri="{FF2B5EF4-FFF2-40B4-BE49-F238E27FC236}">
+                <a16:creationId xmlns:a16="http://schemas.microsoft.com/office/drawing/2014/main" id="{26A4EC38-7D95-4B19-B56A-9DC713A13B44}"/>
+              </a:ext>
+            </a:extLst>
+          </p:cNvPr>
+          <p:cNvSpPr>
+            <a:spLocks noGrp="1"/>
+          </p:cNvSpPr>
+          <p:nvPr>
+            <p:ph type="dt" sz="half" idx="10"/>
+          </p:nvPr>
+        </p:nvSpPr>
+        <p:spPr/>
+        <p:txBody>
+          <a:bodyPr/>
+          <a:lstStyle/>
+          <a:p>
+            <a:fld id="{499624E5-6640-4B65-82B0-BACE50C7D1B2}" type="datetime1">
+              <a:rPr lang="en-US" smtClean="0"/>
+              <a:t>10/5/2021</a:t>
+            </a:fld>
+            <a:endParaRPr lang="en-US" dirty="0"/>
+          </a:p>
+        </p:txBody>
+      </p:sp>
+      <p:sp>
+        <p:nvSpPr>
+          <p:cNvPr id="4" name="Footer Placeholder 3">
+            <a:extLst>
+              <a:ext uri="{FF2B5EF4-FFF2-40B4-BE49-F238E27FC236}">
+                <a16:creationId xmlns:a16="http://schemas.microsoft.com/office/drawing/2014/main" id="{59D4A331-1FF4-4B3D-8A23-EA55C1DB28C5}"/>
+              </a:ext>
+            </a:extLst>
+          </p:cNvPr>
+          <p:cNvSpPr>
+            <a:spLocks noGrp="1"/>
+          </p:cNvSpPr>
+          <p:nvPr>
+            <p:ph type="ftr" sz="quarter" idx="11"/>
+          </p:nvPr>
+        </p:nvSpPr>
+        <p:spPr/>
+        <p:txBody>
+          <a:bodyPr/>
+          <a:lstStyle/>
+          <a:p>
+            <a:r>
+              <a:rPr lang="fr-FR"/>
+              <a:t>Le Quy Don Technical University</a:t>
+            </a:r>
+            <a:endParaRPr lang="en-US" dirty="0"/>
+          </a:p>
+        </p:txBody>
+      </p:sp>
+      <p:sp>
+        <p:nvSpPr>
+          <p:cNvPr id="5" name="Slide Number Placeholder 4">
+            <a:extLst>
+              <a:ext uri="{FF2B5EF4-FFF2-40B4-BE49-F238E27FC236}">
+                <a16:creationId xmlns:a16="http://schemas.microsoft.com/office/drawing/2014/main" id="{9D94D10F-A7B8-4892-8F8A-8B51778B85DD}"/>
+              </a:ext>
+            </a:extLst>
+          </p:cNvPr>
+          <p:cNvSpPr>
+            <a:spLocks noGrp="1"/>
+          </p:cNvSpPr>
+          <p:nvPr>
+            <p:ph type="sldNum" sz="quarter" idx="12"/>
+          </p:nvPr>
+        </p:nvSpPr>
+        <p:spPr/>
+        <p:txBody>
+          <a:bodyPr/>
+          <a:lstStyle/>
+          <a:p>
+            <a:fld id="{B881B6B3-2069-452F-BF40-F653D75B3DB0}" type="slidenum">
+              <a:rPr lang="en-US" smtClean="0"/>
+              <a:t>2</a:t>
+            </a:fld>
+            <a:endParaRPr lang="en-US"/>
+          </a:p>
+        </p:txBody>
+      </p:sp>
+      <p:sp>
+        <p:nvSpPr>
+          <p:cNvPr id="6" name="Text Placeholder 5">
+            <a:extLst>
+              <a:ext uri="{FF2B5EF4-FFF2-40B4-BE49-F238E27FC236}">
+                <a16:creationId xmlns:a16="http://schemas.microsoft.com/office/drawing/2014/main" id="{73B66DC4-BE8F-4379-876C-313C1316942B}"/>
+              </a:ext>
+            </a:extLst>
+          </p:cNvPr>
+          <p:cNvSpPr>
+            <a:spLocks noGrp="1"/>
+          </p:cNvSpPr>
+          <p:nvPr>
+            <p:ph type="body" sz="quarter" idx="13"/>
+          </p:nvPr>
+        </p:nvSpPr>
+        <p:spPr/>
+        <p:txBody>
+          <a:bodyPr/>
+          <a:lstStyle/>
+          <a:p>
+            <a:r>
+              <a:rPr lang="en-US" dirty="0"/>
+              <a:t>Content</a:t>
+            </a:r>
+          </a:p>
+        </p:txBody>
+      </p:sp>
+      <p:sp>
+        <p:nvSpPr>
+          <p:cNvPr id="7" name="Text Placeholder 6">
+            <a:extLst>
+              <a:ext uri="{FF2B5EF4-FFF2-40B4-BE49-F238E27FC236}">
+                <a16:creationId xmlns:a16="http://schemas.microsoft.com/office/drawing/2014/main" id="{0363A5A7-B203-4760-AFB0-02EABD7BE00D}"/>
+              </a:ext>
+            </a:extLst>
+          </p:cNvPr>
+          <p:cNvSpPr>
+            <a:spLocks noGrp="1"/>
+          </p:cNvSpPr>
+          <p:nvPr>
+            <p:ph type="body" sz="quarter" idx="14"/>
+          </p:nvPr>
+        </p:nvSpPr>
+        <p:spPr/>
+        <p:txBody>
+          <a:bodyPr/>
+          <a:lstStyle/>
+          <a:p>
+            <a:endParaRPr lang="en-US"/>
+          </a:p>
+        </p:txBody>
+      </p:sp>
+    </p:spTree>
+    <p:extLst>
+      <p:ext uri="{BB962C8B-B14F-4D97-AF65-F5344CB8AC3E}">
+        <p14:creationId xmlns:p14="http://schemas.microsoft.com/office/powerpoint/2010/main" val="1832424175"/>
+      </p:ext>
+    </p:extLst>
+  </p:cSld>
+  <p:clrMapOvr>
+    <a:masterClrMapping/>
+  </p:clrMapOvr>
+  <mc:AlternateContent xmlns:mc="http://schemas.openxmlformats.org/markup-compatibility/2006">
+    <mc:Choice xmlns:p14="http://schemas.microsoft.com/office/powerpoint/2010/main" Requires="p14">
+      <p:transition spd="med" p14:dur="700">
+        <p:fade/>
+      </p:transition>
+    </mc:Choice>
+    <mc:Fallback>
+      <p:transition spd="med">
+        <p:fade/>
+      </p:transition>
+    </mc:Fallback>
+  </mc:AlternateContent>
+</p:sld>
+</file>
+
+<file path=ppt/slides/slide3.xml><?xml version="1.0" encoding="utf-8"?>
+<p:sld xmlns:a="http://schemas.openxmlformats.org/drawingml/2006/main" xmlns:r="http://schemas.openxmlformats.org/officeDocument/2006/relationships" xmlns:p="http://schemas.openxmlformats.org/presentationml/2006/main">
+  <p:cSld>
+    <p:spTree>
+      <p:nvGrpSpPr>
+        <p:cNvPr id="1" name=""/>
+        <p:cNvGrpSpPr/>
+        <p:nvPr/>
+      </p:nvGrpSpPr>
+      <p:grpSpPr>
+        <a:xfrm>
+          <a:off x="0" y="0"/>
+          <a:ext cx="0" cy="0"/>
+          <a:chOff x="0" y="0"/>
+          <a:chExt cx="0" cy="0"/>
+        </a:xfrm>
+      </p:grpSpPr>
+      <p:sp>
+        <p:nvSpPr>
+          <p:cNvPr id="2" name="Title 1">
+            <a:extLst>
+              <a:ext uri="{FF2B5EF4-FFF2-40B4-BE49-F238E27FC236}">
+                <a16:creationId xmlns:a16="http://schemas.microsoft.com/office/drawing/2014/main" id="{078713D3-D09F-46ED-8B1E-001A097D3CAA}"/>
+              </a:ext>
+            </a:extLst>
+          </p:cNvPr>
+          <p:cNvSpPr>
+            <a:spLocks noGrp="1"/>
+          </p:cNvSpPr>
+          <p:nvPr>
+            <p:ph type="title"/>
+          </p:nvPr>
+        </p:nvSpPr>
+        <p:spPr/>
+        <p:txBody>
+          <a:bodyPr/>
+          <a:lstStyle/>
+          <a:p>
+            <a:r>
+              <a:rPr lang="en-US" dirty="0"/>
+              <a:t> Means of transport</a:t>
+            </a:r>
+          </a:p>
+        </p:txBody>
+      </p:sp>
+      <p:sp>
+        <p:nvSpPr>
+          <p:cNvPr id="3" name="Content Placeholder 2">
+            <a:extLst>
+              <a:ext uri="{FF2B5EF4-FFF2-40B4-BE49-F238E27FC236}">
+                <a16:creationId xmlns:a16="http://schemas.microsoft.com/office/drawing/2014/main" id="{D9C4E4DD-8A17-4168-902F-9BB7DAE443BC}"/>
+              </a:ext>
+            </a:extLst>
+          </p:cNvPr>
+          <p:cNvSpPr>
+            <a:spLocks noGrp="1"/>
+          </p:cNvSpPr>
+          <p:nvPr>
+            <p:ph sz="half" idx="2"/>
+          </p:nvPr>
+        </p:nvSpPr>
+        <p:spPr>
+          <a:xfrm>
+            <a:off x="381000" y="850899"/>
+            <a:ext cx="5715000" cy="5641972"/>
+          </a:xfrm>
+        </p:spPr>
+        <p:txBody>
+          <a:bodyPr/>
+          <a:lstStyle/>
+          <a:p>
+            <a:r>
+              <a:rPr lang="en-US" dirty="0"/>
+              <a:t>Nowadays, with the rapid increase of vehicles, the intelligent automatic license plate recognition (ALPR) system is attracting more and more attention.</a:t>
+            </a:r>
+          </a:p>
+        </p:txBody>
+      </p:sp>
+      <p:sp>
+        <p:nvSpPr>
+          <p:cNvPr id="4" name="Date Placeholder 3">
+            <a:extLst>
+              <a:ext uri="{FF2B5EF4-FFF2-40B4-BE49-F238E27FC236}">
+                <a16:creationId xmlns:a16="http://schemas.microsoft.com/office/drawing/2014/main" id="{997F7C09-7C57-4FB6-8F98-0748C74F1CA7}"/>
+              </a:ext>
+            </a:extLst>
+          </p:cNvPr>
+          <p:cNvSpPr>
+            <a:spLocks noGrp="1"/>
+          </p:cNvSpPr>
+          <p:nvPr>
+            <p:ph type="dt" sz="half" idx="10"/>
+          </p:nvPr>
+        </p:nvSpPr>
+        <p:spPr/>
+        <p:txBody>
+          <a:bodyPr/>
+          <a:lstStyle/>
+          <a:p>
+            <a:fld id="{499624E5-6640-4B65-82B0-BACE50C7D1B2}" type="datetime1">
+              <a:rPr lang="en-US" smtClean="0"/>
+              <a:t>10/5/2021</a:t>
+            </a:fld>
+            <a:endParaRPr lang="en-US" dirty="0"/>
+          </a:p>
+        </p:txBody>
+      </p:sp>
+      <p:sp>
+        <p:nvSpPr>
+          <p:cNvPr id="5" name="Footer Placeholder 4">
+            <a:extLst>
+              <a:ext uri="{FF2B5EF4-FFF2-40B4-BE49-F238E27FC236}">
+                <a16:creationId xmlns:a16="http://schemas.microsoft.com/office/drawing/2014/main" id="{EC6E5597-BA82-4BDE-91E7-EAA7623D27AF}"/>
+              </a:ext>
+            </a:extLst>
+          </p:cNvPr>
+          <p:cNvSpPr>
+            <a:spLocks noGrp="1"/>
+          </p:cNvSpPr>
+          <p:nvPr>
+            <p:ph type="ftr" sz="quarter" idx="11"/>
+          </p:nvPr>
+        </p:nvSpPr>
+        <p:spPr/>
+        <p:txBody>
+          <a:bodyPr/>
+          <a:lstStyle/>
+          <a:p>
+            <a:r>
+              <a:rPr lang="fr-FR"/>
+              <a:t>Le Quy Don Technical University</a:t>
+            </a:r>
+            <a:endParaRPr lang="en-US" dirty="0"/>
+          </a:p>
+        </p:txBody>
+      </p:sp>
+      <p:sp>
+        <p:nvSpPr>
+          <p:cNvPr id="6" name="Slide Number Placeholder 5">
+            <a:extLst>
+              <a:ext uri="{FF2B5EF4-FFF2-40B4-BE49-F238E27FC236}">
+                <a16:creationId xmlns:a16="http://schemas.microsoft.com/office/drawing/2014/main" id="{14CDE322-E457-4D10-8B94-25D61A9F650F}"/>
+              </a:ext>
+            </a:extLst>
+          </p:cNvPr>
+          <p:cNvSpPr>
+            <a:spLocks noGrp="1"/>
+          </p:cNvSpPr>
+          <p:nvPr>
+            <p:ph type="sldNum" sz="quarter" idx="12"/>
+          </p:nvPr>
+        </p:nvSpPr>
+        <p:spPr/>
+        <p:txBody>
+          <a:bodyPr/>
+          <a:lstStyle/>
+          <a:p>
+            <a:fld id="{B881B6B3-2069-452F-BF40-F653D75B3DB0}" type="slidenum">
+              <a:rPr lang="en-US" smtClean="0"/>
+              <a:t>3</a:t>
+            </a:fld>
+            <a:endParaRPr lang="en-US"/>
+          </a:p>
+        </p:txBody>
+      </p:sp>
+      <p:sp>
+        <p:nvSpPr>
+          <p:cNvPr id="7" name="Text Placeholder 6">
+            <a:extLst>
+              <a:ext uri="{FF2B5EF4-FFF2-40B4-BE49-F238E27FC236}">
+                <a16:creationId xmlns:a16="http://schemas.microsoft.com/office/drawing/2014/main" id="{299CB233-52FA-4D95-9F8B-1E2B86E1C1B5}"/>
+              </a:ext>
+            </a:extLst>
+          </p:cNvPr>
+          <p:cNvSpPr>
+            <a:spLocks noGrp="1"/>
+          </p:cNvSpPr>
+          <p:nvPr>
+            <p:ph type="body" sz="quarter" idx="13"/>
+          </p:nvPr>
+        </p:nvSpPr>
+        <p:spPr/>
+        <p:txBody>
+          <a:bodyPr/>
+          <a:lstStyle/>
+          <a:p>
+            <a:r>
+              <a:rPr lang="en-US" dirty="0"/>
+              <a:t>Preface</a:t>
+            </a:r>
+          </a:p>
+        </p:txBody>
+      </p:sp>
+      <p:sp>
+        <p:nvSpPr>
+          <p:cNvPr id="8" name="Text Placeholder 7">
+            <a:extLst>
+              <a:ext uri="{FF2B5EF4-FFF2-40B4-BE49-F238E27FC236}">
+                <a16:creationId xmlns:a16="http://schemas.microsoft.com/office/drawing/2014/main" id="{BFA19AEA-30C5-433E-9AFF-2FB4411619BE}"/>
+              </a:ext>
+            </a:extLst>
+          </p:cNvPr>
+          <p:cNvSpPr>
+            <a:spLocks noGrp="1"/>
+          </p:cNvSpPr>
+          <p:nvPr>
+            <p:ph type="body" sz="quarter" idx="14"/>
+          </p:nvPr>
+        </p:nvSpPr>
+        <p:spPr/>
+        <p:txBody>
+          <a:bodyPr/>
+          <a:lstStyle/>
+          <a:p>
+            <a:r>
+              <a:rPr lang="en-US" dirty="0"/>
+              <a:t>Reality</a:t>
+            </a:r>
+          </a:p>
+        </p:txBody>
+      </p:sp>
+      <p:sp>
+        <p:nvSpPr>
+          <p:cNvPr id="9" name="Text Placeholder 8">
+            <a:extLst>
+              <a:ext uri="{FF2B5EF4-FFF2-40B4-BE49-F238E27FC236}">
+                <a16:creationId xmlns:a16="http://schemas.microsoft.com/office/drawing/2014/main" id="{90A21E1D-7357-4AE8-8ECD-F4FD24FB94AA}"/>
+              </a:ext>
+            </a:extLst>
+          </p:cNvPr>
+          <p:cNvSpPr>
+            <a:spLocks noGrp="1"/>
+          </p:cNvSpPr>
+          <p:nvPr>
+            <p:ph type="body" sz="quarter" idx="15"/>
+          </p:nvPr>
+        </p:nvSpPr>
+        <p:spPr>
+          <a:xfrm>
+            <a:off x="6793827" y="5105168"/>
+            <a:ext cx="4697297" cy="286232"/>
+          </a:xfrm>
+        </p:spPr>
+        <p:txBody>
+          <a:bodyPr/>
+          <a:lstStyle/>
+          <a:p>
+            <a:r>
+              <a:rPr lang="en-US" dirty="0"/>
+              <a:t>Means of transport on a highway in our country.</a:t>
+            </a:r>
+          </a:p>
+        </p:txBody>
+      </p:sp>
+      <p:pic>
+        <p:nvPicPr>
+          <p:cNvPr id="10" name="Picture 2" descr="https://www.vietvisiontravel.com/wp-content/uploads/2017/08/Vietnam-highway.jpg">
+            <a:extLst>
+              <a:ext uri="{FF2B5EF4-FFF2-40B4-BE49-F238E27FC236}">
+                <a16:creationId xmlns:a16="http://schemas.microsoft.com/office/drawing/2014/main" id="{1D2DD282-43F8-4D9C-A08C-708D0A27C978}"/>
+              </a:ext>
+            </a:extLst>
+          </p:cNvPr>
+          <p:cNvPicPr>
+            <a:picLocks noChangeAspect="1" noChangeArrowheads="1"/>
+          </p:cNvPicPr>
+          <p:nvPr/>
+        </p:nvPicPr>
+        <p:blipFill>
+          <a:blip r:embed="rId2">
+            <a:extLst>
+              <a:ext uri="{28A0092B-C50C-407E-A947-70E740481C1C}">
+                <a14:useLocalDpi xmlns:a14="http://schemas.microsoft.com/office/drawing/2010/main" val="0"/>
+              </a:ext>
+            </a:extLst>
+          </a:blip>
+          <a:srcRect/>
+          <a:stretch>
+            <a:fillRect/>
+          </a:stretch>
+        </p:blipFill>
+        <p:spPr bwMode="auto">
+          <a:xfrm>
+            <a:off x="6628224" y="1752832"/>
+            <a:ext cx="5028504" cy="3352336"/>
+          </a:xfrm>
+          <a:prstGeom prst="rect">
+            <a:avLst/>
+          </a:prstGeom>
+          <a:noFill/>
+          <a:extLst>
+            <a:ext uri="{909E8E84-426E-40DD-AFC4-6F175D3DCCD1}">
+              <a14:hiddenFill xmlns:a14="http://schemas.microsoft.com/office/drawing/2010/main">
+                <a:solidFill>
+                  <a:srgbClr val="FFFFFF"/>
+                </a:solidFill>
+              </a14:hiddenFill>
+            </a:ext>
+          </a:extLst>
+        </p:spPr>
+      </p:pic>
+    </p:spTree>
+    <p:extLst>
+      <p:ext uri="{BB962C8B-B14F-4D97-AF65-F5344CB8AC3E}">
+        <p14:creationId xmlns:p14="http://schemas.microsoft.com/office/powerpoint/2010/main" val="3049267335"/>
+      </p:ext>
+    </p:extLst>
+  </p:cSld>
+  <p:clrMapOvr>
+    <a:masterClrMapping/>
+  </p:clrMapOvr>
+  <mc:AlternateContent xmlns:mc="http://schemas.openxmlformats.org/markup-compatibility/2006">
+    <mc:Choice xmlns:p14="http://schemas.microsoft.com/office/powerpoint/2010/main" Requires="p14">
+      <p:transition spd="med" p14:dur="700">
+        <p:fade/>
+      </p:transition>
+    </mc:Choice>
+    <mc:Fallback>
+      <p:transition spd="med">
+        <p:fade/>
+      </p:transition>
+    </mc:Fallback>
+  </mc:AlternateContent>
+</p:sld>
+</file>
+
+<file path=ppt/slides/slide4.xml><?xml version="1.0" encoding="utf-8"?>
+<p:sld xmlns:a="http://schemas.openxmlformats.org/drawingml/2006/main" xmlns:r="http://schemas.openxmlformats.org/officeDocument/2006/relationships" xmlns:p="http://schemas.openxmlformats.org/presentationml/2006/main">
+  <p:cSld>
+    <p:spTree>
+      <p:nvGrpSpPr>
+        <p:cNvPr id="1" name=""/>
+        <p:cNvGrpSpPr/>
+        <p:nvPr/>
+      </p:nvGrpSpPr>
+      <p:grpSpPr>
+        <a:xfrm>
+          <a:off x="0" y="0"/>
+          <a:ext cx="0" cy="0"/>
+          <a:chOff x="0" y="0"/>
+          <a:chExt cx="0" cy="0"/>
+        </a:xfrm>
+      </p:grpSpPr>
+      <p:sp>
+        <p:nvSpPr>
+          <p:cNvPr id="2" name="Content Placeholder 1">
+            <a:extLst>
+              <a:ext uri="{FF2B5EF4-FFF2-40B4-BE49-F238E27FC236}">
+                <a16:creationId xmlns:a16="http://schemas.microsoft.com/office/drawing/2014/main" id="{A8D88023-2E08-48D1-A10F-BD6A68ADCC33}"/>
+              </a:ext>
+            </a:extLst>
+          </p:cNvPr>
+          <p:cNvSpPr>
+            <a:spLocks noGrp="1"/>
+          </p:cNvSpPr>
+          <p:nvPr>
+            <p:ph sz="half" idx="2"/>
+          </p:nvPr>
+        </p:nvSpPr>
+        <p:spPr/>
+        <p:txBody>
+          <a:bodyPr/>
+          <a:lstStyle/>
+          <a:p>
+            <a:pPr marL="285750" indent="-285750">
+              <a:buFont typeface="Courier New" panose="02070309020205020404" pitchFamily="49" charset="0"/>
+              <a:buChar char="o"/>
+            </a:pPr>
+            <a:r>
+              <a:rPr lang="en-US" dirty="0"/>
+              <a:t>Previous studies in ALPR focused on recognizing license plate (LP) in constrained environment.</a:t>
+            </a:r>
+          </a:p>
+          <a:p>
+            <a:pPr marL="285750" indent="-285750">
+              <a:buFont typeface="Courier New" panose="02070309020205020404" pitchFamily="49" charset="0"/>
+              <a:buChar char="o"/>
+            </a:pPr>
+            <a:endParaRPr lang="en-US" dirty="0"/>
+          </a:p>
+          <a:p>
+            <a:pPr marL="285750" indent="-285750">
+              <a:buFont typeface="Courier New" panose="02070309020205020404" pitchFamily="49" charset="0"/>
+              <a:buChar char="o"/>
+            </a:pPr>
+            <a:r>
+              <a:rPr lang="en-US" dirty="0"/>
+              <a:t>Recent studies on ALPR in Vietnam have conducted small datasets and have not covered various cases of Vietnamese LPs</a:t>
+            </a:r>
+          </a:p>
+          <a:p>
+            <a:endParaRPr lang="en-US" dirty="0"/>
+          </a:p>
+          <a:p>
+            <a:r>
+              <a:rPr lang="en-US" dirty="0">
+                <a:sym typeface="Wingdings" panose="05000000000000000000" pitchFamily="2" charset="2"/>
+              </a:rPr>
+              <a:t> </a:t>
+            </a:r>
+            <a:r>
+              <a:rPr lang="en-US" b="1" dirty="0">
+                <a:sym typeface="Wingdings" panose="05000000000000000000" pitchFamily="2" charset="2"/>
+              </a:rPr>
+              <a:t>O</a:t>
+            </a:r>
+            <a:r>
+              <a:rPr lang="en-US" b="1" dirty="0"/>
+              <a:t>ur goal</a:t>
+            </a:r>
+            <a:r>
+              <a:rPr lang="en-US" dirty="0"/>
+              <a:t>: To develop a model for ALPR that is effective in unconstrained environment in Vietnam</a:t>
+            </a:r>
+          </a:p>
+          <a:p>
+            <a:endParaRPr lang="en-US" dirty="0"/>
+          </a:p>
+        </p:txBody>
+      </p:sp>
+      <p:sp>
+        <p:nvSpPr>
+          <p:cNvPr id="3" name="Date Placeholder 2">
+            <a:extLst>
+              <a:ext uri="{FF2B5EF4-FFF2-40B4-BE49-F238E27FC236}">
+                <a16:creationId xmlns:a16="http://schemas.microsoft.com/office/drawing/2014/main" id="{3203F4C9-8947-4EAE-B01C-E79C27D44EBB}"/>
+              </a:ext>
+            </a:extLst>
+          </p:cNvPr>
+          <p:cNvSpPr>
+            <a:spLocks noGrp="1"/>
+          </p:cNvSpPr>
+          <p:nvPr>
+            <p:ph type="dt" sz="half" idx="10"/>
+          </p:nvPr>
+        </p:nvSpPr>
+        <p:spPr/>
+        <p:txBody>
+          <a:bodyPr/>
+          <a:lstStyle/>
+          <a:p>
+            <a:fld id="{499624E5-6640-4B65-82B0-BACE50C7D1B2}" type="datetime1">
+              <a:rPr lang="en-US" smtClean="0"/>
+              <a:t>10/5/2021</a:t>
+            </a:fld>
+            <a:endParaRPr lang="en-US" dirty="0"/>
+          </a:p>
+        </p:txBody>
+      </p:sp>
+      <p:sp>
+        <p:nvSpPr>
+          <p:cNvPr id="4" name="Footer Placeholder 3">
+            <a:extLst>
+              <a:ext uri="{FF2B5EF4-FFF2-40B4-BE49-F238E27FC236}">
+                <a16:creationId xmlns:a16="http://schemas.microsoft.com/office/drawing/2014/main" id="{984F3939-CE30-4234-8405-AF08899C4E67}"/>
+              </a:ext>
+            </a:extLst>
+          </p:cNvPr>
+          <p:cNvSpPr>
+            <a:spLocks noGrp="1"/>
+          </p:cNvSpPr>
+          <p:nvPr>
+            <p:ph type="ftr" sz="quarter" idx="11"/>
+          </p:nvPr>
+        </p:nvSpPr>
+        <p:spPr/>
+        <p:txBody>
+          <a:bodyPr/>
+          <a:lstStyle/>
+          <a:p>
+            <a:r>
+              <a:rPr lang="fr-FR"/>
+              <a:t>Le Quy Don Technical University</a:t>
+            </a:r>
+            <a:endParaRPr lang="en-US" dirty="0"/>
+          </a:p>
+        </p:txBody>
+      </p:sp>
+      <p:sp>
+        <p:nvSpPr>
+          <p:cNvPr id="5" name="Slide Number Placeholder 4">
+            <a:extLst>
+              <a:ext uri="{FF2B5EF4-FFF2-40B4-BE49-F238E27FC236}">
+                <a16:creationId xmlns:a16="http://schemas.microsoft.com/office/drawing/2014/main" id="{730A4907-C423-478E-BA8C-AEA9F8670097}"/>
+              </a:ext>
+            </a:extLst>
+          </p:cNvPr>
+          <p:cNvSpPr>
+            <a:spLocks noGrp="1"/>
+          </p:cNvSpPr>
+          <p:nvPr>
+            <p:ph type="sldNum" sz="quarter" idx="12"/>
+          </p:nvPr>
+        </p:nvSpPr>
+        <p:spPr/>
+        <p:txBody>
+          <a:bodyPr/>
+          <a:lstStyle/>
+          <a:p>
+            <a:fld id="{B881B6B3-2069-452F-BF40-F653D75B3DB0}" type="slidenum">
+              <a:rPr lang="en-US" smtClean="0"/>
+              <a:t>4</a:t>
+            </a:fld>
+            <a:endParaRPr lang="en-US"/>
+          </a:p>
+        </p:txBody>
+      </p:sp>
+      <p:sp>
+        <p:nvSpPr>
+          <p:cNvPr id="6" name="Text Placeholder 5">
+            <a:extLst>
+              <a:ext uri="{FF2B5EF4-FFF2-40B4-BE49-F238E27FC236}">
+                <a16:creationId xmlns:a16="http://schemas.microsoft.com/office/drawing/2014/main" id="{ECC80763-189B-486B-B69A-BC4B04B11790}"/>
+              </a:ext>
+            </a:extLst>
+          </p:cNvPr>
+          <p:cNvSpPr>
+            <a:spLocks noGrp="1"/>
+          </p:cNvSpPr>
+          <p:nvPr>
+            <p:ph type="body" sz="quarter" idx="13"/>
+          </p:nvPr>
+        </p:nvSpPr>
+        <p:spPr/>
+        <p:txBody>
+          <a:bodyPr/>
+          <a:lstStyle/>
+          <a:p>
+            <a:r>
+              <a:rPr lang="en-US" dirty="0"/>
+              <a:t>Preface</a:t>
+            </a:r>
+          </a:p>
+        </p:txBody>
+      </p:sp>
+      <p:sp>
+        <p:nvSpPr>
+          <p:cNvPr id="7" name="Text Placeholder 6">
+            <a:extLst>
+              <a:ext uri="{FF2B5EF4-FFF2-40B4-BE49-F238E27FC236}">
+                <a16:creationId xmlns:a16="http://schemas.microsoft.com/office/drawing/2014/main" id="{8E36EA54-8154-43B5-AD28-EC570103E07D}"/>
+              </a:ext>
+            </a:extLst>
+          </p:cNvPr>
+          <p:cNvSpPr>
+            <a:spLocks noGrp="1"/>
+          </p:cNvSpPr>
+          <p:nvPr>
+            <p:ph type="body" sz="quarter" idx="14"/>
+          </p:nvPr>
+        </p:nvSpPr>
+        <p:spPr/>
+        <p:txBody>
+          <a:bodyPr/>
+          <a:lstStyle/>
+          <a:p>
+            <a:r>
+              <a:rPr lang="en-US" dirty="0"/>
+              <a:t>Our goal</a:t>
+            </a:r>
+          </a:p>
+        </p:txBody>
+      </p:sp>
+    </p:spTree>
+    <p:extLst>
+      <p:ext uri="{BB962C8B-B14F-4D97-AF65-F5344CB8AC3E}">
+        <p14:creationId xmlns:p14="http://schemas.microsoft.com/office/powerpoint/2010/main" val="3814480308"/>
+      </p:ext>
+    </p:extLst>
+  </p:cSld>
+  <p:clrMapOvr>
+    <a:masterClrMapping/>
+  </p:clrMapOvr>
+  <mc:AlternateContent xmlns:mc="http://schemas.openxmlformats.org/markup-compatibility/2006">
+    <mc:Choice xmlns:p14="http://schemas.microsoft.com/office/powerpoint/2010/main" Requires="p14">
+      <p:transition spd="med" p14:dur="700">
+        <p:fade/>
+      </p:transition>
+    </mc:Choice>
+    <mc:Fallback>
+      <p:transition spd="med">
+        <p:fade/>
+      </p:transition>
+    </mc:Fallback>
+  </mc:AlternateContent>
+</p:sld>
+</file>
+
+<file path=ppt/slides/slide5.xml><?xml version="1.0" encoding="utf-8"?>
+<p:sld xmlns:a="http://schemas.openxmlformats.org/drawingml/2006/main" xmlns:r="http://schemas.openxmlformats.org/officeDocument/2006/relationships" xmlns:p="http://schemas.openxmlformats.org/presentationml/2006/main">
+  <p:cSld>
+    <p:spTree>
+      <p:nvGrpSpPr>
+        <p:cNvPr id="1" name=""/>
+        <p:cNvGrpSpPr/>
+        <p:nvPr/>
+      </p:nvGrpSpPr>
+      <p:grpSpPr>
+        <a:xfrm>
+          <a:off x="0" y="0"/>
+          <a:ext cx="0" cy="0"/>
+          <a:chOff x="0" y="0"/>
+          <a:chExt cx="0" cy="0"/>
+        </a:xfrm>
+      </p:grpSpPr>
+      <p:sp>
+        <p:nvSpPr>
+          <p:cNvPr id="2" name="Title 1">
+            <a:extLst>
+              <a:ext uri="{FF2B5EF4-FFF2-40B4-BE49-F238E27FC236}">
+                <a16:creationId xmlns:a16="http://schemas.microsoft.com/office/drawing/2014/main" id="{24DF79BE-E246-446D-94C6-4B50B4E3847F}"/>
+              </a:ext>
+            </a:extLst>
+          </p:cNvPr>
+          <p:cNvSpPr>
+            <a:spLocks noGrp="1"/>
+          </p:cNvSpPr>
+          <p:nvPr>
+            <p:ph type="title"/>
+          </p:nvPr>
+        </p:nvSpPr>
+        <p:spPr/>
+        <p:txBody>
+          <a:bodyPr/>
+          <a:lstStyle/>
+          <a:p>
+            <a:r>
+              <a:rPr lang="en-US" dirty="0"/>
+              <a:t>A typical ALPR system</a:t>
+            </a:r>
+          </a:p>
+        </p:txBody>
+      </p:sp>
+      <p:sp>
+        <p:nvSpPr>
+          <p:cNvPr id="4" name="Date Placeholder 3">
+            <a:extLst>
+              <a:ext uri="{FF2B5EF4-FFF2-40B4-BE49-F238E27FC236}">
+                <a16:creationId xmlns:a16="http://schemas.microsoft.com/office/drawing/2014/main" id="{63F0F9CC-6B76-4053-90A6-6CF29092E5D4}"/>
+              </a:ext>
+            </a:extLst>
+          </p:cNvPr>
+          <p:cNvSpPr>
+            <a:spLocks noGrp="1"/>
+          </p:cNvSpPr>
+          <p:nvPr>
+            <p:ph type="dt" sz="half" idx="10"/>
+          </p:nvPr>
+        </p:nvSpPr>
+        <p:spPr/>
+        <p:txBody>
+          <a:bodyPr/>
+          <a:lstStyle/>
+          <a:p>
+            <a:fld id="{499624E5-6640-4B65-82B0-BACE50C7D1B2}" type="datetime1">
+              <a:rPr lang="en-US" smtClean="0"/>
+              <a:t>10/5/2021</a:t>
+            </a:fld>
+            <a:endParaRPr lang="en-US" dirty="0"/>
+          </a:p>
+        </p:txBody>
+      </p:sp>
+      <p:sp>
+        <p:nvSpPr>
+          <p:cNvPr id="5" name="Footer Placeholder 4">
+            <a:extLst>
+              <a:ext uri="{FF2B5EF4-FFF2-40B4-BE49-F238E27FC236}">
+                <a16:creationId xmlns:a16="http://schemas.microsoft.com/office/drawing/2014/main" id="{8B1FBC0B-3D49-4F2A-82EC-15A98CC29B67}"/>
+              </a:ext>
+            </a:extLst>
+          </p:cNvPr>
+          <p:cNvSpPr>
+            <a:spLocks noGrp="1"/>
+          </p:cNvSpPr>
+          <p:nvPr>
+            <p:ph type="ftr" sz="quarter" idx="11"/>
+          </p:nvPr>
+        </p:nvSpPr>
+        <p:spPr/>
+        <p:txBody>
+          <a:bodyPr/>
+          <a:lstStyle/>
+          <a:p>
+            <a:r>
+              <a:rPr lang="fr-FR"/>
+              <a:t>Le Quy Don Technical University</a:t>
+            </a:r>
+            <a:endParaRPr lang="en-US" dirty="0"/>
+          </a:p>
+        </p:txBody>
+      </p:sp>
+      <p:sp>
+        <p:nvSpPr>
+          <p:cNvPr id="6" name="Slide Number Placeholder 5">
+            <a:extLst>
+              <a:ext uri="{FF2B5EF4-FFF2-40B4-BE49-F238E27FC236}">
+                <a16:creationId xmlns:a16="http://schemas.microsoft.com/office/drawing/2014/main" id="{86DB1617-9A8C-49E6-B7B1-17467FEC3BB2}"/>
+              </a:ext>
+            </a:extLst>
+          </p:cNvPr>
+          <p:cNvSpPr>
+            <a:spLocks noGrp="1"/>
+          </p:cNvSpPr>
+          <p:nvPr>
+            <p:ph type="sldNum" sz="quarter" idx="12"/>
+          </p:nvPr>
+        </p:nvSpPr>
+        <p:spPr/>
+        <p:txBody>
+          <a:bodyPr/>
+          <a:lstStyle/>
+          <a:p>
+            <a:fld id="{B881B6B3-2069-452F-BF40-F653D75B3DB0}" type="slidenum">
+              <a:rPr lang="en-US" smtClean="0"/>
+              <a:t>5</a:t>
+            </a:fld>
+            <a:endParaRPr lang="en-US"/>
+          </a:p>
+        </p:txBody>
+      </p:sp>
+      <p:sp>
+        <p:nvSpPr>
+          <p:cNvPr id="7" name="Text Placeholder 6">
+            <a:extLst>
+              <a:ext uri="{FF2B5EF4-FFF2-40B4-BE49-F238E27FC236}">
+                <a16:creationId xmlns:a16="http://schemas.microsoft.com/office/drawing/2014/main" id="{0D50477A-7B60-4FC7-91B4-1E48151F96A1}"/>
+              </a:ext>
+            </a:extLst>
+          </p:cNvPr>
+          <p:cNvSpPr>
+            <a:spLocks noGrp="1"/>
+          </p:cNvSpPr>
+          <p:nvPr>
+            <p:ph type="body" sz="quarter" idx="13"/>
+          </p:nvPr>
+        </p:nvSpPr>
+        <p:spPr/>
+        <p:txBody>
+          <a:bodyPr/>
+          <a:lstStyle/>
+          <a:p>
+            <a:r>
+              <a:rPr lang="en-US" dirty="0"/>
+              <a:t>Introduction</a:t>
+            </a:r>
+          </a:p>
+        </p:txBody>
+      </p:sp>
+      <p:sp>
+        <p:nvSpPr>
+          <p:cNvPr id="8" name="Text Placeholder 7">
+            <a:extLst>
+              <a:ext uri="{FF2B5EF4-FFF2-40B4-BE49-F238E27FC236}">
+                <a16:creationId xmlns:a16="http://schemas.microsoft.com/office/drawing/2014/main" id="{1E3B3BE6-E8E9-4C6F-A6A9-78021EF3E4E9}"/>
+              </a:ext>
+            </a:extLst>
+          </p:cNvPr>
+          <p:cNvSpPr>
+            <a:spLocks noGrp="1"/>
+          </p:cNvSpPr>
+          <p:nvPr>
+            <p:ph type="body" sz="quarter" idx="14"/>
+          </p:nvPr>
+        </p:nvSpPr>
+        <p:spPr/>
+        <p:txBody>
+          <a:bodyPr/>
+          <a:lstStyle/>
+          <a:p>
+            <a:r>
+              <a:rPr lang="en-US" dirty="0"/>
+              <a:t>ALPR system</a:t>
+            </a:r>
+          </a:p>
+        </p:txBody>
+      </p:sp>
+      <p:sp>
+        <p:nvSpPr>
+          <p:cNvPr id="9" name="Text Placeholder 8">
+            <a:extLst>
+              <a:ext uri="{FF2B5EF4-FFF2-40B4-BE49-F238E27FC236}">
+                <a16:creationId xmlns:a16="http://schemas.microsoft.com/office/drawing/2014/main" id="{332E3EBE-EA0D-4599-98CC-800ABDFCCB1E}"/>
+              </a:ext>
+            </a:extLst>
+          </p:cNvPr>
+          <p:cNvSpPr>
+            <a:spLocks noGrp="1"/>
+          </p:cNvSpPr>
+          <p:nvPr>
+            <p:ph type="body" sz="quarter" idx="15"/>
+          </p:nvPr>
+        </p:nvSpPr>
+        <p:spPr>
+          <a:xfrm>
+            <a:off x="3745826" y="5439055"/>
+            <a:ext cx="4697297" cy="286232"/>
+          </a:xfrm>
+        </p:spPr>
+        <p:txBody>
+          <a:bodyPr/>
+          <a:lstStyle/>
+          <a:p>
+            <a:r>
+              <a:rPr lang="en-US" dirty="0"/>
+              <a:t>A typical ALPR system</a:t>
+            </a:r>
+          </a:p>
+        </p:txBody>
+      </p:sp>
+      <p:pic>
+        <p:nvPicPr>
+          <p:cNvPr id="10" name="Content Placeholder 9">
+            <a:extLst>
+              <a:ext uri="{FF2B5EF4-FFF2-40B4-BE49-F238E27FC236}">
+                <a16:creationId xmlns:a16="http://schemas.microsoft.com/office/drawing/2014/main" id="{84B6AEBC-FD2F-45E0-B5CC-03E3D9CEB26B}"/>
+              </a:ext>
+            </a:extLst>
+          </p:cNvPr>
+          <p:cNvPicPr>
+            <a:picLocks noGrp="1" noChangeAspect="1"/>
+          </p:cNvPicPr>
+          <p:nvPr>
+            <p:ph sz="half" idx="2"/>
+          </p:nvPr>
+        </p:nvPicPr>
+        <p:blipFill>
+          <a:blip r:embed="rId2"/>
+          <a:stretch>
+            <a:fillRect/>
+          </a:stretch>
+        </p:blipFill>
+        <p:spPr>
+          <a:xfrm>
+            <a:off x="2790364" y="1418945"/>
+            <a:ext cx="6611273" cy="4020111"/>
+          </a:xfrm>
+          <a:prstGeom prst="rect">
+            <a:avLst/>
+          </a:prstGeom>
+        </p:spPr>
+      </p:pic>
+    </p:spTree>
+    <p:extLst>
+      <p:ext uri="{BB962C8B-B14F-4D97-AF65-F5344CB8AC3E}">
+        <p14:creationId xmlns:p14="http://schemas.microsoft.com/office/powerpoint/2010/main" val="632200565"/>
+      </p:ext>
+    </p:extLst>
+  </p:cSld>
+  <p:clrMapOvr>
+    <a:masterClrMapping/>
+  </p:clrMapOvr>
+  <mc:AlternateContent xmlns:mc="http://schemas.openxmlformats.org/markup-compatibility/2006">
+    <mc:Choice xmlns:p14="http://schemas.microsoft.com/office/powerpoint/2010/main" Requires="p14">
+      <p:transition spd="med" p14:dur="700">
+        <p:fade/>
+      </p:transition>
+    </mc:Choice>
+    <mc:Fallback>
+      <p:transition spd="med">
+        <p:fade/>
+      </p:transition>
+    </mc:Fallback>
+  </mc:AlternateContent>
+</p:sld>
+</file>
+
 <file path=ppt/theme/theme1.xml><?xml version="1.0" encoding="utf-8"?>
-<a:theme xmlns:a="http://schemas.openxmlformats.org/drawingml/2006/main" name="Office Theme">
+<a:theme xmlns:a="http://schemas.openxmlformats.org/drawingml/2006/main" name="Master_Latex_Theme">
   <a:themeElements>
     <a:clrScheme name="Office">
       <a:dk1>

--- a/my_template.pptx
+++ b/my_template.pptx
@@ -5,10 +5,10 @@
     <p:sldMasterId id="2147483648" r:id="rId1"/>
   </p:sldMasterIdLst>
   <p:notesMasterIdLst>
-    <p:notesMasterId r:id="rId7"/>
+    <p:notesMasterId r:id="rId15"/>
   </p:notesMasterIdLst>
   <p:handoutMasterIdLst>
-    <p:handoutMasterId r:id="rId8"/>
+    <p:handoutMasterId r:id="rId16"/>
   </p:handoutMasterIdLst>
   <p:sldIdLst>
     <p:sldId id="256" r:id="rId2"/>
@@ -16,6 +16,14 @@
     <p:sldId id="259" r:id="rId4"/>
     <p:sldId id="260" r:id="rId5"/>
     <p:sldId id="261" r:id="rId6"/>
+    <p:sldId id="262" r:id="rId7"/>
+    <p:sldId id="263" r:id="rId8"/>
+    <p:sldId id="264" r:id="rId9"/>
+    <p:sldId id="265" r:id="rId10"/>
+    <p:sldId id="267" r:id="rId11"/>
+    <p:sldId id="268" r:id="rId12"/>
+    <p:sldId id="269" r:id="rId13"/>
+    <p:sldId id="270" r:id="rId14"/>
   </p:sldIdLst>
   <p:sldSz cx="12192000" cy="6858000"/>
   <p:notesSz cx="6858000" cy="9144000"/>
@@ -118,6 +126,9 @@
     <p:ext uri="{EFAFB233-063F-42B5-8137-9DF3F51BA10A}">
       <p15:sldGuideLst xmlns:p15="http://schemas.microsoft.com/office/powerpoint/2012/main"/>
     </p:ext>
+    <p:ext uri="{2D200454-40CA-4A62-9FC3-DE9A4176ACB9}">
+      <p15:notesGuideLst xmlns:p15="http://schemas.microsoft.com/office/powerpoint/2012/main"/>
+    </p:ext>
   </p:extLst>
 </p:presentation>
 </file>
@@ -216,7 +227,7 @@
           <a:p>
             <a:fld id="{6D83A87F-D506-44B5-B06F-5F7287ADDF2F}" type="datetimeFigureOut">
               <a:rPr lang="en-US" smtClean="0"/>
-              <a:t>10/5/2021</a:t>
+              <a:t>6/10/2021</a:t>
             </a:fld>
             <a:endParaRPr lang="en-US"/>
           </a:p>
@@ -394,7 +405,7 @@
           <a:p>
             <a:fld id="{979DC09D-04DF-451F-8E6F-B3C75CCEF5E4}" type="datetimeFigureOut">
               <a:rPr lang="en-US" smtClean="0"/>
-              <a:t>10/5/2021</a:t>
+              <a:t>6/10/2021</a:t>
             </a:fld>
             <a:endParaRPr lang="en-US"/>
           </a:p>
@@ -863,7 +874,7 @@
           <a:p>
             <a:fld id="{F254E6E1-C624-4A89-BDA1-87A8B08D93BA}" type="datetime1">
               <a:rPr lang="en-US" smtClean="0"/>
-              <a:t>10/5/2021</a:t>
+              <a:t>6/10/2021</a:t>
             </a:fld>
             <a:endParaRPr lang="en-US" dirty="0"/>
           </a:p>
@@ -1142,7 +1153,7 @@
             <a:spLocks noGrp="1"/>
           </p:cNvSpPr>
           <p:nvPr>
-            <p:ph type="title" hasCustomPrompt="1"/>
+            <p:ph type="title"/>
           </p:nvPr>
         </p:nvSpPr>
         <p:spPr>
@@ -1160,7 +1171,7 @@
         <p:txBody>
           <a:bodyPr anchor="ctr"/>
           <a:lstStyle>
-            <a:lvl1pPr>
+            <a:lvl1pPr marL="284163" indent="0">
               <a:defRPr sz="2100" b="1">
                 <a:solidFill>
                   <a:srgbClr val="A30000"/>
@@ -1170,8 +1181,12 @@
           </a:lstStyle>
           <a:p>
             <a:r>
+              <a:rPr lang="en-US" dirty="0" smtClean="0"/>
+              <a:t>Click </a:t>
+            </a:r>
+            <a:r>
               <a:rPr lang="en-US" dirty="0"/>
-              <a:t>     Click to edit Master title style</a:t>
+              <a:t>to edit Master title style</a:t>
             </a:r>
           </a:p>
         </p:txBody>
@@ -1205,6 +1220,10 @@
           <a:bodyPr anchor="ctr"/>
           <a:lstStyle>
             <a:lvl1pPr marL="0" indent="0" algn="just">
+              <a:buClr>
+                <a:srgbClr val="233FB5"/>
+              </a:buClr>
+              <a:buFont typeface="+mj-lt"/>
               <a:buNone/>
               <a:defRPr sz="1900"/>
             </a:lvl1pPr>
@@ -1257,7 +1276,7 @@
           <a:p>
             <a:fld id="{499624E5-6640-4B65-82B0-BACE50C7D1B2}" type="datetime1">
               <a:rPr lang="en-US" smtClean="0"/>
-              <a:t>10/5/2021</a:t>
+              <a:t>6/10/2021</a:t>
             </a:fld>
             <a:endParaRPr lang="en-US" dirty="0"/>
           </a:p>
@@ -1481,13 +1500,13 @@
   <p:clrMapOvr>
     <a:masterClrMapping/>
   </p:clrMapOvr>
-  <mc:AlternateContent xmlns:mc="http://schemas.openxmlformats.org/markup-compatibility/2006">
-    <mc:Choice xmlns:p14="http://schemas.microsoft.com/office/powerpoint/2010/main" Requires="p14">
+  <mc:AlternateContent xmlns:mc="http://schemas.openxmlformats.org/markup-compatibility/2006" xmlns:p14="http://schemas.microsoft.com/office/powerpoint/2010/main">
+    <mc:Choice Requires="p14">
       <p:transition spd="med" p14:dur="700">
         <p:fade/>
       </p:transition>
     </mc:Choice>
-    <mc:Fallback>
+    <mc:Fallback xmlns="">
       <p:transition spd="med">
         <p:fade/>
       </p:transition>
@@ -1598,7 +1617,7 @@
           <a:p>
             <a:fld id="{499624E5-6640-4B65-82B0-BACE50C7D1B2}" type="datetime1">
               <a:rPr lang="en-US" smtClean="0"/>
-              <a:t>10/5/2021</a:t>
+              <a:t>6/10/2021</a:t>
             </a:fld>
             <a:endParaRPr lang="en-US" dirty="0"/>
           </a:p>
@@ -1822,13 +1841,13 @@
   <p:clrMapOvr>
     <a:masterClrMapping/>
   </p:clrMapOvr>
-  <mc:AlternateContent xmlns:mc="http://schemas.openxmlformats.org/markup-compatibility/2006">
-    <mc:Choice xmlns:p14="http://schemas.microsoft.com/office/powerpoint/2010/main" Requires="p14">
+  <mc:AlternateContent xmlns:mc="http://schemas.openxmlformats.org/markup-compatibility/2006" xmlns:p14="http://schemas.microsoft.com/office/powerpoint/2010/main">
+    <mc:Choice Requires="p14">
       <p:transition spd="med" p14:dur="700">
         <p:fade/>
       </p:transition>
     </mc:Choice>
-    <mc:Fallback>
+    <mc:Fallback xmlns="">
       <p:transition spd="med">
         <p:fade/>
       </p:transition>
@@ -1930,6 +1949,10 @@
           <a:bodyPr anchor="ctr"/>
           <a:lstStyle>
             <a:lvl1pPr marL="0" indent="0" algn="just">
+              <a:buClr>
+                <a:srgbClr val="233FB5"/>
+              </a:buClr>
+              <a:buFont typeface="+mj-lt"/>
               <a:buNone/>
               <a:defRPr sz="1900"/>
             </a:lvl1pPr>
@@ -1982,7 +2005,7 @@
           <a:p>
             <a:fld id="{499624E5-6640-4B65-82B0-BACE50C7D1B2}" type="datetime1">
               <a:rPr lang="en-US" smtClean="0"/>
-              <a:t>10/5/2021</a:t>
+              <a:t>6/10/2021</a:t>
             </a:fld>
             <a:endParaRPr lang="en-US" dirty="0"/>
           </a:p>
@@ -2271,13 +2294,13 @@
   <p:clrMapOvr>
     <a:masterClrMapping/>
   </p:clrMapOvr>
-  <mc:AlternateContent xmlns:mc="http://schemas.openxmlformats.org/markup-compatibility/2006">
-    <mc:Choice xmlns:p14="http://schemas.microsoft.com/office/powerpoint/2010/main" Requires="p14">
+  <mc:AlternateContent xmlns:mc="http://schemas.openxmlformats.org/markup-compatibility/2006" xmlns:p14="http://schemas.microsoft.com/office/powerpoint/2010/main">
+    <mc:Choice Requires="p14">
       <p:transition spd="med" p14:dur="700">
         <p:fade/>
       </p:transition>
     </mc:Choice>
-    <mc:Fallback>
+    <mc:Fallback xmlns="">
       <p:transition spd="med">
         <p:fade/>
       </p:transition>
@@ -2351,7 +2374,7 @@
           <a:p>
             <a:fld id="{3605BC6B-0753-49C4-B818-4A6D4F4F202B}" type="datetime1">
               <a:rPr lang="en-US" smtClean="0"/>
-              <a:t>10/5/2021</a:t>
+              <a:t>6/10/2021</a:t>
             </a:fld>
             <a:endParaRPr lang="en-US" dirty="0"/>
           </a:p>
@@ -3278,7 +3301,7 @@
           <a:p>
             <a:fld id="{F254E6E1-C624-4A89-BDA1-87A8B08D93BA}" type="datetime1">
               <a:rPr lang="en-US" smtClean="0"/>
-              <a:t>10/5/2021</a:t>
+              <a:t>6/10/2021</a:t>
             </a:fld>
             <a:endParaRPr lang="en-US" dirty="0"/>
           </a:p>
@@ -3501,7 +3524,7 @@
         </p:blipFill>
         <p:spPr>
           <a:xfrm>
-            <a:off x="5544002" y="794695"/>
+            <a:off x="5544002" y="712399"/>
             <a:ext cx="1103989" cy="1103989"/>
           </a:xfrm>
           <a:prstGeom prst="rect">
@@ -3529,6 +3552,2407 @@
   <p:clrMapOvr>
     <a:masterClrMapping/>
   </p:clrMapOvr>
+  <p:timing>
+    <p:tnLst>
+      <p:par>
+        <p:cTn id="1" dur="indefinite" restart="never" nodeType="tmRoot"/>
+      </p:par>
+    </p:tnLst>
+  </p:timing>
+</p:sld>
+</file>
+
+<file path=ppt/slides/slide10.xml><?xml version="1.0" encoding="utf-8"?>
+<p:sld xmlns:a="http://schemas.openxmlformats.org/drawingml/2006/main" xmlns:r="http://schemas.openxmlformats.org/officeDocument/2006/relationships" xmlns:p="http://schemas.openxmlformats.org/presentationml/2006/main">
+  <p:cSld>
+    <p:spTree>
+      <p:nvGrpSpPr>
+        <p:cNvPr id="1" name=""/>
+        <p:cNvGrpSpPr/>
+        <p:nvPr/>
+      </p:nvGrpSpPr>
+      <p:grpSpPr>
+        <a:xfrm>
+          <a:off x="0" y="0"/>
+          <a:ext cx="0" cy="0"/>
+          <a:chOff x="0" y="0"/>
+          <a:chExt cx="0" cy="0"/>
+        </a:xfrm>
+      </p:grpSpPr>
+      <p:sp>
+        <p:nvSpPr>
+          <p:cNvPr id="2" name="Title 1"/>
+          <p:cNvSpPr>
+            <a:spLocks noGrp="1"/>
+          </p:cNvSpPr>
+          <p:nvPr>
+            <p:ph type="title"/>
+          </p:nvPr>
+        </p:nvSpPr>
+        <p:spPr/>
+        <p:txBody>
+          <a:bodyPr/>
+          <a:lstStyle/>
+          <a:p>
+            <a:r>
+              <a:rPr lang="en-US" dirty="0"/>
+              <a:t>Key-points detection problem – </a:t>
+            </a:r>
+            <a:r>
+              <a:rPr lang="en-US" dirty="0" smtClean="0"/>
+              <a:t>Human Pose Estimation (HPE)</a:t>
+            </a:r>
+            <a:endParaRPr lang="en-US" dirty="0"/>
+          </a:p>
+        </p:txBody>
+      </p:sp>
+      <p:sp>
+        <p:nvSpPr>
+          <p:cNvPr id="4" name="Date Placeholder 3"/>
+          <p:cNvSpPr>
+            <a:spLocks noGrp="1"/>
+          </p:cNvSpPr>
+          <p:nvPr>
+            <p:ph type="dt" sz="half" idx="10"/>
+          </p:nvPr>
+        </p:nvSpPr>
+        <p:spPr/>
+        <p:txBody>
+          <a:bodyPr/>
+          <a:lstStyle/>
+          <a:p>
+            <a:fld id="{499624E5-6640-4B65-82B0-BACE50C7D1B2}" type="datetime1">
+              <a:rPr lang="en-US" smtClean="0"/>
+              <a:t>6/10/2021</a:t>
+            </a:fld>
+            <a:endParaRPr lang="en-US" dirty="0"/>
+          </a:p>
+        </p:txBody>
+      </p:sp>
+      <p:sp>
+        <p:nvSpPr>
+          <p:cNvPr id="5" name="Footer Placeholder 4"/>
+          <p:cNvSpPr>
+            <a:spLocks noGrp="1"/>
+          </p:cNvSpPr>
+          <p:nvPr>
+            <p:ph type="ftr" sz="quarter" idx="11"/>
+          </p:nvPr>
+        </p:nvSpPr>
+        <p:spPr/>
+        <p:txBody>
+          <a:bodyPr/>
+          <a:lstStyle/>
+          <a:p>
+            <a:r>
+              <a:rPr lang="fr-FR" smtClean="0"/>
+              <a:t>Le Quy Don Technical University</a:t>
+            </a:r>
+            <a:endParaRPr lang="en-US" dirty="0"/>
+          </a:p>
+        </p:txBody>
+      </p:sp>
+      <p:sp>
+        <p:nvSpPr>
+          <p:cNvPr id="6" name="Slide Number Placeholder 5"/>
+          <p:cNvSpPr>
+            <a:spLocks noGrp="1"/>
+          </p:cNvSpPr>
+          <p:nvPr>
+            <p:ph type="sldNum" sz="quarter" idx="12"/>
+          </p:nvPr>
+        </p:nvSpPr>
+        <p:spPr/>
+        <p:txBody>
+          <a:bodyPr/>
+          <a:lstStyle/>
+          <a:p>
+            <a:fld id="{B881B6B3-2069-452F-BF40-F653D75B3DB0}" type="slidenum">
+              <a:rPr lang="en-US" smtClean="0"/>
+              <a:t>10</a:t>
+            </a:fld>
+            <a:endParaRPr lang="en-US"/>
+          </a:p>
+        </p:txBody>
+      </p:sp>
+      <p:sp>
+        <p:nvSpPr>
+          <p:cNvPr id="7" name="Text Placeholder 6"/>
+          <p:cNvSpPr>
+            <a:spLocks noGrp="1"/>
+          </p:cNvSpPr>
+          <p:nvPr>
+            <p:ph type="body" sz="quarter" idx="13"/>
+          </p:nvPr>
+        </p:nvSpPr>
+        <p:spPr/>
+        <p:txBody>
+          <a:bodyPr/>
+          <a:lstStyle/>
+          <a:p>
+            <a:r>
+              <a:rPr lang="en-US" dirty="0" smtClean="0"/>
+              <a:t>Related work</a:t>
+            </a:r>
+            <a:endParaRPr lang="en-US" dirty="0"/>
+          </a:p>
+        </p:txBody>
+      </p:sp>
+      <p:sp>
+        <p:nvSpPr>
+          <p:cNvPr id="8" name="Text Placeholder 7"/>
+          <p:cNvSpPr>
+            <a:spLocks noGrp="1"/>
+          </p:cNvSpPr>
+          <p:nvPr>
+            <p:ph type="body" sz="quarter" idx="14"/>
+          </p:nvPr>
+        </p:nvSpPr>
+        <p:spPr/>
+        <p:txBody>
+          <a:bodyPr/>
+          <a:lstStyle/>
+          <a:p>
+            <a:r>
+              <a:rPr lang="en-US" dirty="0" smtClean="0"/>
+              <a:t>Key-points detection</a:t>
+            </a:r>
+            <a:endParaRPr lang="en-US" dirty="0"/>
+          </a:p>
+        </p:txBody>
+      </p:sp>
+      <p:sp>
+        <p:nvSpPr>
+          <p:cNvPr id="9" name="Text Placeholder 8"/>
+          <p:cNvSpPr>
+            <a:spLocks noGrp="1"/>
+          </p:cNvSpPr>
+          <p:nvPr>
+            <p:ph type="body" sz="quarter" idx="15"/>
+          </p:nvPr>
+        </p:nvSpPr>
+        <p:spPr>
+          <a:xfrm>
+            <a:off x="889383" y="5901523"/>
+            <a:ext cx="2570132" cy="270077"/>
+          </a:xfrm>
+        </p:spPr>
+        <p:txBody>
+          <a:bodyPr/>
+          <a:lstStyle/>
+          <a:p>
+            <a:r>
+              <a:rPr lang="en-US" dirty="0" smtClean="0"/>
+              <a:t>HPE problem</a:t>
+            </a:r>
+            <a:endParaRPr lang="en-US" dirty="0"/>
+          </a:p>
+        </p:txBody>
+      </p:sp>
+      <p:pic>
+        <p:nvPicPr>
+          <p:cNvPr id="10" name="Picture 9"/>
+          <p:cNvPicPr>
+            <a:picLocks noChangeAspect="1"/>
+          </p:cNvPicPr>
+          <p:nvPr/>
+        </p:nvPicPr>
+        <p:blipFill>
+          <a:blip r:embed="rId2"/>
+          <a:stretch>
+            <a:fillRect/>
+          </a:stretch>
+        </p:blipFill>
+        <p:spPr>
+          <a:xfrm>
+            <a:off x="945553" y="971207"/>
+            <a:ext cx="2457793" cy="4915586"/>
+          </a:xfrm>
+          <a:prstGeom prst="rect">
+            <a:avLst/>
+          </a:prstGeom>
+        </p:spPr>
+      </p:pic>
+      <p:pic>
+        <p:nvPicPr>
+          <p:cNvPr id="3" name="Picture 2"/>
+          <p:cNvPicPr>
+            <a:picLocks noChangeAspect="1"/>
+          </p:cNvPicPr>
+          <p:nvPr/>
+        </p:nvPicPr>
+        <p:blipFill>
+          <a:blip r:embed="rId3"/>
+          <a:stretch>
+            <a:fillRect/>
+          </a:stretch>
+        </p:blipFill>
+        <p:spPr>
+          <a:xfrm>
+            <a:off x="5191426" y="1086676"/>
+            <a:ext cx="6239746" cy="2486372"/>
+          </a:xfrm>
+          <a:prstGeom prst="rect">
+            <a:avLst/>
+          </a:prstGeom>
+        </p:spPr>
+      </p:pic>
+      <p:pic>
+        <p:nvPicPr>
+          <p:cNvPr id="2050" name="Picture 2" descr="Heatmaps of images using convolutional networks"/>
+          <p:cNvPicPr>
+            <a:picLocks noChangeAspect="1" noChangeArrowheads="1"/>
+          </p:cNvPicPr>
+          <p:nvPr/>
+        </p:nvPicPr>
+        <p:blipFill rotWithShape="1">
+          <a:blip r:embed="rId4">
+            <a:extLst>
+              <a:ext uri="{28A0092B-C50C-407E-A947-70E740481C1C}">
+                <a14:useLocalDpi xmlns:a14="http://schemas.microsoft.com/office/drawing/2010/main" val="0"/>
+              </a:ext>
+            </a:extLst>
+          </a:blip>
+          <a:srcRect t="1841" b="11914"/>
+          <a:stretch/>
+        </p:blipFill>
+        <p:spPr bwMode="auto">
+          <a:xfrm>
+            <a:off x="4967631" y="3930812"/>
+            <a:ext cx="6762750" cy="1150070"/>
+          </a:xfrm>
+          <a:prstGeom prst="rect">
+            <a:avLst/>
+          </a:prstGeom>
+          <a:noFill/>
+          <a:extLst>
+            <a:ext uri="{909E8E84-426E-40DD-AFC4-6F175D3DCCD1}">
+              <a14:hiddenFill xmlns:a14="http://schemas.microsoft.com/office/drawing/2010/main">
+                <a:solidFill>
+                  <a:srgbClr val="FFFFFF"/>
+                </a:solidFill>
+              </a14:hiddenFill>
+            </a:ext>
+          </a:extLst>
+        </p:spPr>
+      </p:pic>
+      <p:sp>
+        <p:nvSpPr>
+          <p:cNvPr id="13" name="Text Placeholder 8"/>
+          <p:cNvSpPr txBox="1">
+            <a:spLocks/>
+          </p:cNvSpPr>
+          <p:nvPr/>
+        </p:nvSpPr>
+        <p:spPr>
+          <a:xfrm>
+            <a:off x="7026233" y="3456690"/>
+            <a:ext cx="2570132" cy="300082"/>
+          </a:xfrm>
+          <a:prstGeom prst="rect">
+            <a:avLst/>
+          </a:prstGeom>
+        </p:spPr>
+        <p:txBody>
+          <a:bodyPr wrap="square" anchor="ctr">
+            <a:spAutoFit/>
+          </a:bodyPr>
+          <a:lstStyle>
+            <a:lvl1pPr marL="0" indent="0" algn="ctr" defTabSz="914400" rtl="0" eaLnBrk="1" latinLnBrk="0" hangingPunct="1">
+              <a:lnSpc>
+                <a:spcPct val="90000"/>
+              </a:lnSpc>
+              <a:spcBef>
+                <a:spcPts val="1000"/>
+              </a:spcBef>
+              <a:buFont typeface="+mj-lt"/>
+              <a:buNone/>
+              <a:defRPr sz="1500" b="0" i="1" kern="1200">
+                <a:solidFill>
+                  <a:schemeClr val="tx1"/>
+                </a:solidFill>
+                <a:latin typeface="Knuth's Computer Modern"/>
+                <a:ea typeface="+mn-ea"/>
+                <a:cs typeface="+mn-cs"/>
+              </a:defRPr>
+            </a:lvl1pPr>
+            <a:lvl2pPr marL="457200" indent="0" algn="l" defTabSz="914400" rtl="0" eaLnBrk="1" latinLnBrk="0" hangingPunct="1">
+              <a:lnSpc>
+                <a:spcPct val="90000"/>
+              </a:lnSpc>
+              <a:spcBef>
+                <a:spcPts val="500"/>
+              </a:spcBef>
+              <a:buFont typeface="+mj-lt"/>
+              <a:buNone/>
+              <a:defRPr sz="1400" i="1" kern="1200">
+                <a:solidFill>
+                  <a:schemeClr val="tx1"/>
+                </a:solidFill>
+                <a:latin typeface="Knuth's Computer Modern"/>
+                <a:ea typeface="+mn-ea"/>
+                <a:cs typeface="+mn-cs"/>
+              </a:defRPr>
+            </a:lvl2pPr>
+            <a:lvl3pPr marL="914400" indent="0" algn="l" defTabSz="914400" rtl="0" eaLnBrk="1" latinLnBrk="0" hangingPunct="1">
+              <a:lnSpc>
+                <a:spcPct val="90000"/>
+              </a:lnSpc>
+              <a:spcBef>
+                <a:spcPts val="500"/>
+              </a:spcBef>
+              <a:buFont typeface="+mj-lt"/>
+              <a:buNone/>
+              <a:defRPr sz="1400" i="1" kern="1200">
+                <a:solidFill>
+                  <a:schemeClr val="tx1"/>
+                </a:solidFill>
+                <a:latin typeface="Knuth's Computer Modern"/>
+                <a:ea typeface="+mn-ea"/>
+                <a:cs typeface="+mn-cs"/>
+              </a:defRPr>
+            </a:lvl3pPr>
+            <a:lvl4pPr marL="1371600" indent="0" algn="l" defTabSz="914400" rtl="0" eaLnBrk="1" latinLnBrk="0" hangingPunct="1">
+              <a:lnSpc>
+                <a:spcPct val="90000"/>
+              </a:lnSpc>
+              <a:spcBef>
+                <a:spcPts val="500"/>
+              </a:spcBef>
+              <a:buFont typeface="+mj-lt"/>
+              <a:buNone/>
+              <a:defRPr sz="1400" i="1" kern="1200">
+                <a:solidFill>
+                  <a:schemeClr val="tx1"/>
+                </a:solidFill>
+                <a:latin typeface="Knuth's Computer Modern"/>
+                <a:ea typeface="+mn-ea"/>
+                <a:cs typeface="+mn-cs"/>
+              </a:defRPr>
+            </a:lvl4pPr>
+            <a:lvl5pPr marL="1828800" indent="0" algn="l" defTabSz="914400" rtl="0" eaLnBrk="1" latinLnBrk="0" hangingPunct="1">
+              <a:lnSpc>
+                <a:spcPct val="90000"/>
+              </a:lnSpc>
+              <a:spcBef>
+                <a:spcPts val="500"/>
+              </a:spcBef>
+              <a:buFont typeface="+mj-lt"/>
+              <a:buNone/>
+              <a:defRPr sz="1400" i="1" kern="1200">
+                <a:solidFill>
+                  <a:schemeClr val="tx1"/>
+                </a:solidFill>
+                <a:latin typeface="Knuth's Computer Modern"/>
+                <a:ea typeface="+mn-ea"/>
+                <a:cs typeface="+mn-cs"/>
+              </a:defRPr>
+            </a:lvl5pPr>
+            <a:lvl6pPr marL="2514600" indent="-228600" algn="l" defTabSz="914400" rtl="0" eaLnBrk="1" latinLnBrk="0" hangingPunct="1">
+              <a:lnSpc>
+                <a:spcPct val="90000"/>
+              </a:lnSpc>
+              <a:spcBef>
+                <a:spcPts val="500"/>
+              </a:spcBef>
+              <a:buFont typeface="Arial" panose="020B0604020202020204" pitchFamily="34" charset="0"/>
+              <a:buChar char="•"/>
+              <a:defRPr sz="1800" kern="1200">
+                <a:solidFill>
+                  <a:schemeClr val="tx1"/>
+                </a:solidFill>
+                <a:latin typeface="+mn-lt"/>
+                <a:ea typeface="+mn-ea"/>
+                <a:cs typeface="+mn-cs"/>
+              </a:defRPr>
+            </a:lvl6pPr>
+            <a:lvl7pPr marL="2971800" indent="-228600" algn="l" defTabSz="914400" rtl="0" eaLnBrk="1" latinLnBrk="0" hangingPunct="1">
+              <a:lnSpc>
+                <a:spcPct val="90000"/>
+              </a:lnSpc>
+              <a:spcBef>
+                <a:spcPts val="500"/>
+              </a:spcBef>
+              <a:buFont typeface="Arial" panose="020B0604020202020204" pitchFamily="34" charset="0"/>
+              <a:buChar char="•"/>
+              <a:defRPr sz="1800" kern="1200">
+                <a:solidFill>
+                  <a:schemeClr val="tx1"/>
+                </a:solidFill>
+                <a:latin typeface="+mn-lt"/>
+                <a:ea typeface="+mn-ea"/>
+                <a:cs typeface="+mn-cs"/>
+              </a:defRPr>
+            </a:lvl7pPr>
+            <a:lvl8pPr marL="3429000" indent="-228600" algn="l" defTabSz="914400" rtl="0" eaLnBrk="1" latinLnBrk="0" hangingPunct="1">
+              <a:lnSpc>
+                <a:spcPct val="90000"/>
+              </a:lnSpc>
+              <a:spcBef>
+                <a:spcPts val="500"/>
+              </a:spcBef>
+              <a:buFont typeface="Arial" panose="020B0604020202020204" pitchFamily="34" charset="0"/>
+              <a:buChar char="•"/>
+              <a:defRPr sz="1800" kern="1200">
+                <a:solidFill>
+                  <a:schemeClr val="tx1"/>
+                </a:solidFill>
+                <a:latin typeface="+mn-lt"/>
+                <a:ea typeface="+mn-ea"/>
+                <a:cs typeface="+mn-cs"/>
+              </a:defRPr>
+            </a:lvl8pPr>
+            <a:lvl9pPr marL="3886200" indent="-228600" algn="l" defTabSz="914400" rtl="0" eaLnBrk="1" latinLnBrk="0" hangingPunct="1">
+              <a:lnSpc>
+                <a:spcPct val="90000"/>
+              </a:lnSpc>
+              <a:spcBef>
+                <a:spcPts val="500"/>
+              </a:spcBef>
+              <a:buFont typeface="Arial" panose="020B0604020202020204" pitchFamily="34" charset="0"/>
+              <a:buChar char="•"/>
+              <a:defRPr sz="1800" kern="1200">
+                <a:solidFill>
+                  <a:schemeClr val="tx1"/>
+                </a:solidFill>
+                <a:latin typeface="+mn-lt"/>
+                <a:ea typeface="+mn-ea"/>
+                <a:cs typeface="+mn-cs"/>
+              </a:defRPr>
+            </a:lvl9pPr>
+          </a:lstStyle>
+          <a:p>
+            <a:r>
+              <a:rPr lang="en-US" dirty="0" smtClean="0"/>
+              <a:t>Coordinate regression</a:t>
+            </a:r>
+            <a:endParaRPr lang="en-US" dirty="0"/>
+          </a:p>
+        </p:txBody>
+      </p:sp>
+      <p:sp>
+        <p:nvSpPr>
+          <p:cNvPr id="14" name="Text Placeholder 8"/>
+          <p:cNvSpPr txBox="1">
+            <a:spLocks/>
+          </p:cNvSpPr>
+          <p:nvPr/>
+        </p:nvSpPr>
+        <p:spPr>
+          <a:xfrm>
+            <a:off x="7063940" y="5080883"/>
+            <a:ext cx="2570132" cy="300082"/>
+          </a:xfrm>
+          <a:prstGeom prst="rect">
+            <a:avLst/>
+          </a:prstGeom>
+        </p:spPr>
+        <p:txBody>
+          <a:bodyPr wrap="square" anchor="ctr">
+            <a:spAutoFit/>
+          </a:bodyPr>
+          <a:lstStyle>
+            <a:lvl1pPr marL="0" indent="0" algn="ctr" defTabSz="914400" rtl="0" eaLnBrk="1" latinLnBrk="0" hangingPunct="1">
+              <a:lnSpc>
+                <a:spcPct val="90000"/>
+              </a:lnSpc>
+              <a:spcBef>
+                <a:spcPts val="1000"/>
+              </a:spcBef>
+              <a:buFont typeface="+mj-lt"/>
+              <a:buNone/>
+              <a:defRPr sz="1500" b="0" i="1" kern="1200">
+                <a:solidFill>
+                  <a:schemeClr val="tx1"/>
+                </a:solidFill>
+                <a:latin typeface="Knuth's Computer Modern"/>
+                <a:ea typeface="+mn-ea"/>
+                <a:cs typeface="+mn-cs"/>
+              </a:defRPr>
+            </a:lvl1pPr>
+            <a:lvl2pPr marL="457200" indent="0" algn="l" defTabSz="914400" rtl="0" eaLnBrk="1" latinLnBrk="0" hangingPunct="1">
+              <a:lnSpc>
+                <a:spcPct val="90000"/>
+              </a:lnSpc>
+              <a:spcBef>
+                <a:spcPts val="500"/>
+              </a:spcBef>
+              <a:buFont typeface="+mj-lt"/>
+              <a:buNone/>
+              <a:defRPr sz="1400" i="1" kern="1200">
+                <a:solidFill>
+                  <a:schemeClr val="tx1"/>
+                </a:solidFill>
+                <a:latin typeface="Knuth's Computer Modern"/>
+                <a:ea typeface="+mn-ea"/>
+                <a:cs typeface="+mn-cs"/>
+              </a:defRPr>
+            </a:lvl2pPr>
+            <a:lvl3pPr marL="914400" indent="0" algn="l" defTabSz="914400" rtl="0" eaLnBrk="1" latinLnBrk="0" hangingPunct="1">
+              <a:lnSpc>
+                <a:spcPct val="90000"/>
+              </a:lnSpc>
+              <a:spcBef>
+                <a:spcPts val="500"/>
+              </a:spcBef>
+              <a:buFont typeface="+mj-lt"/>
+              <a:buNone/>
+              <a:defRPr sz="1400" i="1" kern="1200">
+                <a:solidFill>
+                  <a:schemeClr val="tx1"/>
+                </a:solidFill>
+                <a:latin typeface="Knuth's Computer Modern"/>
+                <a:ea typeface="+mn-ea"/>
+                <a:cs typeface="+mn-cs"/>
+              </a:defRPr>
+            </a:lvl3pPr>
+            <a:lvl4pPr marL="1371600" indent="0" algn="l" defTabSz="914400" rtl="0" eaLnBrk="1" latinLnBrk="0" hangingPunct="1">
+              <a:lnSpc>
+                <a:spcPct val="90000"/>
+              </a:lnSpc>
+              <a:spcBef>
+                <a:spcPts val="500"/>
+              </a:spcBef>
+              <a:buFont typeface="+mj-lt"/>
+              <a:buNone/>
+              <a:defRPr sz="1400" i="1" kern="1200">
+                <a:solidFill>
+                  <a:schemeClr val="tx1"/>
+                </a:solidFill>
+                <a:latin typeface="Knuth's Computer Modern"/>
+                <a:ea typeface="+mn-ea"/>
+                <a:cs typeface="+mn-cs"/>
+              </a:defRPr>
+            </a:lvl4pPr>
+            <a:lvl5pPr marL="1828800" indent="0" algn="l" defTabSz="914400" rtl="0" eaLnBrk="1" latinLnBrk="0" hangingPunct="1">
+              <a:lnSpc>
+                <a:spcPct val="90000"/>
+              </a:lnSpc>
+              <a:spcBef>
+                <a:spcPts val="500"/>
+              </a:spcBef>
+              <a:buFont typeface="+mj-lt"/>
+              <a:buNone/>
+              <a:defRPr sz="1400" i="1" kern="1200">
+                <a:solidFill>
+                  <a:schemeClr val="tx1"/>
+                </a:solidFill>
+                <a:latin typeface="Knuth's Computer Modern"/>
+                <a:ea typeface="+mn-ea"/>
+                <a:cs typeface="+mn-cs"/>
+              </a:defRPr>
+            </a:lvl5pPr>
+            <a:lvl6pPr marL="2514600" indent="-228600" algn="l" defTabSz="914400" rtl="0" eaLnBrk="1" latinLnBrk="0" hangingPunct="1">
+              <a:lnSpc>
+                <a:spcPct val="90000"/>
+              </a:lnSpc>
+              <a:spcBef>
+                <a:spcPts val="500"/>
+              </a:spcBef>
+              <a:buFont typeface="Arial" panose="020B0604020202020204" pitchFamily="34" charset="0"/>
+              <a:buChar char="•"/>
+              <a:defRPr sz="1800" kern="1200">
+                <a:solidFill>
+                  <a:schemeClr val="tx1"/>
+                </a:solidFill>
+                <a:latin typeface="+mn-lt"/>
+                <a:ea typeface="+mn-ea"/>
+                <a:cs typeface="+mn-cs"/>
+              </a:defRPr>
+            </a:lvl6pPr>
+            <a:lvl7pPr marL="2971800" indent="-228600" algn="l" defTabSz="914400" rtl="0" eaLnBrk="1" latinLnBrk="0" hangingPunct="1">
+              <a:lnSpc>
+                <a:spcPct val="90000"/>
+              </a:lnSpc>
+              <a:spcBef>
+                <a:spcPts val="500"/>
+              </a:spcBef>
+              <a:buFont typeface="Arial" panose="020B0604020202020204" pitchFamily="34" charset="0"/>
+              <a:buChar char="•"/>
+              <a:defRPr sz="1800" kern="1200">
+                <a:solidFill>
+                  <a:schemeClr val="tx1"/>
+                </a:solidFill>
+                <a:latin typeface="+mn-lt"/>
+                <a:ea typeface="+mn-ea"/>
+                <a:cs typeface="+mn-cs"/>
+              </a:defRPr>
+            </a:lvl7pPr>
+            <a:lvl8pPr marL="3429000" indent="-228600" algn="l" defTabSz="914400" rtl="0" eaLnBrk="1" latinLnBrk="0" hangingPunct="1">
+              <a:lnSpc>
+                <a:spcPct val="90000"/>
+              </a:lnSpc>
+              <a:spcBef>
+                <a:spcPts val="500"/>
+              </a:spcBef>
+              <a:buFont typeface="Arial" panose="020B0604020202020204" pitchFamily="34" charset="0"/>
+              <a:buChar char="•"/>
+              <a:defRPr sz="1800" kern="1200">
+                <a:solidFill>
+                  <a:schemeClr val="tx1"/>
+                </a:solidFill>
+                <a:latin typeface="+mn-lt"/>
+                <a:ea typeface="+mn-ea"/>
+                <a:cs typeface="+mn-cs"/>
+              </a:defRPr>
+            </a:lvl8pPr>
+            <a:lvl9pPr marL="3886200" indent="-228600" algn="l" defTabSz="914400" rtl="0" eaLnBrk="1" latinLnBrk="0" hangingPunct="1">
+              <a:lnSpc>
+                <a:spcPct val="90000"/>
+              </a:lnSpc>
+              <a:spcBef>
+                <a:spcPts val="500"/>
+              </a:spcBef>
+              <a:buFont typeface="Arial" panose="020B0604020202020204" pitchFamily="34" charset="0"/>
+              <a:buChar char="•"/>
+              <a:defRPr sz="1800" kern="1200">
+                <a:solidFill>
+                  <a:schemeClr val="tx1"/>
+                </a:solidFill>
+                <a:latin typeface="+mn-lt"/>
+                <a:ea typeface="+mn-ea"/>
+                <a:cs typeface="+mn-cs"/>
+              </a:defRPr>
+            </a:lvl9pPr>
+          </a:lstStyle>
+          <a:p>
+            <a:r>
+              <a:rPr lang="en-US" u="sng" dirty="0" err="1" smtClean="0"/>
+              <a:t>Heatmap</a:t>
+            </a:r>
+            <a:r>
+              <a:rPr lang="en-US" u="sng" dirty="0" smtClean="0"/>
+              <a:t> regression</a:t>
+            </a:r>
+            <a:endParaRPr lang="en-US" u="sng" dirty="0"/>
+          </a:p>
+        </p:txBody>
+      </p:sp>
+    </p:spTree>
+    <p:extLst>
+      <p:ext uri="{BB962C8B-B14F-4D97-AF65-F5344CB8AC3E}">
+        <p14:creationId xmlns:p14="http://schemas.microsoft.com/office/powerpoint/2010/main" val="741982243"/>
+      </p:ext>
+    </p:extLst>
+  </p:cSld>
+  <p:clrMapOvr>
+    <a:masterClrMapping/>
+  </p:clrMapOvr>
+  <mc:AlternateContent xmlns:mc="http://schemas.openxmlformats.org/markup-compatibility/2006" xmlns:p14="http://schemas.microsoft.com/office/powerpoint/2010/main">
+    <mc:Choice Requires="p14">
+      <p:transition spd="med" p14:dur="700">
+        <p:fade/>
+      </p:transition>
+    </mc:Choice>
+    <mc:Fallback xmlns="">
+      <p:transition spd="med">
+        <p:fade/>
+      </p:transition>
+    </mc:Fallback>
+  </mc:AlternateContent>
+  <p:timing>
+    <p:tnLst>
+      <p:par>
+        <p:cTn id="1" dur="indefinite" restart="never" nodeType="tmRoot"/>
+      </p:par>
+    </p:tnLst>
+  </p:timing>
+</p:sld>
+</file>
+
+<file path=ppt/slides/slide11.xml><?xml version="1.0" encoding="utf-8"?>
+<p:sld xmlns:a="http://schemas.openxmlformats.org/drawingml/2006/main" xmlns:r="http://schemas.openxmlformats.org/officeDocument/2006/relationships" xmlns:p="http://schemas.openxmlformats.org/presentationml/2006/main">
+  <p:cSld>
+    <p:spTree>
+      <p:nvGrpSpPr>
+        <p:cNvPr id="1" name=""/>
+        <p:cNvGrpSpPr/>
+        <p:nvPr/>
+      </p:nvGrpSpPr>
+      <p:grpSpPr>
+        <a:xfrm>
+          <a:off x="0" y="0"/>
+          <a:ext cx="0" cy="0"/>
+          <a:chOff x="0" y="0"/>
+          <a:chExt cx="0" cy="0"/>
+        </a:xfrm>
+      </p:grpSpPr>
+      <p:sp>
+        <p:nvSpPr>
+          <p:cNvPr id="2" name="Title 1"/>
+          <p:cNvSpPr>
+            <a:spLocks noGrp="1"/>
+          </p:cNvSpPr>
+          <p:nvPr>
+            <p:ph type="title"/>
+          </p:nvPr>
+        </p:nvSpPr>
+        <p:spPr/>
+        <p:txBody>
+          <a:bodyPr/>
+          <a:lstStyle/>
+          <a:p>
+            <a:r>
+              <a:rPr lang="en-US" dirty="0" smtClean="0"/>
+              <a:t>Car detection</a:t>
+            </a:r>
+            <a:endParaRPr lang="en-US" dirty="0"/>
+          </a:p>
+        </p:txBody>
+      </p:sp>
+      <p:sp>
+        <p:nvSpPr>
+          <p:cNvPr id="3" name="Content Placeholder 2"/>
+          <p:cNvSpPr>
+            <a:spLocks noGrp="1"/>
+          </p:cNvSpPr>
+          <p:nvPr>
+            <p:ph sz="half" idx="2"/>
+          </p:nvPr>
+        </p:nvSpPr>
+        <p:spPr>
+          <a:xfrm>
+            <a:off x="381000" y="850899"/>
+            <a:ext cx="11430000" cy="986515"/>
+          </a:xfrm>
+        </p:spPr>
+        <p:txBody>
+          <a:bodyPr/>
+          <a:lstStyle/>
+          <a:p>
+            <a:pPr marL="342900" indent="-342900">
+              <a:buFont typeface="Wingdings" panose="05000000000000000000" pitchFamily="2" charset="2"/>
+              <a:buChar char="§"/>
+            </a:pPr>
+            <a:r>
+              <a:rPr lang="en-US" dirty="0"/>
+              <a:t>Vehicles are basic objects presented in large datasets such as COCO, VOC, PASCAL </a:t>
+            </a:r>
+            <a:r>
+              <a:rPr lang="en-US" dirty="0" smtClean="0"/>
+              <a:t>datasets.</a:t>
+            </a:r>
+          </a:p>
+          <a:p>
+            <a:pPr marL="342900" indent="-342900">
+              <a:buFont typeface="Wingdings" panose="05000000000000000000" pitchFamily="2" charset="2"/>
+              <a:buChar char="§"/>
+            </a:pPr>
+            <a:r>
+              <a:rPr lang="en-US" dirty="0"/>
+              <a:t>We decided to use YOLOv2 544x544 network trained on VOC 2007+2012 dataset. </a:t>
+            </a:r>
+          </a:p>
+        </p:txBody>
+      </p:sp>
+      <p:sp>
+        <p:nvSpPr>
+          <p:cNvPr id="4" name="Date Placeholder 3"/>
+          <p:cNvSpPr>
+            <a:spLocks noGrp="1"/>
+          </p:cNvSpPr>
+          <p:nvPr>
+            <p:ph type="dt" sz="half" idx="10"/>
+          </p:nvPr>
+        </p:nvSpPr>
+        <p:spPr/>
+        <p:txBody>
+          <a:bodyPr/>
+          <a:lstStyle/>
+          <a:p>
+            <a:fld id="{499624E5-6640-4B65-82B0-BACE50C7D1B2}" type="datetime1">
+              <a:rPr lang="en-US" smtClean="0"/>
+              <a:t>6/10/2021</a:t>
+            </a:fld>
+            <a:endParaRPr lang="en-US" dirty="0"/>
+          </a:p>
+        </p:txBody>
+      </p:sp>
+      <p:sp>
+        <p:nvSpPr>
+          <p:cNvPr id="5" name="Footer Placeholder 4"/>
+          <p:cNvSpPr>
+            <a:spLocks noGrp="1"/>
+          </p:cNvSpPr>
+          <p:nvPr>
+            <p:ph type="ftr" sz="quarter" idx="11"/>
+          </p:nvPr>
+        </p:nvSpPr>
+        <p:spPr/>
+        <p:txBody>
+          <a:bodyPr/>
+          <a:lstStyle/>
+          <a:p>
+            <a:r>
+              <a:rPr lang="fr-FR" smtClean="0"/>
+              <a:t>Le Quy Don Technical University</a:t>
+            </a:r>
+            <a:endParaRPr lang="en-US" dirty="0"/>
+          </a:p>
+        </p:txBody>
+      </p:sp>
+      <p:sp>
+        <p:nvSpPr>
+          <p:cNvPr id="6" name="Slide Number Placeholder 5"/>
+          <p:cNvSpPr>
+            <a:spLocks noGrp="1"/>
+          </p:cNvSpPr>
+          <p:nvPr>
+            <p:ph type="sldNum" sz="quarter" idx="12"/>
+          </p:nvPr>
+        </p:nvSpPr>
+        <p:spPr/>
+        <p:txBody>
+          <a:bodyPr/>
+          <a:lstStyle/>
+          <a:p>
+            <a:fld id="{B881B6B3-2069-452F-BF40-F653D75B3DB0}" type="slidenum">
+              <a:rPr lang="en-US" smtClean="0"/>
+              <a:t>11</a:t>
+            </a:fld>
+            <a:endParaRPr lang="en-US"/>
+          </a:p>
+        </p:txBody>
+      </p:sp>
+      <p:sp>
+        <p:nvSpPr>
+          <p:cNvPr id="7" name="Text Placeholder 6"/>
+          <p:cNvSpPr>
+            <a:spLocks noGrp="1"/>
+          </p:cNvSpPr>
+          <p:nvPr>
+            <p:ph type="body" sz="quarter" idx="13"/>
+          </p:nvPr>
+        </p:nvSpPr>
+        <p:spPr/>
+        <p:txBody>
+          <a:bodyPr/>
+          <a:lstStyle/>
+          <a:p>
+            <a:r>
+              <a:rPr lang="en-US" dirty="0" smtClean="0"/>
+              <a:t>Proposed method</a:t>
+            </a:r>
+            <a:endParaRPr lang="en-US" dirty="0"/>
+          </a:p>
+        </p:txBody>
+      </p:sp>
+      <p:sp>
+        <p:nvSpPr>
+          <p:cNvPr id="8" name="Text Placeholder 7"/>
+          <p:cNvSpPr>
+            <a:spLocks noGrp="1"/>
+          </p:cNvSpPr>
+          <p:nvPr>
+            <p:ph type="body" sz="quarter" idx="14"/>
+          </p:nvPr>
+        </p:nvSpPr>
+        <p:spPr/>
+        <p:txBody>
+          <a:bodyPr/>
+          <a:lstStyle/>
+          <a:p>
+            <a:r>
+              <a:rPr lang="en-US" dirty="0" smtClean="0"/>
+              <a:t>Car detection</a:t>
+            </a:r>
+            <a:endParaRPr lang="en-US" dirty="0"/>
+          </a:p>
+        </p:txBody>
+      </p:sp>
+      <p:sp>
+        <p:nvSpPr>
+          <p:cNvPr id="9" name="Text Placeholder 8"/>
+          <p:cNvSpPr>
+            <a:spLocks noGrp="1"/>
+          </p:cNvSpPr>
+          <p:nvPr>
+            <p:ph type="body" sz="quarter" idx="15"/>
+          </p:nvPr>
+        </p:nvSpPr>
+        <p:spPr>
+          <a:xfrm>
+            <a:off x="3747352" y="4900459"/>
+            <a:ext cx="4697297" cy="300082"/>
+          </a:xfrm>
+        </p:spPr>
+        <p:txBody>
+          <a:bodyPr/>
+          <a:lstStyle/>
+          <a:p>
+            <a:r>
+              <a:rPr lang="en-US" dirty="0" smtClean="0"/>
+              <a:t>Accuracy </a:t>
+            </a:r>
+            <a:r>
+              <a:rPr lang="en-US" dirty="0"/>
+              <a:t>and speed of YOLOv2 on a Titan X GPU. </a:t>
+            </a:r>
+          </a:p>
+        </p:txBody>
+      </p:sp>
+      <p:pic>
+        <p:nvPicPr>
+          <p:cNvPr id="11" name="Picture 10"/>
+          <p:cNvPicPr>
+            <a:picLocks noChangeAspect="1"/>
+          </p:cNvPicPr>
+          <p:nvPr/>
+        </p:nvPicPr>
+        <p:blipFill>
+          <a:blip r:embed="rId2"/>
+          <a:stretch>
+            <a:fillRect/>
+          </a:stretch>
+        </p:blipFill>
+        <p:spPr>
+          <a:xfrm>
+            <a:off x="2990417" y="3014245"/>
+            <a:ext cx="6211167" cy="1886213"/>
+          </a:xfrm>
+          <a:prstGeom prst="rect">
+            <a:avLst/>
+          </a:prstGeom>
+        </p:spPr>
+      </p:pic>
+    </p:spTree>
+    <p:extLst>
+      <p:ext uri="{BB962C8B-B14F-4D97-AF65-F5344CB8AC3E}">
+        <p14:creationId xmlns:p14="http://schemas.microsoft.com/office/powerpoint/2010/main" val="3020948759"/>
+      </p:ext>
+    </p:extLst>
+  </p:cSld>
+  <p:clrMapOvr>
+    <a:masterClrMapping/>
+  </p:clrMapOvr>
+  <mc:AlternateContent xmlns:mc="http://schemas.openxmlformats.org/markup-compatibility/2006" xmlns:p14="http://schemas.microsoft.com/office/powerpoint/2010/main">
+    <mc:Choice Requires="p14">
+      <p:transition spd="med" p14:dur="700">
+        <p:fade/>
+      </p:transition>
+    </mc:Choice>
+    <mc:Fallback xmlns="">
+      <p:transition spd="med">
+        <p:fade/>
+      </p:transition>
+    </mc:Fallback>
+  </mc:AlternateContent>
+  <p:timing>
+    <p:tnLst>
+      <p:par>
+        <p:cTn id="1" dur="indefinite" restart="never" nodeType="tmRoot"/>
+      </p:par>
+    </p:tnLst>
+  </p:timing>
+</p:sld>
+</file>
+
+<file path=ppt/slides/slide12.xml><?xml version="1.0" encoding="utf-8"?>
+<p:sld xmlns:a="http://schemas.openxmlformats.org/drawingml/2006/main" xmlns:r="http://schemas.openxmlformats.org/officeDocument/2006/relationships" xmlns:p="http://schemas.openxmlformats.org/presentationml/2006/main">
+  <p:cSld>
+    <p:spTree>
+      <p:nvGrpSpPr>
+        <p:cNvPr id="1" name=""/>
+        <p:cNvGrpSpPr/>
+        <p:nvPr/>
+      </p:nvGrpSpPr>
+      <p:grpSpPr>
+        <a:xfrm>
+          <a:off x="0" y="0"/>
+          <a:ext cx="0" cy="0"/>
+          <a:chOff x="0" y="0"/>
+          <a:chExt cx="0" cy="0"/>
+        </a:xfrm>
+      </p:grpSpPr>
+      <p:sp>
+        <p:nvSpPr>
+          <p:cNvPr id="2" name="Title 1"/>
+          <p:cNvSpPr>
+            <a:spLocks noGrp="1"/>
+          </p:cNvSpPr>
+          <p:nvPr>
+            <p:ph type="title"/>
+          </p:nvPr>
+        </p:nvSpPr>
+        <p:spPr/>
+        <p:txBody>
+          <a:bodyPr/>
+          <a:lstStyle/>
+          <a:p>
+            <a:r>
+              <a:rPr lang="en-US" dirty="0" err="1" smtClean="0"/>
+              <a:t>Heatmap</a:t>
+            </a:r>
+            <a:r>
+              <a:rPr lang="en-US" dirty="0" smtClean="0"/>
+              <a:t> regression for HPE</a:t>
+            </a:r>
+            <a:endParaRPr lang="en-US" dirty="0"/>
+          </a:p>
+        </p:txBody>
+      </p:sp>
+      <p:sp>
+        <p:nvSpPr>
+          <p:cNvPr id="4" name="Date Placeholder 3"/>
+          <p:cNvSpPr>
+            <a:spLocks noGrp="1"/>
+          </p:cNvSpPr>
+          <p:nvPr>
+            <p:ph type="dt" sz="half" idx="10"/>
+          </p:nvPr>
+        </p:nvSpPr>
+        <p:spPr/>
+        <p:txBody>
+          <a:bodyPr/>
+          <a:lstStyle/>
+          <a:p>
+            <a:fld id="{499624E5-6640-4B65-82B0-BACE50C7D1B2}" type="datetime1">
+              <a:rPr lang="en-US" smtClean="0"/>
+              <a:t>6/10/2021</a:t>
+            </a:fld>
+            <a:endParaRPr lang="en-US" dirty="0"/>
+          </a:p>
+        </p:txBody>
+      </p:sp>
+      <p:sp>
+        <p:nvSpPr>
+          <p:cNvPr id="5" name="Footer Placeholder 4"/>
+          <p:cNvSpPr>
+            <a:spLocks noGrp="1"/>
+          </p:cNvSpPr>
+          <p:nvPr>
+            <p:ph type="ftr" sz="quarter" idx="11"/>
+          </p:nvPr>
+        </p:nvSpPr>
+        <p:spPr/>
+        <p:txBody>
+          <a:bodyPr/>
+          <a:lstStyle/>
+          <a:p>
+            <a:r>
+              <a:rPr lang="fr-FR" smtClean="0"/>
+              <a:t>Le Quy Don Technical University</a:t>
+            </a:r>
+            <a:endParaRPr lang="en-US" dirty="0"/>
+          </a:p>
+        </p:txBody>
+      </p:sp>
+      <p:sp>
+        <p:nvSpPr>
+          <p:cNvPr id="6" name="Slide Number Placeholder 5"/>
+          <p:cNvSpPr>
+            <a:spLocks noGrp="1"/>
+          </p:cNvSpPr>
+          <p:nvPr>
+            <p:ph type="sldNum" sz="quarter" idx="12"/>
+          </p:nvPr>
+        </p:nvSpPr>
+        <p:spPr/>
+        <p:txBody>
+          <a:bodyPr/>
+          <a:lstStyle/>
+          <a:p>
+            <a:fld id="{B881B6B3-2069-452F-BF40-F653D75B3DB0}" type="slidenum">
+              <a:rPr lang="en-US" smtClean="0"/>
+              <a:t>12</a:t>
+            </a:fld>
+            <a:endParaRPr lang="en-US"/>
+          </a:p>
+        </p:txBody>
+      </p:sp>
+      <p:sp>
+        <p:nvSpPr>
+          <p:cNvPr id="7" name="Text Placeholder 6"/>
+          <p:cNvSpPr>
+            <a:spLocks noGrp="1"/>
+          </p:cNvSpPr>
+          <p:nvPr>
+            <p:ph type="body" sz="quarter" idx="13"/>
+          </p:nvPr>
+        </p:nvSpPr>
+        <p:spPr/>
+        <p:txBody>
+          <a:bodyPr/>
+          <a:lstStyle/>
+          <a:p>
+            <a:r>
+              <a:rPr lang="en-US" dirty="0" smtClean="0"/>
+              <a:t>Proposed method</a:t>
+            </a:r>
+            <a:endParaRPr lang="en-US" dirty="0"/>
+          </a:p>
+        </p:txBody>
+      </p:sp>
+      <p:sp>
+        <p:nvSpPr>
+          <p:cNvPr id="8" name="Text Placeholder 7"/>
+          <p:cNvSpPr>
+            <a:spLocks noGrp="1"/>
+          </p:cNvSpPr>
+          <p:nvPr>
+            <p:ph type="body" sz="quarter" idx="14"/>
+          </p:nvPr>
+        </p:nvSpPr>
+        <p:spPr/>
+        <p:txBody>
+          <a:bodyPr/>
+          <a:lstStyle/>
+          <a:p>
+            <a:r>
+              <a:rPr lang="en-US" dirty="0" smtClean="0"/>
+              <a:t>License plate detection</a:t>
+            </a:r>
+            <a:endParaRPr lang="en-US" dirty="0"/>
+          </a:p>
+        </p:txBody>
+      </p:sp>
+      <p:sp>
+        <p:nvSpPr>
+          <p:cNvPr id="9" name="Text Placeholder 8"/>
+          <p:cNvSpPr>
+            <a:spLocks noGrp="1"/>
+          </p:cNvSpPr>
+          <p:nvPr>
+            <p:ph type="body" sz="quarter" idx="15"/>
+          </p:nvPr>
+        </p:nvSpPr>
+        <p:spPr>
+          <a:xfrm>
+            <a:off x="3243611" y="5955903"/>
+            <a:ext cx="5714017" cy="300082"/>
+          </a:xfrm>
+        </p:spPr>
+        <p:txBody>
+          <a:bodyPr/>
+          <a:lstStyle/>
+          <a:p>
+            <a:r>
+              <a:rPr lang="en-US" dirty="0" smtClean="0"/>
+              <a:t>Our LP </a:t>
+            </a:r>
+            <a:r>
+              <a:rPr lang="en-US" dirty="0"/>
+              <a:t>detection was inspired from top-down HPE approach</a:t>
+            </a:r>
+          </a:p>
+        </p:txBody>
+      </p:sp>
+      <p:pic>
+        <p:nvPicPr>
+          <p:cNvPr id="1026" name="Picture 2" descr="Figure 1: Pipeline of a human pose estimation system. For efficiency, resolution reduction is often applied on the original person detection bounding boxes as well as the groundtruth heatmap supervision. That is, the model operates in a low-resolution image space. At test time, a corresponding resolution recovery is therefore necessary in order to obtain the joint coordinate prediction in the original image space."/>
+          <p:cNvPicPr>
+            <a:picLocks noChangeAspect="1" noChangeArrowheads="1"/>
+          </p:cNvPicPr>
+          <p:nvPr/>
+        </p:nvPicPr>
+        <p:blipFill>
+          <a:blip r:embed="rId2">
+            <a:extLst>
+              <a:ext uri="{28A0092B-C50C-407E-A947-70E740481C1C}">
+                <a14:useLocalDpi xmlns:a14="http://schemas.microsoft.com/office/drawing/2010/main" val="0"/>
+              </a:ext>
+            </a:extLst>
+          </a:blip>
+          <a:srcRect/>
+          <a:stretch>
+            <a:fillRect/>
+          </a:stretch>
+        </p:blipFill>
+        <p:spPr bwMode="auto">
+          <a:xfrm>
+            <a:off x="3272869" y="912107"/>
+            <a:ext cx="5646262" cy="5033786"/>
+          </a:xfrm>
+          <a:prstGeom prst="rect">
+            <a:avLst/>
+          </a:prstGeom>
+          <a:noFill/>
+          <a:extLst>
+            <a:ext uri="{909E8E84-426E-40DD-AFC4-6F175D3DCCD1}">
+              <a14:hiddenFill xmlns:a14="http://schemas.microsoft.com/office/drawing/2010/main">
+                <a:solidFill>
+                  <a:srgbClr val="FFFFFF"/>
+                </a:solidFill>
+              </a14:hiddenFill>
+            </a:ext>
+          </a:extLst>
+        </p:spPr>
+      </p:pic>
+    </p:spTree>
+    <p:extLst>
+      <p:ext uri="{BB962C8B-B14F-4D97-AF65-F5344CB8AC3E}">
+        <p14:creationId xmlns:p14="http://schemas.microsoft.com/office/powerpoint/2010/main" val="3577547999"/>
+      </p:ext>
+    </p:extLst>
+  </p:cSld>
+  <p:clrMapOvr>
+    <a:masterClrMapping/>
+  </p:clrMapOvr>
+  <mc:AlternateContent xmlns:mc="http://schemas.openxmlformats.org/markup-compatibility/2006" xmlns:p14="http://schemas.microsoft.com/office/powerpoint/2010/main">
+    <mc:Choice Requires="p14">
+      <p:transition spd="med" p14:dur="700">
+        <p:fade/>
+      </p:transition>
+    </mc:Choice>
+    <mc:Fallback xmlns="">
+      <p:transition spd="med">
+        <p:fade/>
+      </p:transition>
+    </mc:Fallback>
+  </mc:AlternateContent>
+  <p:timing>
+    <p:tnLst>
+      <p:par>
+        <p:cTn id="1" dur="indefinite" restart="never" nodeType="tmRoot"/>
+      </p:par>
+    </p:tnLst>
+  </p:timing>
+</p:sld>
+</file>
+
+<file path=ppt/slides/slide13.xml><?xml version="1.0" encoding="utf-8"?>
+<p:sld xmlns:a="http://schemas.openxmlformats.org/drawingml/2006/main" xmlns:r="http://schemas.openxmlformats.org/officeDocument/2006/relationships" xmlns:p="http://schemas.openxmlformats.org/presentationml/2006/main">
+  <p:cSld>
+    <p:spTree>
+      <p:nvGrpSpPr>
+        <p:cNvPr id="1" name=""/>
+        <p:cNvGrpSpPr/>
+        <p:nvPr/>
+      </p:nvGrpSpPr>
+      <p:grpSpPr>
+        <a:xfrm>
+          <a:off x="0" y="0"/>
+          <a:ext cx="0" cy="0"/>
+          <a:chOff x="0" y="0"/>
+          <a:chExt cx="0" cy="0"/>
+        </a:xfrm>
+      </p:grpSpPr>
+      <p:sp>
+        <p:nvSpPr>
+          <p:cNvPr id="2" name="Title 1"/>
+          <p:cNvSpPr>
+            <a:spLocks noGrp="1"/>
+          </p:cNvSpPr>
+          <p:nvPr>
+            <p:ph type="title"/>
+          </p:nvPr>
+        </p:nvSpPr>
+        <p:spPr/>
+        <p:txBody>
+          <a:bodyPr/>
+          <a:lstStyle/>
+          <a:p>
+            <a:r>
+              <a:rPr lang="en-US" dirty="0" smtClean="0"/>
+              <a:t>Data preprocessing </a:t>
+            </a:r>
+            <a:endParaRPr lang="en-US" dirty="0"/>
+          </a:p>
+        </p:txBody>
+      </p:sp>
+      <mc:AlternateContent xmlns:mc="http://schemas.openxmlformats.org/markup-compatibility/2006">
+        <mc:Choice xmlns:a14="http://schemas.microsoft.com/office/drawing/2010/main" Requires="a14">
+          <p:sp>
+            <p:nvSpPr>
+              <p:cNvPr id="3" name="Content Placeholder 2"/>
+              <p:cNvSpPr>
+                <a:spLocks noGrp="1"/>
+              </p:cNvSpPr>
+              <p:nvPr>
+                <p:ph sz="half" idx="2"/>
+              </p:nvPr>
+            </p:nvSpPr>
+            <p:spPr/>
+            <p:txBody>
+              <a:bodyPr/>
+              <a:lstStyle/>
+              <a:p>
+                <a:pPr marL="342900" indent="-342900">
+                  <a:buFont typeface="Wingdings" panose="05000000000000000000" pitchFamily="2" charset="2"/>
+                  <a:buChar char="§"/>
+                </a:pPr>
+                <a:r>
+                  <a:rPr lang="en-US" dirty="0" smtClean="0"/>
+                  <a:t>Input image </a:t>
+                </a:r>
+                <a14:m>
+                  <m:oMath xmlns:m="http://schemas.openxmlformats.org/officeDocument/2006/math">
+                    <m:r>
+                      <a:rPr lang="en-US" b="0" i="1" smtClean="0">
+                        <a:latin typeface="Cambria Math" panose="02040503050406030204" pitchFamily="18" charset="0"/>
+                      </a:rPr>
+                      <m:t>𝑋</m:t>
+                    </m:r>
+                    <m:r>
+                      <a:rPr lang="en-US" b="0" i="1" smtClean="0">
+                        <a:latin typeface="Cambria Math" panose="02040503050406030204" pitchFamily="18" charset="0"/>
+                        <a:ea typeface="Cambria Math" panose="02040503050406030204" pitchFamily="18" charset="0"/>
+                      </a:rPr>
+                      <m:t>∈</m:t>
+                    </m:r>
+                    <m:sSup>
+                      <m:sSupPr>
+                        <m:ctrlPr>
+                          <a:rPr lang="en-US" b="0" i="1" smtClean="0">
+                            <a:latin typeface="Cambria Math" panose="02040503050406030204" pitchFamily="18" charset="0"/>
+                            <a:ea typeface="Cambria Math" panose="02040503050406030204" pitchFamily="18" charset="0"/>
+                          </a:rPr>
+                        </m:ctrlPr>
+                      </m:sSupPr>
+                      <m:e>
+                        <m:r>
+                          <a:rPr lang="en-US" b="0" i="1" smtClean="0">
+                            <a:latin typeface="Cambria Math" panose="02040503050406030204" pitchFamily="18" charset="0"/>
+                            <a:ea typeface="Cambria Math" panose="02040503050406030204" pitchFamily="18" charset="0"/>
+                          </a:rPr>
+                          <m:t>ℝ</m:t>
+                        </m:r>
+                      </m:e>
+                      <m:sup>
+                        <m:r>
+                          <a:rPr lang="en-US" b="0" i="1" smtClean="0">
+                            <a:latin typeface="Cambria Math" panose="02040503050406030204" pitchFamily="18" charset="0"/>
+                            <a:ea typeface="Cambria Math" panose="02040503050406030204" pitchFamily="18" charset="0"/>
+                          </a:rPr>
+                          <m:t>𝑊</m:t>
+                        </m:r>
+                        <m:r>
+                          <a:rPr lang="en-US" b="0" i="1" smtClean="0">
+                            <a:latin typeface="Cambria Math" panose="02040503050406030204" pitchFamily="18" charset="0"/>
+                            <a:ea typeface="Cambria Math" panose="02040503050406030204" pitchFamily="18" charset="0"/>
+                          </a:rPr>
+                          <m:t>×</m:t>
+                        </m:r>
+                        <m:r>
+                          <a:rPr lang="en-US" b="0" i="1" smtClean="0">
+                            <a:latin typeface="Cambria Math" panose="02040503050406030204" pitchFamily="18" charset="0"/>
+                            <a:ea typeface="Cambria Math" panose="02040503050406030204" pitchFamily="18" charset="0"/>
+                          </a:rPr>
+                          <m:t>𝐻</m:t>
+                        </m:r>
+                        <m:r>
+                          <a:rPr lang="en-US" b="0" i="1" smtClean="0">
+                            <a:latin typeface="Cambria Math" panose="02040503050406030204" pitchFamily="18" charset="0"/>
+                            <a:ea typeface="Cambria Math" panose="02040503050406030204" pitchFamily="18" charset="0"/>
+                          </a:rPr>
+                          <m:t>×3</m:t>
+                        </m:r>
+                      </m:sup>
+                    </m:sSup>
+                  </m:oMath>
+                </a14:m>
+                <a:r>
+                  <a:rPr lang="en-US" dirty="0" smtClean="0"/>
+                  <a:t>, </a:t>
+                </a:r>
+                <a:r>
+                  <a:rPr lang="en-US" dirty="0"/>
+                  <a:t>width of </a:t>
+                </a:r>
+                <a14:m>
+                  <m:oMath xmlns:m="http://schemas.openxmlformats.org/officeDocument/2006/math">
+                    <m:r>
+                      <a:rPr lang="en-US" b="0" i="1" smtClean="0">
+                        <a:latin typeface="Cambria Math" panose="02040503050406030204" pitchFamily="18" charset="0"/>
+                      </a:rPr>
+                      <m:t>𝑊</m:t>
+                    </m:r>
+                  </m:oMath>
+                </a14:m>
+                <a:r>
+                  <a:rPr lang="en-US" dirty="0" smtClean="0"/>
+                  <a:t> </a:t>
+                </a:r>
+                <a:r>
+                  <a:rPr lang="en-US" dirty="0"/>
+                  <a:t>and height of </a:t>
+                </a:r>
+                <a14:m>
+                  <m:oMath xmlns:m="http://schemas.openxmlformats.org/officeDocument/2006/math">
+                    <m:r>
+                      <a:rPr lang="en-US" b="0" i="1" smtClean="0">
+                        <a:latin typeface="Cambria Math" panose="02040503050406030204" pitchFamily="18" charset="0"/>
+                      </a:rPr>
+                      <m:t>𝐻</m:t>
+                    </m:r>
+                  </m:oMath>
+                </a14:m>
+                <a:r>
+                  <a:rPr lang="en-US" dirty="0" smtClean="0"/>
+                  <a:t>.</a:t>
+                </a:r>
+              </a:p>
+              <a:p>
+                <a:pPr marL="342900" indent="-342900">
+                  <a:buFont typeface="Wingdings" panose="05000000000000000000" pitchFamily="2" charset="2"/>
+                  <a:buChar char="§"/>
+                </a:pPr>
+                <a:r>
+                  <a:rPr lang="en-US" dirty="0"/>
+                  <a:t>O</a:t>
+                </a:r>
+                <a:r>
+                  <a:rPr lang="en-US" dirty="0" smtClean="0"/>
+                  <a:t>utput </a:t>
+                </a:r>
+                <a:r>
+                  <a:rPr lang="en-US" dirty="0" smtClean="0"/>
+                  <a:t>image </a:t>
+                </a:r>
+                <a14:m>
+                  <m:oMath xmlns:m="http://schemas.openxmlformats.org/officeDocument/2006/math">
+                    <m:r>
+                      <a:rPr lang="en-US" b="0" i="1" smtClean="0">
+                        <a:latin typeface="Cambria Math" panose="02040503050406030204" pitchFamily="18" charset="0"/>
+                      </a:rPr>
+                      <m:t>𝑌</m:t>
+                    </m:r>
+                    <m:r>
+                      <a:rPr lang="en-US" b="0" i="1" smtClean="0">
+                        <a:latin typeface="Cambria Math" panose="02040503050406030204" pitchFamily="18" charset="0"/>
+                        <a:ea typeface="Cambria Math" panose="02040503050406030204" pitchFamily="18" charset="0"/>
+                      </a:rPr>
+                      <m:t>∈</m:t>
+                    </m:r>
+                    <m:sSup>
+                      <m:sSupPr>
+                        <m:ctrlPr>
+                          <a:rPr lang="en-US" b="0" i="1" smtClean="0">
+                            <a:latin typeface="Cambria Math" panose="02040503050406030204" pitchFamily="18" charset="0"/>
+                            <a:ea typeface="Cambria Math" panose="02040503050406030204" pitchFamily="18" charset="0"/>
+                          </a:rPr>
+                        </m:ctrlPr>
+                      </m:sSupPr>
+                      <m:e>
+                        <m:r>
+                          <a:rPr lang="en-US" b="0" i="1" smtClean="0">
+                            <a:latin typeface="Cambria Math" panose="02040503050406030204" pitchFamily="18" charset="0"/>
+                            <a:ea typeface="Cambria Math" panose="02040503050406030204" pitchFamily="18" charset="0"/>
+                          </a:rPr>
+                          <m:t>[0,1]</m:t>
+                        </m:r>
+                      </m:e>
+                      <m:sup>
+                        <m:f>
+                          <m:fPr>
+                            <m:ctrlPr>
+                              <a:rPr lang="en-US" b="0" i="1" smtClean="0">
+                                <a:latin typeface="Cambria Math" panose="02040503050406030204" pitchFamily="18" charset="0"/>
+                                <a:ea typeface="Cambria Math" panose="02040503050406030204" pitchFamily="18" charset="0"/>
+                              </a:rPr>
+                            </m:ctrlPr>
+                          </m:fPr>
+                          <m:num>
+                            <m:r>
+                              <a:rPr lang="en-US" b="0" i="1" smtClean="0">
+                                <a:latin typeface="Cambria Math" panose="02040503050406030204" pitchFamily="18" charset="0"/>
+                                <a:ea typeface="Cambria Math" panose="02040503050406030204" pitchFamily="18" charset="0"/>
+                              </a:rPr>
+                              <m:t>𝑊</m:t>
+                            </m:r>
+                          </m:num>
+                          <m:den>
+                            <m:r>
+                              <a:rPr lang="en-US" b="0" i="1" smtClean="0">
+                                <a:latin typeface="Cambria Math" panose="02040503050406030204" pitchFamily="18" charset="0"/>
+                                <a:ea typeface="Cambria Math" panose="02040503050406030204" pitchFamily="18" charset="0"/>
+                              </a:rPr>
+                              <m:t>𝑅</m:t>
+                            </m:r>
+                          </m:den>
+                        </m:f>
+                        <m:r>
+                          <a:rPr lang="en-US" b="0" i="1" smtClean="0">
+                            <a:latin typeface="Cambria Math" panose="02040503050406030204" pitchFamily="18" charset="0"/>
+                            <a:ea typeface="Cambria Math" panose="02040503050406030204" pitchFamily="18" charset="0"/>
+                          </a:rPr>
+                          <m:t>×</m:t>
+                        </m:r>
+                        <m:f>
+                          <m:fPr>
+                            <m:ctrlPr>
+                              <a:rPr lang="en-US" b="0" i="1" smtClean="0">
+                                <a:latin typeface="Cambria Math" panose="02040503050406030204" pitchFamily="18" charset="0"/>
+                                <a:ea typeface="Cambria Math" panose="02040503050406030204" pitchFamily="18" charset="0"/>
+                              </a:rPr>
+                            </m:ctrlPr>
+                          </m:fPr>
+                          <m:num>
+                            <m:r>
+                              <a:rPr lang="en-US" b="0" i="1" smtClean="0">
+                                <a:latin typeface="Cambria Math" panose="02040503050406030204" pitchFamily="18" charset="0"/>
+                                <a:ea typeface="Cambria Math" panose="02040503050406030204" pitchFamily="18" charset="0"/>
+                              </a:rPr>
+                              <m:t>𝐻</m:t>
+                            </m:r>
+                          </m:num>
+                          <m:den>
+                            <m:r>
+                              <a:rPr lang="en-US" b="0" i="1" smtClean="0">
+                                <a:latin typeface="Cambria Math" panose="02040503050406030204" pitchFamily="18" charset="0"/>
+                                <a:ea typeface="Cambria Math" panose="02040503050406030204" pitchFamily="18" charset="0"/>
+                              </a:rPr>
+                              <m:t>𝑅</m:t>
+                            </m:r>
+                          </m:den>
+                        </m:f>
+                        <m:r>
+                          <a:rPr lang="en-US" b="0" i="1" smtClean="0">
+                            <a:latin typeface="Cambria Math" panose="02040503050406030204" pitchFamily="18" charset="0"/>
+                            <a:ea typeface="Cambria Math" panose="02040503050406030204" pitchFamily="18" charset="0"/>
+                          </a:rPr>
+                          <m:t>×</m:t>
+                        </m:r>
+                        <m:r>
+                          <a:rPr lang="en-US" b="0" i="1" smtClean="0">
+                            <a:latin typeface="Cambria Math" panose="02040503050406030204" pitchFamily="18" charset="0"/>
+                            <a:ea typeface="Cambria Math" panose="02040503050406030204" pitchFamily="18" charset="0"/>
+                          </a:rPr>
+                          <m:t>𝐶</m:t>
+                        </m:r>
+                      </m:sup>
+                    </m:sSup>
+                  </m:oMath>
+                </a14:m>
+                <a:r>
+                  <a:rPr lang="en-US" dirty="0" smtClean="0"/>
+                  <a:t>, </a:t>
+                </a:r>
+                <a14:m>
+                  <m:oMath xmlns:m="http://schemas.openxmlformats.org/officeDocument/2006/math">
+                    <m:r>
+                      <a:rPr lang="en-US" b="0" i="1" smtClean="0">
+                        <a:latin typeface="Cambria Math" panose="02040503050406030204" pitchFamily="18" charset="0"/>
+                      </a:rPr>
+                      <m:t>𝑅</m:t>
+                    </m:r>
+                  </m:oMath>
+                </a14:m>
+                <a:r>
+                  <a:rPr lang="en-US" dirty="0" smtClean="0"/>
+                  <a:t>-resolution </a:t>
+                </a:r>
+                <a:r>
+                  <a:rPr lang="en-US" dirty="0"/>
+                  <a:t>decrease, </a:t>
+                </a:r>
+                <a14:m>
+                  <m:oMath xmlns:m="http://schemas.openxmlformats.org/officeDocument/2006/math">
+                    <m:r>
+                      <a:rPr lang="en-US" b="0" i="1" smtClean="0">
+                        <a:latin typeface="Cambria Math" panose="02040503050406030204" pitchFamily="18" charset="0"/>
+                      </a:rPr>
+                      <m:t>𝐶</m:t>
+                    </m:r>
+                  </m:oMath>
+                </a14:m>
+                <a:r>
+                  <a:rPr lang="en-US" dirty="0" smtClean="0"/>
+                  <a:t>-number </a:t>
+                </a:r>
+                <a:r>
+                  <a:rPr lang="en-US" dirty="0"/>
+                  <a:t>of </a:t>
+                </a:r>
+                <a:r>
+                  <a:rPr lang="en-US" dirty="0" smtClean="0"/>
+                  <a:t>classes.</a:t>
+                </a:r>
+              </a:p>
+              <a:p>
+                <a:pPr marL="342900" indent="-342900">
+                  <a:buFont typeface="Wingdings" panose="05000000000000000000" pitchFamily="2" charset="2"/>
+                  <a:buChar char="§"/>
+                </a:pPr>
+                <a:r>
+                  <a:rPr lang="en-US" dirty="0" smtClean="0"/>
+                  <a:t>GT</a:t>
+                </a:r>
+                <a:r>
+                  <a:rPr lang="en-US" dirty="0" smtClean="0"/>
+                  <a:t> </a:t>
+                </a:r>
+                <a:r>
+                  <a:rPr lang="en-US" dirty="0" err="1" smtClean="0"/>
+                  <a:t>keypoint</a:t>
+                </a:r>
+                <a:r>
+                  <a:rPr lang="en-US" dirty="0" smtClean="0"/>
+                  <a:t> </a:t>
+                </a:r>
+                <a14:m>
+                  <m:oMath xmlns:m="http://schemas.openxmlformats.org/officeDocument/2006/math">
+                    <m:r>
+                      <m:rPr>
+                        <m:sty m:val="p"/>
+                      </m:rPr>
+                      <a:rPr lang="en-US" b="0" i="0" smtClean="0">
+                        <a:latin typeface="Cambria Math" panose="02040503050406030204" pitchFamily="18" charset="0"/>
+                        <a:ea typeface="Cambria Math" panose="02040503050406030204" pitchFamily="18" charset="0"/>
+                      </a:rPr>
+                      <m:t>k</m:t>
+                    </m:r>
+                    <m:r>
+                      <a:rPr lang="en-US" i="1">
+                        <a:latin typeface="Cambria Math" panose="02040503050406030204" pitchFamily="18" charset="0"/>
+                        <a:ea typeface="Cambria Math" panose="02040503050406030204" pitchFamily="18" charset="0"/>
+                      </a:rPr>
+                      <m:t>∈</m:t>
+                    </m:r>
+                    <m:sSup>
+                      <m:sSupPr>
+                        <m:ctrlPr>
+                          <a:rPr lang="en-US" i="1">
+                            <a:latin typeface="Cambria Math" panose="02040503050406030204" pitchFamily="18" charset="0"/>
+                            <a:ea typeface="Cambria Math" panose="02040503050406030204" pitchFamily="18" charset="0"/>
+                          </a:rPr>
+                        </m:ctrlPr>
+                      </m:sSupPr>
+                      <m:e>
+                        <m:r>
+                          <a:rPr lang="en-US" i="1" smtClean="0">
+                            <a:latin typeface="Cambria Math" panose="02040503050406030204" pitchFamily="18" charset="0"/>
+                            <a:ea typeface="Cambria Math" panose="02040503050406030204" pitchFamily="18" charset="0"/>
+                          </a:rPr>
+                          <m:t>ℝ</m:t>
+                        </m:r>
+                      </m:e>
+                      <m:sup>
+                        <m:r>
+                          <a:rPr lang="en-US" b="0" i="1" smtClean="0">
+                            <a:latin typeface="Cambria Math" panose="02040503050406030204" pitchFamily="18" charset="0"/>
+                            <a:ea typeface="Cambria Math" panose="02040503050406030204" pitchFamily="18" charset="0"/>
+                          </a:rPr>
+                          <m:t>2</m:t>
+                        </m:r>
+                      </m:sup>
+                    </m:sSup>
+                  </m:oMath>
+                </a14:m>
+                <a:r>
+                  <a:rPr lang="en-US" dirty="0" smtClean="0"/>
+                  <a:t> of </a:t>
+                </a:r>
+                <a:r>
+                  <a:rPr lang="en-US" dirty="0"/>
+                  <a:t>class </a:t>
+                </a:r>
+                <a14:m>
+                  <m:oMath xmlns:m="http://schemas.openxmlformats.org/officeDocument/2006/math">
+                    <m:r>
+                      <a:rPr lang="en-US" b="0" i="1" smtClean="0">
+                        <a:latin typeface="Cambria Math" panose="02040503050406030204" pitchFamily="18" charset="0"/>
+                      </a:rPr>
+                      <m:t>𝑐</m:t>
+                    </m:r>
+                  </m:oMath>
+                </a14:m>
+                <a:r>
+                  <a:rPr lang="en-US" dirty="0" smtClean="0"/>
+                  <a:t> in original resolution </a:t>
+                </a:r>
+                <a14:m>
+                  <m:oMath xmlns:m="http://schemas.openxmlformats.org/officeDocument/2006/math">
+                    <m:r>
+                      <a:rPr lang="en-US" i="1" smtClean="0">
+                        <a:latin typeface="Cambria Math" panose="02040503050406030204" pitchFamily="18" charset="0"/>
+                        <a:ea typeface="Cambria Math" panose="02040503050406030204" pitchFamily="18" charset="0"/>
+                      </a:rPr>
+                      <m:t>≈</m:t>
+                    </m:r>
+                  </m:oMath>
+                </a14:m>
+                <a:r>
+                  <a:rPr lang="en-US" dirty="0" smtClean="0"/>
+                  <a:t> </a:t>
+                </a:r>
+                <a14:m>
+                  <m:oMath xmlns:m="http://schemas.openxmlformats.org/officeDocument/2006/math">
+                    <m:sSup>
+                      <m:sSupPr>
+                        <m:ctrlPr>
+                          <a:rPr lang="en-US" b="0" i="0" smtClean="0">
+                            <a:latin typeface="Cambria Math" panose="02040503050406030204" pitchFamily="18" charset="0"/>
+                            <a:ea typeface="Cambria Math" panose="02040503050406030204" pitchFamily="18" charset="0"/>
+                          </a:rPr>
+                        </m:ctrlPr>
+                      </m:sSupPr>
+                      <m:e>
+                        <m:r>
+                          <m:rPr>
+                            <m:sty m:val="p"/>
+                          </m:rPr>
+                          <a:rPr lang="en-US">
+                            <a:latin typeface="Cambria Math" panose="02040503050406030204" pitchFamily="18" charset="0"/>
+                            <a:ea typeface="Cambria Math" panose="02040503050406030204" pitchFamily="18" charset="0"/>
+                          </a:rPr>
+                          <m:t>k</m:t>
+                        </m:r>
+                      </m:e>
+                      <m:sup>
+                        <m:r>
+                          <a:rPr lang="en-US" b="0" i="0" smtClean="0">
+                            <a:latin typeface="Cambria Math" panose="02040503050406030204" pitchFamily="18" charset="0"/>
+                            <a:ea typeface="Cambria Math" panose="02040503050406030204" pitchFamily="18" charset="0"/>
+                          </a:rPr>
+                          <m:t>′</m:t>
+                        </m:r>
+                      </m:sup>
+                    </m:sSup>
+                    <m:r>
+                      <a:rPr lang="en-US" b="0" i="1" smtClean="0">
+                        <a:latin typeface="Cambria Math" panose="02040503050406030204" pitchFamily="18" charset="0"/>
+                        <a:ea typeface="Cambria Math" panose="02040503050406030204" pitchFamily="18" charset="0"/>
+                      </a:rPr>
+                      <m:t>=[</m:t>
+                    </m:r>
+                    <m:f>
+                      <m:fPr>
+                        <m:ctrlPr>
+                          <a:rPr lang="en-US" b="0" i="1" smtClean="0">
+                            <a:latin typeface="Cambria Math" panose="02040503050406030204" pitchFamily="18" charset="0"/>
+                            <a:ea typeface="Cambria Math" panose="02040503050406030204" pitchFamily="18" charset="0"/>
+                          </a:rPr>
+                        </m:ctrlPr>
+                      </m:fPr>
+                      <m:num>
+                        <m:r>
+                          <a:rPr lang="en-US" b="0" i="1" smtClean="0">
+                            <a:latin typeface="Cambria Math" panose="02040503050406030204" pitchFamily="18" charset="0"/>
+                            <a:ea typeface="Cambria Math" panose="02040503050406030204" pitchFamily="18" charset="0"/>
+                          </a:rPr>
+                          <m:t>𝑘</m:t>
+                        </m:r>
+                      </m:num>
+                      <m:den>
+                        <m:r>
+                          <a:rPr lang="en-US" b="0" i="1" smtClean="0">
+                            <a:latin typeface="Cambria Math" panose="02040503050406030204" pitchFamily="18" charset="0"/>
+                            <a:ea typeface="Cambria Math" panose="02040503050406030204" pitchFamily="18" charset="0"/>
+                          </a:rPr>
+                          <m:t>𝑅</m:t>
+                        </m:r>
+                      </m:den>
+                    </m:f>
+                    <m:r>
+                      <a:rPr lang="en-US" b="0" i="1" smtClean="0">
+                        <a:latin typeface="Cambria Math" panose="02040503050406030204" pitchFamily="18" charset="0"/>
+                        <a:ea typeface="Cambria Math" panose="02040503050406030204" pitchFamily="18" charset="0"/>
+                      </a:rPr>
+                      <m:t>]</m:t>
+                    </m:r>
+                  </m:oMath>
+                </a14:m>
+                <a:r>
+                  <a:rPr lang="en-US" dirty="0" smtClean="0"/>
+                  <a:t> </a:t>
+                </a:r>
+                <a:r>
+                  <a:rPr lang="en-US" dirty="0" smtClean="0"/>
+                  <a:t>in </a:t>
+                </a:r>
+                <a:r>
+                  <a:rPr lang="en-US" dirty="0"/>
+                  <a:t> </a:t>
+                </a:r>
+                <a14:m>
+                  <m:oMath xmlns:m="http://schemas.openxmlformats.org/officeDocument/2006/math">
+                    <m:r>
+                      <a:rPr lang="en-US" i="1">
+                        <a:latin typeface="Cambria Math" panose="02040503050406030204" pitchFamily="18" charset="0"/>
+                      </a:rPr>
+                      <m:t>𝑌</m:t>
+                    </m:r>
+                  </m:oMath>
+                </a14:m>
+                <a:r>
+                  <a:rPr lang="en-US" dirty="0" smtClean="0"/>
+                  <a:t>. </a:t>
+                </a:r>
+                <a:r>
+                  <a:rPr lang="en-US" dirty="0"/>
+                  <a:t>The output at </a:t>
+                </a:r>
+                <a14:m>
+                  <m:oMath xmlns:m="http://schemas.openxmlformats.org/officeDocument/2006/math">
+                    <m:r>
+                      <a:rPr lang="en-US" b="0" i="1" smtClean="0">
+                        <a:latin typeface="Cambria Math" panose="02040503050406030204" pitchFamily="18" charset="0"/>
+                      </a:rPr>
+                      <m:t>(</m:t>
+                    </m:r>
+                    <m:r>
+                      <a:rPr lang="en-US" b="0" i="1" smtClean="0">
+                        <a:latin typeface="Cambria Math" panose="02040503050406030204" pitchFamily="18" charset="0"/>
+                      </a:rPr>
+                      <m:t>𝑥</m:t>
+                    </m:r>
+                    <m:r>
+                      <a:rPr lang="en-US" b="0" i="1" smtClean="0">
+                        <a:latin typeface="Cambria Math" panose="02040503050406030204" pitchFamily="18" charset="0"/>
+                      </a:rPr>
+                      <m:t>,</m:t>
+                    </m:r>
+                    <m:r>
+                      <a:rPr lang="en-US" b="0" i="1" smtClean="0">
+                        <a:latin typeface="Cambria Math" panose="02040503050406030204" pitchFamily="18" charset="0"/>
+                      </a:rPr>
+                      <m:t>𝑦</m:t>
+                    </m:r>
+                    <m:r>
+                      <a:rPr lang="en-US" b="0" i="1" smtClean="0">
+                        <a:latin typeface="Cambria Math" panose="02040503050406030204" pitchFamily="18" charset="0"/>
+                      </a:rPr>
+                      <m:t>)</m:t>
+                    </m:r>
+                  </m:oMath>
+                </a14:m>
+                <a:r>
+                  <a:rPr lang="en-US" dirty="0" smtClean="0"/>
+                  <a:t> </a:t>
+                </a:r>
+                <a:r>
+                  <a:rPr lang="en-US" dirty="0"/>
+                  <a:t>of a class </a:t>
+                </a:r>
+                <a14:m>
+                  <m:oMath xmlns:m="http://schemas.openxmlformats.org/officeDocument/2006/math">
+                    <m:r>
+                      <a:rPr lang="en-US" i="1">
+                        <a:latin typeface="Cambria Math" panose="02040503050406030204" pitchFamily="18" charset="0"/>
+                      </a:rPr>
+                      <m:t>𝑐</m:t>
+                    </m:r>
+                  </m:oMath>
+                </a14:m>
+                <a:r>
+                  <a:rPr lang="en-US" dirty="0" smtClean="0"/>
+                  <a:t> </a:t>
+                </a:r>
+                <a:r>
+                  <a:rPr lang="en-US" dirty="0"/>
+                  <a:t>in </a:t>
+                </a:r>
+                <a:r>
+                  <a:rPr lang="en-US" dirty="0" err="1"/>
+                  <a:t>heatmap</a:t>
+                </a:r>
+                <a:r>
+                  <a:rPr lang="en-US" dirty="0"/>
+                  <a:t> </a:t>
+                </a:r>
+                <a:r>
+                  <a:rPr lang="en-US" dirty="0"/>
+                  <a:t> </a:t>
+                </a:r>
+                <a14:m>
+                  <m:oMath xmlns:m="http://schemas.openxmlformats.org/officeDocument/2006/math">
+                    <m:r>
+                      <a:rPr lang="en-US" i="1">
+                        <a:latin typeface="Cambria Math" panose="02040503050406030204" pitchFamily="18" charset="0"/>
+                      </a:rPr>
+                      <m:t>𝑌</m:t>
+                    </m:r>
+                  </m:oMath>
+                </a14:m>
+                <a:r>
+                  <a:rPr lang="en-US" dirty="0" smtClean="0"/>
+                  <a:t> is </a:t>
+                </a:r>
+                <a14:m>
+                  <m:oMath xmlns:m="http://schemas.openxmlformats.org/officeDocument/2006/math">
+                    <m:sSub>
+                      <m:sSubPr>
+                        <m:ctrlPr>
+                          <a:rPr lang="en-US" i="1" smtClean="0">
+                            <a:latin typeface="Cambria Math" panose="02040503050406030204" pitchFamily="18" charset="0"/>
+                          </a:rPr>
+                        </m:ctrlPr>
+                      </m:sSubPr>
+                      <m:e>
+                        <m:r>
+                          <a:rPr lang="en-US" b="0" i="1" smtClean="0">
+                            <a:latin typeface="Cambria Math" panose="02040503050406030204" pitchFamily="18" charset="0"/>
+                          </a:rPr>
+                          <m:t>𝑌</m:t>
+                        </m:r>
+                      </m:e>
+                      <m:sub>
+                        <m:r>
+                          <a:rPr lang="en-US" b="0" i="1" smtClean="0">
+                            <a:latin typeface="Cambria Math" panose="02040503050406030204" pitchFamily="18" charset="0"/>
+                          </a:rPr>
+                          <m:t>𝑥𝑦𝑐</m:t>
+                        </m:r>
+                      </m:sub>
+                    </m:sSub>
+                    <m:r>
+                      <a:rPr lang="en-US" b="0" i="1" smtClean="0">
+                        <a:latin typeface="Cambria Math" panose="02040503050406030204" pitchFamily="18" charset="0"/>
+                      </a:rPr>
+                      <m:t>=</m:t>
+                    </m:r>
+                    <m:r>
+                      <m:rPr>
+                        <m:sty m:val="p"/>
+                      </m:rPr>
+                      <a:rPr lang="en-US" b="0" i="0" smtClean="0">
+                        <a:latin typeface="Cambria Math" panose="02040503050406030204" pitchFamily="18" charset="0"/>
+                      </a:rPr>
+                      <m:t>exp</m:t>
+                    </m:r>
+                    <m:r>
+                      <a:rPr lang="en-US" b="0" i="1" smtClean="0">
+                        <a:latin typeface="Cambria Math" panose="02040503050406030204" pitchFamily="18" charset="0"/>
+                      </a:rPr>
+                      <m:t>⁡(−</m:t>
+                    </m:r>
+                    <m:f>
+                      <m:fPr>
+                        <m:ctrlPr>
+                          <a:rPr lang="en-US" b="0" i="1" smtClean="0">
+                            <a:latin typeface="Cambria Math" panose="02040503050406030204" pitchFamily="18" charset="0"/>
+                          </a:rPr>
+                        </m:ctrlPr>
+                      </m:fPr>
+                      <m:num>
+                        <m:sSup>
+                          <m:sSupPr>
+                            <m:ctrlPr>
+                              <a:rPr lang="en-US" b="0" i="1" smtClean="0">
+                                <a:latin typeface="Cambria Math" panose="02040503050406030204" pitchFamily="18" charset="0"/>
+                              </a:rPr>
+                            </m:ctrlPr>
+                          </m:sSupPr>
+                          <m:e>
+                            <m:r>
+                              <a:rPr lang="en-US" i="1">
+                                <a:latin typeface="Cambria Math" panose="02040503050406030204" pitchFamily="18" charset="0"/>
+                              </a:rPr>
+                              <m:t>(</m:t>
+                            </m:r>
+                            <m:r>
+                              <a:rPr lang="en-US" i="1">
+                                <a:latin typeface="Cambria Math" panose="02040503050406030204" pitchFamily="18" charset="0"/>
+                              </a:rPr>
+                              <m:t>𝑥</m:t>
+                            </m:r>
+                            <m:r>
+                              <a:rPr lang="en-US" i="1">
+                                <a:latin typeface="Cambria Math" panose="02040503050406030204" pitchFamily="18" charset="0"/>
+                              </a:rPr>
+                              <m:t>−</m:t>
+                            </m:r>
+                            <m:sSub>
+                              <m:sSubPr>
+                                <m:ctrlPr>
+                                  <a:rPr lang="en-US" i="1">
+                                    <a:latin typeface="Cambria Math" panose="02040503050406030204" pitchFamily="18" charset="0"/>
+                                  </a:rPr>
+                                </m:ctrlPr>
+                              </m:sSubPr>
+                              <m:e>
+                                <m:r>
+                                  <a:rPr lang="en-US" i="1">
+                                    <a:latin typeface="Cambria Math" panose="02040503050406030204" pitchFamily="18" charset="0"/>
+                                  </a:rPr>
+                                  <m:t>𝑘</m:t>
+                                </m:r>
+                                <m:r>
+                                  <a:rPr lang="en-US" i="1">
+                                    <a:latin typeface="Cambria Math" panose="02040503050406030204" pitchFamily="18" charset="0"/>
+                                  </a:rPr>
+                                  <m:t>′</m:t>
+                                </m:r>
+                              </m:e>
+                              <m:sub>
+                                <m:r>
+                                  <a:rPr lang="en-US" i="1">
+                                    <a:latin typeface="Cambria Math" panose="02040503050406030204" pitchFamily="18" charset="0"/>
+                                  </a:rPr>
+                                  <m:t>𝑥</m:t>
+                                </m:r>
+                              </m:sub>
+                            </m:sSub>
+                            <m:r>
+                              <a:rPr lang="en-US" i="1">
+                                <a:latin typeface="Cambria Math" panose="02040503050406030204" pitchFamily="18" charset="0"/>
+                              </a:rPr>
+                              <m:t>)</m:t>
+                            </m:r>
+                          </m:e>
+                          <m:sup>
+                            <m:r>
+                              <a:rPr lang="en-US" b="0" i="1" smtClean="0">
+                                <a:latin typeface="Cambria Math" panose="02040503050406030204" pitchFamily="18" charset="0"/>
+                              </a:rPr>
+                              <m:t>2</m:t>
+                            </m:r>
+                          </m:sup>
+                        </m:sSup>
+                        <m:r>
+                          <a:rPr lang="en-US" b="0" i="1" smtClean="0">
+                            <a:latin typeface="Cambria Math" panose="02040503050406030204" pitchFamily="18" charset="0"/>
+                          </a:rPr>
+                          <m:t>+</m:t>
+                        </m:r>
+                        <m:sSup>
+                          <m:sSupPr>
+                            <m:ctrlPr>
+                              <a:rPr lang="en-US" i="1">
+                                <a:latin typeface="Cambria Math" panose="02040503050406030204" pitchFamily="18" charset="0"/>
+                              </a:rPr>
+                            </m:ctrlPr>
+                          </m:sSupPr>
+                          <m:e>
+                            <m:r>
+                              <a:rPr lang="en-US" i="1">
+                                <a:latin typeface="Cambria Math" panose="02040503050406030204" pitchFamily="18" charset="0"/>
+                              </a:rPr>
+                              <m:t>(</m:t>
+                            </m:r>
+                            <m:r>
+                              <a:rPr lang="en-US" b="0" i="1" smtClean="0">
+                                <a:latin typeface="Cambria Math" panose="02040503050406030204" pitchFamily="18" charset="0"/>
+                              </a:rPr>
+                              <m:t>𝑦</m:t>
+                            </m:r>
+                            <m:r>
+                              <a:rPr lang="en-US" i="1">
+                                <a:latin typeface="Cambria Math" panose="02040503050406030204" pitchFamily="18" charset="0"/>
+                              </a:rPr>
+                              <m:t>−</m:t>
+                            </m:r>
+                            <m:sSub>
+                              <m:sSubPr>
+                                <m:ctrlPr>
+                                  <a:rPr lang="en-US" i="1">
+                                    <a:latin typeface="Cambria Math" panose="02040503050406030204" pitchFamily="18" charset="0"/>
+                                  </a:rPr>
+                                </m:ctrlPr>
+                              </m:sSubPr>
+                              <m:e>
+                                <m:r>
+                                  <a:rPr lang="en-US" i="1">
+                                    <a:latin typeface="Cambria Math" panose="02040503050406030204" pitchFamily="18" charset="0"/>
+                                  </a:rPr>
+                                  <m:t>𝑘</m:t>
+                                </m:r>
+                                <m:r>
+                                  <a:rPr lang="en-US" i="1">
+                                    <a:latin typeface="Cambria Math" panose="02040503050406030204" pitchFamily="18" charset="0"/>
+                                  </a:rPr>
+                                  <m:t>′</m:t>
+                                </m:r>
+                              </m:e>
+                              <m:sub>
+                                <m:r>
+                                  <a:rPr lang="en-US" b="0" i="1" smtClean="0">
+                                    <a:latin typeface="Cambria Math" panose="02040503050406030204" pitchFamily="18" charset="0"/>
+                                  </a:rPr>
+                                  <m:t>𝑦</m:t>
+                                </m:r>
+                              </m:sub>
+                            </m:sSub>
+                            <m:r>
+                              <a:rPr lang="en-US" i="1">
+                                <a:latin typeface="Cambria Math" panose="02040503050406030204" pitchFamily="18" charset="0"/>
+                              </a:rPr>
+                              <m:t>)</m:t>
+                            </m:r>
+                          </m:e>
+                          <m:sup>
+                            <m:r>
+                              <a:rPr lang="en-US" i="1">
+                                <a:latin typeface="Cambria Math" panose="02040503050406030204" pitchFamily="18" charset="0"/>
+                              </a:rPr>
+                              <m:t>2</m:t>
+                            </m:r>
+                          </m:sup>
+                        </m:sSup>
+                      </m:num>
+                      <m:den>
+                        <m:r>
+                          <a:rPr lang="en-US" b="0" i="1" smtClean="0">
+                            <a:latin typeface="Cambria Math" panose="02040503050406030204" pitchFamily="18" charset="0"/>
+                          </a:rPr>
+                          <m:t>2</m:t>
+                        </m:r>
+                        <m:sSubSup>
+                          <m:sSubSupPr>
+                            <m:ctrlPr>
+                              <a:rPr lang="en-US" b="0" i="1" smtClean="0">
+                                <a:latin typeface="Cambria Math" panose="02040503050406030204" pitchFamily="18" charset="0"/>
+                              </a:rPr>
+                            </m:ctrlPr>
+                          </m:sSubSupPr>
+                          <m:e>
+                            <m:r>
+                              <a:rPr lang="en-US" b="0" i="1" smtClean="0">
+                                <a:latin typeface="Cambria Math" panose="02040503050406030204" pitchFamily="18" charset="0"/>
+                              </a:rPr>
+                              <m:t>𝑟</m:t>
+                            </m:r>
+                          </m:e>
+                          <m:sub>
+                            <m:r>
+                              <a:rPr lang="en-US" b="0" i="1" smtClean="0">
+                                <a:latin typeface="Cambria Math" panose="02040503050406030204" pitchFamily="18" charset="0"/>
+                              </a:rPr>
+                              <m:t>𝑘</m:t>
+                            </m:r>
+                          </m:sub>
+                          <m:sup>
+                            <m:r>
+                              <a:rPr lang="en-US" b="0" i="1" smtClean="0">
+                                <a:latin typeface="Cambria Math" panose="02040503050406030204" pitchFamily="18" charset="0"/>
+                              </a:rPr>
+                              <m:t>2</m:t>
+                            </m:r>
+                          </m:sup>
+                        </m:sSubSup>
+                      </m:den>
+                    </m:f>
+                    <m:r>
+                      <a:rPr lang="en-US" b="0" i="1" smtClean="0">
+                        <a:latin typeface="Cambria Math" panose="02040503050406030204" pitchFamily="18" charset="0"/>
+                      </a:rPr>
+                      <m:t>)</m:t>
+                    </m:r>
+                  </m:oMath>
+                </a14:m>
+                <a:r>
+                  <a:rPr lang="en-US" dirty="0" smtClean="0"/>
+                  <a:t>, </a:t>
+                </a:r>
+                <a14:m>
+                  <m:oMath xmlns:m="http://schemas.openxmlformats.org/officeDocument/2006/math">
+                    <m:sSub>
+                      <m:sSubPr>
+                        <m:ctrlPr>
+                          <a:rPr lang="en-US" i="1" smtClean="0">
+                            <a:latin typeface="Cambria Math" panose="02040503050406030204" pitchFamily="18" charset="0"/>
+                          </a:rPr>
+                        </m:ctrlPr>
+                      </m:sSubPr>
+                      <m:e>
+                        <m:r>
+                          <a:rPr lang="en-US" b="0" i="1" smtClean="0">
+                            <a:latin typeface="Cambria Math" panose="02040503050406030204" pitchFamily="18" charset="0"/>
+                          </a:rPr>
+                          <m:t>𝑟</m:t>
+                        </m:r>
+                      </m:e>
+                      <m:sub>
+                        <m:r>
+                          <a:rPr lang="en-US" b="0" i="1" smtClean="0">
+                            <a:latin typeface="Cambria Math" panose="02040503050406030204" pitchFamily="18" charset="0"/>
+                          </a:rPr>
+                          <m:t>𝑘</m:t>
+                        </m:r>
+                      </m:sub>
+                    </m:sSub>
+                  </m:oMath>
+                </a14:m>
+                <a:r>
+                  <a:rPr lang="en-US" dirty="0" smtClean="0"/>
+                  <a:t> - radius of </a:t>
+                </a:r>
+                <a:r>
+                  <a:rPr lang="en-US" dirty="0" err="1" smtClean="0"/>
+                  <a:t>keypoint</a:t>
+                </a:r>
+                <a:r>
+                  <a:rPr lang="en-US" dirty="0" smtClean="0"/>
+                  <a:t> k in Y.</a:t>
+                </a:r>
+                <a:endParaRPr lang="en-US" dirty="0"/>
+              </a:p>
+            </p:txBody>
+          </p:sp>
+        </mc:Choice>
+        <mc:Fallback>
+          <p:sp>
+            <p:nvSpPr>
+              <p:cNvPr id="3" name="Content Placeholder 2"/>
+              <p:cNvSpPr>
+                <a:spLocks noGrp="1" noRot="1" noChangeAspect="1" noMove="1" noResize="1" noEditPoints="1" noAdjustHandles="1" noChangeArrowheads="1" noChangeShapeType="1" noTextEdit="1"/>
+              </p:cNvSpPr>
+              <p:nvPr>
+                <p:ph sz="half" idx="2"/>
+              </p:nvPr>
+            </p:nvSpPr>
+            <p:spPr>
+              <a:blipFill>
+                <a:blip r:embed="rId2"/>
+                <a:stretch>
+                  <a:fillRect l="-427" r="-480"/>
+                </a:stretch>
+              </a:blipFill>
+            </p:spPr>
+            <p:txBody>
+              <a:bodyPr/>
+              <a:lstStyle/>
+              <a:p>
+                <a:r>
+                  <a:rPr lang="en-US">
+                    <a:noFill/>
+                  </a:rPr>
+                  <a:t> </a:t>
+                </a:r>
+              </a:p>
+            </p:txBody>
+          </p:sp>
+        </mc:Fallback>
+      </mc:AlternateContent>
+      <p:sp>
+        <p:nvSpPr>
+          <p:cNvPr id="4" name="Date Placeholder 3"/>
+          <p:cNvSpPr>
+            <a:spLocks noGrp="1"/>
+          </p:cNvSpPr>
+          <p:nvPr>
+            <p:ph type="dt" sz="half" idx="10"/>
+          </p:nvPr>
+        </p:nvSpPr>
+        <p:spPr/>
+        <p:txBody>
+          <a:bodyPr/>
+          <a:lstStyle/>
+          <a:p>
+            <a:fld id="{499624E5-6640-4B65-82B0-BACE50C7D1B2}" type="datetime1">
+              <a:rPr lang="en-US" smtClean="0"/>
+              <a:t>6/10/2021</a:t>
+            </a:fld>
+            <a:endParaRPr lang="en-US" dirty="0"/>
+          </a:p>
+        </p:txBody>
+      </p:sp>
+      <p:sp>
+        <p:nvSpPr>
+          <p:cNvPr id="5" name="Footer Placeholder 4"/>
+          <p:cNvSpPr>
+            <a:spLocks noGrp="1"/>
+          </p:cNvSpPr>
+          <p:nvPr>
+            <p:ph type="ftr" sz="quarter" idx="11"/>
+          </p:nvPr>
+        </p:nvSpPr>
+        <p:spPr/>
+        <p:txBody>
+          <a:bodyPr/>
+          <a:lstStyle/>
+          <a:p>
+            <a:r>
+              <a:rPr lang="fr-FR" smtClean="0"/>
+              <a:t>Le Quy Don Technical University</a:t>
+            </a:r>
+            <a:endParaRPr lang="en-US" dirty="0"/>
+          </a:p>
+        </p:txBody>
+      </p:sp>
+      <p:sp>
+        <p:nvSpPr>
+          <p:cNvPr id="6" name="Slide Number Placeholder 5"/>
+          <p:cNvSpPr>
+            <a:spLocks noGrp="1"/>
+          </p:cNvSpPr>
+          <p:nvPr>
+            <p:ph type="sldNum" sz="quarter" idx="12"/>
+          </p:nvPr>
+        </p:nvSpPr>
+        <p:spPr/>
+        <p:txBody>
+          <a:bodyPr/>
+          <a:lstStyle/>
+          <a:p>
+            <a:fld id="{B881B6B3-2069-452F-BF40-F653D75B3DB0}" type="slidenum">
+              <a:rPr lang="en-US" smtClean="0"/>
+              <a:t>13</a:t>
+            </a:fld>
+            <a:endParaRPr lang="en-US"/>
+          </a:p>
+        </p:txBody>
+      </p:sp>
+      <p:sp>
+        <p:nvSpPr>
+          <p:cNvPr id="7" name="Text Placeholder 6"/>
+          <p:cNvSpPr>
+            <a:spLocks noGrp="1"/>
+          </p:cNvSpPr>
+          <p:nvPr>
+            <p:ph type="body" sz="quarter" idx="13"/>
+          </p:nvPr>
+        </p:nvSpPr>
+        <p:spPr/>
+        <p:txBody>
+          <a:bodyPr/>
+          <a:lstStyle/>
+          <a:p>
+            <a:r>
+              <a:rPr lang="en-US" dirty="0"/>
+              <a:t>Proposed </a:t>
+            </a:r>
+            <a:r>
+              <a:rPr lang="en-US" dirty="0" smtClean="0"/>
+              <a:t>method</a:t>
+            </a:r>
+            <a:endParaRPr lang="en-US" dirty="0"/>
+          </a:p>
+        </p:txBody>
+      </p:sp>
+      <p:sp>
+        <p:nvSpPr>
+          <p:cNvPr id="8" name="Text Placeholder 7"/>
+          <p:cNvSpPr>
+            <a:spLocks noGrp="1"/>
+          </p:cNvSpPr>
+          <p:nvPr>
+            <p:ph type="body" sz="quarter" idx="14"/>
+          </p:nvPr>
+        </p:nvSpPr>
+        <p:spPr/>
+        <p:txBody>
+          <a:bodyPr/>
+          <a:lstStyle/>
+          <a:p>
+            <a:r>
+              <a:rPr lang="en-US" dirty="0" smtClean="0"/>
+              <a:t>License plate detection</a:t>
+            </a:r>
+            <a:endParaRPr lang="en-US" dirty="0"/>
+          </a:p>
+        </p:txBody>
+      </p:sp>
+    </p:spTree>
+    <p:extLst>
+      <p:ext uri="{BB962C8B-B14F-4D97-AF65-F5344CB8AC3E}">
+        <p14:creationId xmlns:p14="http://schemas.microsoft.com/office/powerpoint/2010/main" val="3669499769"/>
+      </p:ext>
+    </p:extLst>
+  </p:cSld>
+  <p:clrMapOvr>
+    <a:masterClrMapping/>
+  </p:clrMapOvr>
+  <mc:AlternateContent xmlns:mc="http://schemas.openxmlformats.org/markup-compatibility/2006" xmlns:p14="http://schemas.microsoft.com/office/powerpoint/2010/main">
+    <mc:Choice Requires="p14">
+      <p:transition spd="med" p14:dur="700">
+        <p:fade/>
+      </p:transition>
+    </mc:Choice>
+    <mc:Fallback xmlns="">
+      <p:transition spd="med">
+        <p:fade/>
+      </p:transition>
+    </mc:Fallback>
+  </mc:AlternateContent>
+  <p:timing>
+    <p:tnLst>
+      <p:par>
+        <p:cTn id="1" dur="indefinite" restart="never" nodeType="tmRoot"/>
+      </p:par>
+    </p:tnLst>
+  </p:timing>
 </p:sld>
 </file>
 
@@ -3654,7 +6078,7 @@
           <a:p>
             <a:fld id="{499624E5-6640-4B65-82B0-BACE50C7D1B2}" type="datetime1">
               <a:rPr lang="en-US" smtClean="0"/>
-              <a:t>10/5/2021</a:t>
+              <a:t>6/10/2021</a:t>
             </a:fld>
             <a:endParaRPr lang="en-US" dirty="0"/>
           </a:p>
@@ -3781,18 +6205,25 @@
   <p:clrMapOvr>
     <a:masterClrMapping/>
   </p:clrMapOvr>
-  <mc:AlternateContent xmlns:mc="http://schemas.openxmlformats.org/markup-compatibility/2006">
-    <mc:Choice xmlns:p14="http://schemas.microsoft.com/office/powerpoint/2010/main" Requires="p14">
+  <mc:AlternateContent xmlns:mc="http://schemas.openxmlformats.org/markup-compatibility/2006" xmlns:p14="http://schemas.microsoft.com/office/powerpoint/2010/main">
+    <mc:Choice Requires="p14">
       <p:transition spd="med" p14:dur="700">
         <p:fade/>
       </p:transition>
     </mc:Choice>
-    <mc:Fallback>
+    <mc:Fallback xmlns="">
       <p:transition spd="med">
         <p:fade/>
       </p:transition>
     </mc:Fallback>
   </mc:AlternateContent>
+  <p:timing>
+    <p:tnLst>
+      <p:par>
+        <p:cTn id="1" dur="indefinite" restart="never" nodeType="tmRoot"/>
+      </p:par>
+    </p:tnLst>
+  </p:timing>
 </p:sld>
 </file>
 
@@ -3897,7 +6328,7 @@
           <a:p>
             <a:fld id="{499624E5-6640-4B65-82B0-BACE50C7D1B2}" type="datetime1">
               <a:rPr lang="en-US" smtClean="0"/>
-              <a:t>10/5/2021</a:t>
+              <a:t>6/10/2021</a:t>
             </a:fld>
             <a:endParaRPr lang="en-US" dirty="0"/>
           </a:p>
@@ -4107,18 +6538,25 @@
   <p:clrMapOvr>
     <a:masterClrMapping/>
   </p:clrMapOvr>
-  <mc:AlternateContent xmlns:mc="http://schemas.openxmlformats.org/markup-compatibility/2006">
-    <mc:Choice xmlns:p14="http://schemas.microsoft.com/office/powerpoint/2010/main" Requires="p14">
+  <mc:AlternateContent xmlns:mc="http://schemas.openxmlformats.org/markup-compatibility/2006" xmlns:p14="http://schemas.microsoft.com/office/powerpoint/2010/main">
+    <mc:Choice Requires="p14">
       <p:transition spd="med" p14:dur="700">
         <p:fade/>
       </p:transition>
     </mc:Choice>
-    <mc:Fallback>
+    <mc:Fallback xmlns="">
       <p:transition spd="med">
         <p:fade/>
       </p:transition>
     </mc:Fallback>
   </mc:AlternateContent>
+  <p:timing>
+    <p:tnLst>
+      <p:par>
+        <p:cTn id="1" dur="indefinite" restart="never" nodeType="tmRoot"/>
+      </p:par>
+    </p:tnLst>
+  </p:timing>
 </p:sld>
 </file>
 
@@ -4239,7 +6677,7 @@
           <a:p>
             <a:fld id="{499624E5-6640-4B65-82B0-BACE50C7D1B2}" type="datetime1">
               <a:rPr lang="en-US" smtClean="0"/>
-              <a:t>10/5/2021</a:t>
+              <a:t>6/10/2021</a:t>
             </a:fld>
             <a:endParaRPr lang="en-US" dirty="0"/>
           </a:p>
@@ -4369,18 +6807,25 @@
   <p:clrMapOvr>
     <a:masterClrMapping/>
   </p:clrMapOvr>
-  <mc:AlternateContent xmlns:mc="http://schemas.openxmlformats.org/markup-compatibility/2006">
-    <mc:Choice xmlns:p14="http://schemas.microsoft.com/office/powerpoint/2010/main" Requires="p14">
+  <mc:AlternateContent xmlns:mc="http://schemas.openxmlformats.org/markup-compatibility/2006" xmlns:p14="http://schemas.microsoft.com/office/powerpoint/2010/main">
+    <mc:Choice Requires="p14">
       <p:transition spd="med" p14:dur="700">
         <p:fade/>
       </p:transition>
     </mc:Choice>
-    <mc:Fallback>
+    <mc:Fallback xmlns="">
       <p:transition spd="med">
         <p:fade/>
       </p:transition>
     </mc:Fallback>
   </mc:AlternateContent>
+  <p:timing>
+    <p:tnLst>
+      <p:par>
+        <p:cTn id="1" dur="indefinite" restart="never" nodeType="tmRoot"/>
+      </p:par>
+    </p:tnLst>
+  </p:timing>
 </p:sld>
 </file>
 
@@ -4452,7 +6897,7 @@
           <a:p>
             <a:fld id="{499624E5-6640-4B65-82B0-BACE50C7D1B2}" type="datetime1">
               <a:rPr lang="en-US" smtClean="0"/>
-              <a:t>10/5/2021</a:t>
+              <a:t>6/10/2021</a:t>
             </a:fld>
             <a:endParaRPr lang="en-US" dirty="0"/>
           </a:p>
@@ -4647,18 +7092,1033 @@
   <p:clrMapOvr>
     <a:masterClrMapping/>
   </p:clrMapOvr>
-  <mc:AlternateContent xmlns:mc="http://schemas.openxmlformats.org/markup-compatibility/2006">
-    <mc:Choice xmlns:p14="http://schemas.microsoft.com/office/powerpoint/2010/main" Requires="p14">
+  <mc:AlternateContent xmlns:mc="http://schemas.openxmlformats.org/markup-compatibility/2006" xmlns:p14="http://schemas.microsoft.com/office/powerpoint/2010/main">
+    <mc:Choice Requires="p14">
       <p:transition spd="med" p14:dur="700">
         <p:fade/>
       </p:transition>
     </mc:Choice>
-    <mc:Fallback>
+    <mc:Fallback xmlns="">
       <p:transition spd="med">
         <p:fade/>
       </p:transition>
     </mc:Fallback>
   </mc:AlternateContent>
+  <p:timing>
+    <p:tnLst>
+      <p:par>
+        <p:cTn id="1" dur="indefinite" restart="never" nodeType="tmRoot"/>
+      </p:par>
+    </p:tnLst>
+  </p:timing>
+</p:sld>
+</file>
+
+<file path=ppt/slides/slide6.xml><?xml version="1.0" encoding="utf-8"?>
+<p:sld xmlns:a="http://schemas.openxmlformats.org/drawingml/2006/main" xmlns:r="http://schemas.openxmlformats.org/officeDocument/2006/relationships" xmlns:p="http://schemas.openxmlformats.org/presentationml/2006/main">
+  <p:cSld>
+    <p:spTree>
+      <p:nvGrpSpPr>
+        <p:cNvPr id="1" name=""/>
+        <p:cNvGrpSpPr/>
+        <p:nvPr/>
+      </p:nvGrpSpPr>
+      <p:grpSpPr>
+        <a:xfrm>
+          <a:off x="0" y="0"/>
+          <a:ext cx="0" cy="0"/>
+          <a:chOff x="0" y="0"/>
+          <a:chExt cx="0" cy="0"/>
+        </a:xfrm>
+      </p:grpSpPr>
+      <p:sp>
+        <p:nvSpPr>
+          <p:cNvPr id="2" name="Title 1"/>
+          <p:cNvSpPr>
+            <a:spLocks noGrp="1"/>
+          </p:cNvSpPr>
+          <p:nvPr>
+            <p:ph type="title"/>
+          </p:nvPr>
+        </p:nvSpPr>
+        <p:spPr/>
+        <p:txBody>
+          <a:bodyPr/>
+          <a:lstStyle/>
+          <a:p>
+            <a:r>
+              <a:rPr lang="en-US" dirty="0" smtClean="0"/>
+              <a:t>Main challenges for ALPR system</a:t>
+            </a:r>
+            <a:endParaRPr lang="en-US" dirty="0"/>
+          </a:p>
+        </p:txBody>
+      </p:sp>
+      <p:sp>
+        <p:nvSpPr>
+          <p:cNvPr id="3" name="Content Placeholder 2"/>
+          <p:cNvSpPr>
+            <a:spLocks noGrp="1"/>
+          </p:cNvSpPr>
+          <p:nvPr>
+            <p:ph sz="half" idx="2"/>
+          </p:nvPr>
+        </p:nvSpPr>
+        <p:spPr/>
+        <p:txBody>
+          <a:bodyPr/>
+          <a:lstStyle/>
+          <a:p>
+            <a:pPr marL="457200" indent="-457200">
+              <a:buFont typeface="+mj-lt"/>
+              <a:buAutoNum type="arabicPeriod"/>
+            </a:pPr>
+            <a:r>
+              <a:rPr lang="en-US" dirty="0"/>
+              <a:t>Environment conditions: sunshine, rainy, night time, day time.</a:t>
+            </a:r>
+          </a:p>
+          <a:p>
+            <a:pPr marL="457200" indent="-457200">
+              <a:buFont typeface="+mj-lt"/>
+              <a:buAutoNum type="arabicPeriod"/>
+            </a:pPr>
+            <a:r>
+              <a:rPr lang="en-US" dirty="0"/>
+              <a:t>Image resolution and view of cameras.</a:t>
+            </a:r>
+          </a:p>
+          <a:p>
+            <a:pPr marL="457200" indent="-457200">
+              <a:buFont typeface="+mj-lt"/>
+              <a:buAutoNum type="arabicPeriod"/>
+            </a:pPr>
+            <a:r>
+              <a:rPr lang="en-US" dirty="0"/>
+              <a:t>Size and quality of license plate images.</a:t>
+            </a:r>
+          </a:p>
+          <a:p>
+            <a:pPr marL="457200" indent="-457200">
+              <a:buFont typeface="+mj-lt"/>
+              <a:buAutoNum type="arabicPeriod"/>
+            </a:pPr>
+            <a:r>
+              <a:rPr lang="en-US" dirty="0"/>
+              <a:t>Color, shape and font of license plate images.</a:t>
+            </a:r>
+          </a:p>
+          <a:p>
+            <a:pPr marL="457200" indent="-457200">
+              <a:buFont typeface="+mj-lt"/>
+              <a:buAutoNum type="arabicPeriod"/>
+            </a:pPr>
+            <a:r>
+              <a:rPr lang="en-US" dirty="0"/>
+              <a:t>Density of vehicle at the same time</a:t>
+            </a:r>
+            <a:r>
+              <a:rPr lang="en-US" dirty="0" smtClean="0"/>
+              <a:t>.</a:t>
+            </a:r>
+            <a:endParaRPr lang="en-US" dirty="0"/>
+          </a:p>
+        </p:txBody>
+      </p:sp>
+      <p:sp>
+        <p:nvSpPr>
+          <p:cNvPr id="4" name="Date Placeholder 3"/>
+          <p:cNvSpPr>
+            <a:spLocks noGrp="1"/>
+          </p:cNvSpPr>
+          <p:nvPr>
+            <p:ph type="dt" sz="half" idx="10"/>
+          </p:nvPr>
+        </p:nvSpPr>
+        <p:spPr/>
+        <p:txBody>
+          <a:bodyPr/>
+          <a:lstStyle/>
+          <a:p>
+            <a:fld id="{499624E5-6640-4B65-82B0-BACE50C7D1B2}" type="datetime1">
+              <a:rPr lang="en-US" smtClean="0"/>
+              <a:t>6/10/2021</a:t>
+            </a:fld>
+            <a:endParaRPr lang="en-US" dirty="0"/>
+          </a:p>
+        </p:txBody>
+      </p:sp>
+      <p:sp>
+        <p:nvSpPr>
+          <p:cNvPr id="5" name="Footer Placeholder 4"/>
+          <p:cNvSpPr>
+            <a:spLocks noGrp="1"/>
+          </p:cNvSpPr>
+          <p:nvPr>
+            <p:ph type="ftr" sz="quarter" idx="11"/>
+          </p:nvPr>
+        </p:nvSpPr>
+        <p:spPr/>
+        <p:txBody>
+          <a:bodyPr/>
+          <a:lstStyle/>
+          <a:p>
+            <a:r>
+              <a:rPr lang="fr-FR" smtClean="0"/>
+              <a:t>Le Quy Don Technical University</a:t>
+            </a:r>
+            <a:endParaRPr lang="en-US" dirty="0"/>
+          </a:p>
+        </p:txBody>
+      </p:sp>
+      <p:sp>
+        <p:nvSpPr>
+          <p:cNvPr id="6" name="Slide Number Placeholder 5"/>
+          <p:cNvSpPr>
+            <a:spLocks noGrp="1"/>
+          </p:cNvSpPr>
+          <p:nvPr>
+            <p:ph type="sldNum" sz="quarter" idx="12"/>
+          </p:nvPr>
+        </p:nvSpPr>
+        <p:spPr/>
+        <p:txBody>
+          <a:bodyPr/>
+          <a:lstStyle/>
+          <a:p>
+            <a:fld id="{B881B6B3-2069-452F-BF40-F653D75B3DB0}" type="slidenum">
+              <a:rPr lang="en-US" smtClean="0"/>
+              <a:t>6</a:t>
+            </a:fld>
+            <a:endParaRPr lang="en-US"/>
+          </a:p>
+        </p:txBody>
+      </p:sp>
+      <p:sp>
+        <p:nvSpPr>
+          <p:cNvPr id="7" name="Text Placeholder 6"/>
+          <p:cNvSpPr>
+            <a:spLocks noGrp="1"/>
+          </p:cNvSpPr>
+          <p:nvPr>
+            <p:ph type="body" sz="quarter" idx="13"/>
+          </p:nvPr>
+        </p:nvSpPr>
+        <p:spPr/>
+        <p:txBody>
+          <a:bodyPr/>
+          <a:lstStyle/>
+          <a:p>
+            <a:r>
+              <a:rPr lang="en-US" dirty="0" smtClean="0"/>
+              <a:t>Introduction</a:t>
+            </a:r>
+            <a:endParaRPr lang="en-US" dirty="0"/>
+          </a:p>
+        </p:txBody>
+      </p:sp>
+      <p:sp>
+        <p:nvSpPr>
+          <p:cNvPr id="8" name="Text Placeholder 7"/>
+          <p:cNvSpPr>
+            <a:spLocks noGrp="1"/>
+          </p:cNvSpPr>
+          <p:nvPr>
+            <p:ph type="body" sz="quarter" idx="14"/>
+          </p:nvPr>
+        </p:nvSpPr>
+        <p:spPr/>
+        <p:txBody>
+          <a:bodyPr/>
+          <a:lstStyle/>
+          <a:p>
+            <a:r>
+              <a:rPr lang="en-US" dirty="0" smtClean="0"/>
+              <a:t>Challenges</a:t>
+            </a:r>
+            <a:endParaRPr lang="en-US" dirty="0"/>
+          </a:p>
+        </p:txBody>
+      </p:sp>
+    </p:spTree>
+    <p:extLst>
+      <p:ext uri="{BB962C8B-B14F-4D97-AF65-F5344CB8AC3E}">
+        <p14:creationId xmlns:p14="http://schemas.microsoft.com/office/powerpoint/2010/main" val="418922013"/>
+      </p:ext>
+    </p:extLst>
+  </p:cSld>
+  <p:clrMapOvr>
+    <a:masterClrMapping/>
+  </p:clrMapOvr>
+  <mc:AlternateContent xmlns:mc="http://schemas.openxmlformats.org/markup-compatibility/2006" xmlns:p14="http://schemas.microsoft.com/office/powerpoint/2010/main">
+    <mc:Choice Requires="p14">
+      <p:transition spd="med" p14:dur="700">
+        <p:fade/>
+      </p:transition>
+    </mc:Choice>
+    <mc:Fallback xmlns="">
+      <p:transition spd="med">
+        <p:fade/>
+      </p:transition>
+    </mc:Fallback>
+  </mc:AlternateContent>
+  <p:timing>
+    <p:tnLst>
+      <p:par>
+        <p:cTn id="1" dur="indefinite" restart="never" nodeType="tmRoot"/>
+      </p:par>
+    </p:tnLst>
+  </p:timing>
+</p:sld>
+</file>
+
+<file path=ppt/slides/slide7.xml><?xml version="1.0" encoding="utf-8"?>
+<p:sld xmlns:a="http://schemas.openxmlformats.org/drawingml/2006/main" xmlns:r="http://schemas.openxmlformats.org/officeDocument/2006/relationships" xmlns:p="http://schemas.openxmlformats.org/presentationml/2006/main">
+  <p:cSld>
+    <p:spTree>
+      <p:nvGrpSpPr>
+        <p:cNvPr id="1" name=""/>
+        <p:cNvGrpSpPr/>
+        <p:nvPr/>
+      </p:nvGrpSpPr>
+      <p:grpSpPr>
+        <a:xfrm>
+          <a:off x="0" y="0"/>
+          <a:ext cx="0" cy="0"/>
+          <a:chOff x="0" y="0"/>
+          <a:chExt cx="0" cy="0"/>
+        </a:xfrm>
+      </p:grpSpPr>
+      <p:sp>
+        <p:nvSpPr>
+          <p:cNvPr id="2" name="Title 1"/>
+          <p:cNvSpPr>
+            <a:spLocks noGrp="1"/>
+          </p:cNvSpPr>
+          <p:nvPr>
+            <p:ph type="title"/>
+          </p:nvPr>
+        </p:nvSpPr>
+        <p:spPr/>
+        <p:txBody>
+          <a:bodyPr/>
+          <a:lstStyle/>
+          <a:p>
+            <a:r>
+              <a:rPr lang="en-US" dirty="0" smtClean="0"/>
+              <a:t>Two main approaches for ALPR</a:t>
+            </a:r>
+            <a:endParaRPr lang="en-US" dirty="0"/>
+          </a:p>
+        </p:txBody>
+      </p:sp>
+      <p:sp>
+        <p:nvSpPr>
+          <p:cNvPr id="3" name="Content Placeholder 2"/>
+          <p:cNvSpPr>
+            <a:spLocks noGrp="1"/>
+          </p:cNvSpPr>
+          <p:nvPr>
+            <p:ph sz="half" idx="2"/>
+          </p:nvPr>
+        </p:nvSpPr>
+        <p:spPr/>
+        <p:txBody>
+          <a:bodyPr/>
+          <a:lstStyle/>
+          <a:p>
+            <a:pPr marL="457200" indent="-457200">
+              <a:buFont typeface="+mj-lt"/>
+              <a:buAutoNum type="arabicPeriod"/>
+            </a:pPr>
+            <a:r>
+              <a:rPr lang="en-US" dirty="0"/>
+              <a:t>Multi-stage license plate recognition systems.</a:t>
+            </a:r>
+          </a:p>
+          <a:p>
+            <a:pPr marL="742950" lvl="1" indent="-285750">
+              <a:buFont typeface="Wingdings" panose="05000000000000000000" pitchFamily="2" charset="2"/>
+              <a:buChar char="§"/>
+            </a:pPr>
+            <a:r>
+              <a:rPr lang="en-US" dirty="0"/>
+              <a:t>License plate detection: traditional image processing techniques, CNN.</a:t>
+            </a:r>
+          </a:p>
+          <a:p>
+            <a:pPr marL="742950" lvl="1" indent="-285750">
+              <a:buFont typeface="Wingdings" panose="05000000000000000000" pitchFamily="2" charset="2"/>
+              <a:buChar char="§"/>
+            </a:pPr>
+            <a:r>
+              <a:rPr lang="en-US" dirty="0"/>
+              <a:t>LP OCR: segmentation-based and segmentation-free approaches.</a:t>
+            </a:r>
+          </a:p>
+          <a:p>
+            <a:pPr marL="457200" indent="-457200">
+              <a:buFont typeface="+mj-lt"/>
+              <a:buAutoNum type="arabicPeriod"/>
+            </a:pPr>
+            <a:r>
+              <a:rPr lang="en-US" dirty="0"/>
+              <a:t>Single-stage LP recognition systems.</a:t>
+            </a:r>
+          </a:p>
+          <a:p>
+            <a:pPr marL="742950" lvl="1" indent="-285750">
+              <a:buFont typeface="Wingdings" panose="05000000000000000000" pitchFamily="2" charset="2"/>
+              <a:buChar char="§"/>
+            </a:pPr>
+            <a:r>
+              <a:rPr lang="en-US" dirty="0"/>
+              <a:t>They design a complex neural network to do both LP detection and LP OCR tasks</a:t>
+            </a:r>
+            <a:r>
+              <a:rPr lang="en-US" dirty="0" smtClean="0"/>
+              <a:t>.</a:t>
+            </a:r>
+            <a:endParaRPr lang="en-US" dirty="0"/>
+          </a:p>
+        </p:txBody>
+      </p:sp>
+      <p:sp>
+        <p:nvSpPr>
+          <p:cNvPr id="4" name="Date Placeholder 3"/>
+          <p:cNvSpPr>
+            <a:spLocks noGrp="1"/>
+          </p:cNvSpPr>
+          <p:nvPr>
+            <p:ph type="dt" sz="half" idx="10"/>
+          </p:nvPr>
+        </p:nvSpPr>
+        <p:spPr/>
+        <p:txBody>
+          <a:bodyPr/>
+          <a:lstStyle/>
+          <a:p>
+            <a:fld id="{499624E5-6640-4B65-82B0-BACE50C7D1B2}" type="datetime1">
+              <a:rPr lang="en-US" smtClean="0"/>
+              <a:t>6/10/2021</a:t>
+            </a:fld>
+            <a:endParaRPr lang="en-US" dirty="0"/>
+          </a:p>
+        </p:txBody>
+      </p:sp>
+      <p:sp>
+        <p:nvSpPr>
+          <p:cNvPr id="5" name="Footer Placeholder 4"/>
+          <p:cNvSpPr>
+            <a:spLocks noGrp="1"/>
+          </p:cNvSpPr>
+          <p:nvPr>
+            <p:ph type="ftr" sz="quarter" idx="11"/>
+          </p:nvPr>
+        </p:nvSpPr>
+        <p:spPr/>
+        <p:txBody>
+          <a:bodyPr/>
+          <a:lstStyle/>
+          <a:p>
+            <a:r>
+              <a:rPr lang="fr-FR" smtClean="0"/>
+              <a:t>Le Quy Don Technical University</a:t>
+            </a:r>
+            <a:endParaRPr lang="en-US" dirty="0"/>
+          </a:p>
+        </p:txBody>
+      </p:sp>
+      <p:sp>
+        <p:nvSpPr>
+          <p:cNvPr id="6" name="Slide Number Placeholder 5"/>
+          <p:cNvSpPr>
+            <a:spLocks noGrp="1"/>
+          </p:cNvSpPr>
+          <p:nvPr>
+            <p:ph type="sldNum" sz="quarter" idx="12"/>
+          </p:nvPr>
+        </p:nvSpPr>
+        <p:spPr/>
+        <p:txBody>
+          <a:bodyPr/>
+          <a:lstStyle/>
+          <a:p>
+            <a:fld id="{B881B6B3-2069-452F-BF40-F653D75B3DB0}" type="slidenum">
+              <a:rPr lang="en-US" smtClean="0"/>
+              <a:t>7</a:t>
+            </a:fld>
+            <a:endParaRPr lang="en-US"/>
+          </a:p>
+        </p:txBody>
+      </p:sp>
+      <p:sp>
+        <p:nvSpPr>
+          <p:cNvPr id="7" name="Text Placeholder 6"/>
+          <p:cNvSpPr>
+            <a:spLocks noGrp="1"/>
+          </p:cNvSpPr>
+          <p:nvPr>
+            <p:ph type="body" sz="quarter" idx="13"/>
+          </p:nvPr>
+        </p:nvSpPr>
+        <p:spPr/>
+        <p:txBody>
+          <a:bodyPr/>
+          <a:lstStyle/>
+          <a:p>
+            <a:r>
+              <a:rPr lang="en-US" dirty="0" smtClean="0"/>
+              <a:t>Related work</a:t>
+            </a:r>
+            <a:endParaRPr lang="en-US" dirty="0"/>
+          </a:p>
+        </p:txBody>
+      </p:sp>
+      <p:sp>
+        <p:nvSpPr>
+          <p:cNvPr id="8" name="Text Placeholder 7"/>
+          <p:cNvSpPr>
+            <a:spLocks noGrp="1"/>
+          </p:cNvSpPr>
+          <p:nvPr>
+            <p:ph type="body" sz="quarter" idx="14"/>
+          </p:nvPr>
+        </p:nvSpPr>
+        <p:spPr/>
+        <p:txBody>
+          <a:bodyPr/>
+          <a:lstStyle/>
+          <a:p>
+            <a:r>
+              <a:rPr lang="en-US" dirty="0" smtClean="0"/>
+              <a:t>Approaches</a:t>
+            </a:r>
+            <a:endParaRPr lang="en-US" dirty="0"/>
+          </a:p>
+        </p:txBody>
+      </p:sp>
+    </p:spTree>
+    <p:extLst>
+      <p:ext uri="{BB962C8B-B14F-4D97-AF65-F5344CB8AC3E}">
+        <p14:creationId xmlns:p14="http://schemas.microsoft.com/office/powerpoint/2010/main" val="1447163276"/>
+      </p:ext>
+    </p:extLst>
+  </p:cSld>
+  <p:clrMapOvr>
+    <a:masterClrMapping/>
+  </p:clrMapOvr>
+  <mc:AlternateContent xmlns:mc="http://schemas.openxmlformats.org/markup-compatibility/2006" xmlns:p14="http://schemas.microsoft.com/office/powerpoint/2010/main">
+    <mc:Choice Requires="p14">
+      <p:transition spd="med" p14:dur="700">
+        <p:fade/>
+      </p:transition>
+    </mc:Choice>
+    <mc:Fallback xmlns="">
+      <p:transition spd="med">
+        <p:fade/>
+      </p:transition>
+    </mc:Fallback>
+  </mc:AlternateContent>
+  <p:timing>
+    <p:tnLst>
+      <p:par>
+        <p:cTn id="1" dur="indefinite" restart="never" nodeType="tmRoot"/>
+      </p:par>
+    </p:tnLst>
+  </p:timing>
+</p:sld>
+</file>
+
+<file path=ppt/slides/slide8.xml><?xml version="1.0" encoding="utf-8"?>
+<p:sld xmlns:a="http://schemas.openxmlformats.org/drawingml/2006/main" xmlns:r="http://schemas.openxmlformats.org/officeDocument/2006/relationships" xmlns:p="http://schemas.openxmlformats.org/presentationml/2006/main">
+  <p:cSld>
+    <p:spTree>
+      <p:nvGrpSpPr>
+        <p:cNvPr id="1" name=""/>
+        <p:cNvGrpSpPr/>
+        <p:nvPr/>
+      </p:nvGrpSpPr>
+      <p:grpSpPr>
+        <a:xfrm>
+          <a:off x="0" y="0"/>
+          <a:ext cx="0" cy="0"/>
+          <a:chOff x="0" y="0"/>
+          <a:chExt cx="0" cy="0"/>
+        </a:xfrm>
+      </p:grpSpPr>
+      <p:sp>
+        <p:nvSpPr>
+          <p:cNvPr id="2" name="Title 1"/>
+          <p:cNvSpPr>
+            <a:spLocks noGrp="1"/>
+          </p:cNvSpPr>
+          <p:nvPr>
+            <p:ph type="title"/>
+          </p:nvPr>
+        </p:nvSpPr>
+        <p:spPr/>
+        <p:txBody>
+          <a:bodyPr/>
+          <a:lstStyle/>
+          <a:p>
+            <a:r>
+              <a:rPr lang="en-US" dirty="0" smtClean="0"/>
+              <a:t>A typical multi-stage ALPR system</a:t>
+            </a:r>
+            <a:endParaRPr lang="en-US" dirty="0"/>
+          </a:p>
+        </p:txBody>
+      </p:sp>
+      <p:sp>
+        <p:nvSpPr>
+          <p:cNvPr id="4" name="Date Placeholder 3"/>
+          <p:cNvSpPr>
+            <a:spLocks noGrp="1"/>
+          </p:cNvSpPr>
+          <p:nvPr>
+            <p:ph type="dt" sz="half" idx="10"/>
+          </p:nvPr>
+        </p:nvSpPr>
+        <p:spPr/>
+        <p:txBody>
+          <a:bodyPr/>
+          <a:lstStyle/>
+          <a:p>
+            <a:fld id="{499624E5-6640-4B65-82B0-BACE50C7D1B2}" type="datetime1">
+              <a:rPr lang="en-US" smtClean="0"/>
+              <a:t>6/10/2021</a:t>
+            </a:fld>
+            <a:endParaRPr lang="en-US" dirty="0"/>
+          </a:p>
+        </p:txBody>
+      </p:sp>
+      <p:sp>
+        <p:nvSpPr>
+          <p:cNvPr id="5" name="Footer Placeholder 4"/>
+          <p:cNvSpPr>
+            <a:spLocks noGrp="1"/>
+          </p:cNvSpPr>
+          <p:nvPr>
+            <p:ph type="ftr" sz="quarter" idx="11"/>
+          </p:nvPr>
+        </p:nvSpPr>
+        <p:spPr/>
+        <p:txBody>
+          <a:bodyPr/>
+          <a:lstStyle/>
+          <a:p>
+            <a:r>
+              <a:rPr lang="fr-FR" smtClean="0"/>
+              <a:t>Le Quy Don Technical University</a:t>
+            </a:r>
+            <a:endParaRPr lang="en-US" dirty="0"/>
+          </a:p>
+        </p:txBody>
+      </p:sp>
+      <p:sp>
+        <p:nvSpPr>
+          <p:cNvPr id="6" name="Slide Number Placeholder 5"/>
+          <p:cNvSpPr>
+            <a:spLocks noGrp="1"/>
+          </p:cNvSpPr>
+          <p:nvPr>
+            <p:ph type="sldNum" sz="quarter" idx="12"/>
+          </p:nvPr>
+        </p:nvSpPr>
+        <p:spPr/>
+        <p:txBody>
+          <a:bodyPr/>
+          <a:lstStyle/>
+          <a:p>
+            <a:fld id="{B881B6B3-2069-452F-BF40-F653D75B3DB0}" type="slidenum">
+              <a:rPr lang="en-US" smtClean="0"/>
+              <a:t>8</a:t>
+            </a:fld>
+            <a:endParaRPr lang="en-US"/>
+          </a:p>
+        </p:txBody>
+      </p:sp>
+      <p:sp>
+        <p:nvSpPr>
+          <p:cNvPr id="7" name="Text Placeholder 6"/>
+          <p:cNvSpPr>
+            <a:spLocks noGrp="1"/>
+          </p:cNvSpPr>
+          <p:nvPr>
+            <p:ph type="body" sz="quarter" idx="13"/>
+          </p:nvPr>
+        </p:nvSpPr>
+        <p:spPr/>
+        <p:txBody>
+          <a:bodyPr/>
+          <a:lstStyle/>
+          <a:p>
+            <a:r>
+              <a:rPr lang="en-US" dirty="0" smtClean="0"/>
+              <a:t>Related work</a:t>
+            </a:r>
+            <a:endParaRPr lang="en-US" dirty="0"/>
+          </a:p>
+        </p:txBody>
+      </p:sp>
+      <p:sp>
+        <p:nvSpPr>
+          <p:cNvPr id="8" name="Text Placeholder 7"/>
+          <p:cNvSpPr>
+            <a:spLocks noGrp="1"/>
+          </p:cNvSpPr>
+          <p:nvPr>
+            <p:ph type="body" sz="quarter" idx="14"/>
+          </p:nvPr>
+        </p:nvSpPr>
+        <p:spPr/>
+        <p:txBody>
+          <a:bodyPr/>
+          <a:lstStyle/>
+          <a:p>
+            <a:r>
+              <a:rPr lang="en-US" dirty="0" smtClean="0"/>
+              <a:t>Multi-stage</a:t>
+            </a:r>
+            <a:endParaRPr lang="en-US" dirty="0"/>
+          </a:p>
+        </p:txBody>
+      </p:sp>
+      <p:sp>
+        <p:nvSpPr>
+          <p:cNvPr id="9" name="Text Placeholder 8"/>
+          <p:cNvSpPr>
+            <a:spLocks noGrp="1"/>
+          </p:cNvSpPr>
+          <p:nvPr>
+            <p:ph type="body" sz="quarter" idx="15"/>
+          </p:nvPr>
+        </p:nvSpPr>
+        <p:spPr>
+          <a:xfrm>
+            <a:off x="3747352" y="4659848"/>
+            <a:ext cx="4697297" cy="300082"/>
+          </a:xfrm>
+        </p:spPr>
+        <p:txBody>
+          <a:bodyPr/>
+          <a:lstStyle/>
+          <a:p>
+            <a:r>
+              <a:rPr lang="en-US" dirty="0" smtClean="0"/>
+              <a:t>Illustration of a multi-stage ALPR system</a:t>
+            </a:r>
+            <a:endParaRPr lang="en-US" dirty="0"/>
+          </a:p>
+        </p:txBody>
+      </p:sp>
+      <p:pic>
+        <p:nvPicPr>
+          <p:cNvPr id="10" name="Content Placeholder 9">
+            <a:extLst>
+              <a:ext uri="{FF2B5EF4-FFF2-40B4-BE49-F238E27FC236}">
+                <a16:creationId xmlns:a16="http://schemas.microsoft.com/office/drawing/2014/main" id="{ED74233F-675B-47F8-B25D-1B76A203F266}"/>
+              </a:ext>
+            </a:extLst>
+          </p:cNvPr>
+          <p:cNvPicPr>
+            <a:picLocks noGrp="1" noChangeAspect="1"/>
+          </p:cNvPicPr>
+          <p:nvPr>
+            <p:ph sz="half" idx="2"/>
+          </p:nvPr>
+        </p:nvPicPr>
+        <p:blipFill>
+          <a:blip r:embed="rId2"/>
+          <a:stretch>
+            <a:fillRect/>
+          </a:stretch>
+        </p:blipFill>
+        <p:spPr>
+          <a:xfrm>
+            <a:off x="1128019" y="2157235"/>
+            <a:ext cx="9935962" cy="2543530"/>
+          </a:xfrm>
+          <a:prstGeom prst="rect">
+            <a:avLst/>
+          </a:prstGeom>
+        </p:spPr>
+      </p:pic>
+    </p:spTree>
+    <p:extLst>
+      <p:ext uri="{BB962C8B-B14F-4D97-AF65-F5344CB8AC3E}">
+        <p14:creationId xmlns:p14="http://schemas.microsoft.com/office/powerpoint/2010/main" val="4128267876"/>
+      </p:ext>
+    </p:extLst>
+  </p:cSld>
+  <p:clrMapOvr>
+    <a:masterClrMapping/>
+  </p:clrMapOvr>
+  <mc:AlternateContent xmlns:mc="http://schemas.openxmlformats.org/markup-compatibility/2006" xmlns:p14="http://schemas.microsoft.com/office/powerpoint/2010/main">
+    <mc:Choice Requires="p14">
+      <p:transition spd="med" p14:dur="700">
+        <p:fade/>
+      </p:transition>
+    </mc:Choice>
+    <mc:Fallback xmlns="">
+      <p:transition spd="med">
+        <p:fade/>
+      </p:transition>
+    </mc:Fallback>
+  </mc:AlternateContent>
+  <p:timing>
+    <p:tnLst>
+      <p:par>
+        <p:cTn id="1" dur="indefinite" restart="never" nodeType="tmRoot"/>
+      </p:par>
+    </p:tnLst>
+  </p:timing>
+</p:sld>
+</file>
+
+<file path=ppt/slides/slide9.xml><?xml version="1.0" encoding="utf-8"?>
+<p:sld xmlns:a="http://schemas.openxmlformats.org/drawingml/2006/main" xmlns:r="http://schemas.openxmlformats.org/officeDocument/2006/relationships" xmlns:p="http://schemas.openxmlformats.org/presentationml/2006/main">
+  <p:cSld>
+    <p:spTree>
+      <p:nvGrpSpPr>
+        <p:cNvPr id="1" name=""/>
+        <p:cNvGrpSpPr/>
+        <p:nvPr/>
+      </p:nvGrpSpPr>
+      <p:grpSpPr>
+        <a:xfrm>
+          <a:off x="0" y="0"/>
+          <a:ext cx="0" cy="0"/>
+          <a:chOff x="0" y="0"/>
+          <a:chExt cx="0" cy="0"/>
+        </a:xfrm>
+      </p:grpSpPr>
+      <p:sp>
+        <p:nvSpPr>
+          <p:cNvPr id="2" name="Title 1"/>
+          <p:cNvSpPr>
+            <a:spLocks noGrp="1"/>
+          </p:cNvSpPr>
+          <p:nvPr>
+            <p:ph type="title"/>
+          </p:nvPr>
+        </p:nvSpPr>
+        <p:spPr/>
+        <p:txBody>
+          <a:bodyPr/>
+          <a:lstStyle/>
+          <a:p>
+            <a:r>
+              <a:rPr lang="en-US" dirty="0" smtClean="0"/>
+              <a:t>A typical single-stage ALPR system</a:t>
+            </a:r>
+            <a:endParaRPr lang="en-US" dirty="0"/>
+          </a:p>
+        </p:txBody>
+      </p:sp>
+      <p:sp>
+        <p:nvSpPr>
+          <p:cNvPr id="4" name="Date Placeholder 3"/>
+          <p:cNvSpPr>
+            <a:spLocks noGrp="1"/>
+          </p:cNvSpPr>
+          <p:nvPr>
+            <p:ph type="dt" sz="half" idx="10"/>
+          </p:nvPr>
+        </p:nvSpPr>
+        <p:spPr/>
+        <p:txBody>
+          <a:bodyPr/>
+          <a:lstStyle/>
+          <a:p>
+            <a:fld id="{499624E5-6640-4B65-82B0-BACE50C7D1B2}" type="datetime1">
+              <a:rPr lang="en-US" smtClean="0"/>
+              <a:t>6/10/2021</a:t>
+            </a:fld>
+            <a:endParaRPr lang="en-US" dirty="0"/>
+          </a:p>
+        </p:txBody>
+      </p:sp>
+      <p:sp>
+        <p:nvSpPr>
+          <p:cNvPr id="5" name="Footer Placeholder 4"/>
+          <p:cNvSpPr>
+            <a:spLocks noGrp="1"/>
+          </p:cNvSpPr>
+          <p:nvPr>
+            <p:ph type="ftr" sz="quarter" idx="11"/>
+          </p:nvPr>
+        </p:nvSpPr>
+        <p:spPr/>
+        <p:txBody>
+          <a:bodyPr/>
+          <a:lstStyle/>
+          <a:p>
+            <a:r>
+              <a:rPr lang="fr-FR" smtClean="0"/>
+              <a:t>Le Quy Don Technical University</a:t>
+            </a:r>
+            <a:endParaRPr lang="en-US" dirty="0"/>
+          </a:p>
+        </p:txBody>
+      </p:sp>
+      <p:sp>
+        <p:nvSpPr>
+          <p:cNvPr id="6" name="Slide Number Placeholder 5"/>
+          <p:cNvSpPr>
+            <a:spLocks noGrp="1"/>
+          </p:cNvSpPr>
+          <p:nvPr>
+            <p:ph type="sldNum" sz="quarter" idx="12"/>
+          </p:nvPr>
+        </p:nvSpPr>
+        <p:spPr/>
+        <p:txBody>
+          <a:bodyPr/>
+          <a:lstStyle/>
+          <a:p>
+            <a:fld id="{B881B6B3-2069-452F-BF40-F653D75B3DB0}" type="slidenum">
+              <a:rPr lang="en-US" smtClean="0"/>
+              <a:t>9</a:t>
+            </a:fld>
+            <a:endParaRPr lang="en-US"/>
+          </a:p>
+        </p:txBody>
+      </p:sp>
+      <p:sp>
+        <p:nvSpPr>
+          <p:cNvPr id="7" name="Text Placeholder 6"/>
+          <p:cNvSpPr>
+            <a:spLocks noGrp="1"/>
+          </p:cNvSpPr>
+          <p:nvPr>
+            <p:ph type="body" sz="quarter" idx="13"/>
+          </p:nvPr>
+        </p:nvSpPr>
+        <p:spPr/>
+        <p:txBody>
+          <a:bodyPr/>
+          <a:lstStyle/>
+          <a:p>
+            <a:r>
+              <a:rPr lang="en-US" dirty="0" smtClean="0"/>
+              <a:t>Related work</a:t>
+            </a:r>
+            <a:endParaRPr lang="en-US" dirty="0"/>
+          </a:p>
+        </p:txBody>
+      </p:sp>
+      <p:sp>
+        <p:nvSpPr>
+          <p:cNvPr id="8" name="Text Placeholder 7"/>
+          <p:cNvSpPr>
+            <a:spLocks noGrp="1"/>
+          </p:cNvSpPr>
+          <p:nvPr>
+            <p:ph type="body" sz="quarter" idx="14"/>
+          </p:nvPr>
+        </p:nvSpPr>
+        <p:spPr/>
+        <p:txBody>
+          <a:bodyPr/>
+          <a:lstStyle/>
+          <a:p>
+            <a:r>
+              <a:rPr lang="en-US" dirty="0" smtClean="0"/>
+              <a:t>Single-stage</a:t>
+            </a:r>
+            <a:endParaRPr lang="en-US" dirty="0"/>
+          </a:p>
+        </p:txBody>
+      </p:sp>
+      <p:sp>
+        <p:nvSpPr>
+          <p:cNvPr id="9" name="Text Placeholder 8"/>
+          <p:cNvSpPr>
+            <a:spLocks noGrp="1"/>
+          </p:cNvSpPr>
+          <p:nvPr>
+            <p:ph type="body" sz="quarter" idx="15"/>
+          </p:nvPr>
+        </p:nvSpPr>
+        <p:spPr>
+          <a:xfrm>
+            <a:off x="3745826" y="5249056"/>
+            <a:ext cx="4697297" cy="300082"/>
+          </a:xfrm>
+        </p:spPr>
+        <p:txBody>
+          <a:bodyPr/>
+          <a:lstStyle/>
+          <a:p>
+            <a:r>
+              <a:rPr lang="en-US" dirty="0" smtClean="0"/>
+              <a:t>Illustration of a single-stage ALPR system</a:t>
+            </a:r>
+            <a:endParaRPr lang="en-US" dirty="0"/>
+          </a:p>
+        </p:txBody>
+      </p:sp>
+      <p:pic>
+        <p:nvPicPr>
+          <p:cNvPr id="11" name="Picture 10">
+            <a:extLst>
+              <a:ext uri="{FF2B5EF4-FFF2-40B4-BE49-F238E27FC236}">
+                <a16:creationId xmlns:a16="http://schemas.microsoft.com/office/drawing/2014/main" id="{60CAEFB5-50D2-41D6-8063-B889FA0DC2EE}"/>
+              </a:ext>
+            </a:extLst>
+          </p:cNvPr>
+          <p:cNvPicPr>
+            <a:picLocks noChangeAspect="1"/>
+          </p:cNvPicPr>
+          <p:nvPr/>
+        </p:nvPicPr>
+        <p:blipFill>
+          <a:blip r:embed="rId2"/>
+          <a:stretch>
+            <a:fillRect/>
+          </a:stretch>
+        </p:blipFill>
+        <p:spPr>
+          <a:xfrm>
+            <a:off x="1013658" y="1584541"/>
+            <a:ext cx="10797342" cy="3688919"/>
+          </a:xfrm>
+          <a:prstGeom prst="rect">
+            <a:avLst/>
+          </a:prstGeom>
+        </p:spPr>
+      </p:pic>
+    </p:spTree>
+    <p:extLst>
+      <p:ext uri="{BB962C8B-B14F-4D97-AF65-F5344CB8AC3E}">
+        <p14:creationId xmlns:p14="http://schemas.microsoft.com/office/powerpoint/2010/main" val="305027222"/>
+      </p:ext>
+    </p:extLst>
+  </p:cSld>
+  <p:clrMapOvr>
+    <a:masterClrMapping/>
+  </p:clrMapOvr>
+  <mc:AlternateContent xmlns:mc="http://schemas.openxmlformats.org/markup-compatibility/2006" xmlns:p14="http://schemas.microsoft.com/office/powerpoint/2010/main">
+    <mc:Choice Requires="p14">
+      <p:transition spd="med" p14:dur="700">
+        <p:fade/>
+      </p:transition>
+    </mc:Choice>
+    <mc:Fallback xmlns="">
+      <p:transition spd="med">
+        <p:fade/>
+      </p:transition>
+    </mc:Fallback>
+  </mc:AlternateContent>
+  <p:timing>
+    <p:tnLst>
+      <p:par>
+        <p:cTn id="1" dur="indefinite" restart="never" nodeType="tmRoot"/>
+      </p:par>
+    </p:tnLst>
+  </p:timing>
 </p:sld>
 </file>
 

--- a/my_template.pptx
+++ b/my_template.pptx
@@ -5,10 +5,10 @@
     <p:sldMasterId id="2147483648" r:id="rId1"/>
   </p:sldMasterIdLst>
   <p:notesMasterIdLst>
-    <p:notesMasterId r:id="rId15"/>
+    <p:notesMasterId r:id="rId20"/>
   </p:notesMasterIdLst>
   <p:handoutMasterIdLst>
-    <p:handoutMasterId r:id="rId16"/>
+    <p:handoutMasterId r:id="rId21"/>
   </p:handoutMasterIdLst>
   <p:sldIdLst>
     <p:sldId id="256" r:id="rId2"/>
@@ -24,6 +24,11 @@
     <p:sldId id="268" r:id="rId12"/>
     <p:sldId id="269" r:id="rId13"/>
     <p:sldId id="270" r:id="rId14"/>
+    <p:sldId id="272" r:id="rId15"/>
+    <p:sldId id="273" r:id="rId16"/>
+    <p:sldId id="274" r:id="rId17"/>
+    <p:sldId id="275" r:id="rId18"/>
+    <p:sldId id="271" r:id="rId19"/>
   </p:sldIdLst>
   <p:sldSz cx="12192000" cy="6858000"/>
   <p:notesSz cx="6858000" cy="9144000"/>
@@ -227,7 +232,7 @@
           <a:p>
             <a:fld id="{6D83A87F-D506-44B5-B06F-5F7287ADDF2F}" type="datetimeFigureOut">
               <a:rPr lang="en-US" smtClean="0"/>
-              <a:t>6/10/2021</a:t>
+              <a:t>10/6/2021</a:t>
             </a:fld>
             <a:endParaRPr lang="en-US"/>
           </a:p>
@@ -405,7 +410,7 @@
           <a:p>
             <a:fld id="{979DC09D-04DF-451F-8E6F-B3C75CCEF5E4}" type="datetimeFigureOut">
               <a:rPr lang="en-US" smtClean="0"/>
-              <a:t>6/10/2021</a:t>
+              <a:t>10/6/2021</a:t>
             </a:fld>
             <a:endParaRPr lang="en-US"/>
           </a:p>
@@ -673,6 +678,67 @@
 </p:notesMaster>
 </file>
 
+<file path=ppt/notesSlides/notesSlide1.xml><?xml version="1.0" encoding="utf-8"?>
+<p:notes xmlns:a="http://schemas.openxmlformats.org/drawingml/2006/main" xmlns:r="http://schemas.openxmlformats.org/officeDocument/2006/relationships" xmlns:p="http://schemas.openxmlformats.org/presentationml/2006/main">
+  <p:cSld>
+    <p:spTree>
+      <p:nvGrpSpPr>
+        <p:cNvPr id="1" name=""/>
+        <p:cNvGrpSpPr/>
+        <p:nvPr/>
+      </p:nvGrpSpPr>
+      <p:grpSpPr>
+        <a:xfrm>
+          <a:off x="0" y="0"/>
+          <a:ext cx="0" cy="0"/>
+          <a:chOff x="0" y="0"/>
+          <a:chExt cx="0" cy="0"/>
+        </a:xfrm>
+      </p:grpSpPr>
+      <p:sp>
+        <p:nvSpPr>
+          <p:cNvPr id="2" name="Slide Image Placeholder 1"/>
+          <p:cNvSpPr>
+            <a:spLocks noGrp="1" noRot="1" noChangeAspect="1"/>
+          </p:cNvSpPr>
+          <p:nvPr>
+            <p:ph type="sldImg"/>
+          </p:nvPr>
+        </p:nvSpPr>
+        <p:spPr/>
+      </p:sp>
+      <p:sp>
+        <p:nvSpPr>
+          <p:cNvPr id="3" name="Notes Placeholder 2"/>
+          <p:cNvSpPr>
+            <a:spLocks noGrp="1"/>
+          </p:cNvSpPr>
+          <p:nvPr>
+            <p:ph type="body" idx="1"/>
+          </p:nvPr>
+        </p:nvSpPr>
+        <p:spPr/>
+        <p:txBody>
+          <a:bodyPr/>
+          <a:lstStyle/>
+          <a:p>
+            <a:endParaRPr lang="en-US" dirty="0"/>
+          </a:p>
+        </p:txBody>
+      </p:sp>
+    </p:spTree>
+    <p:extLst>
+      <p:ext uri="{BB962C8B-B14F-4D97-AF65-F5344CB8AC3E}">
+        <p14:creationId xmlns:p14="http://schemas.microsoft.com/office/powerpoint/2010/main" val="2980424665"/>
+      </p:ext>
+    </p:extLst>
+  </p:cSld>
+  <p:clrMapOvr>
+    <a:masterClrMapping/>
+  </p:clrMapOvr>
+</p:notes>
+</file>
+
 <file path=ppt/slideLayouts/slideLayout1.xml><?xml version="1.0" encoding="utf-8"?>
 <p:sldLayout xmlns:a="http://schemas.openxmlformats.org/drawingml/2006/main" xmlns:r="http://schemas.openxmlformats.org/officeDocument/2006/relationships" xmlns:p="http://schemas.openxmlformats.org/presentationml/2006/main" preserve="1" userDrawn="1">
   <p:cSld name="Title Slide">
@@ -874,7 +940,7 @@
           <a:p>
             <a:fld id="{F254E6E1-C624-4A89-BDA1-87A8B08D93BA}" type="datetime1">
               <a:rPr lang="en-US" smtClean="0"/>
-              <a:t>6/10/2021</a:t>
+              <a:t>10/6/2021</a:t>
             </a:fld>
             <a:endParaRPr lang="en-US" dirty="0"/>
           </a:p>
@@ -1181,12 +1247,8 @@
           </a:lstStyle>
           <a:p>
             <a:r>
-              <a:rPr lang="en-US" dirty="0" smtClean="0"/>
-              <a:t>Click </a:t>
-            </a:r>
-            <a:r>
               <a:rPr lang="en-US" dirty="0"/>
-              <a:t>to edit Master title style</a:t>
+              <a:t>Click to edit Master title style</a:t>
             </a:r>
           </a:p>
         </p:txBody>
@@ -1276,7 +1338,7 @@
           <a:p>
             <a:fld id="{499624E5-6640-4B65-82B0-BACE50C7D1B2}" type="datetime1">
               <a:rPr lang="en-US" smtClean="0"/>
-              <a:t>6/10/2021</a:t>
+              <a:t>10/6/2021</a:t>
             </a:fld>
             <a:endParaRPr lang="en-US" dirty="0"/>
           </a:p>
@@ -1617,7 +1679,7 @@
           <a:p>
             <a:fld id="{499624E5-6640-4B65-82B0-BACE50C7D1B2}" type="datetime1">
               <a:rPr lang="en-US" smtClean="0"/>
-              <a:t>6/10/2021</a:t>
+              <a:t>10/6/2021</a:t>
             </a:fld>
             <a:endParaRPr lang="en-US" dirty="0"/>
           </a:p>
@@ -2005,7 +2067,7 @@
           <a:p>
             <a:fld id="{499624E5-6640-4B65-82B0-BACE50C7D1B2}" type="datetime1">
               <a:rPr lang="en-US" smtClean="0"/>
-              <a:t>6/10/2021</a:t>
+              <a:t>10/6/2021</a:t>
             </a:fld>
             <a:endParaRPr lang="en-US" dirty="0"/>
           </a:p>
@@ -2374,7 +2436,7 @@
           <a:p>
             <a:fld id="{3605BC6B-0753-49C4-B818-4A6D4F4F202B}" type="datetime1">
               <a:rPr lang="en-US" smtClean="0"/>
-              <a:t>6/10/2021</a:t>
+              <a:t>10/6/2021</a:t>
             </a:fld>
             <a:endParaRPr lang="en-US" dirty="0"/>
           </a:p>
@@ -3301,7 +3363,7 @@
           <a:p>
             <a:fld id="{F254E6E1-C624-4A89-BDA1-87A8B08D93BA}" type="datetime1">
               <a:rPr lang="en-US" smtClean="0"/>
-              <a:t>6/10/2021</a:t>
+              <a:t>10/6/2021</a:t>
             </a:fld>
             <a:endParaRPr lang="en-US" dirty="0"/>
           </a:p>
@@ -3552,13 +3614,6 @@
   <p:clrMapOvr>
     <a:masterClrMapping/>
   </p:clrMapOvr>
-  <p:timing>
-    <p:tnLst>
-      <p:par>
-        <p:cTn id="1" dur="indefinite" restart="never" nodeType="tmRoot"/>
-      </p:par>
-    </p:tnLst>
-  </p:timing>
 </p:sld>
 </file>
 
@@ -3596,13 +3651,8 @@
           <a:p>
             <a:r>
               <a:rPr lang="en-US" dirty="0"/>
-              <a:t>Key-points detection problem – </a:t>
-            </a:r>
-            <a:r>
-              <a:rPr lang="en-US" dirty="0" smtClean="0"/>
-              <a:t>Human Pose Estimation (HPE)</a:t>
-            </a:r>
-            <a:endParaRPr lang="en-US" dirty="0"/>
+              <a:t>Key-points detection problem – Human Pose Estimation (HPE)</a:t>
+            </a:r>
           </a:p>
         </p:txBody>
       </p:sp>
@@ -3623,7 +3673,7 @@
           <a:p>
             <a:fld id="{499624E5-6640-4B65-82B0-BACE50C7D1B2}" type="datetime1">
               <a:rPr lang="en-US" smtClean="0"/>
-              <a:t>6/10/2021</a:t>
+              <a:t>10/6/2021</a:t>
             </a:fld>
             <a:endParaRPr lang="en-US" dirty="0"/>
           </a:p>
@@ -3645,7 +3695,7 @@
           <a:lstStyle/>
           <a:p>
             <a:r>
-              <a:rPr lang="fr-FR" smtClean="0"/>
+              <a:rPr lang="fr-FR"/>
               <a:t>Le Quy Don Technical University</a:t>
             </a:r>
             <a:endParaRPr lang="en-US" dirty="0"/>
@@ -3691,10 +3741,9 @@
           <a:lstStyle/>
           <a:p>
             <a:r>
-              <a:rPr lang="en-US" dirty="0" smtClean="0"/>
+              <a:rPr lang="en-US" dirty="0"/>
               <a:t>Related work</a:t>
             </a:r>
-            <a:endParaRPr lang="en-US" dirty="0"/>
           </a:p>
         </p:txBody>
       </p:sp>
@@ -3714,10 +3763,9 @@
           <a:lstStyle/>
           <a:p>
             <a:r>
-              <a:rPr lang="en-US" dirty="0" smtClean="0"/>
+              <a:rPr lang="en-US" dirty="0"/>
               <a:t>Key-points detection</a:t>
             </a:r>
-            <a:endParaRPr lang="en-US" dirty="0"/>
           </a:p>
         </p:txBody>
       </p:sp>
@@ -3742,10 +3790,9 @@
           <a:lstStyle/>
           <a:p>
             <a:r>
-              <a:rPr lang="en-US" dirty="0" smtClean="0"/>
+              <a:rPr lang="en-US" dirty="0"/>
               <a:t>HPE problem</a:t>
             </a:r>
-            <a:endParaRPr lang="en-US" dirty="0"/>
           </a:p>
         </p:txBody>
       </p:sp>
@@ -4023,10 +4070,9 @@
           </a:lstStyle>
           <a:p>
             <a:r>
-              <a:rPr lang="en-US" dirty="0" smtClean="0"/>
+              <a:rPr lang="en-US" dirty="0"/>
               <a:t>Coordinate regression</a:t>
             </a:r>
-            <a:endParaRPr lang="en-US" dirty="0"/>
           </a:p>
         </p:txBody>
       </p:sp>
@@ -4217,14 +4263,13 @@
           </a:lstStyle>
           <a:p>
             <a:r>
-              <a:rPr lang="en-US" u="sng" dirty="0" err="1" smtClean="0"/>
+              <a:rPr lang="en-US" u="sng" dirty="0" err="1"/>
               <a:t>Heatmap</a:t>
             </a:r>
             <a:r>
-              <a:rPr lang="en-US" u="sng" dirty="0" smtClean="0"/>
+              <a:rPr lang="en-US" u="sng" dirty="0"/>
               <a:t> regression</a:t>
             </a:r>
-            <a:endParaRPr lang="en-US" u="sng" dirty="0"/>
           </a:p>
         </p:txBody>
       </p:sp>
@@ -4250,13 +4295,6 @@
       </p:transition>
     </mc:Fallback>
   </mc:AlternateContent>
-  <p:timing>
-    <p:tnLst>
-      <p:par>
-        <p:cTn id="1" dur="indefinite" restart="never" nodeType="tmRoot"/>
-      </p:par>
-    </p:tnLst>
-  </p:timing>
 </p:sld>
 </file>
 
@@ -4293,10 +4331,9 @@
           <a:lstStyle/>
           <a:p>
             <a:r>
-              <a:rPr lang="en-US" dirty="0" smtClean="0"/>
+              <a:rPr lang="en-US" dirty="0"/>
               <a:t>Car detection</a:t>
             </a:r>
-            <a:endParaRPr lang="en-US" dirty="0"/>
           </a:p>
         </p:txBody>
       </p:sp>
@@ -4326,11 +4363,7 @@
             </a:pPr>
             <a:r>
               <a:rPr lang="en-US" dirty="0"/>
-              <a:t>Vehicles are basic objects presented in large datasets such as COCO, VOC, PASCAL </a:t>
-            </a:r>
-            <a:r>
-              <a:rPr lang="en-US" dirty="0" smtClean="0"/>
-              <a:t>datasets.</a:t>
+              <a:t>Vehicles are basic objects presented in large datasets such as COCO, VOC, PASCAL datasets.</a:t>
             </a:r>
           </a:p>
           <a:p>
@@ -4362,7 +4395,7 @@
           <a:p>
             <a:fld id="{499624E5-6640-4B65-82B0-BACE50C7D1B2}" type="datetime1">
               <a:rPr lang="en-US" smtClean="0"/>
-              <a:t>6/10/2021</a:t>
+              <a:t>10/6/2021</a:t>
             </a:fld>
             <a:endParaRPr lang="en-US" dirty="0"/>
           </a:p>
@@ -4384,7 +4417,7 @@
           <a:lstStyle/>
           <a:p>
             <a:r>
-              <a:rPr lang="fr-FR" smtClean="0"/>
+              <a:rPr lang="fr-FR"/>
               <a:t>Le Quy Don Technical University</a:t>
             </a:r>
             <a:endParaRPr lang="en-US" dirty="0"/>
@@ -4430,10 +4463,9 @@
           <a:lstStyle/>
           <a:p>
             <a:r>
-              <a:rPr lang="en-US" dirty="0" smtClean="0"/>
+              <a:rPr lang="en-US" dirty="0"/>
               <a:t>Proposed method</a:t>
             </a:r>
-            <a:endParaRPr lang="en-US" dirty="0"/>
           </a:p>
         </p:txBody>
       </p:sp>
@@ -4453,10 +4485,9 @@
           <a:lstStyle/>
           <a:p>
             <a:r>
-              <a:rPr lang="en-US" dirty="0" smtClean="0"/>
+              <a:rPr lang="en-US" dirty="0"/>
               <a:t>Car detection</a:t>
             </a:r>
-            <a:endParaRPr lang="en-US" dirty="0"/>
           </a:p>
         </p:txBody>
       </p:sp>
@@ -4481,12 +4512,8 @@
           <a:lstStyle/>
           <a:p>
             <a:r>
-              <a:rPr lang="en-US" dirty="0" smtClean="0"/>
-              <a:t>Accuracy </a:t>
-            </a:r>
-            <a:r>
               <a:rPr lang="en-US" dirty="0"/>
-              <a:t>and speed of YOLOv2 on a Titan X GPU. </a:t>
+              <a:t>Accuracy and speed of YOLOv2 on a Titan X GPU. </a:t>
             </a:r>
           </a:p>
         </p:txBody>
@@ -4537,13 +4564,6 @@
       </p:transition>
     </mc:Fallback>
   </mc:AlternateContent>
-  <p:timing>
-    <p:tnLst>
-      <p:par>
-        <p:cTn id="1" dur="indefinite" restart="never" nodeType="tmRoot"/>
-      </p:par>
-    </p:tnLst>
-  </p:timing>
 </p:sld>
 </file>
 
@@ -4580,14 +4600,13 @@
           <a:lstStyle/>
           <a:p>
             <a:r>
-              <a:rPr lang="en-US" dirty="0" err="1" smtClean="0"/>
+              <a:rPr lang="en-US" dirty="0" err="1"/>
               <a:t>Heatmap</a:t>
             </a:r>
             <a:r>
-              <a:rPr lang="en-US" dirty="0" smtClean="0"/>
+              <a:rPr lang="en-US" dirty="0"/>
               <a:t> regression for HPE</a:t>
             </a:r>
-            <a:endParaRPr lang="en-US" dirty="0"/>
           </a:p>
         </p:txBody>
       </p:sp>
@@ -4608,7 +4627,7 @@
           <a:p>
             <a:fld id="{499624E5-6640-4B65-82B0-BACE50C7D1B2}" type="datetime1">
               <a:rPr lang="en-US" smtClean="0"/>
-              <a:t>6/10/2021</a:t>
+              <a:t>10/6/2021</a:t>
             </a:fld>
             <a:endParaRPr lang="en-US" dirty="0"/>
           </a:p>
@@ -4630,7 +4649,7 @@
           <a:lstStyle/>
           <a:p>
             <a:r>
-              <a:rPr lang="fr-FR" smtClean="0"/>
+              <a:rPr lang="fr-FR"/>
               <a:t>Le Quy Don Technical University</a:t>
             </a:r>
             <a:endParaRPr lang="en-US" dirty="0"/>
@@ -4676,10 +4695,9 @@
           <a:lstStyle/>
           <a:p>
             <a:r>
-              <a:rPr lang="en-US" dirty="0" smtClean="0"/>
+              <a:rPr lang="en-US" dirty="0"/>
               <a:t>Proposed method</a:t>
             </a:r>
-            <a:endParaRPr lang="en-US" dirty="0"/>
           </a:p>
         </p:txBody>
       </p:sp>
@@ -4699,10 +4717,9 @@
           <a:lstStyle/>
           <a:p>
             <a:r>
-              <a:rPr lang="en-US" dirty="0" smtClean="0"/>
+              <a:rPr lang="en-US" dirty="0"/>
               <a:t>License plate detection</a:t>
             </a:r>
-            <a:endParaRPr lang="en-US" dirty="0"/>
           </a:p>
         </p:txBody>
       </p:sp>
@@ -4727,12 +4744,8 @@
           <a:lstStyle/>
           <a:p>
             <a:r>
-              <a:rPr lang="en-US" dirty="0" smtClean="0"/>
-              <a:t>Our LP </a:t>
-            </a:r>
-            <a:r>
               <a:rPr lang="en-US" dirty="0"/>
-              <a:t>detection was inspired from top-down HPE approach</a:t>
+              <a:t>Our LP detection was inspired from top-down HPE approach</a:t>
             </a:r>
           </a:p>
         </p:txBody>
@@ -4800,13 +4813,6 @@
       </p:transition>
     </mc:Fallback>
   </mc:AlternateContent>
-  <p:timing>
-    <p:tnLst>
-      <p:par>
-        <p:cTn id="1" dur="indefinite" restart="never" nodeType="tmRoot"/>
-      </p:par>
-    </p:tnLst>
-  </p:timing>
 </p:sld>
 </file>
 
@@ -4843,10 +4849,9 @@
           <a:lstStyle/>
           <a:p>
             <a:r>
-              <a:rPr lang="en-US" dirty="0" smtClean="0"/>
+              <a:rPr lang="en-US" dirty="0"/>
               <a:t>Data preprocessing </a:t>
             </a:r>
-            <a:endParaRPr lang="en-US" dirty="0"/>
           </a:p>
         </p:txBody>
       </p:sp>
@@ -4867,13 +4872,13 @@
               <a:bodyPr/>
               <a:lstStyle/>
               <a:p>
-                <a:pPr marL="342900" indent="-342900">
-                  <a:buFont typeface="Wingdings" panose="05000000000000000000" pitchFamily="2" charset="2"/>
-                  <a:buChar char="§"/>
-                </a:pPr>
                 <a:r>
-                  <a:rPr lang="en-US" dirty="0" smtClean="0"/>
-                  <a:t>Input image </a:t>
+                  <a:rPr lang="en-US" b="1" dirty="0"/>
+                  <a:t>Input:</a:t>
+                </a:r>
+                <a:r>
+                  <a:rPr lang="en-US" dirty="0"/>
+                  <a:t> </a:t>
                 </a:r>
                 <a14:m>
                   <m:oMath xmlns:m="http://schemas.openxmlformats.org/officeDocument/2006/math">
@@ -4942,12 +4947,8 @@
                   </m:oMath>
                 </a14:m>
                 <a:r>
-                  <a:rPr lang="en-US" dirty="0" smtClean="0"/>
-                  <a:t>, </a:t>
-                </a:r>
-                <a:r>
                   <a:rPr lang="en-US" dirty="0"/>
-                  <a:t>width of </a:t>
+                  <a:t>, width of </a:t>
                 </a:r>
                 <a14:m>
                   <m:oMath xmlns:m="http://schemas.openxmlformats.org/officeDocument/2006/math">
@@ -4960,12 +4961,8 @@
                   </m:oMath>
                 </a14:m>
                 <a:r>
-                  <a:rPr lang="en-US" dirty="0" smtClean="0"/>
-                  <a:t> </a:t>
-                </a:r>
-                <a:r>
                   <a:rPr lang="en-US" dirty="0"/>
-                  <a:t>and height of </a:t>
+                  <a:t> and height of </a:t>
                 </a:r>
                 <a14:m>
                   <m:oMath xmlns:m="http://schemas.openxmlformats.org/officeDocument/2006/math">
@@ -4978,9 +4975,16 @@
                   </m:oMath>
                 </a14:m>
                 <a:r>
-                  <a:rPr lang="en-US" dirty="0" smtClean="0"/>
+                  <a:rPr lang="en-US" dirty="0"/>
                   <a:t>.</a:t>
                 </a:r>
+              </a:p>
+              <a:p>
+                <a:r>
+                  <a:rPr lang="en-US" b="1" dirty="0"/>
+                  <a:t>Output:</a:t>
+                </a:r>
+                <a:endParaRPr lang="en-US" dirty="0"/>
               </a:p>
               <a:p>
                 <a:pPr marL="342900" indent="-342900">
@@ -4988,27 +4992,28 @@
                   <a:buChar char="§"/>
                 </a:pPr>
                 <a:r>
-                  <a:rPr lang="en-US" dirty="0"/>
-                  <a:t>O</a:t>
+                  <a:rPr lang="en-US" b="1" i="1" dirty="0"/>
+                  <a:t>Classes heads: </a:t>
                 </a:r>
-                <a:r>
-                  <a:rPr lang="en-US" dirty="0" smtClean="0"/>
-                  <a:t>utput </a:t>
-                </a:r>
-                <a:r>
-                  <a:rPr lang="en-US" dirty="0" smtClean="0"/>
-                  <a:t>image </a:t>
-                </a:r>
+                <a:endParaRPr lang="en-US" i="1" dirty="0">
+                  <a:latin typeface="Cambria Math" panose="02040503050406030204" pitchFamily="18" charset="0"/>
+                </a:endParaRPr>
+              </a:p>
+              <a:p>
+                <a:pPr marL="800100" lvl="1" indent="-342900">
+                  <a:buFont typeface="Wingdings" panose="05000000000000000000" pitchFamily="2" charset="2"/>
+                  <a:buChar char="§"/>
+                </a:pPr>
                 <a14:m>
                   <m:oMath xmlns:m="http://schemas.openxmlformats.org/officeDocument/2006/math">
                     <m:r>
-                      <a:rPr lang="en-US" b="0" i="1" smtClean="0">
+                      <a:rPr lang="en-US" i="1">
                         <a:latin typeface="Cambria Math" panose="02040503050406030204" pitchFamily="18" charset="0"/>
                       </a:rPr>
                       <m:t>𝑌</m:t>
                     </m:r>
                     <m:r>
-                      <a:rPr lang="en-US" b="0" i="1" smtClean="0">
+                      <a:rPr lang="en-US" i="1">
                         <a:latin typeface="Cambria Math" panose="02040503050406030204" pitchFamily="18" charset="0"/>
                         <a:ea typeface="Cambria Math" panose="02040503050406030204" pitchFamily="18" charset="0"/>
                       </a:rPr>
@@ -5017,7 +5022,7 @@
                     <m:sSup>
                       <m:sSupPr>
                         <m:ctrlPr>
-                          <a:rPr lang="en-US" b="0" i="1" smtClean="0">
+                          <a:rPr lang="en-US" i="1">
                             <a:latin typeface="Cambria Math" panose="02040503050406030204" pitchFamily="18" charset="0"/>
                             <a:ea typeface="Cambria Math" panose="02040503050406030204" pitchFamily="18" charset="0"/>
                           </a:rPr>
@@ -5025,7 +5030,7 @@
                       </m:sSupPr>
                       <m:e>
                         <m:r>
-                          <a:rPr lang="en-US" b="0" i="1" smtClean="0">
+                          <a:rPr lang="en-US" i="1">
                             <a:latin typeface="Cambria Math" panose="02040503050406030204" pitchFamily="18" charset="0"/>
                             <a:ea typeface="Cambria Math" panose="02040503050406030204" pitchFamily="18" charset="0"/>
                           </a:rPr>
@@ -5036,7 +5041,7 @@
                         <m:f>
                           <m:fPr>
                             <m:ctrlPr>
-                              <a:rPr lang="en-US" b="0" i="1" smtClean="0">
+                              <a:rPr lang="en-US" i="1">
                                 <a:latin typeface="Cambria Math" panose="02040503050406030204" pitchFamily="18" charset="0"/>
                                 <a:ea typeface="Cambria Math" panose="02040503050406030204" pitchFamily="18" charset="0"/>
                               </a:rPr>
@@ -5044,7 +5049,7 @@
                           </m:fPr>
                           <m:num>
                             <m:r>
-                              <a:rPr lang="en-US" b="0" i="1" smtClean="0">
+                              <a:rPr lang="en-US" i="1">
                                 <a:latin typeface="Cambria Math" panose="02040503050406030204" pitchFamily="18" charset="0"/>
                                 <a:ea typeface="Cambria Math" panose="02040503050406030204" pitchFamily="18" charset="0"/>
                               </a:rPr>
@@ -5053,7 +5058,7 @@
                           </m:num>
                           <m:den>
                             <m:r>
-                              <a:rPr lang="en-US" b="0" i="1" smtClean="0">
+                              <a:rPr lang="en-US" i="1">
                                 <a:latin typeface="Cambria Math" panose="02040503050406030204" pitchFamily="18" charset="0"/>
                                 <a:ea typeface="Cambria Math" panose="02040503050406030204" pitchFamily="18" charset="0"/>
                               </a:rPr>
@@ -5062,7 +5067,7 @@
                           </m:den>
                         </m:f>
                         <m:r>
-                          <a:rPr lang="en-US" b="0" i="1" smtClean="0">
+                          <a:rPr lang="en-US" i="1">
                             <a:latin typeface="Cambria Math" panose="02040503050406030204" pitchFamily="18" charset="0"/>
                             <a:ea typeface="Cambria Math" panose="02040503050406030204" pitchFamily="18" charset="0"/>
                           </a:rPr>
@@ -5071,7 +5076,7 @@
                         <m:f>
                           <m:fPr>
                             <m:ctrlPr>
-                              <a:rPr lang="en-US" b="0" i="1" smtClean="0">
+                              <a:rPr lang="en-US" i="1">
                                 <a:latin typeface="Cambria Math" panose="02040503050406030204" pitchFamily="18" charset="0"/>
                                 <a:ea typeface="Cambria Math" panose="02040503050406030204" pitchFamily="18" charset="0"/>
                               </a:rPr>
@@ -5079,7 +5084,7 @@
                           </m:fPr>
                           <m:num>
                             <m:r>
-                              <a:rPr lang="en-US" b="0" i="1" smtClean="0">
+                              <a:rPr lang="en-US" i="1">
                                 <a:latin typeface="Cambria Math" panose="02040503050406030204" pitchFamily="18" charset="0"/>
                                 <a:ea typeface="Cambria Math" panose="02040503050406030204" pitchFamily="18" charset="0"/>
                               </a:rPr>
@@ -5088,7 +5093,7 @@
                           </m:num>
                           <m:den>
                             <m:r>
-                              <a:rPr lang="en-US" b="0" i="1" smtClean="0">
+                              <a:rPr lang="en-US" i="1">
                                 <a:latin typeface="Cambria Math" panose="02040503050406030204" pitchFamily="18" charset="0"/>
                                 <a:ea typeface="Cambria Math" panose="02040503050406030204" pitchFamily="18" charset="0"/>
                               </a:rPr>
@@ -5097,14 +5102,14 @@
                           </m:den>
                         </m:f>
                         <m:r>
-                          <a:rPr lang="en-US" b="0" i="1" smtClean="0">
+                          <a:rPr lang="en-US" i="1">
                             <a:latin typeface="Cambria Math" panose="02040503050406030204" pitchFamily="18" charset="0"/>
                             <a:ea typeface="Cambria Math" panose="02040503050406030204" pitchFamily="18" charset="0"/>
                           </a:rPr>
                           <m:t>×</m:t>
                         </m:r>
                         <m:r>
-                          <a:rPr lang="en-US" b="0" i="1" smtClean="0">
+                          <a:rPr lang="en-US" i="1">
                             <a:latin typeface="Cambria Math" panose="02040503050406030204" pitchFamily="18" charset="0"/>
                             <a:ea typeface="Cambria Math" panose="02040503050406030204" pitchFamily="18" charset="0"/>
                           </a:rPr>
@@ -5112,72 +5117,125 @@
                         </m:r>
                       </m:sup>
                     </m:sSup>
-                  </m:oMath>
-                </a14:m>
-                <a:r>
-                  <a:rPr lang="en-US" dirty="0" smtClean="0"/>
-                  <a:t>, </a:t>
-                </a:r>
-                <a14:m>
-                  <m:oMath xmlns:m="http://schemas.openxmlformats.org/officeDocument/2006/math">
                     <m:r>
-                      <a:rPr lang="en-US" b="0" i="1" smtClean="0">
+                      <m:rPr>
+                        <m:nor/>
+                      </m:rPr>
+                      <a:rPr lang="en-US" dirty="0"/>
+                      <m:t>, </m:t>
+                    </m:r>
+                    <m:r>
+                      <a:rPr lang="en-US" i="1">
                         <a:latin typeface="Cambria Math" panose="02040503050406030204" pitchFamily="18" charset="0"/>
                       </a:rPr>
                       <m:t>𝑅</m:t>
                     </m:r>
-                  </m:oMath>
-                </a14:m>
-                <a:r>
-                  <a:rPr lang="en-US" dirty="0" smtClean="0"/>
-                  <a:t>-resolution </a:t>
-                </a:r>
-                <a:r>
-                  <a:rPr lang="en-US" dirty="0"/>
-                  <a:t>decrease, </a:t>
-                </a:r>
-                <a14:m>
-                  <m:oMath xmlns:m="http://schemas.openxmlformats.org/officeDocument/2006/math">
                     <m:r>
-                      <a:rPr lang="en-US" b="0" i="1" smtClean="0">
+                      <m:rPr>
+                        <m:nor/>
+                      </m:rPr>
+                      <a:rPr lang="en-US" dirty="0"/>
+                      <m:t>−</m:t>
+                    </m:r>
+                    <m:r>
+                      <m:rPr>
+                        <m:nor/>
+                      </m:rPr>
+                      <a:rPr lang="en-US" dirty="0"/>
+                      <m:t>resolution</m:t>
+                    </m:r>
+                    <m:r>
+                      <m:rPr>
+                        <m:nor/>
+                      </m:rPr>
+                      <a:rPr lang="en-US" dirty="0"/>
+                      <m:t> </m:t>
+                    </m:r>
+                    <m:r>
+                      <m:rPr>
+                        <m:nor/>
+                      </m:rPr>
+                      <a:rPr lang="en-US" dirty="0"/>
+                      <m:t>decrease</m:t>
+                    </m:r>
+                    <m:r>
+                      <m:rPr>
+                        <m:nor/>
+                      </m:rPr>
+                      <a:rPr lang="en-US" dirty="0"/>
+                      <m:t>, </m:t>
+                    </m:r>
+                    <m:r>
+                      <a:rPr lang="en-US" i="1">
                         <a:latin typeface="Cambria Math" panose="02040503050406030204" pitchFamily="18" charset="0"/>
                       </a:rPr>
                       <m:t>𝐶</m:t>
                     </m:r>
+                    <m:r>
+                      <m:rPr>
+                        <m:nor/>
+                      </m:rPr>
+                      <a:rPr lang="en-US" dirty="0"/>
+                      <m:t>−</m:t>
+                    </m:r>
+                    <m:r>
+                      <m:rPr>
+                        <m:nor/>
+                      </m:rPr>
+                      <a:rPr lang="en-US" dirty="0"/>
+                      <m:t>number</m:t>
+                    </m:r>
+                    <m:r>
+                      <m:rPr>
+                        <m:nor/>
+                      </m:rPr>
+                      <a:rPr lang="en-US" dirty="0"/>
+                      <m:t> </m:t>
+                    </m:r>
+                    <m:r>
+                      <m:rPr>
+                        <m:nor/>
+                      </m:rPr>
+                      <a:rPr lang="en-US" dirty="0"/>
+                      <m:t>of</m:t>
+                    </m:r>
+                    <m:r>
+                      <m:rPr>
+                        <m:nor/>
+                      </m:rPr>
+                      <a:rPr lang="en-US" dirty="0"/>
+                      <m:t> </m:t>
+                    </m:r>
+                    <m:r>
+                      <m:rPr>
+                        <m:nor/>
+                      </m:rPr>
+                      <a:rPr lang="en-US" dirty="0"/>
+                      <m:t>classes</m:t>
+                    </m:r>
+                    <m:r>
+                      <a:rPr lang="en-US" i="1" dirty="0"/>
+                      <m:t> </m:t>
+                    </m:r>
                   </m:oMath>
                 </a14:m>
-                <a:r>
-                  <a:rPr lang="en-US" dirty="0" smtClean="0"/>
-                  <a:t>-number </a:t>
-                </a:r>
-                <a:r>
-                  <a:rPr lang="en-US" dirty="0"/>
-                  <a:t>of </a:t>
-                </a:r>
-                <a:r>
-                  <a:rPr lang="en-US" dirty="0" smtClean="0"/>
-                  <a:t>classes.</a:t>
-                </a:r>
+                <a:endParaRPr lang="en-US" dirty="0"/>
               </a:p>
               <a:p>
-                <a:pPr marL="342900" indent="-342900">
+                <a:pPr marL="800100" lvl="1" indent="-342900">
                   <a:buFont typeface="Wingdings" panose="05000000000000000000" pitchFamily="2" charset="2"/>
                   <a:buChar char="§"/>
                 </a:pPr>
                 <a:r>
-                  <a:rPr lang="en-US" dirty="0" smtClean="0"/>
-                  <a:t>GT</a:t>
+                  <a:rPr lang="en-US" dirty="0"/>
+                  <a:t>GT </a:t>
                 </a:r>
                 <a:r>
-                  <a:rPr lang="en-US" dirty="0" smtClean="0"/>
-                  <a:t> </a:t>
-                </a:r>
-                <a:r>
-                  <a:rPr lang="en-US" dirty="0" err="1" smtClean="0"/>
+                  <a:rPr lang="en-US" dirty="0" err="1"/>
                   <a:t>keypoint</a:t>
                 </a:r>
                 <a:r>
-                  <a:rPr lang="en-US" dirty="0" smtClean="0"/>
+                  <a:rPr lang="en-US" dirty="0"/>
                   <a:t> </a:t>
                 </a:r>
                 <a14:m>
@@ -5230,12 +5288,8 @@
                   </m:oMath>
                 </a14:m>
                 <a:r>
-                  <a:rPr lang="en-US" dirty="0" smtClean="0"/>
-                  <a:t> of </a:t>
-                </a:r>
-                <a:r>
                   <a:rPr lang="en-US" dirty="0"/>
-                  <a:t>class </a:t>
+                  <a:t> of class </a:t>
                 </a:r>
                 <a14:m>
                   <m:oMath xmlns:m="http://schemas.openxmlformats.org/officeDocument/2006/math">
@@ -5248,7 +5302,7 @@
                   </m:oMath>
                 </a14:m>
                 <a:r>
-                  <a:rPr lang="en-US" dirty="0" smtClean="0"/>
+                  <a:rPr lang="en-US" dirty="0"/>
                   <a:t> in original resolution </a:t>
                 </a:r>
                 <a14:m>
@@ -5263,7 +5317,7 @@
                   </m:oMath>
                 </a14:m>
                 <a:r>
-                  <a:rPr lang="en-US" dirty="0" smtClean="0"/>
+                  <a:rPr lang="en-US" dirty="0"/>
                   <a:t> </a:t>
                 </a:r>
                 <a14:m>
@@ -5271,7 +5325,7 @@
                     <m:sSup>
                       <m:sSupPr>
                         <m:ctrlPr>
-                          <a:rPr lang="en-US" b="0" i="0" smtClean="0">
+                          <a:rPr lang="en-US" b="0" i="1" smtClean="0">
                             <a:latin typeface="Cambria Math" panose="02040503050406030204" pitchFamily="18" charset="0"/>
                             <a:ea typeface="Cambria Math" panose="02040503050406030204" pitchFamily="18" charset="0"/>
                           </a:rPr>
@@ -5344,16 +5398,8 @@
                   </m:oMath>
                 </a14:m>
                 <a:r>
-                  <a:rPr lang="en-US" dirty="0" smtClean="0"/>
-                  <a:t> </a:t>
-                </a:r>
-                <a:r>
-                  <a:rPr lang="en-US" dirty="0" smtClean="0"/>
-                  <a:t>in </a:t>
-                </a:r>
-                <a:r>
                   <a:rPr lang="en-US" dirty="0"/>
-                  <a:t> </a:t>
+                  <a:t> in  </a:t>
                 </a:r>
                 <a14:m>
                   <m:oMath xmlns:m="http://schemas.openxmlformats.org/officeDocument/2006/math">
@@ -5366,99 +5412,15 @@
                   </m:oMath>
                 </a14:m>
                 <a:r>
-                  <a:rPr lang="en-US" dirty="0" smtClean="0"/>
+                  <a:rPr lang="en-US" dirty="0"/>
                   <a:t>. </a:t>
                 </a:r>
-                <a:r>
-                  <a:rPr lang="en-US" dirty="0"/>
-                  <a:t>The output at </a:t>
-                </a:r>
-                <a14:m>
-                  <m:oMath xmlns:m="http://schemas.openxmlformats.org/officeDocument/2006/math">
-                    <m:r>
-                      <a:rPr lang="en-US" b="0" i="1" smtClean="0">
-                        <a:latin typeface="Cambria Math" panose="02040503050406030204" pitchFamily="18" charset="0"/>
-                      </a:rPr>
-                      <m:t>(</m:t>
-                    </m:r>
-                    <m:r>
-                      <a:rPr lang="en-US" b="0" i="1" smtClean="0">
-                        <a:latin typeface="Cambria Math" panose="02040503050406030204" pitchFamily="18" charset="0"/>
-                      </a:rPr>
-                      <m:t>𝑥</m:t>
-                    </m:r>
-                    <m:r>
-                      <a:rPr lang="en-US" b="0" i="1" smtClean="0">
-                        <a:latin typeface="Cambria Math" panose="02040503050406030204" pitchFamily="18" charset="0"/>
-                      </a:rPr>
-                      <m:t>,</m:t>
-                    </m:r>
-                    <m:r>
-                      <a:rPr lang="en-US" b="0" i="1" smtClean="0">
-                        <a:latin typeface="Cambria Math" panose="02040503050406030204" pitchFamily="18" charset="0"/>
-                      </a:rPr>
-                      <m:t>𝑦</m:t>
-                    </m:r>
-                    <m:r>
-                      <a:rPr lang="en-US" b="0" i="1" smtClean="0">
-                        <a:latin typeface="Cambria Math" panose="02040503050406030204" pitchFamily="18" charset="0"/>
-                      </a:rPr>
-                      <m:t>)</m:t>
-                    </m:r>
-                  </m:oMath>
-                </a14:m>
-                <a:r>
-                  <a:rPr lang="en-US" dirty="0" smtClean="0"/>
-                  <a:t> </a:t>
-                </a:r>
-                <a:r>
-                  <a:rPr lang="en-US" dirty="0"/>
-                  <a:t>of a class </a:t>
-                </a:r>
-                <a14:m>
-                  <m:oMath xmlns:m="http://schemas.openxmlformats.org/officeDocument/2006/math">
-                    <m:r>
-                      <a:rPr lang="en-US" i="1">
-                        <a:latin typeface="Cambria Math" panose="02040503050406030204" pitchFamily="18" charset="0"/>
-                      </a:rPr>
-                      <m:t>𝑐</m:t>
-                    </m:r>
-                  </m:oMath>
-                </a14:m>
-                <a:r>
-                  <a:rPr lang="en-US" dirty="0" smtClean="0"/>
-                  <a:t> </a:t>
-                </a:r>
-                <a:r>
-                  <a:rPr lang="en-US" dirty="0"/>
-                  <a:t>in </a:t>
-                </a:r>
-                <a:r>
-                  <a:rPr lang="en-US" dirty="0" err="1"/>
-                  <a:t>heatmap</a:t>
-                </a:r>
-                <a:r>
-                  <a:rPr lang="en-US" dirty="0"/>
-                  <a:t> </a:t>
-                </a:r>
-                <a:r>
-                  <a:rPr lang="en-US" dirty="0"/>
-                  <a:t> </a:t>
-                </a:r>
-                <a14:m>
-                  <m:oMath xmlns:m="http://schemas.openxmlformats.org/officeDocument/2006/math">
-                    <m:r>
-                      <a:rPr lang="en-US" i="1">
-                        <a:latin typeface="Cambria Math" panose="02040503050406030204" pitchFamily="18" charset="0"/>
-                      </a:rPr>
-                      <m:t>𝑌</m:t>
-                    </m:r>
-                  </m:oMath>
-                </a14:m>
-                <a:r>
-                  <a:rPr lang="en-US" dirty="0" smtClean="0"/>
-                  <a:t> is </a:t>
-                </a:r>
+              </a:p>
+              <a:p>
+                <a:pPr marL="800100" lvl="1" indent="-342900">
+                  <a:buFont typeface="Wingdings" panose="05000000000000000000" pitchFamily="2" charset="2"/>
+                  <a:buChar char="§"/>
+                </a:pPr>
                 <a14:m>
                   <m:oMath xmlns:m="http://schemas.openxmlformats.org/officeDocument/2006/math">
                     <m:sSub>
@@ -5722,11 +5684,17 @@
                   </m:oMath>
                 </a14:m>
                 <a:r>
-                  <a:rPr lang="en-US" dirty="0" smtClean="0"/>
-                  <a:t>, </a:t>
+                  <a:rPr lang="en-US" dirty="0"/>
+                  <a:t>, where </a:t>
                 </a:r>
                 <a14:m>
                   <m:oMath xmlns:m="http://schemas.openxmlformats.org/officeDocument/2006/math">
+                    <m:r>
+                      <a:rPr lang="en-US" b="0" i="0" smtClean="0">
+                        <a:latin typeface="Cambria Math" panose="02040503050406030204" pitchFamily="18" charset="0"/>
+                      </a:rPr>
+                      <m:t> </m:t>
+                    </m:r>
                     <m:sSub>
                       <m:sSubPr>
                         <m:ctrlPr>
@@ -5755,18 +5723,707 @@
                   </m:oMath>
                 </a14:m>
                 <a:r>
-                  <a:rPr lang="en-US" dirty="0" smtClean="0"/>
+                  <a:rPr lang="en-US" dirty="0"/>
                   <a:t> - radius of </a:t>
                 </a:r>
                 <a:r>
-                  <a:rPr lang="en-US" dirty="0" err="1" smtClean="0"/>
+                  <a:rPr lang="en-US" dirty="0" err="1"/>
                   <a:t>keypoint</a:t>
                 </a:r>
                 <a:r>
-                  <a:rPr lang="en-US" dirty="0" smtClean="0"/>
-                  <a:t> k in Y.</a:t>
+                  <a:rPr lang="en-US" dirty="0"/>
+                  <a:t> </a:t>
                 </a:r>
-                <a:endParaRPr lang="en-US" dirty="0"/>
+                <a14:m>
+                  <m:oMath xmlns:m="http://schemas.openxmlformats.org/officeDocument/2006/math">
+                    <m:r>
+                      <a:rPr lang="en-US" b="0" i="1" smtClean="0">
+                        <a:latin typeface="Cambria Math" panose="02040503050406030204" pitchFamily="18" charset="0"/>
+                      </a:rPr>
+                      <m:t>𝑘</m:t>
+                    </m:r>
+                  </m:oMath>
+                </a14:m>
+                <a:r>
+                  <a:rPr lang="en-US" dirty="0"/>
+                  <a:t> in Y and </a:t>
+                </a:r>
+                <a14:m>
+                  <m:oMath xmlns:m="http://schemas.openxmlformats.org/officeDocument/2006/math">
+                    <m:r>
+                      <a:rPr lang="en-US" b="0" i="1" smtClean="0">
+                        <a:latin typeface="Cambria Math" panose="02040503050406030204" pitchFamily="18" charset="0"/>
+                      </a:rPr>
+                      <m:t>(|</m:t>
+                    </m:r>
+                    <m:r>
+                      <a:rPr lang="en-US" i="1">
+                        <a:latin typeface="Cambria Math" panose="02040503050406030204" pitchFamily="18" charset="0"/>
+                      </a:rPr>
+                      <m:t>𝑥</m:t>
+                    </m:r>
+                    <m:r>
+                      <a:rPr lang="en-US" i="1">
+                        <a:latin typeface="Cambria Math" panose="02040503050406030204" pitchFamily="18" charset="0"/>
+                      </a:rPr>
+                      <m:t>−</m:t>
+                    </m:r>
+                    <m:sSub>
+                      <m:sSubPr>
+                        <m:ctrlPr>
+                          <a:rPr lang="en-US" i="1">
+                            <a:latin typeface="Cambria Math" panose="02040503050406030204" pitchFamily="18" charset="0"/>
+                          </a:rPr>
+                        </m:ctrlPr>
+                      </m:sSubPr>
+                      <m:e>
+                        <m:sSup>
+                          <m:sSupPr>
+                            <m:ctrlPr>
+                              <a:rPr lang="en-US" i="1">
+                                <a:latin typeface="Cambria Math" panose="02040503050406030204" pitchFamily="18" charset="0"/>
+                              </a:rPr>
+                            </m:ctrlPr>
+                          </m:sSupPr>
+                          <m:e>
+                            <m:r>
+                              <a:rPr lang="en-US" i="1">
+                                <a:latin typeface="Cambria Math" panose="02040503050406030204" pitchFamily="18" charset="0"/>
+                              </a:rPr>
+                              <m:t>𝑘</m:t>
+                            </m:r>
+                          </m:e>
+                          <m:sup>
+                            <m:r>
+                              <a:rPr lang="en-US" i="1">
+                                <a:latin typeface="Cambria Math" panose="02040503050406030204" pitchFamily="18" charset="0"/>
+                              </a:rPr>
+                              <m:t>′</m:t>
+                            </m:r>
+                          </m:sup>
+                        </m:sSup>
+                      </m:e>
+                      <m:sub>
+                        <m:r>
+                          <a:rPr lang="en-US" i="1">
+                            <a:latin typeface="Cambria Math" panose="02040503050406030204" pitchFamily="18" charset="0"/>
+                          </a:rPr>
+                          <m:t>𝑥</m:t>
+                        </m:r>
+                      </m:sub>
+                    </m:sSub>
+                    <m:r>
+                      <a:rPr lang="en-US" b="0" i="1" smtClean="0">
+                        <a:latin typeface="Cambria Math" panose="02040503050406030204" pitchFamily="18" charset="0"/>
+                      </a:rPr>
+                      <m:t>|≤</m:t>
+                    </m:r>
+                    <m:sSub>
+                      <m:sSubPr>
+                        <m:ctrlPr>
+                          <a:rPr lang="en-US" i="1">
+                            <a:latin typeface="Cambria Math" panose="02040503050406030204" pitchFamily="18" charset="0"/>
+                          </a:rPr>
+                        </m:ctrlPr>
+                      </m:sSubPr>
+                      <m:e>
+                        <m:r>
+                          <a:rPr lang="en-US" i="1">
+                            <a:latin typeface="Cambria Math" panose="02040503050406030204" pitchFamily="18" charset="0"/>
+                          </a:rPr>
+                          <m:t>𝑟</m:t>
+                        </m:r>
+                      </m:e>
+                      <m:sub>
+                        <m:r>
+                          <a:rPr lang="en-US" i="1">
+                            <a:latin typeface="Cambria Math" panose="02040503050406030204" pitchFamily="18" charset="0"/>
+                          </a:rPr>
+                          <m:t>𝑘</m:t>
+                        </m:r>
+                      </m:sub>
+                    </m:sSub>
+                    <m:r>
+                      <a:rPr lang="en-US" b="0" i="1" smtClean="0">
+                        <a:latin typeface="Cambria Math" panose="02040503050406030204" pitchFamily="18" charset="0"/>
+                      </a:rPr>
+                      <m:t>,|</m:t>
+                    </m:r>
+                    <m:r>
+                      <a:rPr lang="en-US" b="0" i="1" smtClean="0">
+                        <a:latin typeface="Cambria Math" panose="02040503050406030204" pitchFamily="18" charset="0"/>
+                      </a:rPr>
+                      <m:t>𝑦</m:t>
+                    </m:r>
+                    <m:r>
+                      <a:rPr lang="en-US" i="1">
+                        <a:latin typeface="Cambria Math" panose="02040503050406030204" pitchFamily="18" charset="0"/>
+                      </a:rPr>
+                      <m:t>−</m:t>
+                    </m:r>
+                    <m:sSub>
+                      <m:sSubPr>
+                        <m:ctrlPr>
+                          <a:rPr lang="en-US" i="1">
+                            <a:latin typeface="Cambria Math" panose="02040503050406030204" pitchFamily="18" charset="0"/>
+                          </a:rPr>
+                        </m:ctrlPr>
+                      </m:sSubPr>
+                      <m:e>
+                        <m:sSup>
+                          <m:sSupPr>
+                            <m:ctrlPr>
+                              <a:rPr lang="en-US" i="1">
+                                <a:latin typeface="Cambria Math" panose="02040503050406030204" pitchFamily="18" charset="0"/>
+                              </a:rPr>
+                            </m:ctrlPr>
+                          </m:sSupPr>
+                          <m:e>
+                            <m:r>
+                              <a:rPr lang="en-US" i="1">
+                                <a:latin typeface="Cambria Math" panose="02040503050406030204" pitchFamily="18" charset="0"/>
+                              </a:rPr>
+                              <m:t>𝑘</m:t>
+                            </m:r>
+                          </m:e>
+                          <m:sup>
+                            <m:r>
+                              <a:rPr lang="en-US" i="1">
+                                <a:latin typeface="Cambria Math" panose="02040503050406030204" pitchFamily="18" charset="0"/>
+                              </a:rPr>
+                              <m:t>′</m:t>
+                            </m:r>
+                          </m:sup>
+                        </m:sSup>
+                      </m:e>
+                      <m:sub>
+                        <m:r>
+                          <a:rPr lang="en-US" b="0" i="1" smtClean="0">
+                            <a:latin typeface="Cambria Math" panose="02040503050406030204" pitchFamily="18" charset="0"/>
+                          </a:rPr>
+                          <m:t>𝑦</m:t>
+                        </m:r>
+                      </m:sub>
+                    </m:sSub>
+                    <m:r>
+                      <a:rPr lang="en-US" b="0" i="1" smtClean="0">
+                        <a:latin typeface="Cambria Math" panose="02040503050406030204" pitchFamily="18" charset="0"/>
+                      </a:rPr>
+                      <m:t>|</m:t>
+                    </m:r>
+                    <m:r>
+                      <a:rPr lang="en-US" i="1">
+                        <a:latin typeface="Cambria Math" panose="02040503050406030204" pitchFamily="18" charset="0"/>
+                      </a:rPr>
+                      <m:t>≤</m:t>
+                    </m:r>
+                    <m:sSub>
+                      <m:sSubPr>
+                        <m:ctrlPr>
+                          <a:rPr lang="en-US" i="1">
+                            <a:latin typeface="Cambria Math" panose="02040503050406030204" pitchFamily="18" charset="0"/>
+                          </a:rPr>
+                        </m:ctrlPr>
+                      </m:sSubPr>
+                      <m:e>
+                        <m:r>
+                          <a:rPr lang="en-US" i="1">
+                            <a:latin typeface="Cambria Math" panose="02040503050406030204" pitchFamily="18" charset="0"/>
+                          </a:rPr>
+                          <m:t>𝑟</m:t>
+                        </m:r>
+                      </m:e>
+                      <m:sub>
+                        <m:r>
+                          <a:rPr lang="en-US" i="1">
+                            <a:latin typeface="Cambria Math" panose="02040503050406030204" pitchFamily="18" charset="0"/>
+                          </a:rPr>
+                          <m:t>𝑘</m:t>
+                        </m:r>
+                      </m:sub>
+                    </m:sSub>
+                    <m:r>
+                      <a:rPr lang="en-US" b="0" i="1" smtClean="0">
+                        <a:latin typeface="Cambria Math" panose="02040503050406030204" pitchFamily="18" charset="0"/>
+                      </a:rPr>
+                      <m:t>)</m:t>
+                    </m:r>
+                  </m:oMath>
+                </a14:m>
+                <a:r>
+                  <a:rPr lang="en-US" dirty="0"/>
+                  <a:t>.</a:t>
+                </a:r>
+              </a:p>
+              <a:p>
+                <a:pPr marL="342900" indent="-342900">
+                  <a:buFont typeface="Wingdings" panose="05000000000000000000" pitchFamily="2" charset="2"/>
+                  <a:buChar char="§"/>
+                </a:pPr>
+                <a:r>
+                  <a:rPr lang="en-US" b="1" i="1" dirty="0"/>
+                  <a:t>Offset heads</a:t>
+                </a:r>
+                <a:r>
+                  <a:rPr lang="en-US" b="1" dirty="0"/>
+                  <a:t>: </a:t>
+                </a:r>
+                <a14:m>
+                  <m:oMath xmlns:m="http://schemas.openxmlformats.org/officeDocument/2006/math">
+                    <m:r>
+                      <a:rPr lang="en-US" i="1">
+                        <a:latin typeface="Cambria Math" panose="02040503050406030204" pitchFamily="18" charset="0"/>
+                      </a:rPr>
+                      <m:t>𝑂</m:t>
+                    </m:r>
+                    <m:r>
+                      <a:rPr lang="en-US" i="1">
+                        <a:latin typeface="Cambria Math" panose="02040503050406030204" pitchFamily="18" charset="0"/>
+                        <a:ea typeface="Cambria Math" panose="02040503050406030204" pitchFamily="18" charset="0"/>
+                      </a:rPr>
+                      <m:t>∈</m:t>
+                    </m:r>
+                    <m:sSup>
+                      <m:sSupPr>
+                        <m:ctrlPr>
+                          <a:rPr lang="en-US" i="1">
+                            <a:latin typeface="Cambria Math" panose="02040503050406030204" pitchFamily="18" charset="0"/>
+                            <a:ea typeface="Cambria Math" panose="02040503050406030204" pitchFamily="18" charset="0"/>
+                          </a:rPr>
+                        </m:ctrlPr>
+                      </m:sSupPr>
+                      <m:e>
+                        <m:r>
+                          <a:rPr lang="en-US" i="1" smtClean="0">
+                            <a:latin typeface="Cambria Math" panose="02040503050406030204" pitchFamily="18" charset="0"/>
+                            <a:ea typeface="Cambria Math" panose="02040503050406030204" pitchFamily="18" charset="0"/>
+                          </a:rPr>
+                          <m:t>ℝ</m:t>
+                        </m:r>
+                      </m:e>
+                      <m:sup>
+                        <m:f>
+                          <m:fPr>
+                            <m:ctrlPr>
+                              <a:rPr lang="en-US" i="1">
+                                <a:latin typeface="Cambria Math" panose="02040503050406030204" pitchFamily="18" charset="0"/>
+                                <a:ea typeface="Cambria Math" panose="02040503050406030204" pitchFamily="18" charset="0"/>
+                              </a:rPr>
+                            </m:ctrlPr>
+                          </m:fPr>
+                          <m:num>
+                            <m:r>
+                              <a:rPr lang="en-US" i="1">
+                                <a:latin typeface="Cambria Math" panose="02040503050406030204" pitchFamily="18" charset="0"/>
+                                <a:ea typeface="Cambria Math" panose="02040503050406030204" pitchFamily="18" charset="0"/>
+                              </a:rPr>
+                              <m:t>𝑊</m:t>
+                            </m:r>
+                          </m:num>
+                          <m:den>
+                            <m:r>
+                              <a:rPr lang="en-US" i="1">
+                                <a:latin typeface="Cambria Math" panose="02040503050406030204" pitchFamily="18" charset="0"/>
+                                <a:ea typeface="Cambria Math" panose="02040503050406030204" pitchFamily="18" charset="0"/>
+                              </a:rPr>
+                              <m:t>𝑅</m:t>
+                            </m:r>
+                          </m:den>
+                        </m:f>
+                        <m:r>
+                          <a:rPr lang="en-US" i="1">
+                            <a:latin typeface="Cambria Math" panose="02040503050406030204" pitchFamily="18" charset="0"/>
+                            <a:ea typeface="Cambria Math" panose="02040503050406030204" pitchFamily="18" charset="0"/>
+                          </a:rPr>
+                          <m:t>×</m:t>
+                        </m:r>
+                        <m:f>
+                          <m:fPr>
+                            <m:ctrlPr>
+                              <a:rPr lang="en-US" i="1">
+                                <a:latin typeface="Cambria Math" panose="02040503050406030204" pitchFamily="18" charset="0"/>
+                                <a:ea typeface="Cambria Math" panose="02040503050406030204" pitchFamily="18" charset="0"/>
+                              </a:rPr>
+                            </m:ctrlPr>
+                          </m:fPr>
+                          <m:num>
+                            <m:r>
+                              <a:rPr lang="en-US" i="1">
+                                <a:latin typeface="Cambria Math" panose="02040503050406030204" pitchFamily="18" charset="0"/>
+                                <a:ea typeface="Cambria Math" panose="02040503050406030204" pitchFamily="18" charset="0"/>
+                              </a:rPr>
+                              <m:t>𝐻</m:t>
+                            </m:r>
+                          </m:num>
+                          <m:den>
+                            <m:r>
+                              <a:rPr lang="en-US" i="1">
+                                <a:latin typeface="Cambria Math" panose="02040503050406030204" pitchFamily="18" charset="0"/>
+                                <a:ea typeface="Cambria Math" panose="02040503050406030204" pitchFamily="18" charset="0"/>
+                              </a:rPr>
+                              <m:t>𝑅</m:t>
+                            </m:r>
+                          </m:den>
+                        </m:f>
+                        <m:r>
+                          <a:rPr lang="en-US" i="1">
+                            <a:latin typeface="Cambria Math" panose="02040503050406030204" pitchFamily="18" charset="0"/>
+                            <a:ea typeface="Cambria Math" panose="02040503050406030204" pitchFamily="18" charset="0"/>
+                          </a:rPr>
+                          <m:t>×</m:t>
+                        </m:r>
+                        <m:r>
+                          <a:rPr lang="en-US" i="1">
+                            <a:latin typeface="Cambria Math" panose="02040503050406030204" pitchFamily="18" charset="0"/>
+                            <a:ea typeface="Cambria Math" panose="02040503050406030204" pitchFamily="18" charset="0"/>
+                          </a:rPr>
+                          <m:t>2</m:t>
+                        </m:r>
+                      </m:sup>
+                    </m:sSup>
+                    <m:r>
+                      <a:rPr lang="en-US" i="1">
+                        <a:latin typeface="Cambria Math" panose="02040503050406030204" pitchFamily="18" charset="0"/>
+                        <a:ea typeface="Cambria Math" panose="02040503050406030204" pitchFamily="18" charset="0"/>
+                      </a:rPr>
+                      <m:t> </m:t>
+                    </m:r>
+                  </m:oMath>
+                </a14:m>
+                <a:r>
+                  <a:rPr lang="en-US" dirty="0"/>
+                  <a:t>in which </a:t>
+                </a:r>
+                <a14:m>
+                  <m:oMath xmlns:m="http://schemas.openxmlformats.org/officeDocument/2006/math">
+                    <m:d>
+                      <m:dPr>
+                        <m:ctrlPr>
+                          <a:rPr lang="en-US" i="1">
+                            <a:latin typeface="Cambria Math" panose="02040503050406030204" pitchFamily="18" charset="0"/>
+                            <a:ea typeface="Cambria Math" panose="02040503050406030204" pitchFamily="18" charset="0"/>
+                          </a:rPr>
+                        </m:ctrlPr>
+                      </m:dPr>
+                      <m:e>
+                        <m:sSub>
+                          <m:sSubPr>
+                            <m:ctrlPr>
+                              <a:rPr lang="en-US" i="1">
+                                <a:latin typeface="Cambria Math" panose="02040503050406030204" pitchFamily="18" charset="0"/>
+                                <a:ea typeface="Cambria Math" panose="02040503050406030204" pitchFamily="18" charset="0"/>
+                              </a:rPr>
+                            </m:ctrlPr>
+                          </m:sSubPr>
+                          <m:e>
+                            <m:r>
+                              <a:rPr lang="en-US" i="1">
+                                <a:latin typeface="Cambria Math" panose="02040503050406030204" pitchFamily="18" charset="0"/>
+                                <a:ea typeface="Cambria Math" panose="02040503050406030204" pitchFamily="18" charset="0"/>
+                              </a:rPr>
+                              <m:t>𝑂</m:t>
+                            </m:r>
+                          </m:e>
+                          <m:sub>
+                            <m:r>
+                              <a:rPr lang="en-US" i="1">
+                                <a:latin typeface="Cambria Math" panose="02040503050406030204" pitchFamily="18" charset="0"/>
+                                <a:ea typeface="Cambria Math" panose="02040503050406030204" pitchFamily="18" charset="0"/>
+                              </a:rPr>
+                              <m:t>𝑥𝑦</m:t>
+                            </m:r>
+                            <m:r>
+                              <a:rPr lang="en-US" i="1">
+                                <a:latin typeface="Cambria Math" panose="02040503050406030204" pitchFamily="18" charset="0"/>
+                                <a:ea typeface="Cambria Math" panose="02040503050406030204" pitchFamily="18" charset="0"/>
+                              </a:rPr>
+                              <m:t>1</m:t>
+                            </m:r>
+                          </m:sub>
+                        </m:sSub>
+                        <m:r>
+                          <a:rPr lang="en-US" i="1">
+                            <a:latin typeface="Cambria Math" panose="02040503050406030204" pitchFamily="18" charset="0"/>
+                            <a:ea typeface="Cambria Math" panose="02040503050406030204" pitchFamily="18" charset="0"/>
+                          </a:rPr>
+                          <m:t>,</m:t>
+                        </m:r>
+                        <m:sSub>
+                          <m:sSubPr>
+                            <m:ctrlPr>
+                              <a:rPr lang="en-US" i="1">
+                                <a:latin typeface="Cambria Math" panose="02040503050406030204" pitchFamily="18" charset="0"/>
+                                <a:ea typeface="Cambria Math" panose="02040503050406030204" pitchFamily="18" charset="0"/>
+                              </a:rPr>
+                            </m:ctrlPr>
+                          </m:sSubPr>
+                          <m:e>
+                            <m:r>
+                              <a:rPr lang="en-US" i="1">
+                                <a:latin typeface="Cambria Math" panose="02040503050406030204" pitchFamily="18" charset="0"/>
+                                <a:ea typeface="Cambria Math" panose="02040503050406030204" pitchFamily="18" charset="0"/>
+                              </a:rPr>
+                              <m:t>𝑂</m:t>
+                            </m:r>
+                          </m:e>
+                          <m:sub>
+                            <m:r>
+                              <a:rPr lang="en-US" i="1">
+                                <a:latin typeface="Cambria Math" panose="02040503050406030204" pitchFamily="18" charset="0"/>
+                                <a:ea typeface="Cambria Math" panose="02040503050406030204" pitchFamily="18" charset="0"/>
+                              </a:rPr>
+                              <m:t>𝑥𝑦</m:t>
+                            </m:r>
+                            <m:r>
+                              <a:rPr lang="en-US" i="1">
+                                <a:latin typeface="Cambria Math" panose="02040503050406030204" pitchFamily="18" charset="0"/>
+                                <a:ea typeface="Cambria Math" panose="02040503050406030204" pitchFamily="18" charset="0"/>
+                              </a:rPr>
+                              <m:t>2</m:t>
+                            </m:r>
+                          </m:sub>
+                        </m:sSub>
+                      </m:e>
+                    </m:d>
+                    <m:r>
+                      <a:rPr lang="en-US" i="1">
+                        <a:latin typeface="Cambria Math" panose="02040503050406030204" pitchFamily="18" charset="0"/>
+                        <a:ea typeface="Cambria Math" panose="02040503050406030204" pitchFamily="18" charset="0"/>
+                      </a:rPr>
+                      <m:t>=(</m:t>
+                    </m:r>
+                    <m:sSub>
+                      <m:sSubPr>
+                        <m:ctrlPr>
+                          <a:rPr lang="en-US" i="1">
+                            <a:latin typeface="Cambria Math" panose="02040503050406030204" pitchFamily="18" charset="0"/>
+                            <a:ea typeface="Cambria Math" panose="02040503050406030204" pitchFamily="18" charset="0"/>
+                          </a:rPr>
+                        </m:ctrlPr>
+                      </m:sSubPr>
+                      <m:e>
+                        <m:r>
+                          <a:rPr lang="en-US" i="1">
+                            <a:latin typeface="Cambria Math" panose="02040503050406030204" pitchFamily="18" charset="0"/>
+                            <a:ea typeface="Cambria Math" panose="02040503050406030204" pitchFamily="18" charset="0"/>
+                          </a:rPr>
+                          <m:t>𝛿</m:t>
+                        </m:r>
+                      </m:e>
+                      <m:sub>
+                        <m:r>
+                          <a:rPr lang="en-US" i="1">
+                            <a:latin typeface="Cambria Math" panose="02040503050406030204" pitchFamily="18" charset="0"/>
+                            <a:ea typeface="Cambria Math" panose="02040503050406030204" pitchFamily="18" charset="0"/>
+                          </a:rPr>
+                          <m:t>𝑥</m:t>
+                        </m:r>
+                      </m:sub>
+                    </m:sSub>
+                    <m:r>
+                      <a:rPr lang="en-US" i="1">
+                        <a:latin typeface="Cambria Math" panose="02040503050406030204" pitchFamily="18" charset="0"/>
+                        <a:ea typeface="Cambria Math" panose="02040503050406030204" pitchFamily="18" charset="0"/>
+                      </a:rPr>
+                      <m:t>, </m:t>
+                    </m:r>
+                    <m:sSub>
+                      <m:sSubPr>
+                        <m:ctrlPr>
+                          <a:rPr lang="en-US" i="1">
+                            <a:latin typeface="Cambria Math" panose="02040503050406030204" pitchFamily="18" charset="0"/>
+                            <a:ea typeface="Cambria Math" panose="02040503050406030204" pitchFamily="18" charset="0"/>
+                          </a:rPr>
+                        </m:ctrlPr>
+                      </m:sSubPr>
+                      <m:e>
+                        <m:r>
+                          <a:rPr lang="en-US" i="1">
+                            <a:latin typeface="Cambria Math" panose="02040503050406030204" pitchFamily="18" charset="0"/>
+                            <a:ea typeface="Cambria Math" panose="02040503050406030204" pitchFamily="18" charset="0"/>
+                          </a:rPr>
+                          <m:t>𝛿</m:t>
+                        </m:r>
+                      </m:e>
+                      <m:sub>
+                        <m:r>
+                          <a:rPr lang="en-US" i="1">
+                            <a:latin typeface="Cambria Math" panose="02040503050406030204" pitchFamily="18" charset="0"/>
+                            <a:ea typeface="Cambria Math" panose="02040503050406030204" pitchFamily="18" charset="0"/>
+                          </a:rPr>
+                          <m:t>𝑦</m:t>
+                        </m:r>
+                      </m:sub>
+                    </m:sSub>
+                    <m:r>
+                      <a:rPr lang="en-US" i="1">
+                        <a:latin typeface="Cambria Math" panose="02040503050406030204" pitchFamily="18" charset="0"/>
+                        <a:ea typeface="Cambria Math" panose="02040503050406030204" pitchFamily="18" charset="0"/>
+                      </a:rPr>
+                      <m:t>)</m:t>
+                    </m:r>
+                  </m:oMath>
+                </a14:m>
+                <a:r>
+                  <a:rPr lang="en-US" dirty="0"/>
+                  <a:t> where </a:t>
+                </a:r>
+                <a14:m>
+                  <m:oMath xmlns:m="http://schemas.openxmlformats.org/officeDocument/2006/math">
+                    <m:r>
+                      <a:rPr lang="en-US" i="1">
+                        <a:latin typeface="Cambria Math" panose="02040503050406030204" pitchFamily="18" charset="0"/>
+                        <a:ea typeface="Cambria Math" panose="02040503050406030204" pitchFamily="18" charset="0"/>
+                      </a:rPr>
+                      <m:t>𝛿</m:t>
+                    </m:r>
+                    <m:r>
+                      <a:rPr lang="en-US" i="1">
+                        <a:latin typeface="Cambria Math" panose="02040503050406030204" pitchFamily="18" charset="0"/>
+                        <a:ea typeface="Cambria Math" panose="02040503050406030204" pitchFamily="18" charset="0"/>
+                      </a:rPr>
+                      <m:t>=</m:t>
+                    </m:r>
+                    <m:f>
+                      <m:fPr>
+                        <m:ctrlPr>
+                          <a:rPr lang="en-US" i="1">
+                            <a:latin typeface="Cambria Math" panose="02040503050406030204" pitchFamily="18" charset="0"/>
+                            <a:ea typeface="Cambria Math" panose="02040503050406030204" pitchFamily="18" charset="0"/>
+                          </a:rPr>
+                        </m:ctrlPr>
+                      </m:fPr>
+                      <m:num>
+                        <m:r>
+                          <a:rPr lang="en-US" i="1">
+                            <a:latin typeface="Cambria Math" panose="02040503050406030204" pitchFamily="18" charset="0"/>
+                            <a:ea typeface="Cambria Math" panose="02040503050406030204" pitchFamily="18" charset="0"/>
+                          </a:rPr>
+                          <m:t>𝑘</m:t>
+                        </m:r>
+                      </m:num>
+                      <m:den>
+                        <m:r>
+                          <a:rPr lang="en-US" i="1">
+                            <a:latin typeface="Cambria Math" panose="02040503050406030204" pitchFamily="18" charset="0"/>
+                            <a:ea typeface="Cambria Math" panose="02040503050406030204" pitchFamily="18" charset="0"/>
+                          </a:rPr>
+                          <m:t>𝑅</m:t>
+                        </m:r>
+                      </m:den>
+                    </m:f>
+                    <m:r>
+                      <a:rPr lang="en-US" i="1">
+                        <a:latin typeface="Cambria Math" panose="02040503050406030204" pitchFamily="18" charset="0"/>
+                        <a:ea typeface="Cambria Math" panose="02040503050406030204" pitchFamily="18" charset="0"/>
+                      </a:rPr>
+                      <m:t>−</m:t>
+                    </m:r>
+                    <m:sSup>
+                      <m:sSupPr>
+                        <m:ctrlPr>
+                          <a:rPr lang="en-US" i="1">
+                            <a:latin typeface="Cambria Math" panose="02040503050406030204" pitchFamily="18" charset="0"/>
+                            <a:ea typeface="Cambria Math" panose="02040503050406030204" pitchFamily="18" charset="0"/>
+                          </a:rPr>
+                        </m:ctrlPr>
+                      </m:sSupPr>
+                      <m:e>
+                        <m:r>
+                          <a:rPr lang="en-US" i="1">
+                            <a:latin typeface="Cambria Math" panose="02040503050406030204" pitchFamily="18" charset="0"/>
+                            <a:ea typeface="Cambria Math" panose="02040503050406030204" pitchFamily="18" charset="0"/>
+                          </a:rPr>
+                          <m:t>𝑘</m:t>
+                        </m:r>
+                      </m:e>
+                      <m:sup>
+                        <m:r>
+                          <a:rPr lang="en-US" i="1">
+                            <a:latin typeface="Cambria Math" panose="02040503050406030204" pitchFamily="18" charset="0"/>
+                            <a:ea typeface="Cambria Math" panose="02040503050406030204" pitchFamily="18" charset="0"/>
+                          </a:rPr>
+                          <m:t>′</m:t>
+                        </m:r>
+                      </m:sup>
+                    </m:sSup>
+                  </m:oMath>
+                </a14:m>
+                <a:r>
+                  <a:rPr lang="en-US" dirty="0"/>
+                  <a:t> and </a:t>
+                </a:r>
+                <a14:m>
+                  <m:oMath xmlns:m="http://schemas.openxmlformats.org/officeDocument/2006/math">
+                    <m:sSub>
+                      <m:sSubPr>
+                        <m:ctrlPr>
+                          <a:rPr lang="en-US" i="1" smtClean="0">
+                            <a:latin typeface="Cambria Math" panose="02040503050406030204" pitchFamily="18" charset="0"/>
+                          </a:rPr>
+                        </m:ctrlPr>
+                      </m:sSubPr>
+                      <m:e>
+                        <m:r>
+                          <a:rPr lang="en-US" i="1" smtClean="0">
+                            <a:latin typeface="Cambria Math" panose="02040503050406030204" pitchFamily="18" charset="0"/>
+                            <a:ea typeface="Cambria Math" panose="02040503050406030204" pitchFamily="18" charset="0"/>
+                          </a:rPr>
+                          <m:t>∃</m:t>
+                        </m:r>
+                        <m:r>
+                          <a:rPr lang="en-US" b="0" i="1" smtClean="0">
+                            <a:latin typeface="Cambria Math" panose="02040503050406030204" pitchFamily="18" charset="0"/>
+                            <a:ea typeface="Cambria Math" panose="02040503050406030204" pitchFamily="18" charset="0"/>
+                          </a:rPr>
+                          <m:t> </m:t>
+                        </m:r>
+                        <m:r>
+                          <a:rPr lang="en-US" b="0" i="1" smtClean="0">
+                            <a:latin typeface="Cambria Math" panose="02040503050406030204" pitchFamily="18" charset="0"/>
+                          </a:rPr>
+                          <m:t>𝑌</m:t>
+                        </m:r>
+                      </m:e>
+                      <m:sub>
+                        <m:r>
+                          <a:rPr lang="en-US" b="0" i="1" smtClean="0">
+                            <a:latin typeface="Cambria Math" panose="02040503050406030204" pitchFamily="18" charset="0"/>
+                          </a:rPr>
+                          <m:t>𝑥𝑦𝑐</m:t>
+                        </m:r>
+                      </m:sub>
+                    </m:sSub>
+                    <m:r>
+                      <a:rPr lang="en-US" b="0" i="1" smtClean="0">
+                        <a:latin typeface="Cambria Math" panose="02040503050406030204" pitchFamily="18" charset="0"/>
+                      </a:rPr>
+                      <m:t>&gt;0, 1≤</m:t>
+                    </m:r>
+                    <m:r>
+                      <a:rPr lang="en-US" b="0" i="1" smtClean="0">
+                        <a:latin typeface="Cambria Math" panose="02040503050406030204" pitchFamily="18" charset="0"/>
+                      </a:rPr>
+                      <m:t>𝑐</m:t>
+                    </m:r>
+                    <m:r>
+                      <a:rPr lang="en-US" b="0" i="1" smtClean="0">
+                        <a:latin typeface="Cambria Math" panose="02040503050406030204" pitchFamily="18" charset="0"/>
+                      </a:rPr>
+                      <m:t>≤</m:t>
+                    </m:r>
+                    <m:r>
+                      <a:rPr lang="en-US" b="0" i="1" smtClean="0">
+                        <a:latin typeface="Cambria Math" panose="02040503050406030204" pitchFamily="18" charset="0"/>
+                      </a:rPr>
+                      <m:t>𝐶</m:t>
+                    </m:r>
+                  </m:oMath>
+                </a14:m>
+                <a:r>
+                  <a:rPr lang="en-US" dirty="0"/>
+                  <a:t>.</a:t>
+                </a:r>
               </a:p>
             </p:txBody>
           </p:sp>
@@ -5784,9 +6441,9 @@
             </p:nvSpPr>
             <p:spPr>
               <a:blipFill>
-                <a:blip r:embed="rId2"/>
+                <a:blip r:embed="rId3"/>
                 <a:stretch>
-                  <a:fillRect l="-427" r="-480"/>
+                  <a:fillRect l="-533"/>
                 </a:stretch>
               </a:blipFill>
             </p:spPr>
@@ -5822,7 +6479,7 @@
           <a:p>
             <a:fld id="{499624E5-6640-4B65-82B0-BACE50C7D1B2}" type="datetime1">
               <a:rPr lang="en-US" smtClean="0"/>
-              <a:t>6/10/2021</a:t>
+              <a:t>10/6/2021</a:t>
             </a:fld>
             <a:endParaRPr lang="en-US" dirty="0"/>
           </a:p>
@@ -5844,7 +6501,7 @@
           <a:lstStyle/>
           <a:p>
             <a:r>
-              <a:rPr lang="fr-FR" smtClean="0"/>
+              <a:rPr lang="fr-FR"/>
               <a:t>Le Quy Don Technical University</a:t>
             </a:r>
             <a:endParaRPr lang="en-US" dirty="0"/>
@@ -5891,13 +6548,8 @@
           <a:p>
             <a:r>
               <a:rPr lang="en-US" dirty="0"/>
-              <a:t>Proposed </a:t>
-            </a:r>
-            <a:r>
-              <a:rPr lang="en-US" dirty="0" smtClean="0"/>
-              <a:t>method</a:t>
-            </a:r>
-            <a:endParaRPr lang="en-US" dirty="0"/>
+              <a:t>Proposed method</a:t>
+            </a:r>
           </a:p>
         </p:txBody>
       </p:sp>
@@ -5917,13 +6569,42 @@
           <a:lstStyle/>
           <a:p>
             <a:r>
-              <a:rPr lang="en-US" dirty="0" smtClean="0"/>
+              <a:rPr lang="en-US" dirty="0"/>
               <a:t>License plate detection</a:t>
             </a:r>
-            <a:endParaRPr lang="en-US" dirty="0"/>
-          </a:p>
-        </p:txBody>
-      </p:sp>
+          </a:p>
+        </p:txBody>
+      </p:sp>
+      <p:pic>
+        <p:nvPicPr>
+          <p:cNvPr id="16" name="Picture 15">
+            <a:extLst>
+              <a:ext uri="{FF2B5EF4-FFF2-40B4-BE49-F238E27FC236}">
+                <a16:creationId xmlns:a16="http://schemas.microsoft.com/office/drawing/2014/main" id="{BE7EE3AA-3177-4320-9C21-FB350DCE18A2}"/>
+              </a:ext>
+            </a:extLst>
+          </p:cNvPr>
+          <p:cNvPicPr>
+            <a:picLocks noChangeAspect="1"/>
+          </p:cNvPicPr>
+          <p:nvPr/>
+        </p:nvPicPr>
+        <p:blipFill>
+          <a:blip r:embed="rId4"/>
+          <a:stretch>
+            <a:fillRect/>
+          </a:stretch>
+        </p:blipFill>
+        <p:spPr>
+          <a:xfrm>
+            <a:off x="7240308" y="850894"/>
+            <a:ext cx="3812003" cy="2209729"/>
+          </a:xfrm>
+          <a:prstGeom prst="rect">
+            <a:avLst/>
+          </a:prstGeom>
+        </p:spPr>
+      </p:pic>
     </p:spTree>
     <p:extLst>
       <p:ext uri="{BB962C8B-B14F-4D97-AF65-F5344CB8AC3E}">
@@ -5946,13 +6627,1570 @@
       </p:transition>
     </mc:Fallback>
   </mc:AlternateContent>
-  <p:timing>
-    <p:tnLst>
-      <p:par>
-        <p:cTn id="1" dur="indefinite" restart="never" nodeType="tmRoot"/>
-      </p:par>
-    </p:tnLst>
-  </p:timing>
+</p:sld>
+</file>
+
+<file path=ppt/slides/slide14.xml><?xml version="1.0" encoding="utf-8"?>
+<p:sld xmlns:a="http://schemas.openxmlformats.org/drawingml/2006/main" xmlns:r="http://schemas.openxmlformats.org/officeDocument/2006/relationships" xmlns:p="http://schemas.openxmlformats.org/presentationml/2006/main">
+  <p:cSld>
+    <p:spTree>
+      <p:nvGrpSpPr>
+        <p:cNvPr id="1" name=""/>
+        <p:cNvGrpSpPr/>
+        <p:nvPr/>
+      </p:nvGrpSpPr>
+      <p:grpSpPr>
+        <a:xfrm>
+          <a:off x="0" y="0"/>
+          <a:ext cx="0" cy="0"/>
+          <a:chOff x="0" y="0"/>
+          <a:chExt cx="0" cy="0"/>
+        </a:xfrm>
+      </p:grpSpPr>
+      <p:sp>
+        <p:nvSpPr>
+          <p:cNvPr id="2" name="Title 1">
+            <a:extLst>
+              <a:ext uri="{FF2B5EF4-FFF2-40B4-BE49-F238E27FC236}">
+                <a16:creationId xmlns:a16="http://schemas.microsoft.com/office/drawing/2014/main" id="{1E23C7E1-0E1E-4066-8D83-F4F52AB775B4}"/>
+              </a:ext>
+            </a:extLst>
+          </p:cNvPr>
+          <p:cNvSpPr>
+            <a:spLocks noGrp="1"/>
+          </p:cNvSpPr>
+          <p:nvPr>
+            <p:ph type="title"/>
+          </p:nvPr>
+        </p:nvSpPr>
+        <p:spPr/>
+        <p:txBody>
+          <a:bodyPr/>
+          <a:lstStyle/>
+          <a:p>
+            <a:r>
+              <a:rPr lang="en-US" dirty="0"/>
+              <a:t>Data preprocessing - </a:t>
+            </a:r>
+            <a:r>
+              <a:rPr lang="en-US" dirty="0" err="1"/>
+              <a:t>Keypoints</a:t>
+            </a:r>
+            <a:r>
+              <a:rPr lang="en-US" dirty="0"/>
+              <a:t> design for license plate</a:t>
+            </a:r>
+          </a:p>
+        </p:txBody>
+      </p:sp>
+      <p:sp>
+        <p:nvSpPr>
+          <p:cNvPr id="4" name="Date Placeholder 3">
+            <a:extLst>
+              <a:ext uri="{FF2B5EF4-FFF2-40B4-BE49-F238E27FC236}">
+                <a16:creationId xmlns:a16="http://schemas.microsoft.com/office/drawing/2014/main" id="{71AA832E-45D3-4C08-A9CA-36C9A5132C84}"/>
+              </a:ext>
+            </a:extLst>
+          </p:cNvPr>
+          <p:cNvSpPr>
+            <a:spLocks noGrp="1"/>
+          </p:cNvSpPr>
+          <p:nvPr>
+            <p:ph type="dt" sz="half" idx="10"/>
+          </p:nvPr>
+        </p:nvSpPr>
+        <p:spPr/>
+        <p:txBody>
+          <a:bodyPr/>
+          <a:lstStyle/>
+          <a:p>
+            <a:fld id="{499624E5-6640-4B65-82B0-BACE50C7D1B2}" type="datetime1">
+              <a:rPr lang="en-US" smtClean="0"/>
+              <a:t>10/6/2021</a:t>
+            </a:fld>
+            <a:endParaRPr lang="en-US" dirty="0"/>
+          </a:p>
+        </p:txBody>
+      </p:sp>
+      <p:sp>
+        <p:nvSpPr>
+          <p:cNvPr id="5" name="Footer Placeholder 4">
+            <a:extLst>
+              <a:ext uri="{FF2B5EF4-FFF2-40B4-BE49-F238E27FC236}">
+                <a16:creationId xmlns:a16="http://schemas.microsoft.com/office/drawing/2014/main" id="{CB8ECAE1-2387-4DB4-AB02-47D872CC69A2}"/>
+              </a:ext>
+            </a:extLst>
+          </p:cNvPr>
+          <p:cNvSpPr>
+            <a:spLocks noGrp="1"/>
+          </p:cNvSpPr>
+          <p:nvPr>
+            <p:ph type="ftr" sz="quarter" idx="11"/>
+          </p:nvPr>
+        </p:nvSpPr>
+        <p:spPr/>
+        <p:txBody>
+          <a:bodyPr/>
+          <a:lstStyle/>
+          <a:p>
+            <a:r>
+              <a:rPr lang="fr-FR"/>
+              <a:t>Le Quy Don Technical University</a:t>
+            </a:r>
+            <a:endParaRPr lang="en-US" dirty="0"/>
+          </a:p>
+        </p:txBody>
+      </p:sp>
+      <p:sp>
+        <p:nvSpPr>
+          <p:cNvPr id="6" name="Slide Number Placeholder 5">
+            <a:extLst>
+              <a:ext uri="{FF2B5EF4-FFF2-40B4-BE49-F238E27FC236}">
+                <a16:creationId xmlns:a16="http://schemas.microsoft.com/office/drawing/2014/main" id="{D4B18BBA-C59C-4311-B045-250ED864895E}"/>
+              </a:ext>
+            </a:extLst>
+          </p:cNvPr>
+          <p:cNvSpPr>
+            <a:spLocks noGrp="1"/>
+          </p:cNvSpPr>
+          <p:nvPr>
+            <p:ph type="sldNum" sz="quarter" idx="12"/>
+          </p:nvPr>
+        </p:nvSpPr>
+        <p:spPr/>
+        <p:txBody>
+          <a:bodyPr/>
+          <a:lstStyle/>
+          <a:p>
+            <a:fld id="{B881B6B3-2069-452F-BF40-F653D75B3DB0}" type="slidenum">
+              <a:rPr lang="en-US" smtClean="0"/>
+              <a:t>14</a:t>
+            </a:fld>
+            <a:endParaRPr lang="en-US"/>
+          </a:p>
+        </p:txBody>
+      </p:sp>
+      <p:sp>
+        <p:nvSpPr>
+          <p:cNvPr id="7" name="Text Placeholder 6">
+            <a:extLst>
+              <a:ext uri="{FF2B5EF4-FFF2-40B4-BE49-F238E27FC236}">
+                <a16:creationId xmlns:a16="http://schemas.microsoft.com/office/drawing/2014/main" id="{8AD9C2F9-6AB5-44E5-8038-CD8E82220C18}"/>
+              </a:ext>
+            </a:extLst>
+          </p:cNvPr>
+          <p:cNvSpPr>
+            <a:spLocks noGrp="1"/>
+          </p:cNvSpPr>
+          <p:nvPr>
+            <p:ph type="body" sz="quarter" idx="13"/>
+          </p:nvPr>
+        </p:nvSpPr>
+        <p:spPr/>
+        <p:txBody>
+          <a:bodyPr/>
+          <a:lstStyle/>
+          <a:p>
+            <a:r>
+              <a:rPr lang="en-US" dirty="0"/>
+              <a:t>Proposed method</a:t>
+            </a:r>
+          </a:p>
+        </p:txBody>
+      </p:sp>
+      <p:sp>
+        <p:nvSpPr>
+          <p:cNvPr id="8" name="Text Placeholder 7">
+            <a:extLst>
+              <a:ext uri="{FF2B5EF4-FFF2-40B4-BE49-F238E27FC236}">
+                <a16:creationId xmlns:a16="http://schemas.microsoft.com/office/drawing/2014/main" id="{59765028-215B-4C1F-99ED-B92B3EC3E002}"/>
+              </a:ext>
+            </a:extLst>
+          </p:cNvPr>
+          <p:cNvSpPr>
+            <a:spLocks noGrp="1"/>
+          </p:cNvSpPr>
+          <p:nvPr>
+            <p:ph type="body" sz="quarter" idx="14"/>
+          </p:nvPr>
+        </p:nvSpPr>
+        <p:spPr/>
+        <p:txBody>
+          <a:bodyPr/>
+          <a:lstStyle/>
+          <a:p>
+            <a:r>
+              <a:rPr lang="en-US" dirty="0"/>
+              <a:t>License plate detection</a:t>
+            </a:r>
+          </a:p>
+        </p:txBody>
+      </p:sp>
+      <p:sp>
+        <p:nvSpPr>
+          <p:cNvPr id="9" name="Text Placeholder 8">
+            <a:extLst>
+              <a:ext uri="{FF2B5EF4-FFF2-40B4-BE49-F238E27FC236}">
+                <a16:creationId xmlns:a16="http://schemas.microsoft.com/office/drawing/2014/main" id="{8CF30DFC-DA1E-425D-82E2-D5BD27EE06B7}"/>
+              </a:ext>
+            </a:extLst>
+          </p:cNvPr>
+          <p:cNvSpPr>
+            <a:spLocks noGrp="1"/>
+          </p:cNvSpPr>
+          <p:nvPr>
+            <p:ph type="body" sz="quarter" idx="15"/>
+          </p:nvPr>
+        </p:nvSpPr>
+        <p:spPr>
+          <a:xfrm>
+            <a:off x="2734057" y="4019633"/>
+            <a:ext cx="6883770" cy="365125"/>
+          </a:xfrm>
+        </p:spPr>
+        <p:txBody>
+          <a:bodyPr/>
+          <a:lstStyle/>
+          <a:p>
+            <a:r>
+              <a:rPr lang="en-US" dirty="0"/>
+              <a:t>Key-points design for a license plate (colors are according to number of classes)</a:t>
+            </a:r>
+          </a:p>
+        </p:txBody>
+      </p:sp>
+      <p:pic>
+        <p:nvPicPr>
+          <p:cNvPr id="10" name="Picture 9">
+            <a:extLst>
+              <a:ext uri="{FF2B5EF4-FFF2-40B4-BE49-F238E27FC236}">
+                <a16:creationId xmlns:a16="http://schemas.microsoft.com/office/drawing/2014/main" id="{941EDC8E-3CFA-4A89-B1EF-219AA9B0C392}"/>
+              </a:ext>
+            </a:extLst>
+          </p:cNvPr>
+          <p:cNvPicPr>
+            <a:picLocks noChangeAspect="1"/>
+          </p:cNvPicPr>
+          <p:nvPr/>
+        </p:nvPicPr>
+        <p:blipFill>
+          <a:blip r:embed="rId2"/>
+          <a:stretch>
+            <a:fillRect/>
+          </a:stretch>
+        </p:blipFill>
+        <p:spPr>
+          <a:xfrm>
+            <a:off x="2399784" y="2838368"/>
+            <a:ext cx="7392432" cy="1181265"/>
+          </a:xfrm>
+          <a:prstGeom prst="rect">
+            <a:avLst/>
+          </a:prstGeom>
+        </p:spPr>
+      </p:pic>
+    </p:spTree>
+    <p:extLst>
+      <p:ext uri="{BB962C8B-B14F-4D97-AF65-F5344CB8AC3E}">
+        <p14:creationId xmlns:p14="http://schemas.microsoft.com/office/powerpoint/2010/main" val="445499269"/>
+      </p:ext>
+    </p:extLst>
+  </p:cSld>
+  <p:clrMapOvr>
+    <a:masterClrMapping/>
+  </p:clrMapOvr>
+  <mc:AlternateContent xmlns:mc="http://schemas.openxmlformats.org/markup-compatibility/2006" xmlns:p14="http://schemas.microsoft.com/office/powerpoint/2010/main">
+    <mc:Choice Requires="p14">
+      <p:transition spd="med" p14:dur="700">
+        <p:fade/>
+      </p:transition>
+    </mc:Choice>
+    <mc:Fallback xmlns="">
+      <p:transition spd="med">
+        <p:fade/>
+      </p:transition>
+    </mc:Fallback>
+  </mc:AlternateContent>
+</p:sld>
+</file>
+
+<file path=ppt/slides/slide15.xml><?xml version="1.0" encoding="utf-8"?>
+<p:sld xmlns:a="http://schemas.openxmlformats.org/drawingml/2006/main" xmlns:r="http://schemas.openxmlformats.org/officeDocument/2006/relationships" xmlns:p="http://schemas.openxmlformats.org/presentationml/2006/main">
+  <p:cSld>
+    <p:spTree>
+      <p:nvGrpSpPr>
+        <p:cNvPr id="1" name=""/>
+        <p:cNvGrpSpPr/>
+        <p:nvPr/>
+      </p:nvGrpSpPr>
+      <p:grpSpPr>
+        <a:xfrm>
+          <a:off x="0" y="0"/>
+          <a:ext cx="0" cy="0"/>
+          <a:chOff x="0" y="0"/>
+          <a:chExt cx="0" cy="0"/>
+        </a:xfrm>
+      </p:grpSpPr>
+      <p:sp>
+        <p:nvSpPr>
+          <p:cNvPr id="2" name="Title 1">
+            <a:extLst>
+              <a:ext uri="{FF2B5EF4-FFF2-40B4-BE49-F238E27FC236}">
+                <a16:creationId xmlns:a16="http://schemas.microsoft.com/office/drawing/2014/main" id="{0F4A899A-810E-404E-A2B0-8680C96B54B4}"/>
+              </a:ext>
+            </a:extLst>
+          </p:cNvPr>
+          <p:cNvSpPr>
+            <a:spLocks noGrp="1"/>
+          </p:cNvSpPr>
+          <p:nvPr>
+            <p:ph type="title"/>
+          </p:nvPr>
+        </p:nvSpPr>
+        <p:spPr/>
+        <p:txBody>
+          <a:bodyPr/>
+          <a:lstStyle/>
+          <a:p>
+            <a:r>
+              <a:rPr lang="en-US" dirty="0"/>
+              <a:t>Architecture</a:t>
+            </a:r>
+          </a:p>
+        </p:txBody>
+      </p:sp>
+      <p:sp>
+        <p:nvSpPr>
+          <p:cNvPr id="3" name="Content Placeholder 2">
+            <a:extLst>
+              <a:ext uri="{FF2B5EF4-FFF2-40B4-BE49-F238E27FC236}">
+                <a16:creationId xmlns:a16="http://schemas.microsoft.com/office/drawing/2014/main" id="{77B0E4F1-3E60-4B89-AB4D-D04D82414C0C}"/>
+              </a:ext>
+            </a:extLst>
+          </p:cNvPr>
+          <p:cNvSpPr>
+            <a:spLocks noGrp="1"/>
+          </p:cNvSpPr>
+          <p:nvPr>
+            <p:ph sz="half" idx="2"/>
+          </p:nvPr>
+        </p:nvSpPr>
+        <p:spPr>
+          <a:xfrm>
+            <a:off x="381000" y="850899"/>
+            <a:ext cx="11430000" cy="813309"/>
+          </a:xfrm>
+        </p:spPr>
+        <p:txBody>
+          <a:bodyPr/>
+          <a:lstStyle/>
+          <a:p>
+            <a:pPr marL="342900" indent="-342900">
+              <a:buFont typeface="Wingdings" panose="05000000000000000000" pitchFamily="2" charset="2"/>
+              <a:buChar char="§"/>
+            </a:pPr>
+            <a:r>
+              <a:rPr lang="en-US" dirty="0"/>
+              <a:t>HPE architecture: DLA-34, HRNet-18, Restnet18.</a:t>
+            </a:r>
+          </a:p>
+          <a:p>
+            <a:pPr marL="342900" indent="-342900">
+              <a:buFont typeface="Wingdings" panose="05000000000000000000" pitchFamily="2" charset="2"/>
+              <a:buChar char="§"/>
+            </a:pPr>
+            <a:r>
+              <a:rPr lang="en-US" dirty="0"/>
+              <a:t>Modify a semantic segmentation architecture: </a:t>
+            </a:r>
+            <a:r>
+              <a:rPr lang="en-US" dirty="0" err="1"/>
+              <a:t>DDRNet</a:t>
+            </a:r>
+            <a:r>
+              <a:rPr lang="en-US" dirty="0"/>
+              <a:t>.</a:t>
+            </a:r>
+          </a:p>
+        </p:txBody>
+      </p:sp>
+      <p:sp>
+        <p:nvSpPr>
+          <p:cNvPr id="4" name="Date Placeholder 3">
+            <a:extLst>
+              <a:ext uri="{FF2B5EF4-FFF2-40B4-BE49-F238E27FC236}">
+                <a16:creationId xmlns:a16="http://schemas.microsoft.com/office/drawing/2014/main" id="{8C26C7E0-64FA-4139-8F6F-860D73AAC7C1}"/>
+              </a:ext>
+            </a:extLst>
+          </p:cNvPr>
+          <p:cNvSpPr>
+            <a:spLocks noGrp="1"/>
+          </p:cNvSpPr>
+          <p:nvPr>
+            <p:ph type="dt" sz="half" idx="10"/>
+          </p:nvPr>
+        </p:nvSpPr>
+        <p:spPr/>
+        <p:txBody>
+          <a:bodyPr/>
+          <a:lstStyle/>
+          <a:p>
+            <a:fld id="{499624E5-6640-4B65-82B0-BACE50C7D1B2}" type="datetime1">
+              <a:rPr lang="en-US" smtClean="0"/>
+              <a:t>10/6/2021</a:t>
+            </a:fld>
+            <a:endParaRPr lang="en-US" dirty="0"/>
+          </a:p>
+        </p:txBody>
+      </p:sp>
+      <p:sp>
+        <p:nvSpPr>
+          <p:cNvPr id="5" name="Footer Placeholder 4">
+            <a:extLst>
+              <a:ext uri="{FF2B5EF4-FFF2-40B4-BE49-F238E27FC236}">
+                <a16:creationId xmlns:a16="http://schemas.microsoft.com/office/drawing/2014/main" id="{C45C4F86-8D1C-4791-B811-9B8F877971C7}"/>
+              </a:ext>
+            </a:extLst>
+          </p:cNvPr>
+          <p:cNvSpPr>
+            <a:spLocks noGrp="1"/>
+          </p:cNvSpPr>
+          <p:nvPr>
+            <p:ph type="ftr" sz="quarter" idx="11"/>
+          </p:nvPr>
+        </p:nvSpPr>
+        <p:spPr/>
+        <p:txBody>
+          <a:bodyPr/>
+          <a:lstStyle/>
+          <a:p>
+            <a:r>
+              <a:rPr lang="fr-FR"/>
+              <a:t>Le Quy Don Technical University</a:t>
+            </a:r>
+            <a:endParaRPr lang="en-US" dirty="0"/>
+          </a:p>
+        </p:txBody>
+      </p:sp>
+      <p:sp>
+        <p:nvSpPr>
+          <p:cNvPr id="6" name="Slide Number Placeholder 5">
+            <a:extLst>
+              <a:ext uri="{FF2B5EF4-FFF2-40B4-BE49-F238E27FC236}">
+                <a16:creationId xmlns:a16="http://schemas.microsoft.com/office/drawing/2014/main" id="{F4326A09-6CA9-4714-8981-B4FE8019B8D6}"/>
+              </a:ext>
+            </a:extLst>
+          </p:cNvPr>
+          <p:cNvSpPr>
+            <a:spLocks noGrp="1"/>
+          </p:cNvSpPr>
+          <p:nvPr>
+            <p:ph type="sldNum" sz="quarter" idx="12"/>
+          </p:nvPr>
+        </p:nvSpPr>
+        <p:spPr/>
+        <p:txBody>
+          <a:bodyPr/>
+          <a:lstStyle/>
+          <a:p>
+            <a:fld id="{B881B6B3-2069-452F-BF40-F653D75B3DB0}" type="slidenum">
+              <a:rPr lang="en-US" smtClean="0"/>
+              <a:t>15</a:t>
+            </a:fld>
+            <a:endParaRPr lang="en-US"/>
+          </a:p>
+        </p:txBody>
+      </p:sp>
+      <p:sp>
+        <p:nvSpPr>
+          <p:cNvPr id="7" name="Text Placeholder 6">
+            <a:extLst>
+              <a:ext uri="{FF2B5EF4-FFF2-40B4-BE49-F238E27FC236}">
+                <a16:creationId xmlns:a16="http://schemas.microsoft.com/office/drawing/2014/main" id="{0F0599A4-6104-4775-9BA6-BB7934F95EA5}"/>
+              </a:ext>
+            </a:extLst>
+          </p:cNvPr>
+          <p:cNvSpPr>
+            <a:spLocks noGrp="1"/>
+          </p:cNvSpPr>
+          <p:nvPr>
+            <p:ph type="body" sz="quarter" idx="13"/>
+          </p:nvPr>
+        </p:nvSpPr>
+        <p:spPr/>
+        <p:txBody>
+          <a:bodyPr/>
+          <a:lstStyle/>
+          <a:p>
+            <a:r>
+              <a:rPr lang="en-US" dirty="0"/>
+              <a:t>Proposed method</a:t>
+            </a:r>
+          </a:p>
+        </p:txBody>
+      </p:sp>
+      <p:sp>
+        <p:nvSpPr>
+          <p:cNvPr id="8" name="Text Placeholder 7">
+            <a:extLst>
+              <a:ext uri="{FF2B5EF4-FFF2-40B4-BE49-F238E27FC236}">
+                <a16:creationId xmlns:a16="http://schemas.microsoft.com/office/drawing/2014/main" id="{5208E154-589E-405B-AB70-914916C0A2B8}"/>
+              </a:ext>
+            </a:extLst>
+          </p:cNvPr>
+          <p:cNvSpPr>
+            <a:spLocks noGrp="1"/>
+          </p:cNvSpPr>
+          <p:nvPr>
+            <p:ph type="body" sz="quarter" idx="14"/>
+          </p:nvPr>
+        </p:nvSpPr>
+        <p:spPr/>
+        <p:txBody>
+          <a:bodyPr/>
+          <a:lstStyle/>
+          <a:p>
+            <a:r>
+              <a:rPr lang="en-US" dirty="0"/>
+              <a:t>License plate detection</a:t>
+            </a:r>
+          </a:p>
+        </p:txBody>
+      </p:sp>
+      <p:sp>
+        <p:nvSpPr>
+          <p:cNvPr id="9" name="Text Placeholder 8">
+            <a:extLst>
+              <a:ext uri="{FF2B5EF4-FFF2-40B4-BE49-F238E27FC236}">
+                <a16:creationId xmlns:a16="http://schemas.microsoft.com/office/drawing/2014/main" id="{2AC2D970-18A6-45A7-9ADB-44A0D3C965A5}"/>
+              </a:ext>
+            </a:extLst>
+          </p:cNvPr>
+          <p:cNvSpPr>
+            <a:spLocks noGrp="1"/>
+          </p:cNvSpPr>
+          <p:nvPr>
+            <p:ph type="body" sz="quarter" idx="15"/>
+          </p:nvPr>
+        </p:nvSpPr>
+        <p:spPr>
+          <a:xfrm>
+            <a:off x="3745825" y="5636775"/>
+            <a:ext cx="4697297" cy="300082"/>
+          </a:xfrm>
+        </p:spPr>
+        <p:txBody>
+          <a:bodyPr/>
+          <a:lstStyle/>
+          <a:p>
+            <a:r>
+              <a:rPr lang="en-US" dirty="0"/>
+              <a:t>Original </a:t>
+            </a:r>
+            <a:r>
+              <a:rPr lang="en-US" dirty="0" err="1"/>
+              <a:t>DDRNet</a:t>
+            </a:r>
+            <a:r>
+              <a:rPr lang="en-US" dirty="0"/>
+              <a:t> architecture</a:t>
+            </a:r>
+          </a:p>
+        </p:txBody>
+      </p:sp>
+      <p:pic>
+        <p:nvPicPr>
+          <p:cNvPr id="10" name="Picture 9">
+            <a:extLst>
+              <a:ext uri="{FF2B5EF4-FFF2-40B4-BE49-F238E27FC236}">
+                <a16:creationId xmlns:a16="http://schemas.microsoft.com/office/drawing/2014/main" id="{EC39AE08-D8E7-4A2A-B720-3A3AA0DBA148}"/>
+              </a:ext>
+            </a:extLst>
+          </p:cNvPr>
+          <p:cNvPicPr>
+            <a:picLocks noChangeAspect="1"/>
+          </p:cNvPicPr>
+          <p:nvPr/>
+        </p:nvPicPr>
+        <p:blipFill>
+          <a:blip r:embed="rId2"/>
+          <a:stretch>
+            <a:fillRect/>
+          </a:stretch>
+        </p:blipFill>
+        <p:spPr>
+          <a:xfrm>
+            <a:off x="1255099" y="1845296"/>
+            <a:ext cx="9678751" cy="3791479"/>
+          </a:xfrm>
+          <a:prstGeom prst="rect">
+            <a:avLst/>
+          </a:prstGeom>
+        </p:spPr>
+      </p:pic>
+    </p:spTree>
+    <p:extLst>
+      <p:ext uri="{BB962C8B-B14F-4D97-AF65-F5344CB8AC3E}">
+        <p14:creationId xmlns:p14="http://schemas.microsoft.com/office/powerpoint/2010/main" val="164983148"/>
+      </p:ext>
+    </p:extLst>
+  </p:cSld>
+  <p:clrMapOvr>
+    <a:masterClrMapping/>
+  </p:clrMapOvr>
+  <mc:AlternateContent xmlns:mc="http://schemas.openxmlformats.org/markup-compatibility/2006" xmlns:p14="http://schemas.microsoft.com/office/powerpoint/2010/main">
+    <mc:Choice Requires="p14">
+      <p:transition spd="med" p14:dur="700">
+        <p:fade/>
+      </p:transition>
+    </mc:Choice>
+    <mc:Fallback xmlns="">
+      <p:transition spd="med">
+        <p:fade/>
+      </p:transition>
+    </mc:Fallback>
+  </mc:AlternateContent>
+</p:sld>
+</file>
+
+<file path=ppt/slides/slide16.xml><?xml version="1.0" encoding="utf-8"?>
+<p:sld xmlns:a="http://schemas.openxmlformats.org/drawingml/2006/main" xmlns:r="http://schemas.openxmlformats.org/officeDocument/2006/relationships" xmlns:p="http://schemas.openxmlformats.org/presentationml/2006/main">
+  <p:cSld>
+    <p:spTree>
+      <p:nvGrpSpPr>
+        <p:cNvPr id="1" name=""/>
+        <p:cNvGrpSpPr/>
+        <p:nvPr/>
+      </p:nvGrpSpPr>
+      <p:grpSpPr>
+        <a:xfrm>
+          <a:off x="0" y="0"/>
+          <a:ext cx="0" cy="0"/>
+          <a:chOff x="0" y="0"/>
+          <a:chExt cx="0" cy="0"/>
+        </a:xfrm>
+      </p:grpSpPr>
+      <p:sp>
+        <p:nvSpPr>
+          <p:cNvPr id="2" name="Title 1">
+            <a:extLst>
+              <a:ext uri="{FF2B5EF4-FFF2-40B4-BE49-F238E27FC236}">
+                <a16:creationId xmlns:a16="http://schemas.microsoft.com/office/drawing/2014/main" id="{0F4A899A-810E-404E-A2B0-8680C96B54B4}"/>
+              </a:ext>
+            </a:extLst>
+          </p:cNvPr>
+          <p:cNvSpPr>
+            <a:spLocks noGrp="1"/>
+          </p:cNvSpPr>
+          <p:nvPr>
+            <p:ph type="title"/>
+          </p:nvPr>
+        </p:nvSpPr>
+        <p:spPr/>
+        <p:txBody>
+          <a:bodyPr/>
+          <a:lstStyle/>
+          <a:p>
+            <a:r>
+              <a:rPr lang="en-US" dirty="0"/>
+              <a:t>Architecture</a:t>
+            </a:r>
+          </a:p>
+        </p:txBody>
+      </p:sp>
+      <p:sp>
+        <p:nvSpPr>
+          <p:cNvPr id="3" name="Content Placeholder 2">
+            <a:extLst>
+              <a:ext uri="{FF2B5EF4-FFF2-40B4-BE49-F238E27FC236}">
+                <a16:creationId xmlns:a16="http://schemas.microsoft.com/office/drawing/2014/main" id="{77B0E4F1-3E60-4B89-AB4D-D04D82414C0C}"/>
+              </a:ext>
+            </a:extLst>
+          </p:cNvPr>
+          <p:cNvSpPr>
+            <a:spLocks noGrp="1"/>
+          </p:cNvSpPr>
+          <p:nvPr>
+            <p:ph sz="half" idx="2"/>
+          </p:nvPr>
+        </p:nvSpPr>
+        <p:spPr>
+          <a:xfrm>
+            <a:off x="381000" y="850899"/>
+            <a:ext cx="11430000" cy="507831"/>
+          </a:xfrm>
+        </p:spPr>
+        <p:txBody>
+          <a:bodyPr/>
+          <a:lstStyle/>
+          <a:p>
+            <a:pPr marL="342900" indent="-342900">
+              <a:buFont typeface="Wingdings" panose="05000000000000000000" pitchFamily="2" charset="2"/>
+              <a:buChar char="§"/>
+            </a:pPr>
+            <a:r>
+              <a:rPr lang="en-US" sz="2000" b="1" dirty="0">
+                <a:latin typeface="Times New Roman" panose="02020603050405020304" pitchFamily="18" charset="0"/>
+                <a:ea typeface="Calibri" panose="020F0502020204030204" pitchFamily="34" charset="0"/>
+                <a:cs typeface="Times New Roman" panose="02020603050405020304" pitchFamily="18" charset="0"/>
+              </a:rPr>
+              <a:t>Up-scale feature resolution and add skip connections</a:t>
+            </a:r>
+            <a:endParaRPr lang="en-US" sz="2000" b="1" dirty="0">
+              <a:latin typeface="Times New Roman" panose="02020603050405020304" pitchFamily="18" charset="0"/>
+              <a:cs typeface="Times New Roman" panose="02020603050405020304" pitchFamily="18" charset="0"/>
+            </a:endParaRPr>
+          </a:p>
+        </p:txBody>
+      </p:sp>
+      <p:sp>
+        <p:nvSpPr>
+          <p:cNvPr id="4" name="Date Placeholder 3">
+            <a:extLst>
+              <a:ext uri="{FF2B5EF4-FFF2-40B4-BE49-F238E27FC236}">
+                <a16:creationId xmlns:a16="http://schemas.microsoft.com/office/drawing/2014/main" id="{8C26C7E0-64FA-4139-8F6F-860D73AAC7C1}"/>
+              </a:ext>
+            </a:extLst>
+          </p:cNvPr>
+          <p:cNvSpPr>
+            <a:spLocks noGrp="1"/>
+          </p:cNvSpPr>
+          <p:nvPr>
+            <p:ph type="dt" sz="half" idx="10"/>
+          </p:nvPr>
+        </p:nvSpPr>
+        <p:spPr/>
+        <p:txBody>
+          <a:bodyPr/>
+          <a:lstStyle/>
+          <a:p>
+            <a:fld id="{499624E5-6640-4B65-82B0-BACE50C7D1B2}" type="datetime1">
+              <a:rPr lang="en-US" smtClean="0"/>
+              <a:t>10/6/2021</a:t>
+            </a:fld>
+            <a:endParaRPr lang="en-US" dirty="0"/>
+          </a:p>
+        </p:txBody>
+      </p:sp>
+      <p:sp>
+        <p:nvSpPr>
+          <p:cNvPr id="5" name="Footer Placeholder 4">
+            <a:extLst>
+              <a:ext uri="{FF2B5EF4-FFF2-40B4-BE49-F238E27FC236}">
+                <a16:creationId xmlns:a16="http://schemas.microsoft.com/office/drawing/2014/main" id="{C45C4F86-8D1C-4791-B811-9B8F877971C7}"/>
+              </a:ext>
+            </a:extLst>
+          </p:cNvPr>
+          <p:cNvSpPr>
+            <a:spLocks noGrp="1"/>
+          </p:cNvSpPr>
+          <p:nvPr>
+            <p:ph type="ftr" sz="quarter" idx="11"/>
+          </p:nvPr>
+        </p:nvSpPr>
+        <p:spPr/>
+        <p:txBody>
+          <a:bodyPr/>
+          <a:lstStyle/>
+          <a:p>
+            <a:r>
+              <a:rPr lang="fr-FR"/>
+              <a:t>Le Quy Don Technical University</a:t>
+            </a:r>
+            <a:endParaRPr lang="en-US" dirty="0"/>
+          </a:p>
+        </p:txBody>
+      </p:sp>
+      <p:sp>
+        <p:nvSpPr>
+          <p:cNvPr id="6" name="Slide Number Placeholder 5">
+            <a:extLst>
+              <a:ext uri="{FF2B5EF4-FFF2-40B4-BE49-F238E27FC236}">
+                <a16:creationId xmlns:a16="http://schemas.microsoft.com/office/drawing/2014/main" id="{F4326A09-6CA9-4714-8981-B4FE8019B8D6}"/>
+              </a:ext>
+            </a:extLst>
+          </p:cNvPr>
+          <p:cNvSpPr>
+            <a:spLocks noGrp="1"/>
+          </p:cNvSpPr>
+          <p:nvPr>
+            <p:ph type="sldNum" sz="quarter" idx="12"/>
+          </p:nvPr>
+        </p:nvSpPr>
+        <p:spPr/>
+        <p:txBody>
+          <a:bodyPr/>
+          <a:lstStyle/>
+          <a:p>
+            <a:fld id="{B881B6B3-2069-452F-BF40-F653D75B3DB0}" type="slidenum">
+              <a:rPr lang="en-US" smtClean="0"/>
+              <a:t>16</a:t>
+            </a:fld>
+            <a:endParaRPr lang="en-US"/>
+          </a:p>
+        </p:txBody>
+      </p:sp>
+      <p:sp>
+        <p:nvSpPr>
+          <p:cNvPr id="7" name="Text Placeholder 6">
+            <a:extLst>
+              <a:ext uri="{FF2B5EF4-FFF2-40B4-BE49-F238E27FC236}">
+                <a16:creationId xmlns:a16="http://schemas.microsoft.com/office/drawing/2014/main" id="{0F0599A4-6104-4775-9BA6-BB7934F95EA5}"/>
+              </a:ext>
+            </a:extLst>
+          </p:cNvPr>
+          <p:cNvSpPr>
+            <a:spLocks noGrp="1"/>
+          </p:cNvSpPr>
+          <p:nvPr>
+            <p:ph type="body" sz="quarter" idx="13"/>
+          </p:nvPr>
+        </p:nvSpPr>
+        <p:spPr/>
+        <p:txBody>
+          <a:bodyPr/>
+          <a:lstStyle/>
+          <a:p>
+            <a:r>
+              <a:rPr lang="en-US" dirty="0"/>
+              <a:t>Proposed method</a:t>
+            </a:r>
+          </a:p>
+        </p:txBody>
+      </p:sp>
+      <p:sp>
+        <p:nvSpPr>
+          <p:cNvPr id="8" name="Text Placeholder 7">
+            <a:extLst>
+              <a:ext uri="{FF2B5EF4-FFF2-40B4-BE49-F238E27FC236}">
+                <a16:creationId xmlns:a16="http://schemas.microsoft.com/office/drawing/2014/main" id="{5208E154-589E-405B-AB70-914916C0A2B8}"/>
+              </a:ext>
+            </a:extLst>
+          </p:cNvPr>
+          <p:cNvSpPr>
+            <a:spLocks noGrp="1"/>
+          </p:cNvSpPr>
+          <p:nvPr>
+            <p:ph type="body" sz="quarter" idx="14"/>
+          </p:nvPr>
+        </p:nvSpPr>
+        <p:spPr/>
+        <p:txBody>
+          <a:bodyPr/>
+          <a:lstStyle/>
+          <a:p>
+            <a:r>
+              <a:rPr lang="en-US" dirty="0"/>
+              <a:t>License plate detection</a:t>
+            </a:r>
+          </a:p>
+        </p:txBody>
+      </p:sp>
+      <p:sp>
+        <p:nvSpPr>
+          <p:cNvPr id="9" name="Text Placeholder 8">
+            <a:extLst>
+              <a:ext uri="{FF2B5EF4-FFF2-40B4-BE49-F238E27FC236}">
+                <a16:creationId xmlns:a16="http://schemas.microsoft.com/office/drawing/2014/main" id="{2AC2D970-18A6-45A7-9ADB-44A0D3C965A5}"/>
+              </a:ext>
+            </a:extLst>
+          </p:cNvPr>
+          <p:cNvSpPr>
+            <a:spLocks noGrp="1"/>
+          </p:cNvSpPr>
+          <p:nvPr>
+            <p:ph type="body" sz="quarter" idx="15"/>
+          </p:nvPr>
+        </p:nvSpPr>
+        <p:spPr>
+          <a:xfrm>
+            <a:off x="2793490" y="5528731"/>
+            <a:ext cx="6601968" cy="507831"/>
+          </a:xfrm>
+        </p:spPr>
+        <p:txBody>
+          <a:bodyPr/>
+          <a:lstStyle/>
+          <a:p>
+            <a:r>
+              <a:rPr lang="en-US" dirty="0" err="1"/>
+              <a:t>DDRNetsh</a:t>
+            </a:r>
+            <a:r>
+              <a:rPr lang="en-US" dirty="0"/>
+              <a:t> network, “RB” - sequential residual basic blocks. “RBB” - single residual bottleneck block. “DAPPM” - Deep Aggregation Pyramid Pooling Module</a:t>
+            </a:r>
+          </a:p>
+        </p:txBody>
+      </p:sp>
+      <p:pic>
+        <p:nvPicPr>
+          <p:cNvPr id="11" name="Picture 10">
+            <a:extLst>
+              <a:ext uri="{FF2B5EF4-FFF2-40B4-BE49-F238E27FC236}">
+                <a16:creationId xmlns:a16="http://schemas.microsoft.com/office/drawing/2014/main" id="{6A025E55-49FB-4451-913D-516171AA56DA}"/>
+              </a:ext>
+            </a:extLst>
+          </p:cNvPr>
+          <p:cNvPicPr>
+            <a:picLocks noChangeAspect="1"/>
+          </p:cNvPicPr>
+          <p:nvPr/>
+        </p:nvPicPr>
+        <p:blipFill>
+          <a:blip r:embed="rId2"/>
+          <a:stretch>
+            <a:fillRect/>
+          </a:stretch>
+        </p:blipFill>
+        <p:spPr>
+          <a:xfrm>
+            <a:off x="2636161" y="1695951"/>
+            <a:ext cx="6916626" cy="3832780"/>
+          </a:xfrm>
+          <a:prstGeom prst="rect">
+            <a:avLst/>
+          </a:prstGeom>
+        </p:spPr>
+      </p:pic>
+    </p:spTree>
+    <p:extLst>
+      <p:ext uri="{BB962C8B-B14F-4D97-AF65-F5344CB8AC3E}">
+        <p14:creationId xmlns:p14="http://schemas.microsoft.com/office/powerpoint/2010/main" val="2680239813"/>
+      </p:ext>
+    </p:extLst>
+  </p:cSld>
+  <p:clrMapOvr>
+    <a:masterClrMapping/>
+  </p:clrMapOvr>
+  <mc:AlternateContent xmlns:mc="http://schemas.openxmlformats.org/markup-compatibility/2006">
+    <mc:Choice xmlns:p14="http://schemas.microsoft.com/office/powerpoint/2010/main" Requires="p14">
+      <p:transition spd="med" p14:dur="700">
+        <p:fade/>
+      </p:transition>
+    </mc:Choice>
+    <mc:Fallback>
+      <p:transition spd="med">
+        <p:fade/>
+      </p:transition>
+    </mc:Fallback>
+  </mc:AlternateContent>
+</p:sld>
+</file>
+
+<file path=ppt/slides/slide17.xml><?xml version="1.0" encoding="utf-8"?>
+<p:sld xmlns:a="http://schemas.openxmlformats.org/drawingml/2006/main" xmlns:r="http://schemas.openxmlformats.org/officeDocument/2006/relationships" xmlns:p="http://schemas.openxmlformats.org/presentationml/2006/main">
+  <p:cSld>
+    <p:spTree>
+      <p:nvGrpSpPr>
+        <p:cNvPr id="1" name=""/>
+        <p:cNvGrpSpPr/>
+        <p:nvPr/>
+      </p:nvGrpSpPr>
+      <p:grpSpPr>
+        <a:xfrm>
+          <a:off x="0" y="0"/>
+          <a:ext cx="0" cy="0"/>
+          <a:chOff x="0" y="0"/>
+          <a:chExt cx="0" cy="0"/>
+        </a:xfrm>
+      </p:grpSpPr>
+      <p:sp>
+        <p:nvSpPr>
+          <p:cNvPr id="2" name="Title 1">
+            <a:extLst>
+              <a:ext uri="{FF2B5EF4-FFF2-40B4-BE49-F238E27FC236}">
+                <a16:creationId xmlns:a16="http://schemas.microsoft.com/office/drawing/2014/main" id="{92C61578-85E3-481C-93DF-503BF2015F5D}"/>
+              </a:ext>
+            </a:extLst>
+          </p:cNvPr>
+          <p:cNvSpPr>
+            <a:spLocks noGrp="1"/>
+          </p:cNvSpPr>
+          <p:nvPr>
+            <p:ph type="title"/>
+          </p:nvPr>
+        </p:nvSpPr>
+        <p:spPr/>
+        <p:txBody>
+          <a:bodyPr/>
+          <a:lstStyle/>
+          <a:p>
+            <a:r>
+              <a:rPr lang="en-US" dirty="0"/>
+              <a:t>The characteristics of Vietnamese license plates</a:t>
+            </a:r>
+          </a:p>
+        </p:txBody>
+      </p:sp>
+      <mc:AlternateContent xmlns:mc="http://schemas.openxmlformats.org/markup-compatibility/2006">
+        <mc:Choice xmlns:a14="http://schemas.microsoft.com/office/drawing/2010/main" Requires="a14">
+          <p:sp>
+            <p:nvSpPr>
+              <p:cNvPr id="3" name="Content Placeholder 2">
+                <a:extLst>
+                  <a:ext uri="{FF2B5EF4-FFF2-40B4-BE49-F238E27FC236}">
+                    <a16:creationId xmlns:a16="http://schemas.microsoft.com/office/drawing/2014/main" id="{D578C93B-6EF0-41FA-BD04-947E610F2B5E}"/>
+                  </a:ext>
+                </a:extLst>
+              </p:cNvPr>
+              <p:cNvSpPr>
+                <a:spLocks noGrp="1"/>
+              </p:cNvSpPr>
+              <p:nvPr>
+                <p:ph sz="half" idx="2"/>
+              </p:nvPr>
+            </p:nvSpPr>
+            <p:spPr>
+              <a:xfrm>
+                <a:off x="381000" y="850899"/>
+                <a:ext cx="11430000" cy="365126"/>
+              </a:xfrm>
+            </p:spPr>
+            <p:txBody>
+              <a:bodyPr/>
+              <a:lstStyle/>
+              <a:p>
+                <a:pPr marL="342900" indent="-342900">
+                  <a:buFont typeface="Wingdings" panose="05000000000000000000" pitchFamily="2" charset="2"/>
+                  <a:buChar char="§"/>
+                </a:pPr>
+                <a:r>
+                  <a:rPr lang="en-US" dirty="0"/>
+                  <a:t>33 characters {</a:t>
+                </a:r>
+                <a14:m>
+                  <m:oMath xmlns:m="http://schemas.openxmlformats.org/officeDocument/2006/math">
+                    <m:r>
+                      <a:rPr lang="en-US" i="1">
+                        <a:latin typeface="Cambria Math" panose="02040503050406030204" pitchFamily="18" charset="0"/>
+                      </a:rPr>
+                      <m:t>𝐴𝐵𝐶𝐷𝐸𝐹𝐺𝐻𝐾𝐿𝑀𝑁𝑃𝑄𝑆𝑇𝑈𝑉𝑋𝑌𝑍</m:t>
+                    </m:r>
+                    <m:r>
+                      <a:rPr lang="en-US" i="1">
+                        <a:latin typeface="Cambria Math" panose="02040503050406030204" pitchFamily="18" charset="0"/>
+                      </a:rPr>
+                      <m:t>0123456789-.}</m:t>
+                    </m:r>
+                  </m:oMath>
+                </a14:m>
+                <a:endParaRPr lang="en-US" b="0" dirty="0"/>
+              </a:p>
+            </p:txBody>
+          </p:sp>
+        </mc:Choice>
+        <mc:Fallback>
+          <p:sp>
+            <p:nvSpPr>
+              <p:cNvPr id="3" name="Content Placeholder 2">
+                <a:extLst>
+                  <a:ext uri="{FF2B5EF4-FFF2-40B4-BE49-F238E27FC236}">
+                    <a16:creationId xmlns:a16="http://schemas.microsoft.com/office/drawing/2014/main" id="{D578C93B-6EF0-41FA-BD04-947E610F2B5E}"/>
+                  </a:ext>
+                </a:extLst>
+              </p:cNvPr>
+              <p:cNvSpPr>
+                <a:spLocks noGrp="1" noRot="1" noChangeAspect="1" noMove="1" noResize="1" noEditPoints="1" noAdjustHandles="1" noChangeArrowheads="1" noChangeShapeType="1" noTextEdit="1"/>
+              </p:cNvSpPr>
+              <p:nvPr>
+                <p:ph sz="half" idx="2"/>
+              </p:nvPr>
+            </p:nvSpPr>
+            <p:spPr>
+              <a:xfrm>
+                <a:off x="381000" y="850899"/>
+                <a:ext cx="11430000" cy="365126"/>
+              </a:xfrm>
+              <a:blipFill>
+                <a:blip r:embed="rId2"/>
+                <a:stretch>
+                  <a:fillRect l="-427" t="-15254" b="-28814"/>
+                </a:stretch>
+              </a:blipFill>
+            </p:spPr>
+            <p:txBody>
+              <a:bodyPr/>
+              <a:lstStyle/>
+              <a:p>
+                <a:r>
+                  <a:rPr lang="en-US">
+                    <a:noFill/>
+                  </a:rPr>
+                  <a:t> </a:t>
+                </a:r>
+              </a:p>
+            </p:txBody>
+          </p:sp>
+        </mc:Fallback>
+      </mc:AlternateContent>
+      <p:sp>
+        <p:nvSpPr>
+          <p:cNvPr id="4" name="Date Placeholder 3">
+            <a:extLst>
+              <a:ext uri="{FF2B5EF4-FFF2-40B4-BE49-F238E27FC236}">
+                <a16:creationId xmlns:a16="http://schemas.microsoft.com/office/drawing/2014/main" id="{6887AAD9-DC2D-4ACE-8498-2D340EF361A1}"/>
+              </a:ext>
+            </a:extLst>
+          </p:cNvPr>
+          <p:cNvSpPr>
+            <a:spLocks noGrp="1"/>
+          </p:cNvSpPr>
+          <p:nvPr>
+            <p:ph type="dt" sz="half" idx="10"/>
+          </p:nvPr>
+        </p:nvSpPr>
+        <p:spPr/>
+        <p:txBody>
+          <a:bodyPr/>
+          <a:lstStyle/>
+          <a:p>
+            <a:fld id="{499624E5-6640-4B65-82B0-BACE50C7D1B2}" type="datetime1">
+              <a:rPr lang="en-US" smtClean="0"/>
+              <a:t>10/6/2021</a:t>
+            </a:fld>
+            <a:endParaRPr lang="en-US" dirty="0"/>
+          </a:p>
+        </p:txBody>
+      </p:sp>
+      <p:sp>
+        <p:nvSpPr>
+          <p:cNvPr id="5" name="Footer Placeholder 4">
+            <a:extLst>
+              <a:ext uri="{FF2B5EF4-FFF2-40B4-BE49-F238E27FC236}">
+                <a16:creationId xmlns:a16="http://schemas.microsoft.com/office/drawing/2014/main" id="{EE7B23F5-2A0C-4145-9C6F-281E1E504F4B}"/>
+              </a:ext>
+            </a:extLst>
+          </p:cNvPr>
+          <p:cNvSpPr>
+            <a:spLocks noGrp="1"/>
+          </p:cNvSpPr>
+          <p:nvPr>
+            <p:ph type="ftr" sz="quarter" idx="11"/>
+          </p:nvPr>
+        </p:nvSpPr>
+        <p:spPr/>
+        <p:txBody>
+          <a:bodyPr/>
+          <a:lstStyle/>
+          <a:p>
+            <a:r>
+              <a:rPr lang="fr-FR"/>
+              <a:t>Le Quy Don Technical University</a:t>
+            </a:r>
+            <a:endParaRPr lang="en-US" dirty="0"/>
+          </a:p>
+        </p:txBody>
+      </p:sp>
+      <p:sp>
+        <p:nvSpPr>
+          <p:cNvPr id="6" name="Slide Number Placeholder 5">
+            <a:extLst>
+              <a:ext uri="{FF2B5EF4-FFF2-40B4-BE49-F238E27FC236}">
+                <a16:creationId xmlns:a16="http://schemas.microsoft.com/office/drawing/2014/main" id="{88096040-752D-44A3-A36D-33FB541C6D14}"/>
+              </a:ext>
+            </a:extLst>
+          </p:cNvPr>
+          <p:cNvSpPr>
+            <a:spLocks noGrp="1"/>
+          </p:cNvSpPr>
+          <p:nvPr>
+            <p:ph type="sldNum" sz="quarter" idx="12"/>
+          </p:nvPr>
+        </p:nvSpPr>
+        <p:spPr/>
+        <p:txBody>
+          <a:bodyPr/>
+          <a:lstStyle/>
+          <a:p>
+            <a:fld id="{B881B6B3-2069-452F-BF40-F653D75B3DB0}" type="slidenum">
+              <a:rPr lang="en-US" smtClean="0"/>
+              <a:t>17</a:t>
+            </a:fld>
+            <a:endParaRPr lang="en-US"/>
+          </a:p>
+        </p:txBody>
+      </p:sp>
+      <p:sp>
+        <p:nvSpPr>
+          <p:cNvPr id="7" name="Text Placeholder 6">
+            <a:extLst>
+              <a:ext uri="{FF2B5EF4-FFF2-40B4-BE49-F238E27FC236}">
+                <a16:creationId xmlns:a16="http://schemas.microsoft.com/office/drawing/2014/main" id="{A7639FB5-3DCA-4B99-96EE-B06ACC03634F}"/>
+              </a:ext>
+            </a:extLst>
+          </p:cNvPr>
+          <p:cNvSpPr>
+            <a:spLocks noGrp="1"/>
+          </p:cNvSpPr>
+          <p:nvPr>
+            <p:ph type="body" sz="quarter" idx="13"/>
+          </p:nvPr>
+        </p:nvSpPr>
+        <p:spPr/>
+        <p:txBody>
+          <a:bodyPr/>
+          <a:lstStyle/>
+          <a:p>
+            <a:r>
+              <a:rPr lang="en-US" dirty="0"/>
+              <a:t>Proposed method</a:t>
+            </a:r>
+          </a:p>
+        </p:txBody>
+      </p:sp>
+      <p:sp>
+        <p:nvSpPr>
+          <p:cNvPr id="8" name="Text Placeholder 7">
+            <a:extLst>
+              <a:ext uri="{FF2B5EF4-FFF2-40B4-BE49-F238E27FC236}">
+                <a16:creationId xmlns:a16="http://schemas.microsoft.com/office/drawing/2014/main" id="{BC74DB54-988E-4EF3-B34D-2E5D066EE3C4}"/>
+              </a:ext>
+            </a:extLst>
+          </p:cNvPr>
+          <p:cNvSpPr>
+            <a:spLocks noGrp="1"/>
+          </p:cNvSpPr>
+          <p:nvPr>
+            <p:ph type="body" sz="quarter" idx="14"/>
+          </p:nvPr>
+        </p:nvSpPr>
+        <p:spPr/>
+        <p:txBody>
+          <a:bodyPr/>
+          <a:lstStyle/>
+          <a:p>
+            <a:r>
+              <a:rPr lang="en-US" dirty="0"/>
+              <a:t>License plate OCR</a:t>
+            </a:r>
+          </a:p>
+        </p:txBody>
+      </p:sp>
+      <p:pic>
+        <p:nvPicPr>
+          <p:cNvPr id="12" name="Picture 11">
+            <a:extLst>
+              <a:ext uri="{FF2B5EF4-FFF2-40B4-BE49-F238E27FC236}">
+                <a16:creationId xmlns:a16="http://schemas.microsoft.com/office/drawing/2014/main" id="{B4CBBB96-A00C-420E-B754-C8E4DA9B157B}"/>
+              </a:ext>
+            </a:extLst>
+          </p:cNvPr>
+          <p:cNvPicPr>
+            <a:picLocks noChangeAspect="1"/>
+          </p:cNvPicPr>
+          <p:nvPr/>
+        </p:nvPicPr>
+        <p:blipFill>
+          <a:blip r:embed="rId3"/>
+          <a:stretch>
+            <a:fillRect/>
+          </a:stretch>
+        </p:blipFill>
+        <p:spPr>
+          <a:xfrm>
+            <a:off x="535359" y="2400157"/>
+            <a:ext cx="5029902" cy="2057687"/>
+          </a:xfrm>
+          <a:prstGeom prst="rect">
+            <a:avLst/>
+          </a:prstGeom>
+        </p:spPr>
+      </p:pic>
+      <p:pic>
+        <p:nvPicPr>
+          <p:cNvPr id="14" name="Picture 13">
+            <a:extLst>
+              <a:ext uri="{FF2B5EF4-FFF2-40B4-BE49-F238E27FC236}">
+                <a16:creationId xmlns:a16="http://schemas.microsoft.com/office/drawing/2014/main" id="{BB6CF09D-69EE-4412-A77C-46D4A0490C82}"/>
+              </a:ext>
+            </a:extLst>
+          </p:cNvPr>
+          <p:cNvPicPr>
+            <a:picLocks noChangeAspect="1"/>
+          </p:cNvPicPr>
+          <p:nvPr/>
+        </p:nvPicPr>
+        <p:blipFill>
+          <a:blip r:embed="rId4"/>
+          <a:stretch>
+            <a:fillRect/>
+          </a:stretch>
+        </p:blipFill>
+        <p:spPr>
+          <a:xfrm>
+            <a:off x="6521806" y="3024131"/>
+            <a:ext cx="5249008" cy="809738"/>
+          </a:xfrm>
+          <a:prstGeom prst="rect">
+            <a:avLst/>
+          </a:prstGeom>
+        </p:spPr>
+      </p:pic>
+    </p:spTree>
+    <p:extLst>
+      <p:ext uri="{BB962C8B-B14F-4D97-AF65-F5344CB8AC3E}">
+        <p14:creationId xmlns:p14="http://schemas.microsoft.com/office/powerpoint/2010/main" val="2476252239"/>
+      </p:ext>
+    </p:extLst>
+  </p:cSld>
+  <p:clrMapOvr>
+    <a:masterClrMapping/>
+  </p:clrMapOvr>
+  <mc:AlternateContent xmlns:mc="http://schemas.openxmlformats.org/markup-compatibility/2006" xmlns:p14="http://schemas.microsoft.com/office/powerpoint/2010/main">
+    <mc:Choice Requires="p14">
+      <p:transition spd="med" p14:dur="700">
+        <p:fade/>
+      </p:transition>
+    </mc:Choice>
+    <mc:Fallback xmlns="">
+      <p:transition spd="med">
+        <p:fade/>
+      </p:transition>
+    </mc:Fallback>
+  </mc:AlternateContent>
+</p:sld>
+</file>
+
+<file path=ppt/slides/slide18.xml><?xml version="1.0" encoding="utf-8"?>
+<p:sld xmlns:a="http://schemas.openxmlformats.org/drawingml/2006/main" xmlns:r="http://schemas.openxmlformats.org/officeDocument/2006/relationships" xmlns:p="http://schemas.openxmlformats.org/presentationml/2006/main">
+  <p:cSld>
+    <p:spTree>
+      <p:nvGrpSpPr>
+        <p:cNvPr id="1" name=""/>
+        <p:cNvGrpSpPr/>
+        <p:nvPr/>
+      </p:nvGrpSpPr>
+      <p:grpSpPr>
+        <a:xfrm>
+          <a:off x="0" y="0"/>
+          <a:ext cx="0" cy="0"/>
+          <a:chOff x="0" y="0"/>
+          <a:chExt cx="0" cy="0"/>
+        </a:xfrm>
+      </p:grpSpPr>
+      <p:sp>
+        <p:nvSpPr>
+          <p:cNvPr id="2" name="Title 1">
+            <a:extLst>
+              <a:ext uri="{FF2B5EF4-FFF2-40B4-BE49-F238E27FC236}">
+                <a16:creationId xmlns:a16="http://schemas.microsoft.com/office/drawing/2014/main" id="{FF3861D7-E9D2-4179-9729-DE1F93F8CDF8}"/>
+              </a:ext>
+            </a:extLst>
+          </p:cNvPr>
+          <p:cNvSpPr>
+            <a:spLocks noGrp="1"/>
+          </p:cNvSpPr>
+          <p:nvPr>
+            <p:ph type="title"/>
+          </p:nvPr>
+        </p:nvSpPr>
+        <p:spPr/>
+        <p:txBody>
+          <a:bodyPr/>
+          <a:lstStyle/>
+          <a:p>
+            <a:r>
+              <a:rPr lang="en-US" dirty="0" err="1"/>
+              <a:t>Keypoints</a:t>
+            </a:r>
+            <a:r>
+              <a:rPr lang="en-US" dirty="0"/>
+              <a:t> design for license plate</a:t>
+            </a:r>
+          </a:p>
+        </p:txBody>
+      </p:sp>
+      <p:sp>
+        <p:nvSpPr>
+          <p:cNvPr id="3" name="Content Placeholder 2">
+            <a:extLst>
+              <a:ext uri="{FF2B5EF4-FFF2-40B4-BE49-F238E27FC236}">
+                <a16:creationId xmlns:a16="http://schemas.microsoft.com/office/drawing/2014/main" id="{53FDC751-40E8-4995-8855-D4EDC6678457}"/>
+              </a:ext>
+            </a:extLst>
+          </p:cNvPr>
+          <p:cNvSpPr>
+            <a:spLocks noGrp="1"/>
+          </p:cNvSpPr>
+          <p:nvPr>
+            <p:ph sz="half" idx="2"/>
+          </p:nvPr>
+        </p:nvSpPr>
+        <p:spPr/>
+        <p:txBody>
+          <a:bodyPr/>
+          <a:lstStyle/>
+          <a:p>
+            <a:endParaRPr lang="en-US" dirty="0"/>
+          </a:p>
+        </p:txBody>
+      </p:sp>
+      <p:sp>
+        <p:nvSpPr>
+          <p:cNvPr id="4" name="Date Placeholder 3">
+            <a:extLst>
+              <a:ext uri="{FF2B5EF4-FFF2-40B4-BE49-F238E27FC236}">
+                <a16:creationId xmlns:a16="http://schemas.microsoft.com/office/drawing/2014/main" id="{59BD8D3B-427F-4B24-8737-4CA720C8E5E4}"/>
+              </a:ext>
+            </a:extLst>
+          </p:cNvPr>
+          <p:cNvSpPr>
+            <a:spLocks noGrp="1"/>
+          </p:cNvSpPr>
+          <p:nvPr>
+            <p:ph type="dt" sz="half" idx="10"/>
+          </p:nvPr>
+        </p:nvSpPr>
+        <p:spPr/>
+        <p:txBody>
+          <a:bodyPr/>
+          <a:lstStyle/>
+          <a:p>
+            <a:fld id="{499624E5-6640-4B65-82B0-BACE50C7D1B2}" type="datetime1">
+              <a:rPr lang="en-US" smtClean="0"/>
+              <a:t>10/6/2021</a:t>
+            </a:fld>
+            <a:endParaRPr lang="en-US" dirty="0"/>
+          </a:p>
+        </p:txBody>
+      </p:sp>
+      <p:sp>
+        <p:nvSpPr>
+          <p:cNvPr id="5" name="Footer Placeholder 4">
+            <a:extLst>
+              <a:ext uri="{FF2B5EF4-FFF2-40B4-BE49-F238E27FC236}">
+                <a16:creationId xmlns:a16="http://schemas.microsoft.com/office/drawing/2014/main" id="{8AD0CA4B-AD9E-400D-8C7F-26EF555CCADE}"/>
+              </a:ext>
+            </a:extLst>
+          </p:cNvPr>
+          <p:cNvSpPr>
+            <a:spLocks noGrp="1"/>
+          </p:cNvSpPr>
+          <p:nvPr>
+            <p:ph type="ftr" sz="quarter" idx="11"/>
+          </p:nvPr>
+        </p:nvSpPr>
+        <p:spPr/>
+        <p:txBody>
+          <a:bodyPr/>
+          <a:lstStyle/>
+          <a:p>
+            <a:r>
+              <a:rPr lang="fr-FR"/>
+              <a:t>Le Quy Don Technical University</a:t>
+            </a:r>
+            <a:endParaRPr lang="en-US" dirty="0"/>
+          </a:p>
+        </p:txBody>
+      </p:sp>
+      <p:sp>
+        <p:nvSpPr>
+          <p:cNvPr id="6" name="Slide Number Placeholder 5">
+            <a:extLst>
+              <a:ext uri="{FF2B5EF4-FFF2-40B4-BE49-F238E27FC236}">
+                <a16:creationId xmlns:a16="http://schemas.microsoft.com/office/drawing/2014/main" id="{FDC28E22-5D85-4432-8609-46F5E8EE9C7F}"/>
+              </a:ext>
+            </a:extLst>
+          </p:cNvPr>
+          <p:cNvSpPr>
+            <a:spLocks noGrp="1"/>
+          </p:cNvSpPr>
+          <p:nvPr>
+            <p:ph type="sldNum" sz="quarter" idx="12"/>
+          </p:nvPr>
+        </p:nvSpPr>
+        <p:spPr/>
+        <p:txBody>
+          <a:bodyPr/>
+          <a:lstStyle/>
+          <a:p>
+            <a:fld id="{B881B6B3-2069-452F-BF40-F653D75B3DB0}" type="slidenum">
+              <a:rPr lang="en-US" smtClean="0"/>
+              <a:t>18</a:t>
+            </a:fld>
+            <a:endParaRPr lang="en-US"/>
+          </a:p>
+        </p:txBody>
+      </p:sp>
+      <p:sp>
+        <p:nvSpPr>
+          <p:cNvPr id="7" name="Text Placeholder 6">
+            <a:extLst>
+              <a:ext uri="{FF2B5EF4-FFF2-40B4-BE49-F238E27FC236}">
+                <a16:creationId xmlns:a16="http://schemas.microsoft.com/office/drawing/2014/main" id="{70C2D65A-A971-4345-9E2C-84C63320093B}"/>
+              </a:ext>
+            </a:extLst>
+          </p:cNvPr>
+          <p:cNvSpPr>
+            <a:spLocks noGrp="1"/>
+          </p:cNvSpPr>
+          <p:nvPr>
+            <p:ph type="body" sz="quarter" idx="13"/>
+          </p:nvPr>
+        </p:nvSpPr>
+        <p:spPr/>
+        <p:txBody>
+          <a:bodyPr/>
+          <a:lstStyle/>
+          <a:p>
+            <a:r>
+              <a:rPr lang="en-US" dirty="0"/>
+              <a:t>Proposed method</a:t>
+            </a:r>
+          </a:p>
+        </p:txBody>
+      </p:sp>
+      <p:sp>
+        <p:nvSpPr>
+          <p:cNvPr id="8" name="Text Placeholder 7">
+            <a:extLst>
+              <a:ext uri="{FF2B5EF4-FFF2-40B4-BE49-F238E27FC236}">
+                <a16:creationId xmlns:a16="http://schemas.microsoft.com/office/drawing/2014/main" id="{5701DD7A-BE1C-4CE5-ABF5-722FEB49D509}"/>
+              </a:ext>
+            </a:extLst>
+          </p:cNvPr>
+          <p:cNvSpPr>
+            <a:spLocks noGrp="1"/>
+          </p:cNvSpPr>
+          <p:nvPr>
+            <p:ph type="body" sz="quarter" idx="14"/>
+          </p:nvPr>
+        </p:nvSpPr>
+        <p:spPr/>
+        <p:txBody>
+          <a:bodyPr/>
+          <a:lstStyle/>
+          <a:p>
+            <a:r>
+              <a:rPr lang="en-US" dirty="0"/>
+              <a:t>License plate detection</a:t>
+            </a:r>
+          </a:p>
+        </p:txBody>
+      </p:sp>
+    </p:spTree>
+    <p:extLst>
+      <p:ext uri="{BB962C8B-B14F-4D97-AF65-F5344CB8AC3E}">
+        <p14:creationId xmlns:p14="http://schemas.microsoft.com/office/powerpoint/2010/main" val="3905092898"/>
+      </p:ext>
+    </p:extLst>
+  </p:cSld>
+  <p:clrMapOvr>
+    <a:masterClrMapping/>
+  </p:clrMapOvr>
+  <mc:AlternateContent xmlns:mc="http://schemas.openxmlformats.org/markup-compatibility/2006" xmlns:p14="http://schemas.microsoft.com/office/powerpoint/2010/main">
+    <mc:Choice Requires="p14">
+      <p:transition spd="med" p14:dur="700">
+        <p:fade/>
+      </p:transition>
+    </mc:Choice>
+    <mc:Fallback xmlns="">
+      <p:transition spd="med">
+        <p:fade/>
+      </p:transition>
+    </mc:Fallback>
+  </mc:AlternateContent>
 </p:sld>
 </file>
 
@@ -6078,7 +8316,7 @@
           <a:p>
             <a:fld id="{499624E5-6640-4B65-82B0-BACE50C7D1B2}" type="datetime1">
               <a:rPr lang="en-US" smtClean="0"/>
-              <a:t>6/10/2021</a:t>
+              <a:t>10/6/2021</a:t>
             </a:fld>
             <a:endParaRPr lang="en-US" dirty="0"/>
           </a:p>
@@ -6217,13 +8455,6 @@
       </p:transition>
     </mc:Fallback>
   </mc:AlternateContent>
-  <p:timing>
-    <p:tnLst>
-      <p:par>
-        <p:cTn id="1" dur="indefinite" restart="never" nodeType="tmRoot"/>
-      </p:par>
-    </p:tnLst>
-  </p:timing>
 </p:sld>
 </file>
 
@@ -6328,7 +8559,7 @@
           <a:p>
             <a:fld id="{499624E5-6640-4B65-82B0-BACE50C7D1B2}" type="datetime1">
               <a:rPr lang="en-US" smtClean="0"/>
-              <a:t>6/10/2021</a:t>
+              <a:t>10/6/2021</a:t>
             </a:fld>
             <a:endParaRPr lang="en-US" dirty="0"/>
           </a:p>
@@ -6550,13 +8781,6 @@
       </p:transition>
     </mc:Fallback>
   </mc:AlternateContent>
-  <p:timing>
-    <p:tnLst>
-      <p:par>
-        <p:cTn id="1" dur="indefinite" restart="never" nodeType="tmRoot"/>
-      </p:par>
-    </p:tnLst>
-  </p:timing>
 </p:sld>
 </file>
 
@@ -6677,7 +8901,7 @@
           <a:p>
             <a:fld id="{499624E5-6640-4B65-82B0-BACE50C7D1B2}" type="datetime1">
               <a:rPr lang="en-US" smtClean="0"/>
-              <a:t>6/10/2021</a:t>
+              <a:t>10/6/2021</a:t>
             </a:fld>
             <a:endParaRPr lang="en-US" dirty="0"/>
           </a:p>
@@ -6819,13 +9043,6 @@
       </p:transition>
     </mc:Fallback>
   </mc:AlternateContent>
-  <p:timing>
-    <p:tnLst>
-      <p:par>
-        <p:cTn id="1" dur="indefinite" restart="never" nodeType="tmRoot"/>
-      </p:par>
-    </p:tnLst>
-  </p:timing>
 </p:sld>
 </file>
 
@@ -6897,7 +9114,7 @@
           <a:p>
             <a:fld id="{499624E5-6640-4B65-82B0-BACE50C7D1B2}" type="datetime1">
               <a:rPr lang="en-US" smtClean="0"/>
-              <a:t>6/10/2021</a:t>
+              <a:t>10/6/2021</a:t>
             </a:fld>
             <a:endParaRPr lang="en-US" dirty="0"/>
           </a:p>
@@ -7104,13 +9321,6 @@
       </p:transition>
     </mc:Fallback>
   </mc:AlternateContent>
-  <p:timing>
-    <p:tnLst>
-      <p:par>
-        <p:cTn id="1" dur="indefinite" restart="never" nodeType="tmRoot"/>
-      </p:par>
-    </p:tnLst>
-  </p:timing>
 </p:sld>
 </file>
 
@@ -7147,10 +9357,9 @@
           <a:lstStyle/>
           <a:p>
             <a:r>
-              <a:rPr lang="en-US" dirty="0" smtClean="0"/>
+              <a:rPr lang="en-US" dirty="0"/>
               <a:t>Main challenges for ALPR system</a:t>
             </a:r>
-            <a:endParaRPr lang="en-US" dirty="0"/>
           </a:p>
         </p:txBody>
       </p:sp>
@@ -7215,13 +9424,8 @@
             </a:pPr>
             <a:r>
               <a:rPr lang="en-US" dirty="0"/>
-              <a:t>Density of vehicle at the same time</a:t>
-            </a:r>
-            <a:r>
-              <a:rPr lang="en-US" dirty="0" smtClean="0"/>
-              <a:t>.</a:t>
-            </a:r>
-            <a:endParaRPr lang="en-US" dirty="0"/>
+              <a:t>Density of vehicle at the same time.</a:t>
+            </a:r>
           </a:p>
         </p:txBody>
       </p:sp>
@@ -7242,7 +9446,7 @@
           <a:p>
             <a:fld id="{499624E5-6640-4B65-82B0-BACE50C7D1B2}" type="datetime1">
               <a:rPr lang="en-US" smtClean="0"/>
-              <a:t>6/10/2021</a:t>
+              <a:t>10/6/2021</a:t>
             </a:fld>
             <a:endParaRPr lang="en-US" dirty="0"/>
           </a:p>
@@ -7264,7 +9468,7 @@
           <a:lstStyle/>
           <a:p>
             <a:r>
-              <a:rPr lang="fr-FR" smtClean="0"/>
+              <a:rPr lang="fr-FR"/>
               <a:t>Le Quy Don Technical University</a:t>
             </a:r>
             <a:endParaRPr lang="en-US" dirty="0"/>
@@ -7310,10 +9514,9 @@
           <a:lstStyle/>
           <a:p>
             <a:r>
-              <a:rPr lang="en-US" dirty="0" smtClean="0"/>
+              <a:rPr lang="en-US" dirty="0"/>
               <a:t>Introduction</a:t>
             </a:r>
-            <a:endParaRPr lang="en-US" dirty="0"/>
           </a:p>
         </p:txBody>
       </p:sp>
@@ -7333,10 +9536,9 @@
           <a:lstStyle/>
           <a:p>
             <a:r>
-              <a:rPr lang="en-US" dirty="0" smtClean="0"/>
+              <a:rPr lang="en-US" dirty="0"/>
               <a:t>Challenges</a:t>
             </a:r>
-            <a:endParaRPr lang="en-US" dirty="0"/>
           </a:p>
         </p:txBody>
       </p:sp>
@@ -7362,13 +9564,6 @@
       </p:transition>
     </mc:Fallback>
   </mc:AlternateContent>
-  <p:timing>
-    <p:tnLst>
-      <p:par>
-        <p:cTn id="1" dur="indefinite" restart="never" nodeType="tmRoot"/>
-      </p:par>
-    </p:tnLst>
-  </p:timing>
 </p:sld>
 </file>
 
@@ -7405,10 +9600,9 @@
           <a:lstStyle/>
           <a:p>
             <a:r>
-              <a:rPr lang="en-US" dirty="0" smtClean="0"/>
+              <a:rPr lang="en-US" dirty="0"/>
               <a:t>Two main approaches for ALPR</a:t>
             </a:r>
-            <a:endParaRPr lang="en-US" dirty="0"/>
           </a:p>
         </p:txBody>
       </p:sp>
@@ -7473,13 +9667,8 @@
             </a:pPr>
             <a:r>
               <a:rPr lang="en-US" dirty="0"/>
-              <a:t>They design a complex neural network to do both LP detection and LP OCR tasks</a:t>
-            </a:r>
-            <a:r>
-              <a:rPr lang="en-US" dirty="0" smtClean="0"/>
-              <a:t>.</a:t>
-            </a:r>
-            <a:endParaRPr lang="en-US" dirty="0"/>
+              <a:t>They design a complex neural network to do both LP detection and LP OCR tasks.</a:t>
+            </a:r>
           </a:p>
         </p:txBody>
       </p:sp>
@@ -7500,7 +9689,7 @@
           <a:p>
             <a:fld id="{499624E5-6640-4B65-82B0-BACE50C7D1B2}" type="datetime1">
               <a:rPr lang="en-US" smtClean="0"/>
-              <a:t>6/10/2021</a:t>
+              <a:t>10/6/2021</a:t>
             </a:fld>
             <a:endParaRPr lang="en-US" dirty="0"/>
           </a:p>
@@ -7522,7 +9711,7 @@
           <a:lstStyle/>
           <a:p>
             <a:r>
-              <a:rPr lang="fr-FR" smtClean="0"/>
+              <a:rPr lang="fr-FR"/>
               <a:t>Le Quy Don Technical University</a:t>
             </a:r>
             <a:endParaRPr lang="en-US" dirty="0"/>
@@ -7568,10 +9757,9 @@
           <a:lstStyle/>
           <a:p>
             <a:r>
-              <a:rPr lang="en-US" dirty="0" smtClean="0"/>
+              <a:rPr lang="en-US" dirty="0"/>
               <a:t>Related work</a:t>
             </a:r>
-            <a:endParaRPr lang="en-US" dirty="0"/>
           </a:p>
         </p:txBody>
       </p:sp>
@@ -7591,10 +9779,9 @@
           <a:lstStyle/>
           <a:p>
             <a:r>
-              <a:rPr lang="en-US" dirty="0" smtClean="0"/>
+              <a:rPr lang="en-US" dirty="0"/>
               <a:t>Approaches</a:t>
             </a:r>
-            <a:endParaRPr lang="en-US" dirty="0"/>
           </a:p>
         </p:txBody>
       </p:sp>
@@ -7620,13 +9807,6 @@
       </p:transition>
     </mc:Fallback>
   </mc:AlternateContent>
-  <p:timing>
-    <p:tnLst>
-      <p:par>
-        <p:cTn id="1" dur="indefinite" restart="never" nodeType="tmRoot"/>
-      </p:par>
-    </p:tnLst>
-  </p:timing>
 </p:sld>
 </file>
 
@@ -7663,10 +9843,9 @@
           <a:lstStyle/>
           <a:p>
             <a:r>
-              <a:rPr lang="en-US" dirty="0" smtClean="0"/>
+              <a:rPr lang="en-US" dirty="0"/>
               <a:t>A typical multi-stage ALPR system</a:t>
             </a:r>
-            <a:endParaRPr lang="en-US" dirty="0"/>
           </a:p>
         </p:txBody>
       </p:sp>
@@ -7687,7 +9866,7 @@
           <a:p>
             <a:fld id="{499624E5-6640-4B65-82B0-BACE50C7D1B2}" type="datetime1">
               <a:rPr lang="en-US" smtClean="0"/>
-              <a:t>6/10/2021</a:t>
+              <a:t>10/6/2021</a:t>
             </a:fld>
             <a:endParaRPr lang="en-US" dirty="0"/>
           </a:p>
@@ -7709,7 +9888,7 @@
           <a:lstStyle/>
           <a:p>
             <a:r>
-              <a:rPr lang="fr-FR" smtClean="0"/>
+              <a:rPr lang="fr-FR"/>
               <a:t>Le Quy Don Technical University</a:t>
             </a:r>
             <a:endParaRPr lang="en-US" dirty="0"/>
@@ -7755,10 +9934,9 @@
           <a:lstStyle/>
           <a:p>
             <a:r>
-              <a:rPr lang="en-US" dirty="0" smtClean="0"/>
+              <a:rPr lang="en-US" dirty="0"/>
               <a:t>Related work</a:t>
             </a:r>
-            <a:endParaRPr lang="en-US" dirty="0"/>
           </a:p>
         </p:txBody>
       </p:sp>
@@ -7778,10 +9956,9 @@
           <a:lstStyle/>
           <a:p>
             <a:r>
-              <a:rPr lang="en-US" dirty="0" smtClean="0"/>
+              <a:rPr lang="en-US" dirty="0"/>
               <a:t>Multi-stage</a:t>
             </a:r>
-            <a:endParaRPr lang="en-US" dirty="0"/>
           </a:p>
         </p:txBody>
       </p:sp>
@@ -7806,10 +9983,9 @@
           <a:lstStyle/>
           <a:p>
             <a:r>
-              <a:rPr lang="en-US" dirty="0" smtClean="0"/>
+              <a:rPr lang="en-US" dirty="0"/>
               <a:t>Illustration of a multi-stage ALPR system</a:t>
             </a:r>
-            <a:endParaRPr lang="en-US" dirty="0"/>
           </a:p>
         </p:txBody>
       </p:sp>
@@ -7867,13 +10043,6 @@
       </p:transition>
     </mc:Fallback>
   </mc:AlternateContent>
-  <p:timing>
-    <p:tnLst>
-      <p:par>
-        <p:cTn id="1" dur="indefinite" restart="never" nodeType="tmRoot"/>
-      </p:par>
-    </p:tnLst>
-  </p:timing>
 </p:sld>
 </file>
 
@@ -7910,10 +10079,9 @@
           <a:lstStyle/>
           <a:p>
             <a:r>
-              <a:rPr lang="en-US" dirty="0" smtClean="0"/>
+              <a:rPr lang="en-US" dirty="0"/>
               <a:t>A typical single-stage ALPR system</a:t>
             </a:r>
-            <a:endParaRPr lang="en-US" dirty="0"/>
           </a:p>
         </p:txBody>
       </p:sp>
@@ -7934,7 +10102,7 @@
           <a:p>
             <a:fld id="{499624E5-6640-4B65-82B0-BACE50C7D1B2}" type="datetime1">
               <a:rPr lang="en-US" smtClean="0"/>
-              <a:t>6/10/2021</a:t>
+              <a:t>10/6/2021</a:t>
             </a:fld>
             <a:endParaRPr lang="en-US" dirty="0"/>
           </a:p>
@@ -7956,7 +10124,7 @@
           <a:lstStyle/>
           <a:p>
             <a:r>
-              <a:rPr lang="fr-FR" smtClean="0"/>
+              <a:rPr lang="fr-FR"/>
               <a:t>Le Quy Don Technical University</a:t>
             </a:r>
             <a:endParaRPr lang="en-US" dirty="0"/>
@@ -8002,10 +10170,9 @@
           <a:lstStyle/>
           <a:p>
             <a:r>
-              <a:rPr lang="en-US" dirty="0" smtClean="0"/>
+              <a:rPr lang="en-US" dirty="0"/>
               <a:t>Related work</a:t>
             </a:r>
-            <a:endParaRPr lang="en-US" dirty="0"/>
           </a:p>
         </p:txBody>
       </p:sp>
@@ -8025,10 +10192,9 @@
           <a:lstStyle/>
           <a:p>
             <a:r>
-              <a:rPr lang="en-US" dirty="0" smtClean="0"/>
+              <a:rPr lang="en-US" dirty="0"/>
               <a:t>Single-stage</a:t>
             </a:r>
-            <a:endParaRPr lang="en-US" dirty="0"/>
           </a:p>
         </p:txBody>
       </p:sp>
@@ -8053,10 +10219,9 @@
           <a:lstStyle/>
           <a:p>
             <a:r>
-              <a:rPr lang="en-US" dirty="0" smtClean="0"/>
+              <a:rPr lang="en-US" dirty="0"/>
               <a:t>Illustration of a single-stage ALPR system</a:t>
             </a:r>
-            <a:endParaRPr lang="en-US" dirty="0"/>
           </a:p>
         </p:txBody>
       </p:sp>
@@ -8112,13 +10277,6 @@
       </p:transition>
     </mc:Fallback>
   </mc:AlternateContent>
-  <p:timing>
-    <p:tnLst>
-      <p:par>
-        <p:cTn id="1" dur="indefinite" restart="never" nodeType="tmRoot"/>
-      </p:par>
-    </p:tnLst>
-  </p:timing>
 </p:sld>
 </file>
 

--- a/my_template.pptx
+++ b/my_template.pptx
@@ -5,10 +5,10 @@
     <p:sldMasterId id="2147483648" r:id="rId1"/>
   </p:sldMasterIdLst>
   <p:notesMasterIdLst>
-    <p:notesMasterId r:id="rId20"/>
+    <p:notesMasterId r:id="rId30"/>
   </p:notesMasterIdLst>
   <p:handoutMasterIdLst>
-    <p:handoutMasterId r:id="rId21"/>
+    <p:handoutMasterId r:id="rId31"/>
   </p:handoutMasterIdLst>
   <p:sldIdLst>
     <p:sldId id="256" r:id="rId2"/>
@@ -17,18 +17,28 @@
     <p:sldId id="260" r:id="rId5"/>
     <p:sldId id="261" r:id="rId6"/>
     <p:sldId id="262" r:id="rId7"/>
-    <p:sldId id="263" r:id="rId8"/>
-    <p:sldId id="264" r:id="rId9"/>
-    <p:sldId id="265" r:id="rId10"/>
-    <p:sldId id="267" r:id="rId11"/>
-    <p:sldId id="268" r:id="rId12"/>
-    <p:sldId id="269" r:id="rId13"/>
-    <p:sldId id="270" r:id="rId14"/>
-    <p:sldId id="272" r:id="rId15"/>
+    <p:sldId id="285" r:id="rId8"/>
+    <p:sldId id="263" r:id="rId9"/>
+    <p:sldId id="264" r:id="rId10"/>
+    <p:sldId id="265" r:id="rId11"/>
+    <p:sldId id="267" r:id="rId12"/>
+    <p:sldId id="268" r:id="rId13"/>
+    <p:sldId id="269" r:id="rId14"/>
+    <p:sldId id="270" r:id="rId15"/>
     <p:sldId id="273" r:id="rId16"/>
     <p:sldId id="274" r:id="rId17"/>
     <p:sldId id="275" r:id="rId18"/>
-    <p:sldId id="271" r:id="rId19"/>
+    <p:sldId id="276" r:id="rId19"/>
+    <p:sldId id="277" r:id="rId20"/>
+    <p:sldId id="278" r:id="rId21"/>
+    <p:sldId id="279" r:id="rId22"/>
+    <p:sldId id="271" r:id="rId23"/>
+    <p:sldId id="280" r:id="rId24"/>
+    <p:sldId id="281" r:id="rId25"/>
+    <p:sldId id="282" r:id="rId26"/>
+    <p:sldId id="283" r:id="rId27"/>
+    <p:sldId id="284" r:id="rId28"/>
+    <p:sldId id="286" r:id="rId29"/>
   </p:sldIdLst>
   <p:sldSz cx="12192000" cy="6858000"/>
   <p:notesSz cx="6858000" cy="9144000"/>
@@ -232,7 +242,7 @@
           <a:p>
             <a:fld id="{6D83A87F-D506-44B5-B06F-5F7287ADDF2F}" type="datetimeFigureOut">
               <a:rPr lang="en-US" smtClean="0"/>
-              <a:t>10/6/2021</a:t>
+              <a:t>7/10/2021</a:t>
             </a:fld>
             <a:endParaRPr lang="en-US"/>
           </a:p>
@@ -410,7 +420,7 @@
           <a:p>
             <a:fld id="{979DC09D-04DF-451F-8E6F-B3C75CCEF5E4}" type="datetimeFigureOut">
               <a:rPr lang="en-US" smtClean="0"/>
-              <a:t>10/6/2021</a:t>
+              <a:t>7/10/2021</a:t>
             </a:fld>
             <a:endParaRPr lang="en-US"/>
           </a:p>
@@ -940,7 +950,7 @@
           <a:p>
             <a:fld id="{F254E6E1-C624-4A89-BDA1-87A8B08D93BA}" type="datetime1">
               <a:rPr lang="en-US" smtClean="0"/>
-              <a:t>10/6/2021</a:t>
+              <a:t>7/10/2021</a:t>
             </a:fld>
             <a:endParaRPr lang="en-US" dirty="0"/>
           </a:p>
@@ -1338,7 +1348,7 @@
           <a:p>
             <a:fld id="{499624E5-6640-4B65-82B0-BACE50C7D1B2}" type="datetime1">
               <a:rPr lang="en-US" smtClean="0"/>
-              <a:t>10/6/2021</a:t>
+              <a:t>7/10/2021</a:t>
             </a:fld>
             <a:endParaRPr lang="en-US" dirty="0"/>
           </a:p>
@@ -1679,7 +1689,7 @@
           <a:p>
             <a:fld id="{499624E5-6640-4B65-82B0-BACE50C7D1B2}" type="datetime1">
               <a:rPr lang="en-US" smtClean="0"/>
-              <a:t>10/6/2021</a:t>
+              <a:t>7/10/2021</a:t>
             </a:fld>
             <a:endParaRPr lang="en-US" dirty="0"/>
           </a:p>
@@ -2067,7 +2077,7 @@
           <a:p>
             <a:fld id="{499624E5-6640-4B65-82B0-BACE50C7D1B2}" type="datetime1">
               <a:rPr lang="en-US" smtClean="0"/>
-              <a:t>10/6/2021</a:t>
+              <a:t>7/10/2021</a:t>
             </a:fld>
             <a:endParaRPr lang="en-US" dirty="0"/>
           </a:p>
@@ -2371,6 +2381,161 @@
 </p:sldLayout>
 </file>
 
+<file path=ppt/slideLayouts/slideLayout5.xml><?xml version="1.0" encoding="utf-8"?>
+<p:sldLayout xmlns:a="http://schemas.openxmlformats.org/drawingml/2006/main" xmlns:r="http://schemas.openxmlformats.org/officeDocument/2006/relationships" xmlns:p="http://schemas.openxmlformats.org/presentationml/2006/main" preserve="1" userDrawn="1">
+  <p:cSld name="Ending">
+    <p:bg>
+      <p:bgPr>
+        <a:solidFill>
+          <a:srgbClr val="F2F2F2"/>
+        </a:solidFill>
+        <a:effectLst/>
+      </p:bgPr>
+    </p:bg>
+    <p:spTree>
+      <p:nvGrpSpPr>
+        <p:cNvPr id="1" name=""/>
+        <p:cNvGrpSpPr/>
+        <p:nvPr/>
+      </p:nvGrpSpPr>
+      <p:grpSpPr>
+        <a:xfrm>
+          <a:off x="0" y="0"/>
+          <a:ext cx="0" cy="0"/>
+          <a:chOff x="0" y="0"/>
+          <a:chExt cx="0" cy="0"/>
+        </a:xfrm>
+      </p:grpSpPr>
+      <p:sp>
+        <p:nvSpPr>
+          <p:cNvPr id="2" name="Title 1"/>
+          <p:cNvSpPr>
+            <a:spLocks noGrp="1"/>
+          </p:cNvSpPr>
+          <p:nvPr>
+            <p:ph type="title" hasCustomPrompt="1"/>
+          </p:nvPr>
+        </p:nvSpPr>
+        <p:spPr>
+          <a:xfrm>
+            <a:off x="838200" y="2766219"/>
+            <a:ext cx="10515600" cy="1325563"/>
+          </a:xfrm>
+          <a:prstGeom prst="rect">
+            <a:avLst/>
+          </a:prstGeom>
+          <a:noFill/>
+        </p:spPr>
+        <p:txBody>
+          <a:bodyPr anchor="ctr"/>
+          <a:lstStyle>
+            <a:lvl1pPr algn="ctr">
+              <a:defRPr sz="5400" baseline="0">
+                <a:solidFill>
+                  <a:srgbClr val="A30000"/>
+                </a:solidFill>
+                <a:effectLst>
+                  <a:outerShdw blurRad="50800" dist="38100" dir="16200000" rotWithShape="0">
+                    <a:prstClr val="black">
+                      <a:alpha val="40000"/>
+                    </a:prstClr>
+                  </a:outerShdw>
+                </a:effectLst>
+              </a:defRPr>
+            </a:lvl1pPr>
+          </a:lstStyle>
+          <a:p>
+            <a:r>
+              <a:rPr lang="en-US" dirty="0" smtClean="0"/>
+              <a:t>THANK FOR YOUR ATTENTION!</a:t>
+            </a:r>
+            <a:endParaRPr lang="en-US" dirty="0"/>
+          </a:p>
+        </p:txBody>
+      </p:sp>
+      <p:sp>
+        <p:nvSpPr>
+          <p:cNvPr id="3" name="Date Placeholder 2"/>
+          <p:cNvSpPr>
+            <a:spLocks noGrp="1"/>
+          </p:cNvSpPr>
+          <p:nvPr>
+            <p:ph type="dt" sz="half" idx="10"/>
+          </p:nvPr>
+        </p:nvSpPr>
+        <p:spPr/>
+        <p:txBody>
+          <a:bodyPr/>
+          <a:lstStyle/>
+          <a:p>
+            <a:fld id="{3605BC6B-0753-49C4-B818-4A6D4F4F202B}" type="datetime1">
+              <a:rPr lang="en-US" smtClean="0"/>
+              <a:t>7/10/2021</a:t>
+            </a:fld>
+            <a:endParaRPr lang="en-US" dirty="0"/>
+          </a:p>
+        </p:txBody>
+      </p:sp>
+      <p:sp>
+        <p:nvSpPr>
+          <p:cNvPr id="4" name="Footer Placeholder 3"/>
+          <p:cNvSpPr>
+            <a:spLocks noGrp="1"/>
+          </p:cNvSpPr>
+          <p:nvPr>
+            <p:ph type="ftr" sz="quarter" idx="11"/>
+          </p:nvPr>
+        </p:nvSpPr>
+        <p:spPr/>
+        <p:txBody>
+          <a:bodyPr/>
+          <a:lstStyle/>
+          <a:p>
+            <a:r>
+              <a:rPr lang="en-US" smtClean="0"/>
+              <a:t>Le Quy Don Technical University</a:t>
+            </a:r>
+            <a:endParaRPr lang="en-US" dirty="0"/>
+          </a:p>
+        </p:txBody>
+      </p:sp>
+      <p:sp>
+        <p:nvSpPr>
+          <p:cNvPr id="5" name="Slide Number Placeholder 4"/>
+          <p:cNvSpPr>
+            <a:spLocks noGrp="1"/>
+          </p:cNvSpPr>
+          <p:nvPr>
+            <p:ph type="sldNum" sz="quarter" idx="12"/>
+          </p:nvPr>
+        </p:nvSpPr>
+        <p:spPr/>
+        <p:txBody>
+          <a:bodyPr/>
+          <a:lstStyle/>
+          <a:p>
+            <a:fld id="{B881B6B3-2069-452F-BF40-F653D75B3DB0}" type="slidenum">
+              <a:rPr lang="en-US" smtClean="0"/>
+              <a:pPr/>
+              <a:t>‹#›</a:t>
+            </a:fld>
+            <a:endParaRPr lang="en-US" dirty="0"/>
+          </a:p>
+        </p:txBody>
+      </p:sp>
+    </p:spTree>
+    <p:extLst>
+      <p:ext uri="{BB962C8B-B14F-4D97-AF65-F5344CB8AC3E}">
+        <p14:creationId xmlns:p14="http://schemas.microsoft.com/office/powerpoint/2010/main" val="1724264976"/>
+      </p:ext>
+    </p:extLst>
+  </p:cSld>
+  <p:clrMapOvr>
+    <a:masterClrMapping/>
+  </p:clrMapOvr>
+</p:sldLayout>
+</file>
+
 <file path=ppt/slideMasters/slideMaster1.xml><?xml version="1.0" encoding="utf-8"?>
 <p:sldMaster xmlns:a="http://schemas.openxmlformats.org/drawingml/2006/main" xmlns:r="http://schemas.openxmlformats.org/officeDocument/2006/relationships" xmlns:p="http://schemas.openxmlformats.org/presentationml/2006/main">
   <p:cSld>
@@ -2436,7 +2601,7 @@
           <a:p>
             <a:fld id="{3605BC6B-0753-49C4-B818-4A6D4F4F202B}" type="datetime1">
               <a:rPr lang="en-US" smtClean="0"/>
-              <a:t>10/6/2021</a:t>
+              <a:t>7/10/2021</a:t>
             </a:fld>
             <a:endParaRPr lang="en-US" dirty="0"/>
           </a:p>
@@ -2955,6 +3120,7 @@
     <p:sldLayoutId id="2147483653" r:id="rId2"/>
     <p:sldLayoutId id="2147483660" r:id="rId3"/>
     <p:sldLayoutId id="2147483661" r:id="rId4"/>
+    <p:sldLayoutId id="2147483662" r:id="rId5"/>
   </p:sldLayoutIdLst>
   <p:hf hdr="0"/>
   <p:txStyles>
@@ -3363,7 +3529,7 @@
           <a:p>
             <a:fld id="{F254E6E1-C624-4A89-BDA1-87A8B08D93BA}" type="datetime1">
               <a:rPr lang="en-US" smtClean="0"/>
-              <a:t>10/6/2021</a:t>
+              <a:t>7/10/2021</a:t>
             </a:fld>
             <a:endParaRPr lang="en-US" dirty="0"/>
           </a:p>
@@ -3651,7 +3817,7 @@
           <a:p>
             <a:r>
               <a:rPr lang="en-US" dirty="0"/>
-              <a:t>Key-points detection problem – Human Pose Estimation (HPE)</a:t>
+              <a:t>A typical single-stage ALPR system</a:t>
             </a:r>
           </a:p>
         </p:txBody>
@@ -3673,7 +3839,7 @@
           <a:p>
             <a:fld id="{499624E5-6640-4B65-82B0-BACE50C7D1B2}" type="datetime1">
               <a:rPr lang="en-US" smtClean="0"/>
-              <a:t>10/6/2021</a:t>
+              <a:t>7/10/2021</a:t>
             </a:fld>
             <a:endParaRPr lang="en-US" dirty="0"/>
           </a:p>
@@ -3720,6 +3886,240 @@
             <a:fld id="{B881B6B3-2069-452F-BF40-F653D75B3DB0}" type="slidenum">
               <a:rPr lang="en-US" smtClean="0"/>
               <a:t>10</a:t>
+            </a:fld>
+            <a:endParaRPr lang="en-US"/>
+          </a:p>
+        </p:txBody>
+      </p:sp>
+      <p:sp>
+        <p:nvSpPr>
+          <p:cNvPr id="7" name="Text Placeholder 6"/>
+          <p:cNvSpPr>
+            <a:spLocks noGrp="1"/>
+          </p:cNvSpPr>
+          <p:nvPr>
+            <p:ph type="body" sz="quarter" idx="13"/>
+          </p:nvPr>
+        </p:nvSpPr>
+        <p:spPr/>
+        <p:txBody>
+          <a:bodyPr/>
+          <a:lstStyle/>
+          <a:p>
+            <a:r>
+              <a:rPr lang="en-US" dirty="0"/>
+              <a:t>Related work</a:t>
+            </a:r>
+          </a:p>
+        </p:txBody>
+      </p:sp>
+      <p:sp>
+        <p:nvSpPr>
+          <p:cNvPr id="8" name="Text Placeholder 7"/>
+          <p:cNvSpPr>
+            <a:spLocks noGrp="1"/>
+          </p:cNvSpPr>
+          <p:nvPr>
+            <p:ph type="body" sz="quarter" idx="14"/>
+          </p:nvPr>
+        </p:nvSpPr>
+        <p:spPr/>
+        <p:txBody>
+          <a:bodyPr/>
+          <a:lstStyle/>
+          <a:p>
+            <a:r>
+              <a:rPr lang="en-US" dirty="0"/>
+              <a:t>Single-stage</a:t>
+            </a:r>
+          </a:p>
+        </p:txBody>
+      </p:sp>
+      <p:sp>
+        <p:nvSpPr>
+          <p:cNvPr id="9" name="Text Placeholder 8"/>
+          <p:cNvSpPr>
+            <a:spLocks noGrp="1"/>
+          </p:cNvSpPr>
+          <p:nvPr>
+            <p:ph type="body" sz="quarter" idx="15"/>
+          </p:nvPr>
+        </p:nvSpPr>
+        <p:spPr>
+          <a:xfrm>
+            <a:off x="3745826" y="5249056"/>
+            <a:ext cx="4697297" cy="300082"/>
+          </a:xfrm>
+        </p:spPr>
+        <p:txBody>
+          <a:bodyPr/>
+          <a:lstStyle/>
+          <a:p>
+            <a:r>
+              <a:rPr lang="en-US" dirty="0"/>
+              <a:t>Illustration of a single-stage ALPR system</a:t>
+            </a:r>
+          </a:p>
+        </p:txBody>
+      </p:sp>
+      <p:pic>
+        <p:nvPicPr>
+          <p:cNvPr id="11" name="Picture 10">
+            <a:extLst>
+              <a:ext uri="{FF2B5EF4-FFF2-40B4-BE49-F238E27FC236}">
+                <a16:creationId xmlns:a16="http://schemas.microsoft.com/office/drawing/2014/main" id="{60CAEFB5-50D2-41D6-8063-B889FA0DC2EE}"/>
+              </a:ext>
+            </a:extLst>
+          </p:cNvPr>
+          <p:cNvPicPr>
+            <a:picLocks noChangeAspect="1"/>
+          </p:cNvPicPr>
+          <p:nvPr/>
+        </p:nvPicPr>
+        <p:blipFill>
+          <a:blip r:embed="rId2"/>
+          <a:stretch>
+            <a:fillRect/>
+          </a:stretch>
+        </p:blipFill>
+        <p:spPr>
+          <a:xfrm>
+            <a:off x="1013658" y="1584541"/>
+            <a:ext cx="10797342" cy="3688919"/>
+          </a:xfrm>
+          <a:prstGeom prst="rect">
+            <a:avLst/>
+          </a:prstGeom>
+        </p:spPr>
+      </p:pic>
+    </p:spTree>
+    <p:extLst>
+      <p:ext uri="{BB962C8B-B14F-4D97-AF65-F5344CB8AC3E}">
+        <p14:creationId xmlns:p14="http://schemas.microsoft.com/office/powerpoint/2010/main" val="305027222"/>
+      </p:ext>
+    </p:extLst>
+  </p:cSld>
+  <p:clrMapOvr>
+    <a:masterClrMapping/>
+  </p:clrMapOvr>
+  <mc:AlternateContent xmlns:mc="http://schemas.openxmlformats.org/markup-compatibility/2006" xmlns:p14="http://schemas.microsoft.com/office/powerpoint/2010/main">
+    <mc:Choice Requires="p14">
+      <p:transition spd="med" p14:dur="700">
+        <p:fade/>
+      </p:transition>
+    </mc:Choice>
+    <mc:Fallback xmlns="">
+      <p:transition spd="med">
+        <p:fade/>
+      </p:transition>
+    </mc:Fallback>
+  </mc:AlternateContent>
+</p:sld>
+</file>
+
+<file path=ppt/slides/slide11.xml><?xml version="1.0" encoding="utf-8"?>
+<p:sld xmlns:a="http://schemas.openxmlformats.org/drawingml/2006/main" xmlns:r="http://schemas.openxmlformats.org/officeDocument/2006/relationships" xmlns:p="http://schemas.openxmlformats.org/presentationml/2006/main">
+  <p:cSld>
+    <p:spTree>
+      <p:nvGrpSpPr>
+        <p:cNvPr id="1" name=""/>
+        <p:cNvGrpSpPr/>
+        <p:nvPr/>
+      </p:nvGrpSpPr>
+      <p:grpSpPr>
+        <a:xfrm>
+          <a:off x="0" y="0"/>
+          <a:ext cx="0" cy="0"/>
+          <a:chOff x="0" y="0"/>
+          <a:chExt cx="0" cy="0"/>
+        </a:xfrm>
+      </p:grpSpPr>
+      <p:sp>
+        <p:nvSpPr>
+          <p:cNvPr id="2" name="Title 1"/>
+          <p:cNvSpPr>
+            <a:spLocks noGrp="1"/>
+          </p:cNvSpPr>
+          <p:nvPr>
+            <p:ph type="title"/>
+          </p:nvPr>
+        </p:nvSpPr>
+        <p:spPr/>
+        <p:txBody>
+          <a:bodyPr/>
+          <a:lstStyle/>
+          <a:p>
+            <a:r>
+              <a:rPr lang="en-US" dirty="0"/>
+              <a:t>Key-points detection problem – Human Pose Estimation (HPE)</a:t>
+            </a:r>
+          </a:p>
+        </p:txBody>
+      </p:sp>
+      <p:sp>
+        <p:nvSpPr>
+          <p:cNvPr id="4" name="Date Placeholder 3"/>
+          <p:cNvSpPr>
+            <a:spLocks noGrp="1"/>
+          </p:cNvSpPr>
+          <p:nvPr>
+            <p:ph type="dt" sz="half" idx="10"/>
+          </p:nvPr>
+        </p:nvSpPr>
+        <p:spPr/>
+        <p:txBody>
+          <a:bodyPr/>
+          <a:lstStyle/>
+          <a:p>
+            <a:fld id="{499624E5-6640-4B65-82B0-BACE50C7D1B2}" type="datetime1">
+              <a:rPr lang="en-US" smtClean="0"/>
+              <a:t>7/10/2021</a:t>
+            </a:fld>
+            <a:endParaRPr lang="en-US" dirty="0"/>
+          </a:p>
+        </p:txBody>
+      </p:sp>
+      <p:sp>
+        <p:nvSpPr>
+          <p:cNvPr id="5" name="Footer Placeholder 4"/>
+          <p:cNvSpPr>
+            <a:spLocks noGrp="1"/>
+          </p:cNvSpPr>
+          <p:nvPr>
+            <p:ph type="ftr" sz="quarter" idx="11"/>
+          </p:nvPr>
+        </p:nvSpPr>
+        <p:spPr/>
+        <p:txBody>
+          <a:bodyPr/>
+          <a:lstStyle/>
+          <a:p>
+            <a:r>
+              <a:rPr lang="fr-FR"/>
+              <a:t>Le Quy Don Technical University</a:t>
+            </a:r>
+            <a:endParaRPr lang="en-US" dirty="0"/>
+          </a:p>
+        </p:txBody>
+      </p:sp>
+      <p:sp>
+        <p:nvSpPr>
+          <p:cNvPr id="6" name="Slide Number Placeholder 5"/>
+          <p:cNvSpPr>
+            <a:spLocks noGrp="1"/>
+          </p:cNvSpPr>
+          <p:nvPr>
+            <p:ph type="sldNum" sz="quarter" idx="12"/>
+          </p:nvPr>
+        </p:nvSpPr>
+        <p:spPr/>
+        <p:txBody>
+          <a:bodyPr/>
+          <a:lstStyle/>
+          <a:p>
+            <a:fld id="{B881B6B3-2069-452F-BF40-F653D75B3DB0}" type="slidenum">
+              <a:rPr lang="en-US" smtClean="0"/>
+              <a:t>11</a:t>
             </a:fld>
             <a:endParaRPr lang="en-US"/>
           </a:p>
@@ -4298,7 +4698,7 @@
 </p:sld>
 </file>
 
-<file path=ppt/slides/slide11.xml><?xml version="1.0" encoding="utf-8"?>
+<file path=ppt/slides/slide12.xml><?xml version="1.0" encoding="utf-8"?>
 <p:sld xmlns:a="http://schemas.openxmlformats.org/drawingml/2006/main" xmlns:r="http://schemas.openxmlformats.org/officeDocument/2006/relationships" xmlns:p="http://schemas.openxmlformats.org/presentationml/2006/main">
   <p:cSld>
     <p:spTree>
@@ -4395,7 +4795,7 @@
           <a:p>
             <a:fld id="{499624E5-6640-4B65-82B0-BACE50C7D1B2}" type="datetime1">
               <a:rPr lang="en-US" smtClean="0"/>
-              <a:t>10/6/2021</a:t>
+              <a:t>7/10/2021</a:t>
             </a:fld>
             <a:endParaRPr lang="en-US" dirty="0"/>
           </a:p>
@@ -4441,7 +4841,7 @@
           <a:p>
             <a:fld id="{B881B6B3-2069-452F-BF40-F653D75B3DB0}" type="slidenum">
               <a:rPr lang="en-US" smtClean="0"/>
-              <a:t>11</a:t>
+              <a:t>12</a:t>
             </a:fld>
             <a:endParaRPr lang="en-US"/>
           </a:p>
@@ -4567,7 +4967,7 @@
 </p:sld>
 </file>
 
-<file path=ppt/slides/slide12.xml><?xml version="1.0" encoding="utf-8"?>
+<file path=ppt/slides/slide13.xml><?xml version="1.0" encoding="utf-8"?>
 <p:sld xmlns:a="http://schemas.openxmlformats.org/drawingml/2006/main" xmlns:r="http://schemas.openxmlformats.org/officeDocument/2006/relationships" xmlns:p="http://schemas.openxmlformats.org/presentationml/2006/main">
   <p:cSld>
     <p:spTree>
@@ -4627,7 +5027,7 @@
           <a:p>
             <a:fld id="{499624E5-6640-4B65-82B0-BACE50C7D1B2}" type="datetime1">
               <a:rPr lang="en-US" smtClean="0"/>
-              <a:t>10/6/2021</a:t>
+              <a:t>7/10/2021</a:t>
             </a:fld>
             <a:endParaRPr lang="en-US" dirty="0"/>
           </a:p>
@@ -4673,7 +5073,7 @@
           <a:p>
             <a:fld id="{B881B6B3-2069-452F-BF40-F653D75B3DB0}" type="slidenum">
               <a:rPr lang="en-US" smtClean="0"/>
-              <a:t>12</a:t>
+              <a:t>13</a:t>
             </a:fld>
             <a:endParaRPr lang="en-US"/>
           </a:p>
@@ -4813,10 +5213,17 @@
       </p:transition>
     </mc:Fallback>
   </mc:AlternateContent>
+  <p:timing>
+    <p:tnLst>
+      <p:par>
+        <p:cTn id="1" dur="indefinite" restart="never" nodeType="tmRoot"/>
+      </p:par>
+    </p:tnLst>
+  </p:timing>
 </p:sld>
 </file>
 
-<file path=ppt/slides/slide13.xml><?xml version="1.0" encoding="utf-8"?>
+<file path=ppt/slides/slide14.xml><?xml version="1.0" encoding="utf-8"?>
 <p:sld xmlns:a="http://schemas.openxmlformats.org/drawingml/2006/main" xmlns:r="http://schemas.openxmlformats.org/officeDocument/2006/relationships" xmlns:p="http://schemas.openxmlformats.org/presentationml/2006/main">
   <p:cSld>
     <p:spTree>
@@ -4855,8 +5262,8 @@
           </a:p>
         </p:txBody>
       </p:sp>
-      <mc:AlternateContent xmlns:mc="http://schemas.openxmlformats.org/markup-compatibility/2006">
-        <mc:Choice xmlns:a14="http://schemas.microsoft.com/office/drawing/2010/main" Requires="a14">
+      <mc:AlternateContent xmlns:mc="http://schemas.openxmlformats.org/markup-compatibility/2006" xmlns:a14="http://schemas.microsoft.com/office/drawing/2010/main">
+        <mc:Choice Requires="a14">
           <p:sp>
             <p:nvSpPr>
               <p:cNvPr id="3" name="Content Placeholder 2"/>
@@ -4867,7 +5274,12 @@
                 <p:ph sz="half" idx="2"/>
               </p:nvPr>
             </p:nvSpPr>
-            <p:spPr/>
+            <p:spPr>
+              <a:xfrm>
+                <a:off x="381000" y="850898"/>
+                <a:ext cx="11430000" cy="3240811"/>
+              </a:xfrm>
+            </p:spPr>
             <p:txBody>
               <a:bodyPr/>
               <a:lstStyle/>
@@ -5214,7 +5626,9 @@
                       <m:t>classes</m:t>
                     </m:r>
                     <m:r>
-                      <a:rPr lang="en-US" i="1" dirty="0"/>
+                      <a:rPr lang="en-US" i="1" dirty="0">
+                        <a:latin typeface="Cambria Math" panose="02040503050406030204" pitchFamily="18" charset="0"/>
+                      </a:rPr>
                       <m:t> </m:t>
                     </m:r>
                   </m:oMath>
@@ -6070,14 +6484,7 @@
                             <a:latin typeface="Cambria Math" panose="02040503050406030204" pitchFamily="18" charset="0"/>
                             <a:ea typeface="Cambria Math" panose="02040503050406030204" pitchFamily="18" charset="0"/>
                           </a:rPr>
-                          <m:t>×</m:t>
-                        </m:r>
-                        <m:r>
-                          <a:rPr lang="en-US" i="1">
-                            <a:latin typeface="Cambria Math" panose="02040503050406030204" pitchFamily="18" charset="0"/>
-                            <a:ea typeface="Cambria Math" panose="02040503050406030204" pitchFamily="18" charset="0"/>
-                          </a:rPr>
-                          <m:t>2</m:t>
+                          <m:t>×2</m:t>
                         </m:r>
                       </m:sup>
                     </m:sSup>
@@ -6428,7 +6835,7 @@
             </p:txBody>
           </p:sp>
         </mc:Choice>
-        <mc:Fallback>
+        <mc:Fallback xmlns="">
           <p:sp>
             <p:nvSpPr>
               <p:cNvPr id="3" name="Content Placeholder 2"/>
@@ -6440,10 +6847,14 @@
               </p:nvPr>
             </p:nvSpPr>
             <p:spPr>
+              <a:xfrm>
+                <a:off x="381000" y="850898"/>
+                <a:ext cx="11430000" cy="3240811"/>
+              </a:xfrm>
               <a:blipFill>
                 <a:blip r:embed="rId3"/>
                 <a:stretch>
-                  <a:fillRect l="-533"/>
+                  <a:fillRect l="-533" r="-53"/>
                 </a:stretch>
               </a:blipFill>
             </p:spPr>
@@ -6479,7 +6890,7 @@
           <a:p>
             <a:fld id="{499624E5-6640-4B65-82B0-BACE50C7D1B2}" type="datetime1">
               <a:rPr lang="en-US" smtClean="0"/>
-              <a:t>10/6/2021</a:t>
+              <a:t>7/10/2021</a:t>
             </a:fld>
             <a:endParaRPr lang="en-US" dirty="0"/>
           </a:p>
@@ -6525,7 +6936,7 @@
           <a:p>
             <a:fld id="{B881B6B3-2069-452F-BF40-F653D75B3DB0}" type="slidenum">
               <a:rPr lang="en-US" smtClean="0"/>
-              <a:t>13</a:t>
+              <a:t>14</a:t>
             </a:fld>
             <a:endParaRPr lang="en-US"/>
           </a:p>
@@ -6597,7 +7008,7 @@
         </p:blipFill>
         <p:spPr>
           <a:xfrm>
-            <a:off x="7240308" y="850894"/>
+            <a:off x="381000" y="4187426"/>
             <a:ext cx="3812003" cy="2209729"/>
           </a:xfrm>
           <a:prstGeom prst="rect">
@@ -6605,6 +7016,237 @@
           </a:prstGeom>
         </p:spPr>
       </p:pic>
+      <p:pic>
+        <p:nvPicPr>
+          <p:cNvPr id="10" name="Picture 9">
+            <a:extLst>
+              <a:ext uri="{FF2B5EF4-FFF2-40B4-BE49-F238E27FC236}">
+                <a16:creationId xmlns:a16="http://schemas.microsoft.com/office/drawing/2014/main" id="{941EDC8E-3CFA-4A89-B1EF-219AA9B0C392}"/>
+              </a:ext>
+            </a:extLst>
+          </p:cNvPr>
+          <p:cNvPicPr>
+            <a:picLocks noChangeAspect="1"/>
+          </p:cNvPicPr>
+          <p:nvPr/>
+        </p:nvPicPr>
+        <p:blipFill>
+          <a:blip r:embed="rId5"/>
+          <a:stretch>
+            <a:fillRect/>
+          </a:stretch>
+        </p:blipFill>
+        <p:spPr>
+          <a:xfrm>
+            <a:off x="4418568" y="4447229"/>
+            <a:ext cx="7392432" cy="1181265"/>
+          </a:xfrm>
+          <a:prstGeom prst="rect">
+            <a:avLst/>
+          </a:prstGeom>
+        </p:spPr>
+      </p:pic>
+      <p:sp>
+        <p:nvSpPr>
+          <p:cNvPr id="11" name="Text Placeholder 8">
+            <a:extLst>
+              <a:ext uri="{FF2B5EF4-FFF2-40B4-BE49-F238E27FC236}">
+                <a16:creationId xmlns:a16="http://schemas.microsoft.com/office/drawing/2014/main" id="{8CF30DFC-DA1E-425D-82E2-D5BD27EE06B7}"/>
+              </a:ext>
+            </a:extLst>
+          </p:cNvPr>
+          <p:cNvSpPr txBox="1">
+            <a:spLocks/>
+          </p:cNvSpPr>
+          <p:nvPr/>
+        </p:nvSpPr>
+        <p:spPr>
+          <a:xfrm>
+            <a:off x="4623485" y="5628494"/>
+            <a:ext cx="6982598" cy="365125"/>
+          </a:xfrm>
+          <a:prstGeom prst="rect">
+            <a:avLst/>
+          </a:prstGeom>
+        </p:spPr>
+        <p:txBody>
+          <a:bodyPr/>
+          <a:lstStyle>
+            <a:lvl1pPr marL="228600" indent="-228600" algn="l" defTabSz="914400" rtl="0" eaLnBrk="1" latinLnBrk="0" hangingPunct="1">
+              <a:lnSpc>
+                <a:spcPct val="90000"/>
+              </a:lnSpc>
+              <a:spcBef>
+                <a:spcPts val="1000"/>
+              </a:spcBef>
+              <a:buFont typeface="Arial" panose="020B0604020202020204" pitchFamily="34" charset="0"/>
+              <a:buChar char="•"/>
+              <a:defRPr sz="2800" kern="1200">
+                <a:solidFill>
+                  <a:schemeClr val="tx1"/>
+                </a:solidFill>
+                <a:latin typeface="Knuth's Computer Modern"/>
+                <a:ea typeface="+mn-ea"/>
+                <a:cs typeface="+mn-cs"/>
+              </a:defRPr>
+            </a:lvl1pPr>
+            <a:lvl2pPr marL="685800" indent="-228600" algn="l" defTabSz="914400" rtl="0" eaLnBrk="1" latinLnBrk="0" hangingPunct="1">
+              <a:lnSpc>
+                <a:spcPct val="90000"/>
+              </a:lnSpc>
+              <a:spcBef>
+                <a:spcPts val="500"/>
+              </a:spcBef>
+              <a:buFont typeface="Arial" panose="020B0604020202020204" pitchFamily="34" charset="0"/>
+              <a:buChar char="•"/>
+              <a:defRPr sz="2400" kern="1200">
+                <a:solidFill>
+                  <a:schemeClr val="tx1"/>
+                </a:solidFill>
+                <a:latin typeface="Knuth's Computer Modern"/>
+                <a:ea typeface="+mn-ea"/>
+                <a:cs typeface="+mn-cs"/>
+              </a:defRPr>
+            </a:lvl2pPr>
+            <a:lvl3pPr marL="1143000" indent="-228600" algn="l" defTabSz="914400" rtl="0" eaLnBrk="1" latinLnBrk="0" hangingPunct="1">
+              <a:lnSpc>
+                <a:spcPct val="90000"/>
+              </a:lnSpc>
+              <a:spcBef>
+                <a:spcPts val="500"/>
+              </a:spcBef>
+              <a:buFont typeface="Arial" panose="020B0604020202020204" pitchFamily="34" charset="0"/>
+              <a:buChar char="•"/>
+              <a:defRPr sz="2000" kern="1200">
+                <a:solidFill>
+                  <a:schemeClr val="tx1"/>
+                </a:solidFill>
+                <a:latin typeface="Knuth's Computer Modern"/>
+                <a:ea typeface="+mn-ea"/>
+                <a:cs typeface="+mn-cs"/>
+              </a:defRPr>
+            </a:lvl3pPr>
+            <a:lvl4pPr marL="1600200" indent="-228600" algn="l" defTabSz="914400" rtl="0" eaLnBrk="1" latinLnBrk="0" hangingPunct="1">
+              <a:lnSpc>
+                <a:spcPct val="90000"/>
+              </a:lnSpc>
+              <a:spcBef>
+                <a:spcPts val="500"/>
+              </a:spcBef>
+              <a:buFont typeface="Arial" panose="020B0604020202020204" pitchFamily="34" charset="0"/>
+              <a:buChar char="•"/>
+              <a:defRPr sz="1800" kern="1200">
+                <a:solidFill>
+                  <a:schemeClr val="tx1"/>
+                </a:solidFill>
+                <a:latin typeface="Knuth's Computer Modern"/>
+                <a:ea typeface="+mn-ea"/>
+                <a:cs typeface="+mn-cs"/>
+              </a:defRPr>
+            </a:lvl4pPr>
+            <a:lvl5pPr marL="2057400" indent="-228600" algn="l" defTabSz="914400" rtl="0" eaLnBrk="1" latinLnBrk="0" hangingPunct="1">
+              <a:lnSpc>
+                <a:spcPct val="90000"/>
+              </a:lnSpc>
+              <a:spcBef>
+                <a:spcPts val="500"/>
+              </a:spcBef>
+              <a:buFont typeface="Arial" panose="020B0604020202020204" pitchFamily="34" charset="0"/>
+              <a:buChar char="•"/>
+              <a:defRPr sz="1800" kern="1200">
+                <a:solidFill>
+                  <a:schemeClr val="tx1"/>
+                </a:solidFill>
+                <a:latin typeface="Knuth's Computer Modern"/>
+                <a:ea typeface="+mn-ea"/>
+                <a:cs typeface="+mn-cs"/>
+              </a:defRPr>
+            </a:lvl5pPr>
+            <a:lvl6pPr marL="2514600" indent="-228600" algn="l" defTabSz="914400" rtl="0" eaLnBrk="1" latinLnBrk="0" hangingPunct="1">
+              <a:lnSpc>
+                <a:spcPct val="90000"/>
+              </a:lnSpc>
+              <a:spcBef>
+                <a:spcPts val="500"/>
+              </a:spcBef>
+              <a:buFont typeface="Arial" panose="020B0604020202020204" pitchFamily="34" charset="0"/>
+              <a:buChar char="•"/>
+              <a:defRPr sz="1800" kern="1200">
+                <a:solidFill>
+                  <a:schemeClr val="tx1"/>
+                </a:solidFill>
+                <a:latin typeface="+mn-lt"/>
+                <a:ea typeface="+mn-ea"/>
+                <a:cs typeface="+mn-cs"/>
+              </a:defRPr>
+            </a:lvl6pPr>
+            <a:lvl7pPr marL="2971800" indent="-228600" algn="l" defTabSz="914400" rtl="0" eaLnBrk="1" latinLnBrk="0" hangingPunct="1">
+              <a:lnSpc>
+                <a:spcPct val="90000"/>
+              </a:lnSpc>
+              <a:spcBef>
+                <a:spcPts val="500"/>
+              </a:spcBef>
+              <a:buFont typeface="Arial" panose="020B0604020202020204" pitchFamily="34" charset="0"/>
+              <a:buChar char="•"/>
+              <a:defRPr sz="1800" kern="1200">
+                <a:solidFill>
+                  <a:schemeClr val="tx1"/>
+                </a:solidFill>
+                <a:latin typeface="+mn-lt"/>
+                <a:ea typeface="+mn-ea"/>
+                <a:cs typeface="+mn-cs"/>
+              </a:defRPr>
+            </a:lvl7pPr>
+            <a:lvl8pPr marL="3429000" indent="-228600" algn="l" defTabSz="914400" rtl="0" eaLnBrk="1" latinLnBrk="0" hangingPunct="1">
+              <a:lnSpc>
+                <a:spcPct val="90000"/>
+              </a:lnSpc>
+              <a:spcBef>
+                <a:spcPts val="500"/>
+              </a:spcBef>
+              <a:buFont typeface="Arial" panose="020B0604020202020204" pitchFamily="34" charset="0"/>
+              <a:buChar char="•"/>
+              <a:defRPr sz="1800" kern="1200">
+                <a:solidFill>
+                  <a:schemeClr val="tx1"/>
+                </a:solidFill>
+                <a:latin typeface="+mn-lt"/>
+                <a:ea typeface="+mn-ea"/>
+                <a:cs typeface="+mn-cs"/>
+              </a:defRPr>
+            </a:lvl8pPr>
+            <a:lvl9pPr marL="3886200" indent="-228600" algn="l" defTabSz="914400" rtl="0" eaLnBrk="1" latinLnBrk="0" hangingPunct="1">
+              <a:lnSpc>
+                <a:spcPct val="90000"/>
+              </a:lnSpc>
+              <a:spcBef>
+                <a:spcPts val="500"/>
+              </a:spcBef>
+              <a:buFont typeface="Arial" panose="020B0604020202020204" pitchFamily="34" charset="0"/>
+              <a:buChar char="•"/>
+              <a:defRPr sz="1800" kern="1200">
+                <a:solidFill>
+                  <a:schemeClr val="tx1"/>
+                </a:solidFill>
+                <a:latin typeface="+mn-lt"/>
+                <a:ea typeface="+mn-ea"/>
+                <a:cs typeface="+mn-cs"/>
+              </a:defRPr>
+            </a:lvl9pPr>
+          </a:lstStyle>
+          <a:p>
+            <a:pPr marL="0" indent="0">
+              <a:buNone/>
+            </a:pPr>
+            <a:r>
+              <a:rPr lang="en-US" sz="1500" i="1" dirty="0" smtClean="0"/>
+              <a:t>Key-points design for a license plate (colors are according to number of classes)</a:t>
+            </a:r>
+            <a:endParaRPr lang="en-US" sz="1500" i="1" dirty="0"/>
+          </a:p>
+        </p:txBody>
+      </p:sp>
     </p:spTree>
     <p:extLst>
       <p:ext uri="{BB962C8B-B14F-4D97-AF65-F5344CB8AC3E}">
@@ -6627,290 +7269,13 @@
       </p:transition>
     </mc:Fallback>
   </mc:AlternateContent>
-</p:sld>
-</file>
-
-<file path=ppt/slides/slide14.xml><?xml version="1.0" encoding="utf-8"?>
-<p:sld xmlns:a="http://schemas.openxmlformats.org/drawingml/2006/main" xmlns:r="http://schemas.openxmlformats.org/officeDocument/2006/relationships" xmlns:p="http://schemas.openxmlformats.org/presentationml/2006/main">
-  <p:cSld>
-    <p:spTree>
-      <p:nvGrpSpPr>
-        <p:cNvPr id="1" name=""/>
-        <p:cNvGrpSpPr/>
-        <p:nvPr/>
-      </p:nvGrpSpPr>
-      <p:grpSpPr>
-        <a:xfrm>
-          <a:off x="0" y="0"/>
-          <a:ext cx="0" cy="0"/>
-          <a:chOff x="0" y="0"/>
-          <a:chExt cx="0" cy="0"/>
-        </a:xfrm>
-      </p:grpSpPr>
-      <p:sp>
-        <p:nvSpPr>
-          <p:cNvPr id="2" name="Title 1">
-            <a:extLst>
-              <a:ext uri="{FF2B5EF4-FFF2-40B4-BE49-F238E27FC236}">
-                <a16:creationId xmlns:a16="http://schemas.microsoft.com/office/drawing/2014/main" id="{1E23C7E1-0E1E-4066-8D83-F4F52AB775B4}"/>
-              </a:ext>
-            </a:extLst>
-          </p:cNvPr>
-          <p:cNvSpPr>
-            <a:spLocks noGrp="1"/>
-          </p:cNvSpPr>
-          <p:nvPr>
-            <p:ph type="title"/>
-          </p:nvPr>
-        </p:nvSpPr>
-        <p:spPr/>
-        <p:txBody>
-          <a:bodyPr/>
-          <a:lstStyle/>
-          <a:p>
-            <a:r>
-              <a:rPr lang="en-US" dirty="0"/>
-              <a:t>Data preprocessing - </a:t>
-            </a:r>
-            <a:r>
-              <a:rPr lang="en-US" dirty="0" err="1"/>
-              <a:t>Keypoints</a:t>
-            </a:r>
-            <a:r>
-              <a:rPr lang="en-US" dirty="0"/>
-              <a:t> design for license plate</a:t>
-            </a:r>
-          </a:p>
-        </p:txBody>
-      </p:sp>
-      <p:sp>
-        <p:nvSpPr>
-          <p:cNvPr id="4" name="Date Placeholder 3">
-            <a:extLst>
-              <a:ext uri="{FF2B5EF4-FFF2-40B4-BE49-F238E27FC236}">
-                <a16:creationId xmlns:a16="http://schemas.microsoft.com/office/drawing/2014/main" id="{71AA832E-45D3-4C08-A9CA-36C9A5132C84}"/>
-              </a:ext>
-            </a:extLst>
-          </p:cNvPr>
-          <p:cNvSpPr>
-            <a:spLocks noGrp="1"/>
-          </p:cNvSpPr>
-          <p:nvPr>
-            <p:ph type="dt" sz="half" idx="10"/>
-          </p:nvPr>
-        </p:nvSpPr>
-        <p:spPr/>
-        <p:txBody>
-          <a:bodyPr/>
-          <a:lstStyle/>
-          <a:p>
-            <a:fld id="{499624E5-6640-4B65-82B0-BACE50C7D1B2}" type="datetime1">
-              <a:rPr lang="en-US" smtClean="0"/>
-              <a:t>10/6/2021</a:t>
-            </a:fld>
-            <a:endParaRPr lang="en-US" dirty="0"/>
-          </a:p>
-        </p:txBody>
-      </p:sp>
-      <p:sp>
-        <p:nvSpPr>
-          <p:cNvPr id="5" name="Footer Placeholder 4">
-            <a:extLst>
-              <a:ext uri="{FF2B5EF4-FFF2-40B4-BE49-F238E27FC236}">
-                <a16:creationId xmlns:a16="http://schemas.microsoft.com/office/drawing/2014/main" id="{CB8ECAE1-2387-4DB4-AB02-47D872CC69A2}"/>
-              </a:ext>
-            </a:extLst>
-          </p:cNvPr>
-          <p:cNvSpPr>
-            <a:spLocks noGrp="1"/>
-          </p:cNvSpPr>
-          <p:nvPr>
-            <p:ph type="ftr" sz="quarter" idx="11"/>
-          </p:nvPr>
-        </p:nvSpPr>
-        <p:spPr/>
-        <p:txBody>
-          <a:bodyPr/>
-          <a:lstStyle/>
-          <a:p>
-            <a:r>
-              <a:rPr lang="fr-FR"/>
-              <a:t>Le Quy Don Technical University</a:t>
-            </a:r>
-            <a:endParaRPr lang="en-US" dirty="0"/>
-          </a:p>
-        </p:txBody>
-      </p:sp>
-      <p:sp>
-        <p:nvSpPr>
-          <p:cNvPr id="6" name="Slide Number Placeholder 5">
-            <a:extLst>
-              <a:ext uri="{FF2B5EF4-FFF2-40B4-BE49-F238E27FC236}">
-                <a16:creationId xmlns:a16="http://schemas.microsoft.com/office/drawing/2014/main" id="{D4B18BBA-C59C-4311-B045-250ED864895E}"/>
-              </a:ext>
-            </a:extLst>
-          </p:cNvPr>
-          <p:cNvSpPr>
-            <a:spLocks noGrp="1"/>
-          </p:cNvSpPr>
-          <p:nvPr>
-            <p:ph type="sldNum" sz="quarter" idx="12"/>
-          </p:nvPr>
-        </p:nvSpPr>
-        <p:spPr/>
-        <p:txBody>
-          <a:bodyPr/>
-          <a:lstStyle/>
-          <a:p>
-            <a:fld id="{B881B6B3-2069-452F-BF40-F653D75B3DB0}" type="slidenum">
-              <a:rPr lang="en-US" smtClean="0"/>
-              <a:t>14</a:t>
-            </a:fld>
-            <a:endParaRPr lang="en-US"/>
-          </a:p>
-        </p:txBody>
-      </p:sp>
-      <p:sp>
-        <p:nvSpPr>
-          <p:cNvPr id="7" name="Text Placeholder 6">
-            <a:extLst>
-              <a:ext uri="{FF2B5EF4-FFF2-40B4-BE49-F238E27FC236}">
-                <a16:creationId xmlns:a16="http://schemas.microsoft.com/office/drawing/2014/main" id="{8AD9C2F9-6AB5-44E5-8038-CD8E82220C18}"/>
-              </a:ext>
-            </a:extLst>
-          </p:cNvPr>
-          <p:cNvSpPr>
-            <a:spLocks noGrp="1"/>
-          </p:cNvSpPr>
-          <p:nvPr>
-            <p:ph type="body" sz="quarter" idx="13"/>
-          </p:nvPr>
-        </p:nvSpPr>
-        <p:spPr/>
-        <p:txBody>
-          <a:bodyPr/>
-          <a:lstStyle/>
-          <a:p>
-            <a:r>
-              <a:rPr lang="en-US" dirty="0"/>
-              <a:t>Proposed method</a:t>
-            </a:r>
-          </a:p>
-        </p:txBody>
-      </p:sp>
-      <p:sp>
-        <p:nvSpPr>
-          <p:cNvPr id="8" name="Text Placeholder 7">
-            <a:extLst>
-              <a:ext uri="{FF2B5EF4-FFF2-40B4-BE49-F238E27FC236}">
-                <a16:creationId xmlns:a16="http://schemas.microsoft.com/office/drawing/2014/main" id="{59765028-215B-4C1F-99ED-B92B3EC3E002}"/>
-              </a:ext>
-            </a:extLst>
-          </p:cNvPr>
-          <p:cNvSpPr>
-            <a:spLocks noGrp="1"/>
-          </p:cNvSpPr>
-          <p:nvPr>
-            <p:ph type="body" sz="quarter" idx="14"/>
-          </p:nvPr>
-        </p:nvSpPr>
-        <p:spPr/>
-        <p:txBody>
-          <a:bodyPr/>
-          <a:lstStyle/>
-          <a:p>
-            <a:r>
-              <a:rPr lang="en-US" dirty="0"/>
-              <a:t>License plate detection</a:t>
-            </a:r>
-          </a:p>
-        </p:txBody>
-      </p:sp>
-      <p:sp>
-        <p:nvSpPr>
-          <p:cNvPr id="9" name="Text Placeholder 8">
-            <a:extLst>
-              <a:ext uri="{FF2B5EF4-FFF2-40B4-BE49-F238E27FC236}">
-                <a16:creationId xmlns:a16="http://schemas.microsoft.com/office/drawing/2014/main" id="{8CF30DFC-DA1E-425D-82E2-D5BD27EE06B7}"/>
-              </a:ext>
-            </a:extLst>
-          </p:cNvPr>
-          <p:cNvSpPr>
-            <a:spLocks noGrp="1"/>
-          </p:cNvSpPr>
-          <p:nvPr>
-            <p:ph type="body" sz="quarter" idx="15"/>
-          </p:nvPr>
-        </p:nvSpPr>
-        <p:spPr>
-          <a:xfrm>
-            <a:off x="2734057" y="4019633"/>
-            <a:ext cx="6883770" cy="365125"/>
-          </a:xfrm>
-        </p:spPr>
-        <p:txBody>
-          <a:bodyPr/>
-          <a:lstStyle/>
-          <a:p>
-            <a:r>
-              <a:rPr lang="en-US" dirty="0"/>
-              <a:t>Key-points design for a license plate (colors are according to number of classes)</a:t>
-            </a:r>
-          </a:p>
-        </p:txBody>
-      </p:sp>
-      <p:pic>
-        <p:nvPicPr>
-          <p:cNvPr id="10" name="Picture 9">
-            <a:extLst>
-              <a:ext uri="{FF2B5EF4-FFF2-40B4-BE49-F238E27FC236}">
-                <a16:creationId xmlns:a16="http://schemas.microsoft.com/office/drawing/2014/main" id="{941EDC8E-3CFA-4A89-B1EF-219AA9B0C392}"/>
-              </a:ext>
-            </a:extLst>
-          </p:cNvPr>
-          <p:cNvPicPr>
-            <a:picLocks noChangeAspect="1"/>
-          </p:cNvPicPr>
-          <p:nvPr/>
-        </p:nvPicPr>
-        <p:blipFill>
-          <a:blip r:embed="rId2"/>
-          <a:stretch>
-            <a:fillRect/>
-          </a:stretch>
-        </p:blipFill>
-        <p:spPr>
-          <a:xfrm>
-            <a:off x="2399784" y="2838368"/>
-            <a:ext cx="7392432" cy="1181265"/>
-          </a:xfrm>
-          <a:prstGeom prst="rect">
-            <a:avLst/>
-          </a:prstGeom>
-        </p:spPr>
-      </p:pic>
-    </p:spTree>
-    <p:extLst>
-      <p:ext uri="{BB962C8B-B14F-4D97-AF65-F5344CB8AC3E}">
-        <p14:creationId xmlns:p14="http://schemas.microsoft.com/office/powerpoint/2010/main" val="445499269"/>
-      </p:ext>
-    </p:extLst>
-  </p:cSld>
-  <p:clrMapOvr>
-    <a:masterClrMapping/>
-  </p:clrMapOvr>
-  <mc:AlternateContent xmlns:mc="http://schemas.openxmlformats.org/markup-compatibility/2006" xmlns:p14="http://schemas.microsoft.com/office/powerpoint/2010/main">
-    <mc:Choice Requires="p14">
-      <p:transition spd="med" p14:dur="700">
-        <p:fade/>
-      </p:transition>
-    </mc:Choice>
-    <mc:Fallback xmlns="">
-      <p:transition spd="med">
-        <p:fade/>
-      </p:transition>
-    </mc:Fallback>
-  </mc:AlternateContent>
+  <p:timing>
+    <p:tnLst>
+      <p:par>
+        <p:cTn id="1" dur="indefinite" restart="never" nodeType="tmRoot"/>
+      </p:par>
+    </p:tnLst>
+  </p:timing>
 </p:sld>
 </file>
 
@@ -7037,7 +7402,7 @@
           <a:p>
             <a:fld id="{499624E5-6640-4B65-82B0-BACE50C7D1B2}" type="datetime1">
               <a:rPr lang="en-US" smtClean="0"/>
-              <a:t>10/6/2021</a:t>
+              <a:t>7/10/2021</a:t>
             </a:fld>
             <a:endParaRPr lang="en-US" dirty="0"/>
           </a:p>
@@ -7250,6 +7615,13 @@
       </p:transition>
     </mc:Fallback>
   </mc:AlternateContent>
+  <p:timing>
+    <p:tnLst>
+      <p:par>
+        <p:cTn id="1" dur="indefinite" restart="never" nodeType="tmRoot"/>
+      </p:par>
+    </p:tnLst>
+  </p:timing>
 </p:sld>
 </file>
 
@@ -7366,7 +7738,7 @@
           <a:p>
             <a:fld id="{499624E5-6640-4B65-82B0-BACE50C7D1B2}" type="datetime1">
               <a:rPr lang="en-US" smtClean="0"/>
-              <a:t>10/6/2021</a:t>
+              <a:t>7/10/2021</a:t>
             </a:fld>
             <a:endParaRPr lang="en-US" dirty="0"/>
           </a:p>
@@ -7504,8 +7876,8 @@
         </p:nvSpPr>
         <p:spPr>
           <a:xfrm>
-            <a:off x="2793490" y="5528731"/>
-            <a:ext cx="6601968" cy="507831"/>
+            <a:off x="2449536" y="5374335"/>
+            <a:ext cx="7289878" cy="676442"/>
           </a:xfrm>
         </p:spPr>
         <p:txBody>
@@ -7545,7 +7917,7 @@
         </p:blipFill>
         <p:spPr>
           <a:xfrm>
-            <a:off x="2636161" y="1695951"/>
+            <a:off x="2637687" y="1501580"/>
             <a:ext cx="6916626" cy="3832780"/>
           </a:xfrm>
           <a:prstGeom prst="rect">
@@ -7563,18 +7935,25 @@
   <p:clrMapOvr>
     <a:masterClrMapping/>
   </p:clrMapOvr>
-  <mc:AlternateContent xmlns:mc="http://schemas.openxmlformats.org/markup-compatibility/2006">
-    <mc:Choice xmlns:p14="http://schemas.microsoft.com/office/powerpoint/2010/main" Requires="p14">
+  <mc:AlternateContent xmlns:mc="http://schemas.openxmlformats.org/markup-compatibility/2006" xmlns:p14="http://schemas.microsoft.com/office/powerpoint/2010/main">
+    <mc:Choice Requires="p14">
       <p:transition spd="med" p14:dur="700">
         <p:fade/>
       </p:transition>
     </mc:Choice>
-    <mc:Fallback>
+    <mc:Fallback xmlns="">
       <p:transition spd="med">
         <p:fade/>
       </p:transition>
     </mc:Fallback>
   </mc:AlternateContent>
+  <p:timing>
+    <p:tnLst>
+      <p:par>
+        <p:cTn id="1" dur="indefinite" restart="never" nodeType="tmRoot"/>
+      </p:par>
+    </p:tnLst>
+  </p:timing>
 </p:sld>
 </file>
 
@@ -7623,8 +8002,8 @@
           </a:p>
         </p:txBody>
       </p:sp>
-      <mc:AlternateContent xmlns:mc="http://schemas.openxmlformats.org/markup-compatibility/2006">
-        <mc:Choice xmlns:a14="http://schemas.microsoft.com/office/drawing/2010/main" Requires="a14">
+      <mc:AlternateContent xmlns:mc="http://schemas.openxmlformats.org/markup-compatibility/2006" xmlns:a14="http://schemas.microsoft.com/office/drawing/2010/main">
+        <mc:Choice Requires="a14">
           <p:sp>
             <p:nvSpPr>
               <p:cNvPr id="3" name="Content Placeholder 2">
@@ -7643,8 +8022,8 @@
             </p:nvSpPr>
             <p:spPr>
               <a:xfrm>
-                <a:off x="381000" y="850899"/>
-                <a:ext cx="11430000" cy="365126"/>
+                <a:off x="381000" y="850898"/>
+                <a:ext cx="11430000" cy="1092947"/>
               </a:xfrm>
             </p:spPr>
             <p:txBody>
@@ -7656,7 +8035,7 @@
                   <a:buChar char="§"/>
                 </a:pPr>
                 <a:r>
-                  <a:rPr lang="en-US" dirty="0"/>
+                  <a:rPr lang="en-US" dirty="0" smtClean="0"/>
                   <a:t>33 characters {</a:t>
                 </a:r>
                 <a14:m>
@@ -7671,16 +8050,43 @@
                       <a:rPr lang="en-US" i="1">
                         <a:latin typeface="Cambria Math" panose="02040503050406030204" pitchFamily="18" charset="0"/>
                       </a:rPr>
-                      <m:t>0123456789-.}</m:t>
+                      <m:t>0123456789−.}</m:t>
                     </m:r>
                   </m:oMath>
                 </a14:m>
+                <a:endParaRPr lang="en-US" dirty="0" smtClean="0"/>
+              </a:p>
+              <a:p>
+                <a:pPr marL="342900" indent="-342900">
+                  <a:buFont typeface="Wingdings" panose="05000000000000000000" pitchFamily="2" charset="2"/>
+                  <a:buChar char="§"/>
+                </a:pPr>
+                <a:r>
+                  <a:rPr lang="en-US" u="sng" dirty="0"/>
+                  <a:t>Data preprocessing</a:t>
+                </a:r>
+                <a:r>
+                  <a:rPr lang="en-US" dirty="0"/>
+                  <a:t>: For 2-line LPs, we use the X-Y Cut algorithm </a:t>
+                </a:r>
+                <a:r>
+                  <a:rPr lang="en-US" dirty="0" smtClean="0"/>
+                  <a:t>to </a:t>
+                </a:r>
+                <a:r>
+                  <a:rPr lang="en-US" dirty="0"/>
+                  <a:t>find out where to split a 2-line LP into two 1-line </a:t>
+                </a:r>
+                <a:r>
+                  <a:rPr lang="en-US" dirty="0" smtClean="0"/>
+                  <a:t>LPs.</a:t>
+                </a:r>
                 <a:endParaRPr lang="en-US" b="0" dirty="0"/>
               </a:p>
             </p:txBody>
           </p:sp>
         </mc:Choice>
-        <mc:Fallback>
+        <mc:Fallback xmlns="">
           <p:sp>
             <p:nvSpPr>
               <p:cNvPr id="3" name="Content Placeholder 2">
@@ -7699,13 +8105,13 @@
             </p:nvSpPr>
             <p:spPr>
               <a:xfrm>
-                <a:off x="381000" y="850899"/>
-                <a:ext cx="11430000" cy="365126"/>
+                <a:off x="381000" y="850898"/>
+                <a:ext cx="11430000" cy="1092947"/>
               </a:xfrm>
               <a:blipFill>
                 <a:blip r:embed="rId2"/>
                 <a:stretch>
-                  <a:fillRect l="-427" t="-15254" b="-28814"/>
+                  <a:fillRect l="-427" t="-1676" r="-480" b="-5028"/>
                 </a:stretch>
               </a:blipFill>
             </p:spPr>
@@ -7747,7 +8153,7 @@
           <a:p>
             <a:fld id="{499624E5-6640-4B65-82B0-BACE50C7D1B2}" type="datetime1">
               <a:rPr lang="en-US" smtClean="0"/>
-              <a:t>10/6/2021</a:t>
+              <a:t>7/10/2021</a:t>
             </a:fld>
             <a:endParaRPr lang="en-US" dirty="0"/>
           </a:p>
@@ -7927,6 +8333,74 @@
           </a:prstGeom>
         </p:spPr>
       </p:pic>
+      <p:sp>
+        <p:nvSpPr>
+          <p:cNvPr id="9" name="TextBox 8"/>
+          <p:cNvSpPr txBox="1"/>
+          <p:nvPr/>
+        </p:nvSpPr>
+        <p:spPr>
+          <a:xfrm>
+            <a:off x="1010008" y="4457844"/>
+            <a:ext cx="4080604" cy="323165"/>
+          </a:xfrm>
+          <a:prstGeom prst="rect">
+            <a:avLst/>
+          </a:prstGeom>
+          <a:noFill/>
+        </p:spPr>
+        <p:txBody>
+          <a:bodyPr wrap="none" rtlCol="0">
+            <a:spAutoFit/>
+          </a:bodyPr>
+          <a:lstStyle/>
+          <a:p>
+            <a:r>
+              <a:rPr lang="en-US" sz="1500" i="1" dirty="0" smtClean="0">
+                <a:latin typeface="Knuth's Computer Modern"/>
+              </a:rPr>
+              <a:t>Size of old and new Vietnamese LP (unit mm)</a:t>
+            </a:r>
+            <a:endParaRPr lang="en-US" sz="1500" i="1" dirty="0">
+              <a:latin typeface="Knuth's Computer Modern"/>
+            </a:endParaRPr>
+          </a:p>
+        </p:txBody>
+      </p:sp>
+      <p:sp>
+        <p:nvSpPr>
+          <p:cNvPr id="13" name="TextBox 12"/>
+          <p:cNvSpPr txBox="1"/>
+          <p:nvPr/>
+        </p:nvSpPr>
+        <p:spPr>
+          <a:xfrm>
+            <a:off x="7322862" y="3833869"/>
+            <a:ext cx="3646896" cy="323165"/>
+          </a:xfrm>
+          <a:prstGeom prst="rect">
+            <a:avLst/>
+          </a:prstGeom>
+          <a:noFill/>
+        </p:spPr>
+        <p:txBody>
+          <a:bodyPr wrap="none" rtlCol="0">
+            <a:spAutoFit/>
+          </a:bodyPr>
+          <a:lstStyle/>
+          <a:p>
+            <a:r>
+              <a:rPr lang="en-US" sz="1500" i="1" dirty="0" smtClean="0">
+                <a:latin typeface="Knuth's Computer Modern"/>
+              </a:rPr>
+              <a:t>Color and text formats of Vietnamese LP</a:t>
+            </a:r>
+            <a:endParaRPr lang="en-US" sz="1500" i="1" dirty="0">
+              <a:latin typeface="Knuth's Computer Modern"/>
+            </a:endParaRPr>
+          </a:p>
+        </p:txBody>
+      </p:sp>
     </p:spTree>
     <p:extLst>
       <p:ext uri="{BB962C8B-B14F-4D97-AF65-F5344CB8AC3E}">
@@ -7949,6 +8423,13 @@
       </p:transition>
     </mc:Fallback>
   </mc:AlternateContent>
+  <p:timing>
+    <p:tnLst>
+      <p:par>
+        <p:cTn id="1" dur="indefinite" restart="never" nodeType="tmRoot"/>
+      </p:par>
+    </p:tnLst>
+  </p:timing>
 </p:sld>
 </file>
 
@@ -7974,7 +8455,7 @@
           <p:cNvPr id="2" name="Title 1">
             <a:extLst>
               <a:ext uri="{FF2B5EF4-FFF2-40B4-BE49-F238E27FC236}">
-                <a16:creationId xmlns:a16="http://schemas.microsoft.com/office/drawing/2014/main" id="{FF3861D7-E9D2-4179-9729-DE1F93F8CDF8}"/>
+                <a16:creationId xmlns:a16="http://schemas.microsoft.com/office/drawing/2014/main" id="{92C61578-85E3-481C-93DF-503BF2015F5D}"/>
               </a:ext>
             </a:extLst>
           </p:cNvPr>
@@ -7991,47 +8472,183 @@
           <a:lstStyle/>
           <a:p>
             <a:r>
-              <a:rPr lang="en-US" dirty="0" err="1"/>
-              <a:t>Keypoints</a:t>
-            </a:r>
-            <a:r>
               <a:rPr lang="en-US" dirty="0"/>
-              <a:t> design for license plate</a:t>
-            </a:r>
-          </a:p>
-        </p:txBody>
-      </p:sp>
-      <p:sp>
-        <p:nvSpPr>
-          <p:cNvPr id="3" name="Content Placeholder 2">
+              <a:t>VOCR Architecture</a:t>
+            </a:r>
+          </a:p>
+        </p:txBody>
+      </p:sp>
+      <mc:AlternateContent xmlns:mc="http://schemas.openxmlformats.org/markup-compatibility/2006" xmlns:a14="http://schemas.microsoft.com/office/drawing/2010/main">
+        <mc:Choice Requires="a14">
+          <p:sp>
+            <p:nvSpPr>
+              <p:cNvPr id="3" name="Content Placeholder 2">
+                <a:extLst>
+                  <a:ext uri="{FF2B5EF4-FFF2-40B4-BE49-F238E27FC236}">
+                    <a16:creationId xmlns:a16="http://schemas.microsoft.com/office/drawing/2014/main" id="{D578C93B-6EF0-41FA-BD04-947E610F2B5E}"/>
+                  </a:ext>
+                </a:extLst>
+              </p:cNvPr>
+              <p:cNvSpPr>
+                <a:spLocks noGrp="1"/>
+              </p:cNvSpPr>
+              <p:nvPr>
+                <p:ph sz="half" idx="2"/>
+              </p:nvPr>
+            </p:nvSpPr>
+            <p:spPr>
+              <a:xfrm>
+                <a:off x="381000" y="850898"/>
+                <a:ext cx="11430000" cy="1439720"/>
+              </a:xfrm>
+            </p:spPr>
+            <p:txBody>
+              <a:bodyPr/>
+              <a:lstStyle/>
+              <a:p>
+                <a:pPr marL="342900" indent="-342900">
+                  <a:buFont typeface="Wingdings" panose="05000000000000000000" pitchFamily="2" charset="2"/>
+                  <a:buChar char="§"/>
+                </a:pPr>
+                <a:r>
+                  <a:rPr lang="en-US" dirty="0" smtClean="0"/>
+                  <a:t>Segmentation-free approach with input is 1-line LP </a:t>
+                </a:r>
+                <a14:m>
+                  <m:oMath xmlns:m="http://schemas.openxmlformats.org/officeDocument/2006/math">
+                    <m:r>
+                      <a:rPr lang="en-US" b="0" i="1" smtClean="0">
+                        <a:latin typeface="Cambria Math" panose="02040503050406030204" pitchFamily="18" charset="0"/>
+                      </a:rPr>
+                      <m:t>32</m:t>
+                    </m:r>
+                    <m:r>
+                      <a:rPr lang="en-US" b="0" i="1" smtClean="0">
+                        <a:latin typeface="Cambria Math" panose="02040503050406030204" pitchFamily="18" charset="0"/>
+                        <a:ea typeface="Cambria Math" panose="02040503050406030204" pitchFamily="18" charset="0"/>
+                      </a:rPr>
+                      <m:t>×</m:t>
+                    </m:r>
+                    <m:r>
+                      <a:rPr lang="en-US" b="0" i="1" smtClean="0">
+                        <a:latin typeface="Cambria Math" panose="02040503050406030204" pitchFamily="18" charset="0"/>
+                      </a:rPr>
+                      <m:t>140</m:t>
+                    </m:r>
+                  </m:oMath>
+                </a14:m>
+                <a:r>
+                  <a:rPr lang="en-US" dirty="0" smtClean="0"/>
+                  <a:t> image.</a:t>
+                </a:r>
+              </a:p>
+              <a:p>
+                <a:pPr marL="342900" indent="-342900">
+                  <a:buFont typeface="Wingdings" panose="05000000000000000000" pitchFamily="2" charset="2"/>
+                  <a:buChar char="§"/>
+                </a:pPr>
+                <a:r>
+                  <a:rPr lang="en-US" dirty="0" smtClean="0"/>
+                  <a:t>VOCR included two parts:</a:t>
+                </a:r>
+              </a:p>
+              <a:p>
+                <a:pPr marL="800100" lvl="1" indent="-342900">
+                  <a:buFont typeface="Wingdings" panose="05000000000000000000" pitchFamily="2" charset="2"/>
+                  <a:buChar char="§"/>
+                </a:pPr>
+                <a:r>
+                  <a:rPr lang="en-US" dirty="0" smtClean="0"/>
+                  <a:t>VOCR-CNN based on VGG-19 with some modifications.</a:t>
+                </a:r>
+              </a:p>
+              <a:p>
+                <a:pPr marL="800100" lvl="1" indent="-342900">
+                  <a:buFont typeface="Wingdings" panose="05000000000000000000" pitchFamily="2" charset="2"/>
+                  <a:buChar char="§"/>
+                </a:pPr>
+                <a:r>
+                  <a:rPr lang="en-US" dirty="0" smtClean="0"/>
+                  <a:t>VOCR-RNN </a:t>
+                </a:r>
+                <a:r>
+                  <a:rPr lang="en-US" dirty="0"/>
+                  <a:t>was </a:t>
+                </a:r>
+                <a:r>
+                  <a:rPr lang="en-US" dirty="0" smtClean="0"/>
+                  <a:t>an GRU </a:t>
+                </a:r>
+                <a:r>
+                  <a:rPr lang="en-US" dirty="0"/>
+                  <a:t>encoder-decoder </a:t>
+                </a:r>
+                <a:r>
+                  <a:rPr lang="en-US" dirty="0" smtClean="0"/>
+                  <a:t>combined with </a:t>
+                </a:r>
+                <a:r>
+                  <a:rPr lang="en-US" dirty="0"/>
+                  <a:t>the a</a:t>
+                </a:r>
+                <a:r>
+                  <a:rPr lang="en-US" dirty="0" smtClean="0"/>
+                  <a:t>ttention mechanism.</a:t>
+                </a:r>
+              </a:p>
+            </p:txBody>
+          </p:sp>
+        </mc:Choice>
+        <mc:Fallback xmlns="">
+          <p:sp>
+            <p:nvSpPr>
+              <p:cNvPr id="3" name="Content Placeholder 2">
+                <a:extLst>
+                  <a:ext uri="{FF2B5EF4-FFF2-40B4-BE49-F238E27FC236}">
+                    <a16:creationId xmlns:a16="http://schemas.microsoft.com/office/drawing/2014/main" id="{D578C93B-6EF0-41FA-BD04-947E610F2B5E}"/>
+                  </a:ext>
+                </a:extLst>
+              </p:cNvPr>
+              <p:cNvSpPr>
+                <a:spLocks noGrp="1" noRot="1" noChangeAspect="1" noMove="1" noResize="1" noEditPoints="1" noAdjustHandles="1" noChangeArrowheads="1" noChangeShapeType="1" noTextEdit="1"/>
+              </p:cNvSpPr>
+              <p:nvPr>
+                <p:ph sz="half" idx="2"/>
+              </p:nvPr>
+            </p:nvSpPr>
+            <p:spPr>
+              <a:xfrm>
+                <a:off x="381000" y="850898"/>
+                <a:ext cx="11430000" cy="1439720"/>
+              </a:xfrm>
+              <a:blipFill>
+                <a:blip r:embed="rId2"/>
+                <a:stretch>
+                  <a:fillRect l="-427" t="-1695" b="-4237"/>
+                </a:stretch>
+              </a:blipFill>
+            </p:spPr>
+            <p:txBody>
+              <a:bodyPr/>
+              <a:lstStyle/>
+              <a:p>
+                <a:r>
+                  <a:rPr lang="en-US">
+                    <a:noFill/>
+                  </a:rPr>
+                  <a:t> </a:t>
+                </a:r>
+              </a:p>
+            </p:txBody>
+          </p:sp>
+        </mc:Fallback>
+      </mc:AlternateContent>
+      <p:sp>
+        <p:nvSpPr>
+          <p:cNvPr id="4" name="Date Placeholder 3">
             <a:extLst>
               <a:ext uri="{FF2B5EF4-FFF2-40B4-BE49-F238E27FC236}">
-                <a16:creationId xmlns:a16="http://schemas.microsoft.com/office/drawing/2014/main" id="{53FDC751-40E8-4995-8855-D4EDC6678457}"/>
-              </a:ext>
-            </a:extLst>
-          </p:cNvPr>
-          <p:cNvSpPr>
-            <a:spLocks noGrp="1"/>
-          </p:cNvSpPr>
-          <p:nvPr>
-            <p:ph sz="half" idx="2"/>
-          </p:nvPr>
-        </p:nvSpPr>
-        <p:spPr/>
-        <p:txBody>
-          <a:bodyPr/>
-          <a:lstStyle/>
-          <a:p>
-            <a:endParaRPr lang="en-US" dirty="0"/>
-          </a:p>
-        </p:txBody>
-      </p:sp>
-      <p:sp>
-        <p:nvSpPr>
-          <p:cNvPr id="4" name="Date Placeholder 3">
-            <a:extLst>
-              <a:ext uri="{FF2B5EF4-FFF2-40B4-BE49-F238E27FC236}">
-                <a16:creationId xmlns:a16="http://schemas.microsoft.com/office/drawing/2014/main" id="{59BD8D3B-427F-4B24-8737-4CA720C8E5E4}"/>
+                <a16:creationId xmlns:a16="http://schemas.microsoft.com/office/drawing/2014/main" id="{6887AAD9-DC2D-4ACE-8498-2D340EF361A1}"/>
               </a:ext>
             </a:extLst>
           </p:cNvPr>
@@ -8049,7 +8666,7 @@
           <a:p>
             <a:fld id="{499624E5-6640-4B65-82B0-BACE50C7D1B2}" type="datetime1">
               <a:rPr lang="en-US" smtClean="0"/>
-              <a:t>10/6/2021</a:t>
+              <a:t>7/10/2021</a:t>
             </a:fld>
             <a:endParaRPr lang="en-US" dirty="0"/>
           </a:p>
@@ -8060,7 +8677,7 @@
           <p:cNvPr id="5" name="Footer Placeholder 4">
             <a:extLst>
               <a:ext uri="{FF2B5EF4-FFF2-40B4-BE49-F238E27FC236}">
-                <a16:creationId xmlns:a16="http://schemas.microsoft.com/office/drawing/2014/main" id="{8AD0CA4B-AD9E-400D-8C7F-26EF555CCADE}"/>
+                <a16:creationId xmlns:a16="http://schemas.microsoft.com/office/drawing/2014/main" id="{EE7B23F5-2A0C-4145-9C6F-281E1E504F4B}"/>
               </a:ext>
             </a:extLst>
           </p:cNvPr>
@@ -8089,7 +8706,7 @@
           <p:cNvPr id="6" name="Slide Number Placeholder 5">
             <a:extLst>
               <a:ext uri="{FF2B5EF4-FFF2-40B4-BE49-F238E27FC236}">
-                <a16:creationId xmlns:a16="http://schemas.microsoft.com/office/drawing/2014/main" id="{FDC28E22-5D85-4432-8609-46F5E8EE9C7F}"/>
+                <a16:creationId xmlns:a16="http://schemas.microsoft.com/office/drawing/2014/main" id="{88096040-752D-44A3-A36D-33FB541C6D14}"/>
               </a:ext>
             </a:extLst>
           </p:cNvPr>
@@ -8118,7 +8735,7 @@
           <p:cNvPr id="7" name="Text Placeholder 6">
             <a:extLst>
               <a:ext uri="{FF2B5EF4-FFF2-40B4-BE49-F238E27FC236}">
-                <a16:creationId xmlns:a16="http://schemas.microsoft.com/office/drawing/2014/main" id="{70C2D65A-A971-4345-9E2C-84C63320093B}"/>
+                <a16:creationId xmlns:a16="http://schemas.microsoft.com/office/drawing/2014/main" id="{A7639FB5-3DCA-4B99-96EE-B06ACC03634F}"/>
               </a:ext>
             </a:extLst>
           </p:cNvPr>
@@ -8146,7 +8763,7 @@
           <p:cNvPr id="8" name="Text Placeholder 7">
             <a:extLst>
               <a:ext uri="{FF2B5EF4-FFF2-40B4-BE49-F238E27FC236}">
-                <a16:creationId xmlns:a16="http://schemas.microsoft.com/office/drawing/2014/main" id="{5701DD7A-BE1C-4CE5-ABF5-722FEB49D509}"/>
+                <a16:creationId xmlns:a16="http://schemas.microsoft.com/office/drawing/2014/main" id="{BC74DB54-988E-4EF3-B34D-2E5D066EE3C4}"/>
               </a:ext>
             </a:extLst>
           </p:cNvPr>
@@ -8164,15 +8781,73 @@
           <a:p>
             <a:r>
               <a:rPr lang="en-US" dirty="0"/>
-              <a:t>License plate detection</a:t>
-            </a:r>
-          </a:p>
-        </p:txBody>
-      </p:sp>
+              <a:t>License plate OCR</a:t>
+            </a:r>
+          </a:p>
+        </p:txBody>
+      </p:sp>
+      <p:sp>
+        <p:nvSpPr>
+          <p:cNvPr id="9" name="TextBox 8"/>
+          <p:cNvSpPr txBox="1"/>
+          <p:nvPr/>
+        </p:nvSpPr>
+        <p:spPr>
+          <a:xfrm>
+            <a:off x="4954502" y="6169708"/>
+            <a:ext cx="2282997" cy="323165"/>
+          </a:xfrm>
+          <a:prstGeom prst="rect">
+            <a:avLst/>
+          </a:prstGeom>
+          <a:noFill/>
+        </p:spPr>
+        <p:txBody>
+          <a:bodyPr wrap="none" rtlCol="0">
+            <a:spAutoFit/>
+          </a:bodyPr>
+          <a:lstStyle/>
+          <a:p>
+            <a:r>
+              <a:rPr lang="en-US" sz="1500" i="1" dirty="0" smtClean="0">
+                <a:latin typeface="Knuth's Computer Modern"/>
+              </a:rPr>
+              <a:t>VOCR-CNN architecture</a:t>
+            </a:r>
+            <a:endParaRPr lang="en-US" sz="1500" i="1" dirty="0">
+              <a:latin typeface="Knuth's Computer Modern"/>
+            </a:endParaRPr>
+          </a:p>
+        </p:txBody>
+      </p:sp>
+      <p:pic>
+        <p:nvPicPr>
+          <p:cNvPr id="10" name="Picture 9"/>
+          <p:cNvPicPr>
+            <a:picLocks noChangeAspect="1"/>
+          </p:cNvPicPr>
+          <p:nvPr/>
+        </p:nvPicPr>
+        <p:blipFill>
+          <a:blip r:embed="rId3"/>
+          <a:stretch>
+            <a:fillRect/>
+          </a:stretch>
+        </p:blipFill>
+        <p:spPr>
+          <a:xfrm>
+            <a:off x="2543389" y="2287472"/>
+            <a:ext cx="7105223" cy="3882235"/>
+          </a:xfrm>
+          <a:prstGeom prst="rect">
+            <a:avLst/>
+          </a:prstGeom>
+        </p:spPr>
+      </p:pic>
     </p:spTree>
     <p:extLst>
       <p:ext uri="{BB962C8B-B14F-4D97-AF65-F5344CB8AC3E}">
-        <p14:creationId xmlns:p14="http://schemas.microsoft.com/office/powerpoint/2010/main" val="3905092898"/>
+        <p14:creationId xmlns:p14="http://schemas.microsoft.com/office/powerpoint/2010/main" val="1803153809"/>
       </p:ext>
     </p:extLst>
   </p:cSld>
@@ -8191,6 +8866,291 @@
       </p:transition>
     </mc:Fallback>
   </mc:AlternateContent>
+  <p:timing>
+    <p:tnLst>
+      <p:par>
+        <p:cTn id="1" dur="indefinite" restart="never" nodeType="tmRoot"/>
+      </p:par>
+    </p:tnLst>
+  </p:timing>
+</p:sld>
+</file>
+
+<file path=ppt/slides/slide19.xml><?xml version="1.0" encoding="utf-8"?>
+<p:sld xmlns:a="http://schemas.openxmlformats.org/drawingml/2006/main" xmlns:r="http://schemas.openxmlformats.org/officeDocument/2006/relationships" xmlns:p="http://schemas.openxmlformats.org/presentationml/2006/main">
+  <p:cSld>
+    <p:spTree>
+      <p:nvGrpSpPr>
+        <p:cNvPr id="1" name=""/>
+        <p:cNvGrpSpPr/>
+        <p:nvPr/>
+      </p:nvGrpSpPr>
+      <p:grpSpPr>
+        <a:xfrm>
+          <a:off x="0" y="0"/>
+          <a:ext cx="0" cy="0"/>
+          <a:chOff x="0" y="0"/>
+          <a:chExt cx="0" cy="0"/>
+        </a:xfrm>
+      </p:grpSpPr>
+      <p:sp>
+        <p:nvSpPr>
+          <p:cNvPr id="2" name="Title 1">
+            <a:extLst>
+              <a:ext uri="{FF2B5EF4-FFF2-40B4-BE49-F238E27FC236}">
+                <a16:creationId xmlns:a16="http://schemas.microsoft.com/office/drawing/2014/main" id="{92C61578-85E3-481C-93DF-503BF2015F5D}"/>
+              </a:ext>
+            </a:extLst>
+          </p:cNvPr>
+          <p:cNvSpPr>
+            <a:spLocks noGrp="1"/>
+          </p:cNvSpPr>
+          <p:nvPr>
+            <p:ph type="title"/>
+          </p:nvPr>
+        </p:nvSpPr>
+        <p:spPr/>
+        <p:txBody>
+          <a:bodyPr/>
+          <a:lstStyle/>
+          <a:p>
+            <a:r>
+              <a:rPr lang="en-US" dirty="0"/>
+              <a:t>VOCR Architecture</a:t>
+            </a:r>
+          </a:p>
+        </p:txBody>
+      </p:sp>
+      <p:sp>
+        <p:nvSpPr>
+          <p:cNvPr id="4" name="Date Placeholder 3">
+            <a:extLst>
+              <a:ext uri="{FF2B5EF4-FFF2-40B4-BE49-F238E27FC236}">
+                <a16:creationId xmlns:a16="http://schemas.microsoft.com/office/drawing/2014/main" id="{6887AAD9-DC2D-4ACE-8498-2D340EF361A1}"/>
+              </a:ext>
+            </a:extLst>
+          </p:cNvPr>
+          <p:cNvSpPr>
+            <a:spLocks noGrp="1"/>
+          </p:cNvSpPr>
+          <p:nvPr>
+            <p:ph type="dt" sz="half" idx="10"/>
+          </p:nvPr>
+        </p:nvSpPr>
+        <p:spPr/>
+        <p:txBody>
+          <a:bodyPr/>
+          <a:lstStyle/>
+          <a:p>
+            <a:fld id="{499624E5-6640-4B65-82B0-BACE50C7D1B2}" type="datetime1">
+              <a:rPr lang="en-US" smtClean="0"/>
+              <a:t>7/10/2021</a:t>
+            </a:fld>
+            <a:endParaRPr lang="en-US" dirty="0"/>
+          </a:p>
+        </p:txBody>
+      </p:sp>
+      <p:sp>
+        <p:nvSpPr>
+          <p:cNvPr id="5" name="Footer Placeholder 4">
+            <a:extLst>
+              <a:ext uri="{FF2B5EF4-FFF2-40B4-BE49-F238E27FC236}">
+                <a16:creationId xmlns:a16="http://schemas.microsoft.com/office/drawing/2014/main" id="{EE7B23F5-2A0C-4145-9C6F-281E1E504F4B}"/>
+              </a:ext>
+            </a:extLst>
+          </p:cNvPr>
+          <p:cNvSpPr>
+            <a:spLocks noGrp="1"/>
+          </p:cNvSpPr>
+          <p:nvPr>
+            <p:ph type="ftr" sz="quarter" idx="11"/>
+          </p:nvPr>
+        </p:nvSpPr>
+        <p:spPr/>
+        <p:txBody>
+          <a:bodyPr/>
+          <a:lstStyle/>
+          <a:p>
+            <a:r>
+              <a:rPr lang="fr-FR"/>
+              <a:t>Le Quy Don Technical University</a:t>
+            </a:r>
+            <a:endParaRPr lang="en-US" dirty="0"/>
+          </a:p>
+        </p:txBody>
+      </p:sp>
+      <p:sp>
+        <p:nvSpPr>
+          <p:cNvPr id="6" name="Slide Number Placeholder 5">
+            <a:extLst>
+              <a:ext uri="{FF2B5EF4-FFF2-40B4-BE49-F238E27FC236}">
+                <a16:creationId xmlns:a16="http://schemas.microsoft.com/office/drawing/2014/main" id="{88096040-752D-44A3-A36D-33FB541C6D14}"/>
+              </a:ext>
+            </a:extLst>
+          </p:cNvPr>
+          <p:cNvSpPr>
+            <a:spLocks noGrp="1"/>
+          </p:cNvSpPr>
+          <p:nvPr>
+            <p:ph type="sldNum" sz="quarter" idx="12"/>
+          </p:nvPr>
+        </p:nvSpPr>
+        <p:spPr/>
+        <p:txBody>
+          <a:bodyPr/>
+          <a:lstStyle/>
+          <a:p>
+            <a:fld id="{B881B6B3-2069-452F-BF40-F653D75B3DB0}" type="slidenum">
+              <a:rPr lang="en-US" smtClean="0"/>
+              <a:t>19</a:t>
+            </a:fld>
+            <a:endParaRPr lang="en-US"/>
+          </a:p>
+        </p:txBody>
+      </p:sp>
+      <p:sp>
+        <p:nvSpPr>
+          <p:cNvPr id="7" name="Text Placeholder 6">
+            <a:extLst>
+              <a:ext uri="{FF2B5EF4-FFF2-40B4-BE49-F238E27FC236}">
+                <a16:creationId xmlns:a16="http://schemas.microsoft.com/office/drawing/2014/main" id="{A7639FB5-3DCA-4B99-96EE-B06ACC03634F}"/>
+              </a:ext>
+            </a:extLst>
+          </p:cNvPr>
+          <p:cNvSpPr>
+            <a:spLocks noGrp="1"/>
+          </p:cNvSpPr>
+          <p:nvPr>
+            <p:ph type="body" sz="quarter" idx="13"/>
+          </p:nvPr>
+        </p:nvSpPr>
+        <p:spPr/>
+        <p:txBody>
+          <a:bodyPr/>
+          <a:lstStyle/>
+          <a:p>
+            <a:r>
+              <a:rPr lang="en-US" dirty="0"/>
+              <a:t>Proposed method</a:t>
+            </a:r>
+          </a:p>
+        </p:txBody>
+      </p:sp>
+      <p:sp>
+        <p:nvSpPr>
+          <p:cNvPr id="8" name="Text Placeholder 7">
+            <a:extLst>
+              <a:ext uri="{FF2B5EF4-FFF2-40B4-BE49-F238E27FC236}">
+                <a16:creationId xmlns:a16="http://schemas.microsoft.com/office/drawing/2014/main" id="{BC74DB54-988E-4EF3-B34D-2E5D066EE3C4}"/>
+              </a:ext>
+            </a:extLst>
+          </p:cNvPr>
+          <p:cNvSpPr>
+            <a:spLocks noGrp="1"/>
+          </p:cNvSpPr>
+          <p:nvPr>
+            <p:ph type="body" sz="quarter" idx="14"/>
+          </p:nvPr>
+        </p:nvSpPr>
+        <p:spPr/>
+        <p:txBody>
+          <a:bodyPr/>
+          <a:lstStyle/>
+          <a:p>
+            <a:r>
+              <a:rPr lang="en-US" dirty="0"/>
+              <a:t>License plate OCR</a:t>
+            </a:r>
+          </a:p>
+        </p:txBody>
+      </p:sp>
+      <p:sp>
+        <p:nvSpPr>
+          <p:cNvPr id="9" name="TextBox 8"/>
+          <p:cNvSpPr txBox="1"/>
+          <p:nvPr/>
+        </p:nvSpPr>
+        <p:spPr>
+          <a:xfrm>
+            <a:off x="4954502" y="6169708"/>
+            <a:ext cx="2282997" cy="323165"/>
+          </a:xfrm>
+          <a:prstGeom prst="rect">
+            <a:avLst/>
+          </a:prstGeom>
+          <a:noFill/>
+        </p:spPr>
+        <p:txBody>
+          <a:bodyPr wrap="none" rtlCol="0">
+            <a:spAutoFit/>
+          </a:bodyPr>
+          <a:lstStyle/>
+          <a:p>
+            <a:r>
+              <a:rPr lang="en-US" sz="1500" i="1" dirty="0" smtClean="0">
+                <a:latin typeface="Knuth's Computer Modern"/>
+              </a:rPr>
+              <a:t>VOCR-RNN architecture</a:t>
+            </a:r>
+            <a:endParaRPr lang="en-US" sz="1500" i="1" dirty="0">
+              <a:latin typeface="Knuth's Computer Modern"/>
+            </a:endParaRPr>
+          </a:p>
+        </p:txBody>
+      </p:sp>
+      <p:pic>
+        <p:nvPicPr>
+          <p:cNvPr id="12" name="Picture 11"/>
+          <p:cNvPicPr>
+            <a:picLocks noChangeAspect="1"/>
+          </p:cNvPicPr>
+          <p:nvPr/>
+        </p:nvPicPr>
+        <p:blipFill>
+          <a:blip r:embed="rId2"/>
+          <a:stretch>
+            <a:fillRect/>
+          </a:stretch>
+        </p:blipFill>
+        <p:spPr>
+          <a:xfrm>
+            <a:off x="785072" y="911174"/>
+            <a:ext cx="10621857" cy="5258534"/>
+          </a:xfrm>
+          <a:prstGeom prst="rect">
+            <a:avLst/>
+          </a:prstGeom>
+        </p:spPr>
+      </p:pic>
+    </p:spTree>
+    <p:extLst>
+      <p:ext uri="{BB962C8B-B14F-4D97-AF65-F5344CB8AC3E}">
+        <p14:creationId xmlns:p14="http://schemas.microsoft.com/office/powerpoint/2010/main" val="2417691609"/>
+      </p:ext>
+    </p:extLst>
+  </p:cSld>
+  <p:clrMapOvr>
+    <a:masterClrMapping/>
+  </p:clrMapOvr>
+  <mc:AlternateContent xmlns:mc="http://schemas.openxmlformats.org/markup-compatibility/2006" xmlns:p14="http://schemas.microsoft.com/office/powerpoint/2010/main">
+    <mc:Choice Requires="p14">
+      <p:transition spd="med" p14:dur="700">
+        <p:fade/>
+      </p:transition>
+    </mc:Choice>
+    <mc:Fallback xmlns="">
+      <p:transition spd="med">
+        <p:fade/>
+      </p:transition>
+    </mc:Fallback>
+  </mc:AlternateContent>
+  <p:timing>
+    <p:tnLst>
+      <p:par>
+        <p:cTn id="1" dur="indefinite" restart="never" nodeType="tmRoot"/>
+      </p:par>
+    </p:tnLst>
+  </p:timing>
 </p:sld>
 </file>
 
@@ -8316,7 +9276,7 @@
           <a:p>
             <a:fld id="{499624E5-6640-4B65-82B0-BACE50C7D1B2}" type="datetime1">
               <a:rPr lang="en-US" smtClean="0"/>
-              <a:t>10/6/2021</a:t>
+              <a:t>7/10/2021</a:t>
             </a:fld>
             <a:endParaRPr lang="en-US" dirty="0"/>
           </a:p>
@@ -8458,6 +9418,3367 @@
 </p:sld>
 </file>
 
+<file path=ppt/slides/slide20.xml><?xml version="1.0" encoding="utf-8"?>
+<p:sld xmlns:a="http://schemas.openxmlformats.org/drawingml/2006/main" xmlns:r="http://schemas.openxmlformats.org/officeDocument/2006/relationships" xmlns:p="http://schemas.openxmlformats.org/presentationml/2006/main">
+  <p:cSld>
+    <p:spTree>
+      <p:nvGrpSpPr>
+        <p:cNvPr id="1" name=""/>
+        <p:cNvGrpSpPr/>
+        <p:nvPr/>
+      </p:nvGrpSpPr>
+      <p:grpSpPr>
+        <a:xfrm>
+          <a:off x="0" y="0"/>
+          <a:ext cx="0" cy="0"/>
+          <a:chOff x="0" y="0"/>
+          <a:chExt cx="0" cy="0"/>
+        </a:xfrm>
+      </p:grpSpPr>
+      <p:sp>
+        <p:nvSpPr>
+          <p:cNvPr id="2" name="Title 1">
+            <a:extLst>
+              <a:ext uri="{FF2B5EF4-FFF2-40B4-BE49-F238E27FC236}">
+                <a16:creationId xmlns:a16="http://schemas.microsoft.com/office/drawing/2014/main" id="{FF3861D7-E9D2-4179-9729-DE1F93F8CDF8}"/>
+              </a:ext>
+            </a:extLst>
+          </p:cNvPr>
+          <p:cNvSpPr>
+            <a:spLocks noGrp="1"/>
+          </p:cNvSpPr>
+          <p:nvPr>
+            <p:ph type="title"/>
+          </p:nvPr>
+        </p:nvSpPr>
+        <p:spPr/>
+        <p:txBody>
+          <a:bodyPr/>
+          <a:lstStyle/>
+          <a:p>
+            <a:r>
+              <a:rPr lang="en-US" dirty="0" smtClean="0"/>
+              <a:t>Dataset MTAVLP</a:t>
+            </a:r>
+            <a:endParaRPr lang="en-US" dirty="0"/>
+          </a:p>
+        </p:txBody>
+      </p:sp>
+      <p:sp>
+        <p:nvSpPr>
+          <p:cNvPr id="3" name="Content Placeholder 2">
+            <a:extLst>
+              <a:ext uri="{FF2B5EF4-FFF2-40B4-BE49-F238E27FC236}">
+                <a16:creationId xmlns:a16="http://schemas.microsoft.com/office/drawing/2014/main" id="{53FDC751-40E8-4995-8855-D4EDC6678457}"/>
+              </a:ext>
+            </a:extLst>
+          </p:cNvPr>
+          <p:cNvSpPr>
+            <a:spLocks noGrp="1"/>
+          </p:cNvSpPr>
+          <p:nvPr>
+            <p:ph sz="half" idx="2"/>
+          </p:nvPr>
+        </p:nvSpPr>
+        <p:spPr>
+          <a:xfrm>
+            <a:off x="381000" y="850899"/>
+            <a:ext cx="11430000" cy="2030846"/>
+          </a:xfrm>
+        </p:spPr>
+        <p:txBody>
+          <a:bodyPr/>
+          <a:lstStyle/>
+          <a:p>
+            <a:pPr marL="342900" indent="-342900">
+              <a:buFont typeface="Wingdings" panose="05000000000000000000" pitchFamily="2" charset="2"/>
+              <a:buChar char="§"/>
+            </a:pPr>
+            <a:r>
+              <a:rPr lang="en-US" b="1" dirty="0" smtClean="0"/>
+              <a:t>Dataset collection: </a:t>
+            </a:r>
+            <a:r>
+              <a:rPr lang="en-US" dirty="0" smtClean="0"/>
+              <a:t>2 traffic cameras on two different road tracks, 3 weeks from 6 am to 6 pm daily in different weather and light conditions.</a:t>
+            </a:r>
+          </a:p>
+          <a:p>
+            <a:pPr marL="342900" indent="-342900">
+              <a:buFont typeface="Wingdings" panose="05000000000000000000" pitchFamily="2" charset="2"/>
+              <a:buChar char="§"/>
+            </a:pPr>
+            <a:r>
+              <a:rPr lang="en-US" b="1" dirty="0" smtClean="0"/>
+              <a:t>MTAVLP: </a:t>
+            </a:r>
+          </a:p>
+          <a:p>
+            <a:pPr marL="800100" lvl="1" indent="-342900">
+              <a:buFont typeface="Wingdings" panose="05000000000000000000" pitchFamily="2" charset="2"/>
+              <a:buChar char="§"/>
+            </a:pPr>
+            <a:r>
+              <a:rPr lang="en-US" b="1" dirty="0" smtClean="0"/>
+              <a:t>Vehicle images: </a:t>
+            </a:r>
+            <a:r>
+              <a:rPr lang="en-US" dirty="0" smtClean="0"/>
+              <a:t>15571 images =</a:t>
+            </a:r>
+            <a:r>
+              <a:rPr lang="en-US" b="1" dirty="0" smtClean="0"/>
+              <a:t> </a:t>
+            </a:r>
+            <a:r>
+              <a:rPr lang="en-US" dirty="0" smtClean="0"/>
+              <a:t>3000 VLPs published + 12571 collected.</a:t>
+            </a:r>
+          </a:p>
+          <a:p>
+            <a:pPr marL="800100" lvl="1" indent="-342900">
+              <a:buFont typeface="Wingdings" panose="05000000000000000000" pitchFamily="2" charset="2"/>
+              <a:buChar char="§"/>
+            </a:pPr>
+            <a:r>
+              <a:rPr lang="en-US" b="1" dirty="0" smtClean="0"/>
+              <a:t>LP images: </a:t>
+            </a:r>
+            <a:r>
+              <a:rPr lang="en-US" dirty="0" smtClean="0"/>
+              <a:t>10773, smaller than vehicle images as we removed images in redundant times</a:t>
+            </a:r>
+            <a:r>
+              <a:rPr lang="en-US" dirty="0"/>
+              <a:t>. After pre-processing </a:t>
+            </a:r>
+            <a:r>
+              <a:rPr lang="en-US" dirty="0" smtClean="0"/>
+              <a:t>2-line plate </a:t>
+            </a:r>
+            <a:r>
+              <a:rPr lang="en-US" dirty="0"/>
+              <a:t>images, we obtained 16012 images of 1-line </a:t>
+            </a:r>
+            <a:r>
+              <a:rPr lang="en-US" dirty="0" smtClean="0"/>
+              <a:t>plate.</a:t>
+            </a:r>
+            <a:endParaRPr lang="en-US" dirty="0"/>
+          </a:p>
+        </p:txBody>
+      </p:sp>
+      <p:sp>
+        <p:nvSpPr>
+          <p:cNvPr id="4" name="Date Placeholder 3">
+            <a:extLst>
+              <a:ext uri="{FF2B5EF4-FFF2-40B4-BE49-F238E27FC236}">
+                <a16:creationId xmlns:a16="http://schemas.microsoft.com/office/drawing/2014/main" id="{59BD8D3B-427F-4B24-8737-4CA720C8E5E4}"/>
+              </a:ext>
+            </a:extLst>
+          </p:cNvPr>
+          <p:cNvSpPr>
+            <a:spLocks noGrp="1"/>
+          </p:cNvSpPr>
+          <p:nvPr>
+            <p:ph type="dt" sz="half" idx="10"/>
+          </p:nvPr>
+        </p:nvSpPr>
+        <p:spPr/>
+        <p:txBody>
+          <a:bodyPr/>
+          <a:lstStyle/>
+          <a:p>
+            <a:fld id="{499624E5-6640-4B65-82B0-BACE50C7D1B2}" type="datetime1">
+              <a:rPr lang="en-US" smtClean="0"/>
+              <a:t>7/10/2021</a:t>
+            </a:fld>
+            <a:endParaRPr lang="en-US" dirty="0"/>
+          </a:p>
+        </p:txBody>
+      </p:sp>
+      <p:sp>
+        <p:nvSpPr>
+          <p:cNvPr id="5" name="Footer Placeholder 4">
+            <a:extLst>
+              <a:ext uri="{FF2B5EF4-FFF2-40B4-BE49-F238E27FC236}">
+                <a16:creationId xmlns:a16="http://schemas.microsoft.com/office/drawing/2014/main" id="{8AD0CA4B-AD9E-400D-8C7F-26EF555CCADE}"/>
+              </a:ext>
+            </a:extLst>
+          </p:cNvPr>
+          <p:cNvSpPr>
+            <a:spLocks noGrp="1"/>
+          </p:cNvSpPr>
+          <p:nvPr>
+            <p:ph type="ftr" sz="quarter" idx="11"/>
+          </p:nvPr>
+        </p:nvSpPr>
+        <p:spPr/>
+        <p:txBody>
+          <a:bodyPr/>
+          <a:lstStyle/>
+          <a:p>
+            <a:r>
+              <a:rPr lang="fr-FR"/>
+              <a:t>Le Quy Don Technical University</a:t>
+            </a:r>
+            <a:endParaRPr lang="en-US" dirty="0"/>
+          </a:p>
+        </p:txBody>
+      </p:sp>
+      <p:sp>
+        <p:nvSpPr>
+          <p:cNvPr id="6" name="Slide Number Placeholder 5">
+            <a:extLst>
+              <a:ext uri="{FF2B5EF4-FFF2-40B4-BE49-F238E27FC236}">
+                <a16:creationId xmlns:a16="http://schemas.microsoft.com/office/drawing/2014/main" id="{FDC28E22-5D85-4432-8609-46F5E8EE9C7F}"/>
+              </a:ext>
+            </a:extLst>
+          </p:cNvPr>
+          <p:cNvSpPr>
+            <a:spLocks noGrp="1"/>
+          </p:cNvSpPr>
+          <p:nvPr>
+            <p:ph type="sldNum" sz="quarter" idx="12"/>
+          </p:nvPr>
+        </p:nvSpPr>
+        <p:spPr/>
+        <p:txBody>
+          <a:bodyPr/>
+          <a:lstStyle/>
+          <a:p>
+            <a:fld id="{B881B6B3-2069-452F-BF40-F653D75B3DB0}" type="slidenum">
+              <a:rPr lang="en-US" smtClean="0"/>
+              <a:t>20</a:t>
+            </a:fld>
+            <a:endParaRPr lang="en-US"/>
+          </a:p>
+        </p:txBody>
+      </p:sp>
+      <p:sp>
+        <p:nvSpPr>
+          <p:cNvPr id="7" name="Text Placeholder 6">
+            <a:extLst>
+              <a:ext uri="{FF2B5EF4-FFF2-40B4-BE49-F238E27FC236}">
+                <a16:creationId xmlns:a16="http://schemas.microsoft.com/office/drawing/2014/main" id="{70C2D65A-A971-4345-9E2C-84C63320093B}"/>
+              </a:ext>
+            </a:extLst>
+          </p:cNvPr>
+          <p:cNvSpPr>
+            <a:spLocks noGrp="1"/>
+          </p:cNvSpPr>
+          <p:nvPr>
+            <p:ph type="body" sz="quarter" idx="13"/>
+          </p:nvPr>
+        </p:nvSpPr>
+        <p:spPr/>
+        <p:txBody>
+          <a:bodyPr/>
+          <a:lstStyle/>
+          <a:p>
+            <a:r>
+              <a:rPr lang="en-US" dirty="0" smtClean="0"/>
+              <a:t>Experiment</a:t>
+            </a:r>
+            <a:endParaRPr lang="en-US" dirty="0"/>
+          </a:p>
+        </p:txBody>
+      </p:sp>
+      <p:sp>
+        <p:nvSpPr>
+          <p:cNvPr id="8" name="Text Placeholder 7">
+            <a:extLst>
+              <a:ext uri="{FF2B5EF4-FFF2-40B4-BE49-F238E27FC236}">
+                <a16:creationId xmlns:a16="http://schemas.microsoft.com/office/drawing/2014/main" id="{5701DD7A-BE1C-4CE5-ABF5-722FEB49D509}"/>
+              </a:ext>
+            </a:extLst>
+          </p:cNvPr>
+          <p:cNvSpPr>
+            <a:spLocks noGrp="1"/>
+          </p:cNvSpPr>
+          <p:nvPr>
+            <p:ph type="body" sz="quarter" idx="14"/>
+          </p:nvPr>
+        </p:nvSpPr>
+        <p:spPr/>
+        <p:txBody>
+          <a:bodyPr/>
+          <a:lstStyle/>
+          <a:p>
+            <a:r>
+              <a:rPr lang="en-US" dirty="0" smtClean="0"/>
+              <a:t>Dataset</a:t>
+            </a:r>
+            <a:endParaRPr lang="en-US" dirty="0"/>
+          </a:p>
+        </p:txBody>
+      </p:sp>
+      <p:pic>
+        <p:nvPicPr>
+          <p:cNvPr id="10" name="Picture 9"/>
+          <p:cNvPicPr>
+            <a:picLocks noChangeAspect="1"/>
+          </p:cNvPicPr>
+          <p:nvPr/>
+        </p:nvPicPr>
+        <p:blipFill>
+          <a:blip r:embed="rId2"/>
+          <a:stretch>
+            <a:fillRect/>
+          </a:stretch>
+        </p:blipFill>
+        <p:spPr>
+          <a:xfrm>
+            <a:off x="2404404" y="3499616"/>
+            <a:ext cx="7392432" cy="1695687"/>
+          </a:xfrm>
+          <a:prstGeom prst="rect">
+            <a:avLst/>
+          </a:prstGeom>
+        </p:spPr>
+      </p:pic>
+    </p:spTree>
+    <p:extLst>
+      <p:ext uri="{BB962C8B-B14F-4D97-AF65-F5344CB8AC3E}">
+        <p14:creationId xmlns:p14="http://schemas.microsoft.com/office/powerpoint/2010/main" val="2262920346"/>
+      </p:ext>
+    </p:extLst>
+  </p:cSld>
+  <p:clrMapOvr>
+    <a:masterClrMapping/>
+  </p:clrMapOvr>
+  <mc:AlternateContent xmlns:mc="http://schemas.openxmlformats.org/markup-compatibility/2006" xmlns:p14="http://schemas.microsoft.com/office/powerpoint/2010/main">
+    <mc:Choice Requires="p14">
+      <p:transition spd="med" p14:dur="700">
+        <p:fade/>
+      </p:transition>
+    </mc:Choice>
+    <mc:Fallback xmlns="">
+      <p:transition spd="med">
+        <p:fade/>
+      </p:transition>
+    </mc:Fallback>
+  </mc:AlternateContent>
+  <p:timing>
+    <p:tnLst>
+      <p:par>
+        <p:cTn id="1" dur="indefinite" restart="never" nodeType="tmRoot"/>
+      </p:par>
+    </p:tnLst>
+  </p:timing>
+</p:sld>
+</file>
+
+<file path=ppt/slides/slide21.xml><?xml version="1.0" encoding="utf-8"?>
+<p:sld xmlns:a="http://schemas.openxmlformats.org/drawingml/2006/main" xmlns:r="http://schemas.openxmlformats.org/officeDocument/2006/relationships" xmlns:p="http://schemas.openxmlformats.org/presentationml/2006/main">
+  <p:cSld>
+    <p:spTree>
+      <p:nvGrpSpPr>
+        <p:cNvPr id="1" name=""/>
+        <p:cNvGrpSpPr/>
+        <p:nvPr/>
+      </p:nvGrpSpPr>
+      <p:grpSpPr>
+        <a:xfrm>
+          <a:off x="0" y="0"/>
+          <a:ext cx="0" cy="0"/>
+          <a:chOff x="0" y="0"/>
+          <a:chExt cx="0" cy="0"/>
+        </a:xfrm>
+      </p:grpSpPr>
+      <p:sp>
+        <p:nvSpPr>
+          <p:cNvPr id="2" name="Title 1"/>
+          <p:cNvSpPr>
+            <a:spLocks noGrp="1"/>
+          </p:cNvSpPr>
+          <p:nvPr>
+            <p:ph type="title"/>
+          </p:nvPr>
+        </p:nvSpPr>
+        <p:spPr/>
+        <p:txBody>
+          <a:bodyPr/>
+          <a:lstStyle/>
+          <a:p>
+            <a:r>
+              <a:rPr lang="en-US" dirty="0" smtClean="0"/>
+              <a:t>Samples in MTAVLP dataset</a:t>
+            </a:r>
+            <a:endParaRPr lang="en-US" dirty="0"/>
+          </a:p>
+        </p:txBody>
+      </p:sp>
+      <p:sp>
+        <p:nvSpPr>
+          <p:cNvPr id="4" name="Date Placeholder 3"/>
+          <p:cNvSpPr>
+            <a:spLocks noGrp="1"/>
+          </p:cNvSpPr>
+          <p:nvPr>
+            <p:ph type="dt" sz="half" idx="10"/>
+          </p:nvPr>
+        </p:nvSpPr>
+        <p:spPr/>
+        <p:txBody>
+          <a:bodyPr/>
+          <a:lstStyle/>
+          <a:p>
+            <a:fld id="{499624E5-6640-4B65-82B0-BACE50C7D1B2}" type="datetime1">
+              <a:rPr lang="en-US" smtClean="0"/>
+              <a:t>7/10/2021</a:t>
+            </a:fld>
+            <a:endParaRPr lang="en-US" dirty="0"/>
+          </a:p>
+        </p:txBody>
+      </p:sp>
+      <p:sp>
+        <p:nvSpPr>
+          <p:cNvPr id="5" name="Footer Placeholder 4"/>
+          <p:cNvSpPr>
+            <a:spLocks noGrp="1"/>
+          </p:cNvSpPr>
+          <p:nvPr>
+            <p:ph type="ftr" sz="quarter" idx="11"/>
+          </p:nvPr>
+        </p:nvSpPr>
+        <p:spPr/>
+        <p:txBody>
+          <a:bodyPr/>
+          <a:lstStyle/>
+          <a:p>
+            <a:r>
+              <a:rPr lang="fr-FR" smtClean="0"/>
+              <a:t>Le Quy Don Technical University</a:t>
+            </a:r>
+            <a:endParaRPr lang="en-US" dirty="0"/>
+          </a:p>
+        </p:txBody>
+      </p:sp>
+      <p:sp>
+        <p:nvSpPr>
+          <p:cNvPr id="6" name="Slide Number Placeholder 5"/>
+          <p:cNvSpPr>
+            <a:spLocks noGrp="1"/>
+          </p:cNvSpPr>
+          <p:nvPr>
+            <p:ph type="sldNum" sz="quarter" idx="12"/>
+          </p:nvPr>
+        </p:nvSpPr>
+        <p:spPr/>
+        <p:txBody>
+          <a:bodyPr/>
+          <a:lstStyle/>
+          <a:p>
+            <a:fld id="{B881B6B3-2069-452F-BF40-F653D75B3DB0}" type="slidenum">
+              <a:rPr lang="en-US" smtClean="0"/>
+              <a:t>21</a:t>
+            </a:fld>
+            <a:endParaRPr lang="en-US"/>
+          </a:p>
+        </p:txBody>
+      </p:sp>
+      <p:sp>
+        <p:nvSpPr>
+          <p:cNvPr id="7" name="Text Placeholder 6"/>
+          <p:cNvSpPr>
+            <a:spLocks noGrp="1"/>
+          </p:cNvSpPr>
+          <p:nvPr>
+            <p:ph type="body" sz="quarter" idx="13"/>
+          </p:nvPr>
+        </p:nvSpPr>
+        <p:spPr/>
+        <p:txBody>
+          <a:bodyPr/>
+          <a:lstStyle/>
+          <a:p>
+            <a:r>
+              <a:rPr lang="en-US" dirty="0" smtClean="0"/>
+              <a:t>Experiment</a:t>
+            </a:r>
+            <a:endParaRPr lang="en-US" dirty="0"/>
+          </a:p>
+        </p:txBody>
+      </p:sp>
+      <p:sp>
+        <p:nvSpPr>
+          <p:cNvPr id="8" name="Text Placeholder 7"/>
+          <p:cNvSpPr>
+            <a:spLocks noGrp="1"/>
+          </p:cNvSpPr>
+          <p:nvPr>
+            <p:ph type="body" sz="quarter" idx="14"/>
+          </p:nvPr>
+        </p:nvSpPr>
+        <p:spPr/>
+        <p:txBody>
+          <a:bodyPr/>
+          <a:lstStyle/>
+          <a:p>
+            <a:r>
+              <a:rPr lang="en-US" dirty="0" smtClean="0"/>
+              <a:t>Dataset</a:t>
+            </a:r>
+            <a:endParaRPr lang="en-US" dirty="0"/>
+          </a:p>
+        </p:txBody>
+      </p:sp>
+      <p:sp>
+        <p:nvSpPr>
+          <p:cNvPr id="9" name="Text Placeholder 8"/>
+          <p:cNvSpPr>
+            <a:spLocks noGrp="1"/>
+          </p:cNvSpPr>
+          <p:nvPr>
+            <p:ph type="body" sz="quarter" idx="15"/>
+          </p:nvPr>
+        </p:nvSpPr>
+        <p:spPr>
+          <a:xfrm>
+            <a:off x="3608242" y="5233618"/>
+            <a:ext cx="1493804" cy="300082"/>
+          </a:xfrm>
+        </p:spPr>
+        <p:txBody>
+          <a:bodyPr/>
+          <a:lstStyle/>
+          <a:p>
+            <a:r>
+              <a:rPr lang="en-US" dirty="0"/>
+              <a:t>Vehicle </a:t>
+            </a:r>
+            <a:r>
+              <a:rPr lang="en-US" dirty="0" smtClean="0"/>
+              <a:t>images</a:t>
+            </a:r>
+            <a:endParaRPr lang="en-US" dirty="0"/>
+          </a:p>
+        </p:txBody>
+      </p:sp>
+      <p:pic>
+        <p:nvPicPr>
+          <p:cNvPr id="10" name="Picture 9"/>
+          <p:cNvPicPr>
+            <a:picLocks noChangeAspect="1"/>
+          </p:cNvPicPr>
+          <p:nvPr/>
+        </p:nvPicPr>
+        <p:blipFill>
+          <a:blip r:embed="rId2"/>
+          <a:stretch>
+            <a:fillRect/>
+          </a:stretch>
+        </p:blipFill>
+        <p:spPr>
+          <a:xfrm>
+            <a:off x="0" y="1624382"/>
+            <a:ext cx="8710289" cy="3609236"/>
+          </a:xfrm>
+          <a:prstGeom prst="rect">
+            <a:avLst/>
+          </a:prstGeom>
+        </p:spPr>
+      </p:pic>
+      <p:pic>
+        <p:nvPicPr>
+          <p:cNvPr id="11" name="Picture 10"/>
+          <p:cNvPicPr>
+            <a:picLocks noChangeAspect="1"/>
+          </p:cNvPicPr>
+          <p:nvPr/>
+        </p:nvPicPr>
+        <p:blipFill>
+          <a:blip r:embed="rId3"/>
+          <a:stretch>
+            <a:fillRect/>
+          </a:stretch>
+        </p:blipFill>
+        <p:spPr>
+          <a:xfrm>
+            <a:off x="8905416" y="2738341"/>
+            <a:ext cx="3286584" cy="1381318"/>
+          </a:xfrm>
+          <a:prstGeom prst="rect">
+            <a:avLst/>
+          </a:prstGeom>
+        </p:spPr>
+      </p:pic>
+      <p:sp>
+        <p:nvSpPr>
+          <p:cNvPr id="12" name="Text Placeholder 8"/>
+          <p:cNvSpPr txBox="1">
+            <a:spLocks/>
+          </p:cNvSpPr>
+          <p:nvPr/>
+        </p:nvSpPr>
+        <p:spPr>
+          <a:xfrm>
+            <a:off x="9453283" y="4119659"/>
+            <a:ext cx="2190850" cy="300082"/>
+          </a:xfrm>
+          <a:prstGeom prst="rect">
+            <a:avLst/>
+          </a:prstGeom>
+        </p:spPr>
+        <p:txBody>
+          <a:bodyPr wrap="square" anchor="ctr">
+            <a:spAutoFit/>
+          </a:bodyPr>
+          <a:lstStyle>
+            <a:lvl1pPr marL="0" indent="0" algn="ctr" defTabSz="914400" rtl="0" eaLnBrk="1" latinLnBrk="0" hangingPunct="1">
+              <a:lnSpc>
+                <a:spcPct val="90000"/>
+              </a:lnSpc>
+              <a:spcBef>
+                <a:spcPts val="1000"/>
+              </a:spcBef>
+              <a:buFont typeface="+mj-lt"/>
+              <a:buNone/>
+              <a:defRPr sz="1500" b="0" i="1" kern="1200">
+                <a:solidFill>
+                  <a:schemeClr val="tx1"/>
+                </a:solidFill>
+                <a:latin typeface="Knuth's Computer Modern"/>
+                <a:ea typeface="+mn-ea"/>
+                <a:cs typeface="+mn-cs"/>
+              </a:defRPr>
+            </a:lvl1pPr>
+            <a:lvl2pPr marL="457200" indent="0" algn="l" defTabSz="914400" rtl="0" eaLnBrk="1" latinLnBrk="0" hangingPunct="1">
+              <a:lnSpc>
+                <a:spcPct val="90000"/>
+              </a:lnSpc>
+              <a:spcBef>
+                <a:spcPts val="500"/>
+              </a:spcBef>
+              <a:buFont typeface="+mj-lt"/>
+              <a:buNone/>
+              <a:defRPr sz="1400" i="1" kern="1200">
+                <a:solidFill>
+                  <a:schemeClr val="tx1"/>
+                </a:solidFill>
+                <a:latin typeface="Knuth's Computer Modern"/>
+                <a:ea typeface="+mn-ea"/>
+                <a:cs typeface="+mn-cs"/>
+              </a:defRPr>
+            </a:lvl2pPr>
+            <a:lvl3pPr marL="914400" indent="0" algn="l" defTabSz="914400" rtl="0" eaLnBrk="1" latinLnBrk="0" hangingPunct="1">
+              <a:lnSpc>
+                <a:spcPct val="90000"/>
+              </a:lnSpc>
+              <a:spcBef>
+                <a:spcPts val="500"/>
+              </a:spcBef>
+              <a:buFont typeface="+mj-lt"/>
+              <a:buNone/>
+              <a:defRPr sz="1400" i="1" kern="1200">
+                <a:solidFill>
+                  <a:schemeClr val="tx1"/>
+                </a:solidFill>
+                <a:latin typeface="Knuth's Computer Modern"/>
+                <a:ea typeface="+mn-ea"/>
+                <a:cs typeface="+mn-cs"/>
+              </a:defRPr>
+            </a:lvl3pPr>
+            <a:lvl4pPr marL="1371600" indent="0" algn="l" defTabSz="914400" rtl="0" eaLnBrk="1" latinLnBrk="0" hangingPunct="1">
+              <a:lnSpc>
+                <a:spcPct val="90000"/>
+              </a:lnSpc>
+              <a:spcBef>
+                <a:spcPts val="500"/>
+              </a:spcBef>
+              <a:buFont typeface="+mj-lt"/>
+              <a:buNone/>
+              <a:defRPr sz="1400" i="1" kern="1200">
+                <a:solidFill>
+                  <a:schemeClr val="tx1"/>
+                </a:solidFill>
+                <a:latin typeface="Knuth's Computer Modern"/>
+                <a:ea typeface="+mn-ea"/>
+                <a:cs typeface="+mn-cs"/>
+              </a:defRPr>
+            </a:lvl4pPr>
+            <a:lvl5pPr marL="1828800" indent="0" algn="l" defTabSz="914400" rtl="0" eaLnBrk="1" latinLnBrk="0" hangingPunct="1">
+              <a:lnSpc>
+                <a:spcPct val="90000"/>
+              </a:lnSpc>
+              <a:spcBef>
+                <a:spcPts val="500"/>
+              </a:spcBef>
+              <a:buFont typeface="+mj-lt"/>
+              <a:buNone/>
+              <a:defRPr sz="1400" i="1" kern="1200">
+                <a:solidFill>
+                  <a:schemeClr val="tx1"/>
+                </a:solidFill>
+                <a:latin typeface="Knuth's Computer Modern"/>
+                <a:ea typeface="+mn-ea"/>
+                <a:cs typeface="+mn-cs"/>
+              </a:defRPr>
+            </a:lvl5pPr>
+            <a:lvl6pPr marL="2514600" indent="-228600" algn="l" defTabSz="914400" rtl="0" eaLnBrk="1" latinLnBrk="0" hangingPunct="1">
+              <a:lnSpc>
+                <a:spcPct val="90000"/>
+              </a:lnSpc>
+              <a:spcBef>
+                <a:spcPts val="500"/>
+              </a:spcBef>
+              <a:buFont typeface="Arial" panose="020B0604020202020204" pitchFamily="34" charset="0"/>
+              <a:buChar char="•"/>
+              <a:defRPr sz="1800" kern="1200">
+                <a:solidFill>
+                  <a:schemeClr val="tx1"/>
+                </a:solidFill>
+                <a:latin typeface="+mn-lt"/>
+                <a:ea typeface="+mn-ea"/>
+                <a:cs typeface="+mn-cs"/>
+              </a:defRPr>
+            </a:lvl6pPr>
+            <a:lvl7pPr marL="2971800" indent="-228600" algn="l" defTabSz="914400" rtl="0" eaLnBrk="1" latinLnBrk="0" hangingPunct="1">
+              <a:lnSpc>
+                <a:spcPct val="90000"/>
+              </a:lnSpc>
+              <a:spcBef>
+                <a:spcPts val="500"/>
+              </a:spcBef>
+              <a:buFont typeface="Arial" panose="020B0604020202020204" pitchFamily="34" charset="0"/>
+              <a:buChar char="•"/>
+              <a:defRPr sz="1800" kern="1200">
+                <a:solidFill>
+                  <a:schemeClr val="tx1"/>
+                </a:solidFill>
+                <a:latin typeface="+mn-lt"/>
+                <a:ea typeface="+mn-ea"/>
+                <a:cs typeface="+mn-cs"/>
+              </a:defRPr>
+            </a:lvl7pPr>
+            <a:lvl8pPr marL="3429000" indent="-228600" algn="l" defTabSz="914400" rtl="0" eaLnBrk="1" latinLnBrk="0" hangingPunct="1">
+              <a:lnSpc>
+                <a:spcPct val="90000"/>
+              </a:lnSpc>
+              <a:spcBef>
+                <a:spcPts val="500"/>
+              </a:spcBef>
+              <a:buFont typeface="Arial" panose="020B0604020202020204" pitchFamily="34" charset="0"/>
+              <a:buChar char="•"/>
+              <a:defRPr sz="1800" kern="1200">
+                <a:solidFill>
+                  <a:schemeClr val="tx1"/>
+                </a:solidFill>
+                <a:latin typeface="+mn-lt"/>
+                <a:ea typeface="+mn-ea"/>
+                <a:cs typeface="+mn-cs"/>
+              </a:defRPr>
+            </a:lvl8pPr>
+            <a:lvl9pPr marL="3886200" indent="-228600" algn="l" defTabSz="914400" rtl="0" eaLnBrk="1" latinLnBrk="0" hangingPunct="1">
+              <a:lnSpc>
+                <a:spcPct val="90000"/>
+              </a:lnSpc>
+              <a:spcBef>
+                <a:spcPts val="500"/>
+              </a:spcBef>
+              <a:buFont typeface="Arial" panose="020B0604020202020204" pitchFamily="34" charset="0"/>
+              <a:buChar char="•"/>
+              <a:defRPr sz="1800" kern="1200">
+                <a:solidFill>
+                  <a:schemeClr val="tx1"/>
+                </a:solidFill>
+                <a:latin typeface="+mn-lt"/>
+                <a:ea typeface="+mn-ea"/>
+                <a:cs typeface="+mn-cs"/>
+              </a:defRPr>
+            </a:lvl9pPr>
+          </a:lstStyle>
+          <a:p>
+            <a:r>
+              <a:rPr lang="en-US" dirty="0"/>
+              <a:t>License plate </a:t>
+            </a:r>
+            <a:r>
+              <a:rPr lang="en-US" dirty="0" smtClean="0"/>
+              <a:t>images</a:t>
+            </a:r>
+            <a:endParaRPr lang="en-US" dirty="0"/>
+          </a:p>
+        </p:txBody>
+      </p:sp>
+    </p:spTree>
+    <p:extLst>
+      <p:ext uri="{BB962C8B-B14F-4D97-AF65-F5344CB8AC3E}">
+        <p14:creationId xmlns:p14="http://schemas.microsoft.com/office/powerpoint/2010/main" val="3412434048"/>
+      </p:ext>
+    </p:extLst>
+  </p:cSld>
+  <p:clrMapOvr>
+    <a:masterClrMapping/>
+  </p:clrMapOvr>
+  <mc:AlternateContent xmlns:mc="http://schemas.openxmlformats.org/markup-compatibility/2006" xmlns:p14="http://schemas.microsoft.com/office/powerpoint/2010/main">
+    <mc:Choice Requires="p14">
+      <p:transition spd="med" p14:dur="700">
+        <p:fade/>
+      </p:transition>
+    </mc:Choice>
+    <mc:Fallback xmlns="">
+      <p:transition spd="med">
+        <p:fade/>
+      </p:transition>
+    </mc:Fallback>
+  </mc:AlternateContent>
+  <p:timing>
+    <p:tnLst>
+      <p:par>
+        <p:cTn id="1" dur="indefinite" restart="never" nodeType="tmRoot"/>
+      </p:par>
+    </p:tnLst>
+  </p:timing>
+</p:sld>
+</file>
+
+<file path=ppt/slides/slide22.xml><?xml version="1.0" encoding="utf-8"?>
+<p:sld xmlns:a="http://schemas.openxmlformats.org/drawingml/2006/main" xmlns:r="http://schemas.openxmlformats.org/officeDocument/2006/relationships" xmlns:p="http://schemas.openxmlformats.org/presentationml/2006/main">
+  <p:cSld>
+    <p:spTree>
+      <p:nvGrpSpPr>
+        <p:cNvPr id="1" name=""/>
+        <p:cNvGrpSpPr/>
+        <p:nvPr/>
+      </p:nvGrpSpPr>
+      <p:grpSpPr>
+        <a:xfrm>
+          <a:off x="0" y="0"/>
+          <a:ext cx="0" cy="0"/>
+          <a:chOff x="0" y="0"/>
+          <a:chExt cx="0" cy="0"/>
+        </a:xfrm>
+      </p:grpSpPr>
+      <p:sp>
+        <p:nvSpPr>
+          <p:cNvPr id="2" name="Title 1">
+            <a:extLst>
+              <a:ext uri="{FF2B5EF4-FFF2-40B4-BE49-F238E27FC236}">
+                <a16:creationId xmlns:a16="http://schemas.microsoft.com/office/drawing/2014/main" id="{FF3861D7-E9D2-4179-9729-DE1F93F8CDF8}"/>
+              </a:ext>
+            </a:extLst>
+          </p:cNvPr>
+          <p:cNvSpPr>
+            <a:spLocks noGrp="1"/>
+          </p:cNvSpPr>
+          <p:nvPr>
+            <p:ph type="title"/>
+          </p:nvPr>
+        </p:nvSpPr>
+        <p:spPr/>
+        <p:txBody>
+          <a:bodyPr/>
+          <a:lstStyle/>
+          <a:p>
+            <a:r>
+              <a:rPr lang="en-US" dirty="0" smtClean="0"/>
+              <a:t>License plate detection</a:t>
+            </a:r>
+            <a:endParaRPr lang="en-US" dirty="0"/>
+          </a:p>
+        </p:txBody>
+      </p:sp>
+      <mc:AlternateContent xmlns:mc="http://schemas.openxmlformats.org/markup-compatibility/2006" xmlns:a14="http://schemas.microsoft.com/office/drawing/2010/main">
+        <mc:Choice Requires="a14">
+          <p:sp>
+            <p:nvSpPr>
+              <p:cNvPr id="3" name="Content Placeholder 2">
+                <a:extLst>
+                  <a:ext uri="{FF2B5EF4-FFF2-40B4-BE49-F238E27FC236}">
+                    <a16:creationId xmlns:a16="http://schemas.microsoft.com/office/drawing/2014/main" id="{53FDC751-40E8-4995-8855-D4EDC6678457}"/>
+                  </a:ext>
+                </a:extLst>
+              </p:cNvPr>
+              <p:cNvSpPr>
+                <a:spLocks noGrp="1"/>
+              </p:cNvSpPr>
+              <p:nvPr>
+                <p:ph sz="half" idx="2"/>
+              </p:nvPr>
+            </p:nvSpPr>
+            <p:spPr>
+              <a:xfrm>
+                <a:off x="381000" y="850899"/>
+                <a:ext cx="11430000" cy="1297570"/>
+              </a:xfrm>
+            </p:spPr>
+            <p:txBody>
+              <a:bodyPr/>
+              <a:lstStyle/>
+              <a:p>
+                <a:pPr marL="342900" indent="-342900">
+                  <a:buFont typeface="Wingdings" panose="05000000000000000000" pitchFamily="2" charset="2"/>
+                  <a:buChar char="§"/>
+                </a:pPr>
+                <a:r>
+                  <a:rPr lang="en-US" b="1" dirty="0" smtClean="0"/>
+                  <a:t>Settings: </a:t>
+                </a:r>
+                <a:r>
+                  <a:rPr lang="en-US" dirty="0" smtClean="0"/>
+                  <a:t>We divide 15571 vehicle images into 3 sets with 0.8:0.1:0.1 ratio.</a:t>
+                </a:r>
+              </a:p>
+              <a:p>
+                <a:pPr marL="342900" indent="-342900">
+                  <a:buFont typeface="Wingdings" panose="05000000000000000000" pitchFamily="2" charset="2"/>
+                  <a:buChar char="§"/>
+                </a:pPr>
+                <a:r>
+                  <a:rPr lang="en-US" b="1" dirty="0" smtClean="0"/>
+                  <a:t>Validation method: </a:t>
+                </a:r>
+                <a:r>
+                  <a:rPr lang="en-US" dirty="0" smtClean="0"/>
+                  <a:t>Mean IOU </a:t>
+                </a:r>
+                <a14:m>
+                  <m:oMath xmlns:m="http://schemas.openxmlformats.org/officeDocument/2006/math">
+                    <m:r>
+                      <a:rPr lang="en-US" i="1">
+                        <a:latin typeface="Cambria Math" panose="02040503050406030204" pitchFamily="18" charset="0"/>
+                      </a:rPr>
+                      <m:t>𝑚𝐼𝑂𝑈</m:t>
+                    </m:r>
+                    <m:r>
+                      <a:rPr lang="en-US" i="1">
+                        <a:latin typeface="Cambria Math" panose="02040503050406030204" pitchFamily="18" charset="0"/>
+                      </a:rPr>
+                      <m:t> </m:t>
+                    </m:r>
+                  </m:oMath>
+                </a14:m>
+                <a:r>
+                  <a:rPr lang="en-US" dirty="0" smtClean="0"/>
+                  <a:t>and Precision </a:t>
+                </a:r>
+                <a14:m>
+                  <m:oMath xmlns:m="http://schemas.openxmlformats.org/officeDocument/2006/math">
+                    <m:sSub>
+                      <m:sSubPr>
+                        <m:ctrlPr>
+                          <a:rPr lang="en-US" i="1" smtClean="0">
+                            <a:latin typeface="Cambria Math" panose="02040503050406030204" pitchFamily="18" charset="0"/>
+                          </a:rPr>
+                        </m:ctrlPr>
+                      </m:sSubPr>
+                      <m:e>
+                        <m:r>
+                          <a:rPr lang="en-US" b="0" i="1" smtClean="0">
+                            <a:latin typeface="Cambria Math" panose="02040503050406030204" pitchFamily="18" charset="0"/>
+                          </a:rPr>
+                          <m:t>𝑃</m:t>
+                        </m:r>
+                      </m:e>
+                      <m:sub>
+                        <m:r>
+                          <a:rPr lang="en-US" b="0" i="1" smtClean="0">
+                            <a:latin typeface="Cambria Math" panose="02040503050406030204" pitchFamily="18" charset="0"/>
+                          </a:rPr>
+                          <m:t>75</m:t>
+                        </m:r>
+                      </m:sub>
+                    </m:sSub>
+                  </m:oMath>
+                </a14:m>
+                <a:r>
+                  <a:rPr lang="en-US" dirty="0" smtClean="0"/>
+                  <a:t> with </a:t>
+                </a:r>
+                <a14:m>
+                  <m:oMath xmlns:m="http://schemas.openxmlformats.org/officeDocument/2006/math">
+                    <m:r>
+                      <a:rPr lang="en-US" b="0" i="1" smtClean="0">
+                        <a:latin typeface="Cambria Math" panose="02040503050406030204" pitchFamily="18" charset="0"/>
+                      </a:rPr>
+                      <m:t>𝑚𝐼𝑂𝑈</m:t>
+                    </m:r>
+                    <m:r>
+                      <a:rPr lang="en-US" b="0" i="1" smtClean="0">
+                        <a:latin typeface="Cambria Math" panose="02040503050406030204" pitchFamily="18" charset="0"/>
+                      </a:rPr>
+                      <m:t>≥0.75</m:t>
+                    </m:r>
+                    <m:r>
+                      <a:rPr lang="en-US" b="1" i="0" smtClean="0">
+                        <a:latin typeface="Cambria Math" panose="02040503050406030204" pitchFamily="18" charset="0"/>
+                      </a:rPr>
+                      <m:t>.</m:t>
+                    </m:r>
+                  </m:oMath>
+                </a14:m>
+                <a:endParaRPr lang="en-US" b="1" dirty="0" smtClean="0"/>
+              </a:p>
+              <a:p>
+                <a:pPr marL="342900" indent="-342900">
+                  <a:buFont typeface="Wingdings" panose="05000000000000000000" pitchFamily="2" charset="2"/>
+                  <a:buChar char="§"/>
+                </a:pPr>
+                <a:r>
+                  <a:rPr lang="en-US" b="1" dirty="0" smtClean="0"/>
+                  <a:t>Training: </a:t>
+                </a:r>
+                <a:r>
+                  <a:rPr lang="en-US" dirty="0" smtClean="0"/>
+                  <a:t>Adam optimization algorithm.</a:t>
+                </a:r>
+                <a:endParaRPr lang="en-US" b="1" dirty="0"/>
+              </a:p>
+            </p:txBody>
+          </p:sp>
+        </mc:Choice>
+        <mc:Fallback xmlns="">
+          <p:sp>
+            <p:nvSpPr>
+              <p:cNvPr id="3" name="Content Placeholder 2">
+                <a:extLst>
+                  <a:ext uri="{FF2B5EF4-FFF2-40B4-BE49-F238E27FC236}">
+                    <a16:creationId xmlns:a16="http://schemas.microsoft.com/office/drawing/2014/main" id="{53FDC751-40E8-4995-8855-D4EDC6678457}"/>
+                  </a:ext>
+                </a:extLst>
+              </p:cNvPr>
+              <p:cNvSpPr>
+                <a:spLocks noGrp="1" noRot="1" noChangeAspect="1" noMove="1" noResize="1" noEditPoints="1" noAdjustHandles="1" noChangeArrowheads="1" noChangeShapeType="1" noTextEdit="1"/>
+              </p:cNvSpPr>
+              <p:nvPr>
+                <p:ph sz="half" idx="2"/>
+              </p:nvPr>
+            </p:nvSpPr>
+            <p:spPr>
+              <a:xfrm>
+                <a:off x="381000" y="850899"/>
+                <a:ext cx="11430000" cy="1297570"/>
+              </a:xfrm>
+              <a:blipFill>
+                <a:blip r:embed="rId2"/>
+                <a:stretch>
+                  <a:fillRect l="-427" b="-1887"/>
+                </a:stretch>
+              </a:blipFill>
+            </p:spPr>
+            <p:txBody>
+              <a:bodyPr/>
+              <a:lstStyle/>
+              <a:p>
+                <a:r>
+                  <a:rPr lang="en-US">
+                    <a:noFill/>
+                  </a:rPr>
+                  <a:t> </a:t>
+                </a:r>
+              </a:p>
+            </p:txBody>
+          </p:sp>
+        </mc:Fallback>
+      </mc:AlternateContent>
+      <p:sp>
+        <p:nvSpPr>
+          <p:cNvPr id="4" name="Date Placeholder 3">
+            <a:extLst>
+              <a:ext uri="{FF2B5EF4-FFF2-40B4-BE49-F238E27FC236}">
+                <a16:creationId xmlns:a16="http://schemas.microsoft.com/office/drawing/2014/main" id="{59BD8D3B-427F-4B24-8737-4CA720C8E5E4}"/>
+              </a:ext>
+            </a:extLst>
+          </p:cNvPr>
+          <p:cNvSpPr>
+            <a:spLocks noGrp="1"/>
+          </p:cNvSpPr>
+          <p:nvPr>
+            <p:ph type="dt" sz="half" idx="10"/>
+          </p:nvPr>
+        </p:nvSpPr>
+        <p:spPr/>
+        <p:txBody>
+          <a:bodyPr/>
+          <a:lstStyle/>
+          <a:p>
+            <a:fld id="{499624E5-6640-4B65-82B0-BACE50C7D1B2}" type="datetime1">
+              <a:rPr lang="en-US" smtClean="0"/>
+              <a:t>7/10/2021</a:t>
+            </a:fld>
+            <a:endParaRPr lang="en-US" dirty="0"/>
+          </a:p>
+        </p:txBody>
+      </p:sp>
+      <p:sp>
+        <p:nvSpPr>
+          <p:cNvPr id="5" name="Footer Placeholder 4">
+            <a:extLst>
+              <a:ext uri="{FF2B5EF4-FFF2-40B4-BE49-F238E27FC236}">
+                <a16:creationId xmlns:a16="http://schemas.microsoft.com/office/drawing/2014/main" id="{8AD0CA4B-AD9E-400D-8C7F-26EF555CCADE}"/>
+              </a:ext>
+            </a:extLst>
+          </p:cNvPr>
+          <p:cNvSpPr>
+            <a:spLocks noGrp="1"/>
+          </p:cNvSpPr>
+          <p:nvPr>
+            <p:ph type="ftr" sz="quarter" idx="11"/>
+          </p:nvPr>
+        </p:nvSpPr>
+        <p:spPr/>
+        <p:txBody>
+          <a:bodyPr/>
+          <a:lstStyle/>
+          <a:p>
+            <a:r>
+              <a:rPr lang="fr-FR"/>
+              <a:t>Le Quy Don Technical University</a:t>
+            </a:r>
+            <a:endParaRPr lang="en-US" dirty="0"/>
+          </a:p>
+        </p:txBody>
+      </p:sp>
+      <p:sp>
+        <p:nvSpPr>
+          <p:cNvPr id="6" name="Slide Number Placeholder 5">
+            <a:extLst>
+              <a:ext uri="{FF2B5EF4-FFF2-40B4-BE49-F238E27FC236}">
+                <a16:creationId xmlns:a16="http://schemas.microsoft.com/office/drawing/2014/main" id="{FDC28E22-5D85-4432-8609-46F5E8EE9C7F}"/>
+              </a:ext>
+            </a:extLst>
+          </p:cNvPr>
+          <p:cNvSpPr>
+            <a:spLocks noGrp="1"/>
+          </p:cNvSpPr>
+          <p:nvPr>
+            <p:ph type="sldNum" sz="quarter" idx="12"/>
+          </p:nvPr>
+        </p:nvSpPr>
+        <p:spPr/>
+        <p:txBody>
+          <a:bodyPr/>
+          <a:lstStyle/>
+          <a:p>
+            <a:fld id="{B881B6B3-2069-452F-BF40-F653D75B3DB0}" type="slidenum">
+              <a:rPr lang="en-US" smtClean="0"/>
+              <a:t>22</a:t>
+            </a:fld>
+            <a:endParaRPr lang="en-US"/>
+          </a:p>
+        </p:txBody>
+      </p:sp>
+      <p:sp>
+        <p:nvSpPr>
+          <p:cNvPr id="7" name="Text Placeholder 6">
+            <a:extLst>
+              <a:ext uri="{FF2B5EF4-FFF2-40B4-BE49-F238E27FC236}">
+                <a16:creationId xmlns:a16="http://schemas.microsoft.com/office/drawing/2014/main" id="{70C2D65A-A971-4345-9E2C-84C63320093B}"/>
+              </a:ext>
+            </a:extLst>
+          </p:cNvPr>
+          <p:cNvSpPr>
+            <a:spLocks noGrp="1"/>
+          </p:cNvSpPr>
+          <p:nvPr>
+            <p:ph type="body" sz="quarter" idx="13"/>
+          </p:nvPr>
+        </p:nvSpPr>
+        <p:spPr/>
+        <p:txBody>
+          <a:bodyPr/>
+          <a:lstStyle/>
+          <a:p>
+            <a:r>
+              <a:rPr lang="en-US" dirty="0" smtClean="0"/>
+              <a:t>Experiment</a:t>
+            </a:r>
+            <a:endParaRPr lang="en-US" dirty="0"/>
+          </a:p>
+        </p:txBody>
+      </p:sp>
+      <p:sp>
+        <p:nvSpPr>
+          <p:cNvPr id="8" name="Text Placeholder 7">
+            <a:extLst>
+              <a:ext uri="{FF2B5EF4-FFF2-40B4-BE49-F238E27FC236}">
+                <a16:creationId xmlns:a16="http://schemas.microsoft.com/office/drawing/2014/main" id="{5701DD7A-BE1C-4CE5-ABF5-722FEB49D509}"/>
+              </a:ext>
+            </a:extLst>
+          </p:cNvPr>
+          <p:cNvSpPr>
+            <a:spLocks noGrp="1"/>
+          </p:cNvSpPr>
+          <p:nvPr>
+            <p:ph type="body" sz="quarter" idx="14"/>
+          </p:nvPr>
+        </p:nvSpPr>
+        <p:spPr/>
+        <p:txBody>
+          <a:bodyPr/>
+          <a:lstStyle/>
+          <a:p>
+            <a:r>
+              <a:rPr lang="en-US" dirty="0" smtClean="0"/>
+              <a:t>Results</a:t>
+            </a:r>
+            <a:endParaRPr lang="en-US" dirty="0"/>
+          </a:p>
+        </p:txBody>
+      </p:sp>
+      <p:pic>
+        <p:nvPicPr>
+          <p:cNvPr id="11" name="Picture 10"/>
+          <p:cNvPicPr>
+            <a:picLocks noChangeAspect="1"/>
+          </p:cNvPicPr>
+          <p:nvPr/>
+        </p:nvPicPr>
+        <p:blipFill>
+          <a:blip r:embed="rId3"/>
+          <a:stretch>
+            <a:fillRect/>
+          </a:stretch>
+        </p:blipFill>
+        <p:spPr>
+          <a:xfrm>
+            <a:off x="3052338" y="4009268"/>
+            <a:ext cx="6087325" cy="2324424"/>
+          </a:xfrm>
+          <a:prstGeom prst="rect">
+            <a:avLst/>
+          </a:prstGeom>
+        </p:spPr>
+      </p:pic>
+      <p:pic>
+        <p:nvPicPr>
+          <p:cNvPr id="13" name="Picture 12">
+            <a:extLst>
+              <a:ext uri="{FF2B5EF4-FFF2-40B4-BE49-F238E27FC236}">
+                <a16:creationId xmlns:a16="http://schemas.microsoft.com/office/drawing/2014/main" id="{941EDC8E-3CFA-4A89-B1EF-219AA9B0C392}"/>
+              </a:ext>
+            </a:extLst>
+          </p:cNvPr>
+          <p:cNvPicPr>
+            <a:picLocks noChangeAspect="1"/>
+          </p:cNvPicPr>
+          <p:nvPr/>
+        </p:nvPicPr>
+        <p:blipFill>
+          <a:blip r:embed="rId4"/>
+          <a:stretch>
+            <a:fillRect/>
+          </a:stretch>
+        </p:blipFill>
+        <p:spPr>
+          <a:xfrm>
+            <a:off x="2398259" y="2148469"/>
+            <a:ext cx="7392432" cy="1181265"/>
+          </a:xfrm>
+          <a:prstGeom prst="rect">
+            <a:avLst/>
+          </a:prstGeom>
+        </p:spPr>
+      </p:pic>
+      <p:sp>
+        <p:nvSpPr>
+          <p:cNvPr id="14" name="Text Placeholder 8">
+            <a:extLst>
+              <a:ext uri="{FF2B5EF4-FFF2-40B4-BE49-F238E27FC236}">
+                <a16:creationId xmlns:a16="http://schemas.microsoft.com/office/drawing/2014/main" id="{8CF30DFC-DA1E-425D-82E2-D5BD27EE06B7}"/>
+              </a:ext>
+            </a:extLst>
+          </p:cNvPr>
+          <p:cNvSpPr txBox="1">
+            <a:spLocks/>
+          </p:cNvSpPr>
+          <p:nvPr/>
+        </p:nvSpPr>
+        <p:spPr>
+          <a:xfrm>
+            <a:off x="2603176" y="3329734"/>
+            <a:ext cx="6982598" cy="684304"/>
+          </a:xfrm>
+          <a:prstGeom prst="rect">
+            <a:avLst/>
+          </a:prstGeom>
+        </p:spPr>
+        <p:txBody>
+          <a:bodyPr/>
+          <a:lstStyle>
+            <a:lvl1pPr marL="228600" indent="-228600" algn="l" defTabSz="914400" rtl="0" eaLnBrk="1" latinLnBrk="0" hangingPunct="1">
+              <a:lnSpc>
+                <a:spcPct val="90000"/>
+              </a:lnSpc>
+              <a:spcBef>
+                <a:spcPts val="1000"/>
+              </a:spcBef>
+              <a:buFont typeface="Arial" panose="020B0604020202020204" pitchFamily="34" charset="0"/>
+              <a:buChar char="•"/>
+              <a:defRPr sz="2800" kern="1200">
+                <a:solidFill>
+                  <a:schemeClr val="tx1"/>
+                </a:solidFill>
+                <a:latin typeface="Knuth's Computer Modern"/>
+                <a:ea typeface="+mn-ea"/>
+                <a:cs typeface="+mn-cs"/>
+              </a:defRPr>
+            </a:lvl1pPr>
+            <a:lvl2pPr marL="685800" indent="-228600" algn="l" defTabSz="914400" rtl="0" eaLnBrk="1" latinLnBrk="0" hangingPunct="1">
+              <a:lnSpc>
+                <a:spcPct val="90000"/>
+              </a:lnSpc>
+              <a:spcBef>
+                <a:spcPts val="500"/>
+              </a:spcBef>
+              <a:buFont typeface="Arial" panose="020B0604020202020204" pitchFamily="34" charset="0"/>
+              <a:buChar char="•"/>
+              <a:defRPr sz="2400" kern="1200">
+                <a:solidFill>
+                  <a:schemeClr val="tx1"/>
+                </a:solidFill>
+                <a:latin typeface="Knuth's Computer Modern"/>
+                <a:ea typeface="+mn-ea"/>
+                <a:cs typeface="+mn-cs"/>
+              </a:defRPr>
+            </a:lvl2pPr>
+            <a:lvl3pPr marL="1143000" indent="-228600" algn="l" defTabSz="914400" rtl="0" eaLnBrk="1" latinLnBrk="0" hangingPunct="1">
+              <a:lnSpc>
+                <a:spcPct val="90000"/>
+              </a:lnSpc>
+              <a:spcBef>
+                <a:spcPts val="500"/>
+              </a:spcBef>
+              <a:buFont typeface="Arial" panose="020B0604020202020204" pitchFamily="34" charset="0"/>
+              <a:buChar char="•"/>
+              <a:defRPr sz="2000" kern="1200">
+                <a:solidFill>
+                  <a:schemeClr val="tx1"/>
+                </a:solidFill>
+                <a:latin typeface="Knuth's Computer Modern"/>
+                <a:ea typeface="+mn-ea"/>
+                <a:cs typeface="+mn-cs"/>
+              </a:defRPr>
+            </a:lvl3pPr>
+            <a:lvl4pPr marL="1600200" indent="-228600" algn="l" defTabSz="914400" rtl="0" eaLnBrk="1" latinLnBrk="0" hangingPunct="1">
+              <a:lnSpc>
+                <a:spcPct val="90000"/>
+              </a:lnSpc>
+              <a:spcBef>
+                <a:spcPts val="500"/>
+              </a:spcBef>
+              <a:buFont typeface="Arial" panose="020B0604020202020204" pitchFamily="34" charset="0"/>
+              <a:buChar char="•"/>
+              <a:defRPr sz="1800" kern="1200">
+                <a:solidFill>
+                  <a:schemeClr val="tx1"/>
+                </a:solidFill>
+                <a:latin typeface="Knuth's Computer Modern"/>
+                <a:ea typeface="+mn-ea"/>
+                <a:cs typeface="+mn-cs"/>
+              </a:defRPr>
+            </a:lvl4pPr>
+            <a:lvl5pPr marL="2057400" indent="-228600" algn="l" defTabSz="914400" rtl="0" eaLnBrk="1" latinLnBrk="0" hangingPunct="1">
+              <a:lnSpc>
+                <a:spcPct val="90000"/>
+              </a:lnSpc>
+              <a:spcBef>
+                <a:spcPts val="500"/>
+              </a:spcBef>
+              <a:buFont typeface="Arial" panose="020B0604020202020204" pitchFamily="34" charset="0"/>
+              <a:buChar char="•"/>
+              <a:defRPr sz="1800" kern="1200">
+                <a:solidFill>
+                  <a:schemeClr val="tx1"/>
+                </a:solidFill>
+                <a:latin typeface="Knuth's Computer Modern"/>
+                <a:ea typeface="+mn-ea"/>
+                <a:cs typeface="+mn-cs"/>
+              </a:defRPr>
+            </a:lvl5pPr>
+            <a:lvl6pPr marL="2514600" indent="-228600" algn="l" defTabSz="914400" rtl="0" eaLnBrk="1" latinLnBrk="0" hangingPunct="1">
+              <a:lnSpc>
+                <a:spcPct val="90000"/>
+              </a:lnSpc>
+              <a:spcBef>
+                <a:spcPts val="500"/>
+              </a:spcBef>
+              <a:buFont typeface="Arial" panose="020B0604020202020204" pitchFamily="34" charset="0"/>
+              <a:buChar char="•"/>
+              <a:defRPr sz="1800" kern="1200">
+                <a:solidFill>
+                  <a:schemeClr val="tx1"/>
+                </a:solidFill>
+                <a:latin typeface="+mn-lt"/>
+                <a:ea typeface="+mn-ea"/>
+                <a:cs typeface="+mn-cs"/>
+              </a:defRPr>
+            </a:lvl6pPr>
+            <a:lvl7pPr marL="2971800" indent="-228600" algn="l" defTabSz="914400" rtl="0" eaLnBrk="1" latinLnBrk="0" hangingPunct="1">
+              <a:lnSpc>
+                <a:spcPct val="90000"/>
+              </a:lnSpc>
+              <a:spcBef>
+                <a:spcPts val="500"/>
+              </a:spcBef>
+              <a:buFont typeface="Arial" panose="020B0604020202020204" pitchFamily="34" charset="0"/>
+              <a:buChar char="•"/>
+              <a:defRPr sz="1800" kern="1200">
+                <a:solidFill>
+                  <a:schemeClr val="tx1"/>
+                </a:solidFill>
+                <a:latin typeface="+mn-lt"/>
+                <a:ea typeface="+mn-ea"/>
+                <a:cs typeface="+mn-cs"/>
+              </a:defRPr>
+            </a:lvl7pPr>
+            <a:lvl8pPr marL="3429000" indent="-228600" algn="l" defTabSz="914400" rtl="0" eaLnBrk="1" latinLnBrk="0" hangingPunct="1">
+              <a:lnSpc>
+                <a:spcPct val="90000"/>
+              </a:lnSpc>
+              <a:spcBef>
+                <a:spcPts val="500"/>
+              </a:spcBef>
+              <a:buFont typeface="Arial" panose="020B0604020202020204" pitchFamily="34" charset="0"/>
+              <a:buChar char="•"/>
+              <a:defRPr sz="1800" kern="1200">
+                <a:solidFill>
+                  <a:schemeClr val="tx1"/>
+                </a:solidFill>
+                <a:latin typeface="+mn-lt"/>
+                <a:ea typeface="+mn-ea"/>
+                <a:cs typeface="+mn-cs"/>
+              </a:defRPr>
+            </a:lvl8pPr>
+            <a:lvl9pPr marL="3886200" indent="-228600" algn="l" defTabSz="914400" rtl="0" eaLnBrk="1" latinLnBrk="0" hangingPunct="1">
+              <a:lnSpc>
+                <a:spcPct val="90000"/>
+              </a:lnSpc>
+              <a:spcBef>
+                <a:spcPts val="500"/>
+              </a:spcBef>
+              <a:buFont typeface="Arial" panose="020B0604020202020204" pitchFamily="34" charset="0"/>
+              <a:buChar char="•"/>
+              <a:defRPr sz="1800" kern="1200">
+                <a:solidFill>
+                  <a:schemeClr val="tx1"/>
+                </a:solidFill>
+                <a:latin typeface="+mn-lt"/>
+                <a:ea typeface="+mn-ea"/>
+                <a:cs typeface="+mn-cs"/>
+              </a:defRPr>
+            </a:lvl9pPr>
+          </a:lstStyle>
+          <a:p>
+            <a:pPr marL="0" indent="0" algn="ctr">
+              <a:buNone/>
+            </a:pPr>
+            <a:r>
+              <a:rPr lang="en-US" sz="1500" i="1" dirty="0" smtClean="0"/>
+              <a:t>Key-points design for a license plate (colors are according to number of classes)</a:t>
+            </a:r>
+          </a:p>
+          <a:p>
+            <a:pPr marL="0" indent="0" algn="ctr">
+              <a:buNone/>
+            </a:pPr>
+            <a:r>
+              <a:rPr lang="en-US" sz="1500" i="1" dirty="0" smtClean="0"/>
+              <a:t>from left to right is 1c, 2c, 4c, 1c3 design respectively</a:t>
+            </a:r>
+            <a:endParaRPr lang="en-US" sz="1500" i="1" dirty="0"/>
+          </a:p>
+        </p:txBody>
+      </p:sp>
+    </p:spTree>
+    <p:extLst>
+      <p:ext uri="{BB962C8B-B14F-4D97-AF65-F5344CB8AC3E}">
+        <p14:creationId xmlns:p14="http://schemas.microsoft.com/office/powerpoint/2010/main" val="3905092898"/>
+      </p:ext>
+    </p:extLst>
+  </p:cSld>
+  <p:clrMapOvr>
+    <a:masterClrMapping/>
+  </p:clrMapOvr>
+  <mc:AlternateContent xmlns:mc="http://schemas.openxmlformats.org/markup-compatibility/2006" xmlns:p14="http://schemas.microsoft.com/office/powerpoint/2010/main">
+    <mc:Choice Requires="p14">
+      <p:transition spd="med" p14:dur="700">
+        <p:fade/>
+      </p:transition>
+    </mc:Choice>
+    <mc:Fallback xmlns="">
+      <p:transition spd="med">
+        <p:fade/>
+      </p:transition>
+    </mc:Fallback>
+  </mc:AlternateContent>
+  <p:timing>
+    <p:tnLst>
+      <p:par>
+        <p:cTn id="1" dur="indefinite" restart="never" nodeType="tmRoot"/>
+      </p:par>
+    </p:tnLst>
+  </p:timing>
+</p:sld>
+</file>
+
+<file path=ppt/slides/slide23.xml><?xml version="1.0" encoding="utf-8"?>
+<p:sld xmlns:a="http://schemas.openxmlformats.org/drawingml/2006/main" xmlns:r="http://schemas.openxmlformats.org/officeDocument/2006/relationships" xmlns:p="http://schemas.openxmlformats.org/presentationml/2006/main">
+  <p:cSld>
+    <p:spTree>
+      <p:nvGrpSpPr>
+        <p:cNvPr id="1" name=""/>
+        <p:cNvGrpSpPr/>
+        <p:nvPr/>
+      </p:nvGrpSpPr>
+      <p:grpSpPr>
+        <a:xfrm>
+          <a:off x="0" y="0"/>
+          <a:ext cx="0" cy="0"/>
+          <a:chOff x="0" y="0"/>
+          <a:chExt cx="0" cy="0"/>
+        </a:xfrm>
+      </p:grpSpPr>
+      <p:sp>
+        <p:nvSpPr>
+          <p:cNvPr id="2" name="Title 1">
+            <a:extLst>
+              <a:ext uri="{FF2B5EF4-FFF2-40B4-BE49-F238E27FC236}">
+                <a16:creationId xmlns:a16="http://schemas.microsoft.com/office/drawing/2014/main" id="{FF3861D7-E9D2-4179-9729-DE1F93F8CDF8}"/>
+              </a:ext>
+            </a:extLst>
+          </p:cNvPr>
+          <p:cNvSpPr>
+            <a:spLocks noGrp="1"/>
+          </p:cNvSpPr>
+          <p:nvPr>
+            <p:ph type="title"/>
+          </p:nvPr>
+        </p:nvSpPr>
+        <p:spPr/>
+        <p:txBody>
+          <a:bodyPr/>
+          <a:lstStyle/>
+          <a:p>
+            <a:r>
+              <a:rPr lang="en-US" dirty="0" smtClean="0"/>
+              <a:t>License plate detection</a:t>
+            </a:r>
+            <a:endParaRPr lang="en-US" dirty="0"/>
+          </a:p>
+        </p:txBody>
+      </p:sp>
+      <p:sp>
+        <p:nvSpPr>
+          <p:cNvPr id="4" name="Date Placeholder 3">
+            <a:extLst>
+              <a:ext uri="{FF2B5EF4-FFF2-40B4-BE49-F238E27FC236}">
+                <a16:creationId xmlns:a16="http://schemas.microsoft.com/office/drawing/2014/main" id="{59BD8D3B-427F-4B24-8737-4CA720C8E5E4}"/>
+              </a:ext>
+            </a:extLst>
+          </p:cNvPr>
+          <p:cNvSpPr>
+            <a:spLocks noGrp="1"/>
+          </p:cNvSpPr>
+          <p:nvPr>
+            <p:ph type="dt" sz="half" idx="10"/>
+          </p:nvPr>
+        </p:nvSpPr>
+        <p:spPr/>
+        <p:txBody>
+          <a:bodyPr/>
+          <a:lstStyle/>
+          <a:p>
+            <a:fld id="{499624E5-6640-4B65-82B0-BACE50C7D1B2}" type="datetime1">
+              <a:rPr lang="en-US" smtClean="0"/>
+              <a:t>7/10/2021</a:t>
+            </a:fld>
+            <a:endParaRPr lang="en-US" dirty="0"/>
+          </a:p>
+        </p:txBody>
+      </p:sp>
+      <p:sp>
+        <p:nvSpPr>
+          <p:cNvPr id="5" name="Footer Placeholder 4">
+            <a:extLst>
+              <a:ext uri="{FF2B5EF4-FFF2-40B4-BE49-F238E27FC236}">
+                <a16:creationId xmlns:a16="http://schemas.microsoft.com/office/drawing/2014/main" id="{8AD0CA4B-AD9E-400D-8C7F-26EF555CCADE}"/>
+              </a:ext>
+            </a:extLst>
+          </p:cNvPr>
+          <p:cNvSpPr>
+            <a:spLocks noGrp="1"/>
+          </p:cNvSpPr>
+          <p:nvPr>
+            <p:ph type="ftr" sz="quarter" idx="11"/>
+          </p:nvPr>
+        </p:nvSpPr>
+        <p:spPr/>
+        <p:txBody>
+          <a:bodyPr/>
+          <a:lstStyle/>
+          <a:p>
+            <a:r>
+              <a:rPr lang="fr-FR"/>
+              <a:t>Le Quy Don Technical University</a:t>
+            </a:r>
+            <a:endParaRPr lang="en-US" dirty="0"/>
+          </a:p>
+        </p:txBody>
+      </p:sp>
+      <p:sp>
+        <p:nvSpPr>
+          <p:cNvPr id="6" name="Slide Number Placeholder 5">
+            <a:extLst>
+              <a:ext uri="{FF2B5EF4-FFF2-40B4-BE49-F238E27FC236}">
+                <a16:creationId xmlns:a16="http://schemas.microsoft.com/office/drawing/2014/main" id="{FDC28E22-5D85-4432-8609-46F5E8EE9C7F}"/>
+              </a:ext>
+            </a:extLst>
+          </p:cNvPr>
+          <p:cNvSpPr>
+            <a:spLocks noGrp="1"/>
+          </p:cNvSpPr>
+          <p:nvPr>
+            <p:ph type="sldNum" sz="quarter" idx="12"/>
+          </p:nvPr>
+        </p:nvSpPr>
+        <p:spPr/>
+        <p:txBody>
+          <a:bodyPr/>
+          <a:lstStyle/>
+          <a:p>
+            <a:fld id="{B881B6B3-2069-452F-BF40-F653D75B3DB0}" type="slidenum">
+              <a:rPr lang="en-US" smtClean="0"/>
+              <a:t>23</a:t>
+            </a:fld>
+            <a:endParaRPr lang="en-US"/>
+          </a:p>
+        </p:txBody>
+      </p:sp>
+      <p:sp>
+        <p:nvSpPr>
+          <p:cNvPr id="7" name="Text Placeholder 6">
+            <a:extLst>
+              <a:ext uri="{FF2B5EF4-FFF2-40B4-BE49-F238E27FC236}">
+                <a16:creationId xmlns:a16="http://schemas.microsoft.com/office/drawing/2014/main" id="{70C2D65A-A971-4345-9E2C-84C63320093B}"/>
+              </a:ext>
+            </a:extLst>
+          </p:cNvPr>
+          <p:cNvSpPr>
+            <a:spLocks noGrp="1"/>
+          </p:cNvSpPr>
+          <p:nvPr>
+            <p:ph type="body" sz="quarter" idx="13"/>
+          </p:nvPr>
+        </p:nvSpPr>
+        <p:spPr/>
+        <p:txBody>
+          <a:bodyPr/>
+          <a:lstStyle/>
+          <a:p>
+            <a:r>
+              <a:rPr lang="en-US" dirty="0" smtClean="0"/>
+              <a:t>Experiment</a:t>
+            </a:r>
+            <a:endParaRPr lang="en-US" dirty="0"/>
+          </a:p>
+        </p:txBody>
+      </p:sp>
+      <p:sp>
+        <p:nvSpPr>
+          <p:cNvPr id="8" name="Text Placeholder 7">
+            <a:extLst>
+              <a:ext uri="{FF2B5EF4-FFF2-40B4-BE49-F238E27FC236}">
+                <a16:creationId xmlns:a16="http://schemas.microsoft.com/office/drawing/2014/main" id="{5701DD7A-BE1C-4CE5-ABF5-722FEB49D509}"/>
+              </a:ext>
+            </a:extLst>
+          </p:cNvPr>
+          <p:cNvSpPr>
+            <a:spLocks noGrp="1"/>
+          </p:cNvSpPr>
+          <p:nvPr>
+            <p:ph type="body" sz="quarter" idx="14"/>
+          </p:nvPr>
+        </p:nvSpPr>
+        <p:spPr/>
+        <p:txBody>
+          <a:bodyPr/>
+          <a:lstStyle/>
+          <a:p>
+            <a:r>
+              <a:rPr lang="en-US" dirty="0" smtClean="0"/>
+              <a:t>Results</a:t>
+            </a:r>
+            <a:endParaRPr lang="en-US" dirty="0"/>
+          </a:p>
+        </p:txBody>
+      </p:sp>
+      <p:pic>
+        <p:nvPicPr>
+          <p:cNvPr id="10" name="Picture 9"/>
+          <p:cNvPicPr>
+            <a:picLocks noChangeAspect="1"/>
+          </p:cNvPicPr>
+          <p:nvPr/>
+        </p:nvPicPr>
+        <p:blipFill>
+          <a:blip r:embed="rId2"/>
+          <a:stretch>
+            <a:fillRect/>
+          </a:stretch>
+        </p:blipFill>
+        <p:spPr>
+          <a:xfrm>
+            <a:off x="2733206" y="961731"/>
+            <a:ext cx="6725589" cy="2267266"/>
+          </a:xfrm>
+          <a:prstGeom prst="rect">
+            <a:avLst/>
+          </a:prstGeom>
+        </p:spPr>
+      </p:pic>
+      <p:pic>
+        <p:nvPicPr>
+          <p:cNvPr id="12" name="Picture 11"/>
+          <p:cNvPicPr>
+            <a:picLocks noChangeAspect="1"/>
+          </p:cNvPicPr>
+          <p:nvPr/>
+        </p:nvPicPr>
+        <p:blipFill>
+          <a:blip r:embed="rId3"/>
+          <a:stretch>
+            <a:fillRect/>
+          </a:stretch>
+        </p:blipFill>
+        <p:spPr>
+          <a:xfrm>
+            <a:off x="2661758" y="3407503"/>
+            <a:ext cx="6868484" cy="3048425"/>
+          </a:xfrm>
+          <a:prstGeom prst="rect">
+            <a:avLst/>
+          </a:prstGeom>
+        </p:spPr>
+      </p:pic>
+    </p:spTree>
+    <p:extLst>
+      <p:ext uri="{BB962C8B-B14F-4D97-AF65-F5344CB8AC3E}">
+        <p14:creationId xmlns:p14="http://schemas.microsoft.com/office/powerpoint/2010/main" val="156650580"/>
+      </p:ext>
+    </p:extLst>
+  </p:cSld>
+  <p:clrMapOvr>
+    <a:masterClrMapping/>
+  </p:clrMapOvr>
+  <mc:AlternateContent xmlns:mc="http://schemas.openxmlformats.org/markup-compatibility/2006" xmlns:p14="http://schemas.microsoft.com/office/powerpoint/2010/main">
+    <mc:Choice Requires="p14">
+      <p:transition spd="med" p14:dur="700">
+        <p:fade/>
+      </p:transition>
+    </mc:Choice>
+    <mc:Fallback xmlns="">
+      <p:transition spd="med">
+        <p:fade/>
+      </p:transition>
+    </mc:Fallback>
+  </mc:AlternateContent>
+  <p:timing>
+    <p:tnLst>
+      <p:par>
+        <p:cTn id="1" dur="indefinite" restart="never" nodeType="tmRoot"/>
+      </p:par>
+    </p:tnLst>
+  </p:timing>
+</p:sld>
+</file>
+
+<file path=ppt/slides/slide24.xml><?xml version="1.0" encoding="utf-8"?>
+<p:sld xmlns:a="http://schemas.openxmlformats.org/drawingml/2006/main" xmlns:r="http://schemas.openxmlformats.org/officeDocument/2006/relationships" xmlns:p="http://schemas.openxmlformats.org/presentationml/2006/main">
+  <p:cSld>
+    <p:spTree>
+      <p:nvGrpSpPr>
+        <p:cNvPr id="1" name=""/>
+        <p:cNvGrpSpPr/>
+        <p:nvPr/>
+      </p:nvGrpSpPr>
+      <p:grpSpPr>
+        <a:xfrm>
+          <a:off x="0" y="0"/>
+          <a:ext cx="0" cy="0"/>
+          <a:chOff x="0" y="0"/>
+          <a:chExt cx="0" cy="0"/>
+        </a:xfrm>
+      </p:grpSpPr>
+      <p:sp>
+        <p:nvSpPr>
+          <p:cNvPr id="2" name="Title 1">
+            <a:extLst>
+              <a:ext uri="{FF2B5EF4-FFF2-40B4-BE49-F238E27FC236}">
+                <a16:creationId xmlns:a16="http://schemas.microsoft.com/office/drawing/2014/main" id="{FF3861D7-E9D2-4179-9729-DE1F93F8CDF8}"/>
+              </a:ext>
+            </a:extLst>
+          </p:cNvPr>
+          <p:cNvSpPr>
+            <a:spLocks noGrp="1"/>
+          </p:cNvSpPr>
+          <p:nvPr>
+            <p:ph type="title"/>
+          </p:nvPr>
+        </p:nvSpPr>
+        <p:spPr/>
+        <p:txBody>
+          <a:bodyPr/>
+          <a:lstStyle/>
+          <a:p>
+            <a:r>
+              <a:rPr lang="en-US" dirty="0" smtClean="0"/>
+              <a:t>License plate OCR</a:t>
+            </a:r>
+            <a:endParaRPr lang="en-US" dirty="0"/>
+          </a:p>
+        </p:txBody>
+      </p:sp>
+      <mc:AlternateContent xmlns:mc="http://schemas.openxmlformats.org/markup-compatibility/2006" xmlns:a14="http://schemas.microsoft.com/office/drawing/2010/main">
+        <mc:Choice Requires="a14">
+          <p:sp>
+            <p:nvSpPr>
+              <p:cNvPr id="3" name="Content Placeholder 2">
+                <a:extLst>
+                  <a:ext uri="{FF2B5EF4-FFF2-40B4-BE49-F238E27FC236}">
+                    <a16:creationId xmlns:a16="http://schemas.microsoft.com/office/drawing/2014/main" id="{53FDC751-40E8-4995-8855-D4EDC6678457}"/>
+                  </a:ext>
+                </a:extLst>
+              </p:cNvPr>
+              <p:cNvSpPr>
+                <a:spLocks noGrp="1"/>
+              </p:cNvSpPr>
+              <p:nvPr>
+                <p:ph sz="half" idx="2"/>
+              </p:nvPr>
+            </p:nvSpPr>
+            <p:spPr>
+              <a:xfrm>
+                <a:off x="381000" y="850899"/>
+                <a:ext cx="11430000" cy="1297570"/>
+              </a:xfrm>
+            </p:spPr>
+            <p:txBody>
+              <a:bodyPr/>
+              <a:lstStyle/>
+              <a:p>
+                <a:pPr marL="342900" indent="-342900">
+                  <a:buFont typeface="Wingdings" panose="05000000000000000000" pitchFamily="2" charset="2"/>
+                  <a:buChar char="§"/>
+                </a:pPr>
+                <a:r>
+                  <a:rPr lang="en-US" b="1" dirty="0" smtClean="0"/>
+                  <a:t>Settings: </a:t>
+                </a:r>
+                <a:r>
+                  <a:rPr lang="en-US" dirty="0" smtClean="0"/>
+                  <a:t>We divide 16012 LP images into 3 training, validation and testing with 0.75:0.1:0.15 ratio.</a:t>
+                </a:r>
+              </a:p>
+              <a:p>
+                <a:pPr marL="342900" indent="-342900">
+                  <a:buFont typeface="Wingdings" panose="05000000000000000000" pitchFamily="2" charset="2"/>
+                  <a:buChar char="§"/>
+                </a:pPr>
+                <a:r>
+                  <a:rPr lang="en-US" b="1" dirty="0" smtClean="0"/>
+                  <a:t>Validation method: </a:t>
+                </a:r>
+                <a:r>
+                  <a:rPr lang="en-US" dirty="0" smtClean="0"/>
+                  <a:t>Accuracy at character level </a:t>
+                </a:r>
+                <a14:m>
+                  <m:oMath xmlns:m="http://schemas.openxmlformats.org/officeDocument/2006/math">
+                    <m:sSub>
+                      <m:sSubPr>
+                        <m:ctrlPr>
+                          <a:rPr lang="en-US" i="1">
+                            <a:latin typeface="Cambria Math" panose="02040503050406030204" pitchFamily="18" charset="0"/>
+                          </a:rPr>
+                        </m:ctrlPr>
+                      </m:sSubPr>
+                      <m:e>
+                        <m:r>
+                          <a:rPr lang="en-US" i="1">
+                            <a:latin typeface="Cambria Math" panose="02040503050406030204" pitchFamily="18" charset="0"/>
+                          </a:rPr>
+                          <m:t>𝐴𝑐𝑐</m:t>
+                        </m:r>
+                      </m:e>
+                      <m:sub>
+                        <m:r>
+                          <a:rPr lang="en-US" i="1">
+                            <a:latin typeface="Cambria Math" panose="02040503050406030204" pitchFamily="18" charset="0"/>
+                          </a:rPr>
+                          <m:t>𝑐h𝑎𝑟</m:t>
+                        </m:r>
+                      </m:sub>
+                    </m:sSub>
+                  </m:oMath>
+                </a14:m>
+                <a:r>
+                  <a:rPr lang="en-US" dirty="0" smtClean="0"/>
+                  <a:t> and sequence level </a:t>
+                </a:r>
+                <a14:m>
+                  <m:oMath xmlns:m="http://schemas.openxmlformats.org/officeDocument/2006/math">
+                    <m:sSub>
+                      <m:sSubPr>
+                        <m:ctrlPr>
+                          <a:rPr lang="en-US" i="1">
+                            <a:latin typeface="Cambria Math" panose="02040503050406030204" pitchFamily="18" charset="0"/>
+                          </a:rPr>
+                        </m:ctrlPr>
+                      </m:sSubPr>
+                      <m:e>
+                        <m:r>
+                          <a:rPr lang="en-US" i="1">
+                            <a:latin typeface="Cambria Math" panose="02040503050406030204" pitchFamily="18" charset="0"/>
+                          </a:rPr>
+                          <m:t>𝐴𝑐𝑐</m:t>
+                        </m:r>
+                      </m:e>
+                      <m:sub>
+                        <m:r>
+                          <a:rPr lang="en-US" b="0" i="1" smtClean="0">
+                            <a:latin typeface="Cambria Math" panose="02040503050406030204" pitchFamily="18" charset="0"/>
+                          </a:rPr>
+                          <m:t>𝑠𝑒𝑞</m:t>
+                        </m:r>
+                      </m:sub>
+                    </m:sSub>
+                    <m:r>
+                      <a:rPr lang="en-US" b="1" i="0" smtClean="0">
+                        <a:latin typeface="Cambria Math" panose="02040503050406030204" pitchFamily="18" charset="0"/>
+                      </a:rPr>
+                      <m:t>.</m:t>
+                    </m:r>
+                  </m:oMath>
+                </a14:m>
+                <a:endParaRPr lang="en-US" b="1" dirty="0" smtClean="0"/>
+              </a:p>
+              <a:p>
+                <a:pPr marL="342900" indent="-342900">
+                  <a:buFont typeface="Wingdings" panose="05000000000000000000" pitchFamily="2" charset="2"/>
+                  <a:buChar char="§"/>
+                </a:pPr>
+                <a:r>
+                  <a:rPr lang="en-US" b="1" dirty="0" smtClean="0"/>
+                  <a:t>Training: </a:t>
+                </a:r>
+                <a:r>
+                  <a:rPr lang="en-US" dirty="0" smtClean="0"/>
+                  <a:t>Adam optimization algorithm.</a:t>
+                </a:r>
+                <a:endParaRPr lang="en-US" b="1" dirty="0"/>
+              </a:p>
+            </p:txBody>
+          </p:sp>
+        </mc:Choice>
+        <mc:Fallback xmlns="">
+          <p:sp>
+            <p:nvSpPr>
+              <p:cNvPr id="3" name="Content Placeholder 2">
+                <a:extLst>
+                  <a:ext uri="{FF2B5EF4-FFF2-40B4-BE49-F238E27FC236}">
+                    <a16:creationId xmlns:a16="http://schemas.microsoft.com/office/drawing/2014/main" id="{53FDC751-40E8-4995-8855-D4EDC6678457}"/>
+                  </a:ext>
+                </a:extLst>
+              </p:cNvPr>
+              <p:cNvSpPr>
+                <a:spLocks noGrp="1" noRot="1" noChangeAspect="1" noMove="1" noResize="1" noEditPoints="1" noAdjustHandles="1" noChangeArrowheads="1" noChangeShapeType="1" noTextEdit="1"/>
+              </p:cNvSpPr>
+              <p:nvPr>
+                <p:ph sz="half" idx="2"/>
+              </p:nvPr>
+            </p:nvSpPr>
+            <p:spPr>
+              <a:xfrm>
+                <a:off x="381000" y="850899"/>
+                <a:ext cx="11430000" cy="1297570"/>
+              </a:xfrm>
+              <a:blipFill>
+                <a:blip r:embed="rId2"/>
+                <a:stretch>
+                  <a:fillRect l="-427" b="-2358"/>
+                </a:stretch>
+              </a:blipFill>
+            </p:spPr>
+            <p:txBody>
+              <a:bodyPr/>
+              <a:lstStyle/>
+              <a:p>
+                <a:r>
+                  <a:rPr lang="en-US">
+                    <a:noFill/>
+                  </a:rPr>
+                  <a:t> </a:t>
+                </a:r>
+              </a:p>
+            </p:txBody>
+          </p:sp>
+        </mc:Fallback>
+      </mc:AlternateContent>
+      <p:sp>
+        <p:nvSpPr>
+          <p:cNvPr id="4" name="Date Placeholder 3">
+            <a:extLst>
+              <a:ext uri="{FF2B5EF4-FFF2-40B4-BE49-F238E27FC236}">
+                <a16:creationId xmlns:a16="http://schemas.microsoft.com/office/drawing/2014/main" id="{59BD8D3B-427F-4B24-8737-4CA720C8E5E4}"/>
+              </a:ext>
+            </a:extLst>
+          </p:cNvPr>
+          <p:cNvSpPr>
+            <a:spLocks noGrp="1"/>
+          </p:cNvSpPr>
+          <p:nvPr>
+            <p:ph type="dt" sz="half" idx="10"/>
+          </p:nvPr>
+        </p:nvSpPr>
+        <p:spPr/>
+        <p:txBody>
+          <a:bodyPr/>
+          <a:lstStyle/>
+          <a:p>
+            <a:fld id="{499624E5-6640-4B65-82B0-BACE50C7D1B2}" type="datetime1">
+              <a:rPr lang="en-US" smtClean="0"/>
+              <a:t>7/10/2021</a:t>
+            </a:fld>
+            <a:endParaRPr lang="en-US" dirty="0"/>
+          </a:p>
+        </p:txBody>
+      </p:sp>
+      <p:sp>
+        <p:nvSpPr>
+          <p:cNvPr id="5" name="Footer Placeholder 4">
+            <a:extLst>
+              <a:ext uri="{FF2B5EF4-FFF2-40B4-BE49-F238E27FC236}">
+                <a16:creationId xmlns:a16="http://schemas.microsoft.com/office/drawing/2014/main" id="{8AD0CA4B-AD9E-400D-8C7F-26EF555CCADE}"/>
+              </a:ext>
+            </a:extLst>
+          </p:cNvPr>
+          <p:cNvSpPr>
+            <a:spLocks noGrp="1"/>
+          </p:cNvSpPr>
+          <p:nvPr>
+            <p:ph type="ftr" sz="quarter" idx="11"/>
+          </p:nvPr>
+        </p:nvSpPr>
+        <p:spPr/>
+        <p:txBody>
+          <a:bodyPr/>
+          <a:lstStyle/>
+          <a:p>
+            <a:r>
+              <a:rPr lang="fr-FR"/>
+              <a:t>Le Quy Don Technical University</a:t>
+            </a:r>
+            <a:endParaRPr lang="en-US" dirty="0"/>
+          </a:p>
+        </p:txBody>
+      </p:sp>
+      <p:sp>
+        <p:nvSpPr>
+          <p:cNvPr id="6" name="Slide Number Placeholder 5">
+            <a:extLst>
+              <a:ext uri="{FF2B5EF4-FFF2-40B4-BE49-F238E27FC236}">
+                <a16:creationId xmlns:a16="http://schemas.microsoft.com/office/drawing/2014/main" id="{FDC28E22-5D85-4432-8609-46F5E8EE9C7F}"/>
+              </a:ext>
+            </a:extLst>
+          </p:cNvPr>
+          <p:cNvSpPr>
+            <a:spLocks noGrp="1"/>
+          </p:cNvSpPr>
+          <p:nvPr>
+            <p:ph type="sldNum" sz="quarter" idx="12"/>
+          </p:nvPr>
+        </p:nvSpPr>
+        <p:spPr/>
+        <p:txBody>
+          <a:bodyPr/>
+          <a:lstStyle/>
+          <a:p>
+            <a:fld id="{B881B6B3-2069-452F-BF40-F653D75B3DB0}" type="slidenum">
+              <a:rPr lang="en-US" smtClean="0"/>
+              <a:t>24</a:t>
+            </a:fld>
+            <a:endParaRPr lang="en-US"/>
+          </a:p>
+        </p:txBody>
+      </p:sp>
+      <p:sp>
+        <p:nvSpPr>
+          <p:cNvPr id="7" name="Text Placeholder 6">
+            <a:extLst>
+              <a:ext uri="{FF2B5EF4-FFF2-40B4-BE49-F238E27FC236}">
+                <a16:creationId xmlns:a16="http://schemas.microsoft.com/office/drawing/2014/main" id="{70C2D65A-A971-4345-9E2C-84C63320093B}"/>
+              </a:ext>
+            </a:extLst>
+          </p:cNvPr>
+          <p:cNvSpPr>
+            <a:spLocks noGrp="1"/>
+          </p:cNvSpPr>
+          <p:nvPr>
+            <p:ph type="body" sz="quarter" idx="13"/>
+          </p:nvPr>
+        </p:nvSpPr>
+        <p:spPr/>
+        <p:txBody>
+          <a:bodyPr/>
+          <a:lstStyle/>
+          <a:p>
+            <a:r>
+              <a:rPr lang="en-US" dirty="0" smtClean="0"/>
+              <a:t>Experiment</a:t>
+            </a:r>
+            <a:endParaRPr lang="en-US" dirty="0"/>
+          </a:p>
+        </p:txBody>
+      </p:sp>
+      <p:sp>
+        <p:nvSpPr>
+          <p:cNvPr id="8" name="Text Placeholder 7">
+            <a:extLst>
+              <a:ext uri="{FF2B5EF4-FFF2-40B4-BE49-F238E27FC236}">
+                <a16:creationId xmlns:a16="http://schemas.microsoft.com/office/drawing/2014/main" id="{5701DD7A-BE1C-4CE5-ABF5-722FEB49D509}"/>
+              </a:ext>
+            </a:extLst>
+          </p:cNvPr>
+          <p:cNvSpPr>
+            <a:spLocks noGrp="1"/>
+          </p:cNvSpPr>
+          <p:nvPr>
+            <p:ph type="body" sz="quarter" idx="14"/>
+          </p:nvPr>
+        </p:nvSpPr>
+        <p:spPr/>
+        <p:txBody>
+          <a:bodyPr/>
+          <a:lstStyle/>
+          <a:p>
+            <a:r>
+              <a:rPr lang="en-US" dirty="0" smtClean="0"/>
+              <a:t>Results</a:t>
+            </a:r>
+            <a:endParaRPr lang="en-US" dirty="0"/>
+          </a:p>
+        </p:txBody>
+      </p:sp>
+      <p:pic>
+        <p:nvPicPr>
+          <p:cNvPr id="9" name="Picture 8"/>
+          <p:cNvPicPr>
+            <a:picLocks noChangeAspect="1"/>
+          </p:cNvPicPr>
+          <p:nvPr/>
+        </p:nvPicPr>
+        <p:blipFill>
+          <a:blip r:embed="rId3"/>
+          <a:stretch>
+            <a:fillRect/>
+          </a:stretch>
+        </p:blipFill>
+        <p:spPr>
+          <a:xfrm>
+            <a:off x="775545" y="2713859"/>
+            <a:ext cx="10640910" cy="2686425"/>
+          </a:xfrm>
+          <a:prstGeom prst="rect">
+            <a:avLst/>
+          </a:prstGeom>
+        </p:spPr>
+      </p:pic>
+    </p:spTree>
+    <p:extLst>
+      <p:ext uri="{BB962C8B-B14F-4D97-AF65-F5344CB8AC3E}">
+        <p14:creationId xmlns:p14="http://schemas.microsoft.com/office/powerpoint/2010/main" val="3902118940"/>
+      </p:ext>
+    </p:extLst>
+  </p:cSld>
+  <p:clrMapOvr>
+    <a:masterClrMapping/>
+  </p:clrMapOvr>
+  <mc:AlternateContent xmlns:mc="http://schemas.openxmlformats.org/markup-compatibility/2006" xmlns:p14="http://schemas.microsoft.com/office/powerpoint/2010/main">
+    <mc:Choice Requires="p14">
+      <p:transition spd="med" p14:dur="700">
+        <p:fade/>
+      </p:transition>
+    </mc:Choice>
+    <mc:Fallback xmlns="">
+      <p:transition spd="med">
+        <p:fade/>
+      </p:transition>
+    </mc:Fallback>
+  </mc:AlternateContent>
+  <p:timing>
+    <p:tnLst>
+      <p:par>
+        <p:cTn id="1" dur="indefinite" restart="never" nodeType="tmRoot"/>
+      </p:par>
+    </p:tnLst>
+  </p:timing>
+</p:sld>
+</file>
+
+<file path=ppt/slides/slide25.xml><?xml version="1.0" encoding="utf-8"?>
+<p:sld xmlns:a="http://schemas.openxmlformats.org/drawingml/2006/main" xmlns:r="http://schemas.openxmlformats.org/officeDocument/2006/relationships" xmlns:p="http://schemas.openxmlformats.org/presentationml/2006/main">
+  <p:cSld>
+    <p:spTree>
+      <p:nvGrpSpPr>
+        <p:cNvPr id="1" name=""/>
+        <p:cNvGrpSpPr/>
+        <p:nvPr/>
+      </p:nvGrpSpPr>
+      <p:grpSpPr>
+        <a:xfrm>
+          <a:off x="0" y="0"/>
+          <a:ext cx="0" cy="0"/>
+          <a:chOff x="0" y="0"/>
+          <a:chExt cx="0" cy="0"/>
+        </a:xfrm>
+      </p:grpSpPr>
+      <p:sp>
+        <p:nvSpPr>
+          <p:cNvPr id="2" name="Title 1">
+            <a:extLst>
+              <a:ext uri="{FF2B5EF4-FFF2-40B4-BE49-F238E27FC236}">
+                <a16:creationId xmlns:a16="http://schemas.microsoft.com/office/drawing/2014/main" id="{FF3861D7-E9D2-4179-9729-DE1F93F8CDF8}"/>
+              </a:ext>
+            </a:extLst>
+          </p:cNvPr>
+          <p:cNvSpPr>
+            <a:spLocks noGrp="1"/>
+          </p:cNvSpPr>
+          <p:nvPr>
+            <p:ph type="title"/>
+          </p:nvPr>
+        </p:nvSpPr>
+        <p:spPr/>
+        <p:txBody>
+          <a:bodyPr/>
+          <a:lstStyle/>
+          <a:p>
+            <a:r>
+              <a:rPr lang="en-US" dirty="0" smtClean="0"/>
+              <a:t>License plate OCR</a:t>
+            </a:r>
+            <a:endParaRPr lang="en-US" dirty="0"/>
+          </a:p>
+        </p:txBody>
+      </p:sp>
+      <p:sp>
+        <p:nvSpPr>
+          <p:cNvPr id="3" name="Content Placeholder 2">
+            <a:extLst>
+              <a:ext uri="{FF2B5EF4-FFF2-40B4-BE49-F238E27FC236}">
+                <a16:creationId xmlns:a16="http://schemas.microsoft.com/office/drawing/2014/main" id="{53FDC751-40E8-4995-8855-D4EDC6678457}"/>
+              </a:ext>
+            </a:extLst>
+          </p:cNvPr>
+          <p:cNvSpPr>
+            <a:spLocks noGrp="1"/>
+          </p:cNvSpPr>
+          <p:nvPr>
+            <p:ph sz="half" idx="2"/>
+          </p:nvPr>
+        </p:nvSpPr>
+        <p:spPr>
+          <a:xfrm>
+            <a:off x="381000" y="850899"/>
+            <a:ext cx="11430000" cy="1297570"/>
+          </a:xfrm>
+        </p:spPr>
+        <p:txBody>
+          <a:bodyPr/>
+          <a:lstStyle/>
+          <a:p>
+            <a:pPr marL="342900" indent="-342900">
+              <a:buFont typeface="Wingdings" panose="05000000000000000000" pitchFamily="2" charset="2"/>
+              <a:buChar char="§"/>
+            </a:pPr>
+            <a:r>
+              <a:rPr lang="en-US" dirty="0"/>
+              <a:t>90% of LP images in the MTAVLP dataset have </a:t>
+            </a:r>
+            <a:r>
+              <a:rPr lang="en-US" dirty="0" smtClean="0"/>
+              <a:t>white background.</a:t>
+            </a:r>
+          </a:p>
+          <a:p>
+            <a:pPr marL="342900" indent="-342900">
+              <a:buFont typeface="Wingdings" panose="05000000000000000000" pitchFamily="2" charset="2"/>
+              <a:buChar char="§"/>
+            </a:pPr>
+            <a:r>
+              <a:rPr lang="en-US" dirty="0"/>
+              <a:t>W</a:t>
+            </a:r>
+            <a:r>
+              <a:rPr lang="en-US" dirty="0" smtClean="0"/>
+              <a:t>e </a:t>
+            </a:r>
+            <a:r>
+              <a:rPr lang="en-US" dirty="0"/>
+              <a:t>used image negative and histogram matching algorithm to generate MTAVLP-color dataset including blue, red, yellow plates from white plates in all 3 training, testing and validation </a:t>
+            </a:r>
+            <a:r>
+              <a:rPr lang="en-US" dirty="0" smtClean="0"/>
+              <a:t>sets.</a:t>
+            </a:r>
+            <a:endParaRPr lang="en-US" dirty="0"/>
+          </a:p>
+        </p:txBody>
+      </p:sp>
+      <p:sp>
+        <p:nvSpPr>
+          <p:cNvPr id="4" name="Date Placeholder 3">
+            <a:extLst>
+              <a:ext uri="{FF2B5EF4-FFF2-40B4-BE49-F238E27FC236}">
+                <a16:creationId xmlns:a16="http://schemas.microsoft.com/office/drawing/2014/main" id="{59BD8D3B-427F-4B24-8737-4CA720C8E5E4}"/>
+              </a:ext>
+            </a:extLst>
+          </p:cNvPr>
+          <p:cNvSpPr>
+            <a:spLocks noGrp="1"/>
+          </p:cNvSpPr>
+          <p:nvPr>
+            <p:ph type="dt" sz="half" idx="10"/>
+          </p:nvPr>
+        </p:nvSpPr>
+        <p:spPr/>
+        <p:txBody>
+          <a:bodyPr/>
+          <a:lstStyle/>
+          <a:p>
+            <a:fld id="{499624E5-6640-4B65-82B0-BACE50C7D1B2}" type="datetime1">
+              <a:rPr lang="en-US" smtClean="0"/>
+              <a:t>7/10/2021</a:t>
+            </a:fld>
+            <a:endParaRPr lang="en-US" dirty="0"/>
+          </a:p>
+        </p:txBody>
+      </p:sp>
+      <p:sp>
+        <p:nvSpPr>
+          <p:cNvPr id="5" name="Footer Placeholder 4">
+            <a:extLst>
+              <a:ext uri="{FF2B5EF4-FFF2-40B4-BE49-F238E27FC236}">
+                <a16:creationId xmlns:a16="http://schemas.microsoft.com/office/drawing/2014/main" id="{8AD0CA4B-AD9E-400D-8C7F-26EF555CCADE}"/>
+              </a:ext>
+            </a:extLst>
+          </p:cNvPr>
+          <p:cNvSpPr>
+            <a:spLocks noGrp="1"/>
+          </p:cNvSpPr>
+          <p:nvPr>
+            <p:ph type="ftr" sz="quarter" idx="11"/>
+          </p:nvPr>
+        </p:nvSpPr>
+        <p:spPr/>
+        <p:txBody>
+          <a:bodyPr/>
+          <a:lstStyle/>
+          <a:p>
+            <a:r>
+              <a:rPr lang="fr-FR"/>
+              <a:t>Le Quy Don Technical University</a:t>
+            </a:r>
+            <a:endParaRPr lang="en-US" dirty="0"/>
+          </a:p>
+        </p:txBody>
+      </p:sp>
+      <p:sp>
+        <p:nvSpPr>
+          <p:cNvPr id="6" name="Slide Number Placeholder 5">
+            <a:extLst>
+              <a:ext uri="{FF2B5EF4-FFF2-40B4-BE49-F238E27FC236}">
+                <a16:creationId xmlns:a16="http://schemas.microsoft.com/office/drawing/2014/main" id="{FDC28E22-5D85-4432-8609-46F5E8EE9C7F}"/>
+              </a:ext>
+            </a:extLst>
+          </p:cNvPr>
+          <p:cNvSpPr>
+            <a:spLocks noGrp="1"/>
+          </p:cNvSpPr>
+          <p:nvPr>
+            <p:ph type="sldNum" sz="quarter" idx="12"/>
+          </p:nvPr>
+        </p:nvSpPr>
+        <p:spPr/>
+        <p:txBody>
+          <a:bodyPr/>
+          <a:lstStyle/>
+          <a:p>
+            <a:fld id="{B881B6B3-2069-452F-BF40-F653D75B3DB0}" type="slidenum">
+              <a:rPr lang="en-US" smtClean="0"/>
+              <a:t>25</a:t>
+            </a:fld>
+            <a:endParaRPr lang="en-US"/>
+          </a:p>
+        </p:txBody>
+      </p:sp>
+      <p:sp>
+        <p:nvSpPr>
+          <p:cNvPr id="7" name="Text Placeholder 6">
+            <a:extLst>
+              <a:ext uri="{FF2B5EF4-FFF2-40B4-BE49-F238E27FC236}">
+                <a16:creationId xmlns:a16="http://schemas.microsoft.com/office/drawing/2014/main" id="{70C2D65A-A971-4345-9E2C-84C63320093B}"/>
+              </a:ext>
+            </a:extLst>
+          </p:cNvPr>
+          <p:cNvSpPr>
+            <a:spLocks noGrp="1"/>
+          </p:cNvSpPr>
+          <p:nvPr>
+            <p:ph type="body" sz="quarter" idx="13"/>
+          </p:nvPr>
+        </p:nvSpPr>
+        <p:spPr/>
+        <p:txBody>
+          <a:bodyPr/>
+          <a:lstStyle/>
+          <a:p>
+            <a:r>
+              <a:rPr lang="en-US" dirty="0" smtClean="0"/>
+              <a:t>Experiment</a:t>
+            </a:r>
+            <a:endParaRPr lang="en-US" dirty="0"/>
+          </a:p>
+        </p:txBody>
+      </p:sp>
+      <p:sp>
+        <p:nvSpPr>
+          <p:cNvPr id="8" name="Text Placeholder 7">
+            <a:extLst>
+              <a:ext uri="{FF2B5EF4-FFF2-40B4-BE49-F238E27FC236}">
+                <a16:creationId xmlns:a16="http://schemas.microsoft.com/office/drawing/2014/main" id="{5701DD7A-BE1C-4CE5-ABF5-722FEB49D509}"/>
+              </a:ext>
+            </a:extLst>
+          </p:cNvPr>
+          <p:cNvSpPr>
+            <a:spLocks noGrp="1"/>
+          </p:cNvSpPr>
+          <p:nvPr>
+            <p:ph type="body" sz="quarter" idx="14"/>
+          </p:nvPr>
+        </p:nvSpPr>
+        <p:spPr/>
+        <p:txBody>
+          <a:bodyPr/>
+          <a:lstStyle/>
+          <a:p>
+            <a:r>
+              <a:rPr lang="en-US" dirty="0" smtClean="0"/>
+              <a:t>Results</a:t>
+            </a:r>
+            <a:endParaRPr lang="en-US" dirty="0"/>
+          </a:p>
+        </p:txBody>
+      </p:sp>
+      <p:pic>
+        <p:nvPicPr>
+          <p:cNvPr id="10" name="Picture 9"/>
+          <p:cNvPicPr>
+            <a:picLocks noChangeAspect="1"/>
+          </p:cNvPicPr>
+          <p:nvPr/>
+        </p:nvPicPr>
+        <p:blipFill>
+          <a:blip r:embed="rId2"/>
+          <a:stretch>
+            <a:fillRect/>
+          </a:stretch>
+        </p:blipFill>
+        <p:spPr>
+          <a:xfrm>
+            <a:off x="2394878" y="2688273"/>
+            <a:ext cx="7411484" cy="2267266"/>
+          </a:xfrm>
+          <a:prstGeom prst="rect">
+            <a:avLst/>
+          </a:prstGeom>
+        </p:spPr>
+      </p:pic>
+    </p:spTree>
+    <p:extLst>
+      <p:ext uri="{BB962C8B-B14F-4D97-AF65-F5344CB8AC3E}">
+        <p14:creationId xmlns:p14="http://schemas.microsoft.com/office/powerpoint/2010/main" val="2361475839"/>
+      </p:ext>
+    </p:extLst>
+  </p:cSld>
+  <p:clrMapOvr>
+    <a:masterClrMapping/>
+  </p:clrMapOvr>
+  <mc:AlternateContent xmlns:mc="http://schemas.openxmlformats.org/markup-compatibility/2006" xmlns:p14="http://schemas.microsoft.com/office/powerpoint/2010/main">
+    <mc:Choice Requires="p14">
+      <p:transition spd="med" p14:dur="700">
+        <p:fade/>
+      </p:transition>
+    </mc:Choice>
+    <mc:Fallback xmlns="">
+      <p:transition spd="med">
+        <p:fade/>
+      </p:transition>
+    </mc:Fallback>
+  </mc:AlternateContent>
+  <p:timing>
+    <p:tnLst>
+      <p:par>
+        <p:cTn id="1" dur="indefinite" restart="never" nodeType="tmRoot"/>
+      </p:par>
+    </p:tnLst>
+  </p:timing>
+</p:sld>
+</file>
+
+<file path=ppt/slides/slide26.xml><?xml version="1.0" encoding="utf-8"?>
+<p:sld xmlns:a="http://schemas.openxmlformats.org/drawingml/2006/main" xmlns:r="http://schemas.openxmlformats.org/officeDocument/2006/relationships" xmlns:p="http://schemas.openxmlformats.org/presentationml/2006/main">
+  <p:cSld>
+    <p:spTree>
+      <p:nvGrpSpPr>
+        <p:cNvPr id="1" name=""/>
+        <p:cNvGrpSpPr/>
+        <p:nvPr/>
+      </p:nvGrpSpPr>
+      <p:grpSpPr>
+        <a:xfrm>
+          <a:off x="0" y="0"/>
+          <a:ext cx="0" cy="0"/>
+          <a:chOff x="0" y="0"/>
+          <a:chExt cx="0" cy="0"/>
+        </a:xfrm>
+      </p:grpSpPr>
+      <p:sp>
+        <p:nvSpPr>
+          <p:cNvPr id="2" name="Title 1"/>
+          <p:cNvSpPr>
+            <a:spLocks noGrp="1"/>
+          </p:cNvSpPr>
+          <p:nvPr>
+            <p:ph type="title"/>
+          </p:nvPr>
+        </p:nvSpPr>
+        <p:spPr/>
+        <p:txBody>
+          <a:bodyPr/>
+          <a:lstStyle/>
+          <a:p>
+            <a:r>
+              <a:rPr lang="en-US" dirty="0" smtClean="0"/>
+              <a:t>Overall performance</a:t>
+            </a:r>
+            <a:endParaRPr lang="en-US" dirty="0"/>
+          </a:p>
+        </p:txBody>
+      </p:sp>
+      <p:sp>
+        <p:nvSpPr>
+          <p:cNvPr id="3" name="Content Placeholder 2"/>
+          <p:cNvSpPr>
+            <a:spLocks noGrp="1"/>
+          </p:cNvSpPr>
+          <p:nvPr>
+            <p:ph sz="half" idx="2"/>
+          </p:nvPr>
+        </p:nvSpPr>
+        <p:spPr/>
+        <p:txBody>
+          <a:bodyPr/>
+          <a:lstStyle/>
+          <a:p>
+            <a:pPr marL="342900" indent="-342900">
+              <a:buFont typeface="Wingdings" panose="05000000000000000000" pitchFamily="2" charset="2"/>
+              <a:buChar char="§"/>
+            </a:pPr>
+            <a:r>
+              <a:rPr lang="en-US" dirty="0" smtClean="0"/>
+              <a:t>On a single RTX 2080 without inference optimization techniques: </a:t>
+            </a:r>
+          </a:p>
+          <a:p>
+            <a:pPr marL="800100" lvl="1" indent="-342900">
+              <a:buFont typeface="Wingdings" panose="05000000000000000000" pitchFamily="2" charset="2"/>
+              <a:buChar char="§"/>
+            </a:pPr>
+            <a:r>
+              <a:rPr lang="en-US" i="1" dirty="0" smtClean="0"/>
+              <a:t>Car detection</a:t>
+            </a:r>
+            <a:r>
+              <a:rPr lang="en-US" dirty="0" smtClean="0"/>
+              <a:t>: YOLOv2 run at 38.28 FPS.</a:t>
+            </a:r>
+          </a:p>
+          <a:p>
+            <a:pPr marL="800100" lvl="1" indent="-342900">
+              <a:buFont typeface="Wingdings" panose="05000000000000000000" pitchFamily="2" charset="2"/>
+              <a:buChar char="§"/>
+            </a:pPr>
+            <a:r>
+              <a:rPr lang="en-US" i="1" dirty="0" smtClean="0"/>
+              <a:t>LP detection</a:t>
+            </a:r>
+            <a:r>
+              <a:rPr lang="en-US" dirty="0" smtClean="0"/>
+              <a:t>: DDRNet23sh run at 103.5 FPS.</a:t>
+            </a:r>
+          </a:p>
+          <a:p>
+            <a:pPr marL="800100" lvl="1" indent="-342900">
+              <a:buFont typeface="Wingdings" panose="05000000000000000000" pitchFamily="2" charset="2"/>
+              <a:buChar char="§"/>
+            </a:pPr>
+            <a:r>
+              <a:rPr lang="en-US" i="1" dirty="0" smtClean="0"/>
+              <a:t>LP OCR</a:t>
+            </a:r>
+            <a:r>
+              <a:rPr lang="en-US" dirty="0" smtClean="0"/>
+              <a:t>: VOCR run at 36 FPS.</a:t>
+            </a:r>
+          </a:p>
+          <a:p>
+            <a:pPr marL="800100" lvl="1" indent="-342900">
+              <a:buFont typeface="Wingdings" panose="05000000000000000000" pitchFamily="2" charset="2"/>
+              <a:buChar char="§"/>
+            </a:pPr>
+            <a:r>
+              <a:rPr lang="en-US" i="1" dirty="0" smtClean="0"/>
+              <a:t>Overall performance: </a:t>
+            </a:r>
+            <a:r>
+              <a:rPr lang="en-US" dirty="0" smtClean="0"/>
+              <a:t>15 FPS.</a:t>
+            </a:r>
+            <a:endParaRPr lang="en-US" dirty="0"/>
+          </a:p>
+        </p:txBody>
+      </p:sp>
+      <p:sp>
+        <p:nvSpPr>
+          <p:cNvPr id="4" name="Date Placeholder 3"/>
+          <p:cNvSpPr>
+            <a:spLocks noGrp="1"/>
+          </p:cNvSpPr>
+          <p:nvPr>
+            <p:ph type="dt" sz="half" idx="10"/>
+          </p:nvPr>
+        </p:nvSpPr>
+        <p:spPr/>
+        <p:txBody>
+          <a:bodyPr/>
+          <a:lstStyle/>
+          <a:p>
+            <a:fld id="{499624E5-6640-4B65-82B0-BACE50C7D1B2}" type="datetime1">
+              <a:rPr lang="en-US" smtClean="0"/>
+              <a:t>7/10/2021</a:t>
+            </a:fld>
+            <a:endParaRPr lang="en-US" dirty="0"/>
+          </a:p>
+        </p:txBody>
+      </p:sp>
+      <p:sp>
+        <p:nvSpPr>
+          <p:cNvPr id="5" name="Footer Placeholder 4"/>
+          <p:cNvSpPr>
+            <a:spLocks noGrp="1"/>
+          </p:cNvSpPr>
+          <p:nvPr>
+            <p:ph type="ftr" sz="quarter" idx="11"/>
+          </p:nvPr>
+        </p:nvSpPr>
+        <p:spPr/>
+        <p:txBody>
+          <a:bodyPr/>
+          <a:lstStyle/>
+          <a:p>
+            <a:r>
+              <a:rPr lang="fr-FR" smtClean="0"/>
+              <a:t>Le Quy Don Technical University</a:t>
+            </a:r>
+            <a:endParaRPr lang="en-US" dirty="0"/>
+          </a:p>
+        </p:txBody>
+      </p:sp>
+      <p:sp>
+        <p:nvSpPr>
+          <p:cNvPr id="6" name="Slide Number Placeholder 5"/>
+          <p:cNvSpPr>
+            <a:spLocks noGrp="1"/>
+          </p:cNvSpPr>
+          <p:nvPr>
+            <p:ph type="sldNum" sz="quarter" idx="12"/>
+          </p:nvPr>
+        </p:nvSpPr>
+        <p:spPr/>
+        <p:txBody>
+          <a:bodyPr/>
+          <a:lstStyle/>
+          <a:p>
+            <a:fld id="{B881B6B3-2069-452F-BF40-F653D75B3DB0}" type="slidenum">
+              <a:rPr lang="en-US" smtClean="0"/>
+              <a:t>26</a:t>
+            </a:fld>
+            <a:endParaRPr lang="en-US"/>
+          </a:p>
+        </p:txBody>
+      </p:sp>
+      <p:sp>
+        <p:nvSpPr>
+          <p:cNvPr id="7" name="Text Placeholder 6"/>
+          <p:cNvSpPr>
+            <a:spLocks noGrp="1"/>
+          </p:cNvSpPr>
+          <p:nvPr>
+            <p:ph type="body" sz="quarter" idx="13"/>
+          </p:nvPr>
+        </p:nvSpPr>
+        <p:spPr/>
+        <p:txBody>
+          <a:bodyPr/>
+          <a:lstStyle/>
+          <a:p>
+            <a:r>
+              <a:rPr lang="en-US" dirty="0" smtClean="0"/>
+              <a:t>Experiment</a:t>
+            </a:r>
+            <a:endParaRPr lang="en-US" dirty="0"/>
+          </a:p>
+        </p:txBody>
+      </p:sp>
+      <p:sp>
+        <p:nvSpPr>
+          <p:cNvPr id="8" name="Text Placeholder 7"/>
+          <p:cNvSpPr>
+            <a:spLocks noGrp="1"/>
+          </p:cNvSpPr>
+          <p:nvPr>
+            <p:ph type="body" sz="quarter" idx="14"/>
+          </p:nvPr>
+        </p:nvSpPr>
+        <p:spPr/>
+        <p:txBody>
+          <a:bodyPr/>
+          <a:lstStyle/>
+          <a:p>
+            <a:r>
+              <a:rPr lang="en-US" dirty="0" smtClean="0"/>
+              <a:t>Results</a:t>
+            </a:r>
+            <a:endParaRPr lang="en-US" dirty="0"/>
+          </a:p>
+        </p:txBody>
+      </p:sp>
+    </p:spTree>
+    <p:extLst>
+      <p:ext uri="{BB962C8B-B14F-4D97-AF65-F5344CB8AC3E}">
+        <p14:creationId xmlns:p14="http://schemas.microsoft.com/office/powerpoint/2010/main" val="2809520553"/>
+      </p:ext>
+    </p:extLst>
+  </p:cSld>
+  <p:clrMapOvr>
+    <a:masterClrMapping/>
+  </p:clrMapOvr>
+  <mc:AlternateContent xmlns:mc="http://schemas.openxmlformats.org/markup-compatibility/2006" xmlns:p14="http://schemas.microsoft.com/office/powerpoint/2010/main">
+    <mc:Choice Requires="p14">
+      <p:transition spd="med" p14:dur="700">
+        <p:fade/>
+      </p:transition>
+    </mc:Choice>
+    <mc:Fallback xmlns="">
+      <p:transition spd="med">
+        <p:fade/>
+      </p:transition>
+    </mc:Fallback>
+  </mc:AlternateContent>
+</p:sld>
+</file>
+
+<file path=ppt/slides/slide27.xml><?xml version="1.0" encoding="utf-8"?>
+<p:sld xmlns:a="http://schemas.openxmlformats.org/drawingml/2006/main" xmlns:r="http://schemas.openxmlformats.org/officeDocument/2006/relationships" xmlns:p="http://schemas.openxmlformats.org/presentationml/2006/main">
+  <p:cSld>
+    <p:spTree>
+      <p:nvGrpSpPr>
+        <p:cNvPr id="1" name=""/>
+        <p:cNvGrpSpPr/>
+        <p:nvPr/>
+      </p:nvGrpSpPr>
+      <p:grpSpPr>
+        <a:xfrm>
+          <a:off x="0" y="0"/>
+          <a:ext cx="0" cy="0"/>
+          <a:chOff x="0" y="0"/>
+          <a:chExt cx="0" cy="0"/>
+        </a:xfrm>
+      </p:grpSpPr>
+      <p:sp>
+        <p:nvSpPr>
+          <p:cNvPr id="2" name="Title 1"/>
+          <p:cNvSpPr>
+            <a:spLocks noGrp="1"/>
+          </p:cNvSpPr>
+          <p:nvPr>
+            <p:ph type="title"/>
+          </p:nvPr>
+        </p:nvSpPr>
+        <p:spPr/>
+        <p:txBody>
+          <a:bodyPr/>
+          <a:lstStyle/>
+          <a:p>
+            <a:r>
+              <a:rPr lang="en-US" dirty="0" smtClean="0"/>
+              <a:t>Conclusion and future work</a:t>
+            </a:r>
+            <a:endParaRPr lang="en-US" dirty="0"/>
+          </a:p>
+        </p:txBody>
+      </p:sp>
+      <mc:AlternateContent xmlns:mc="http://schemas.openxmlformats.org/markup-compatibility/2006" xmlns:a14="http://schemas.microsoft.com/office/drawing/2010/main">
+        <mc:Choice Requires="a14">
+          <p:sp>
+            <p:nvSpPr>
+              <p:cNvPr id="3" name="Content Placeholder 2"/>
+              <p:cNvSpPr>
+                <a:spLocks noGrp="1"/>
+              </p:cNvSpPr>
+              <p:nvPr>
+                <p:ph sz="half" idx="2"/>
+              </p:nvPr>
+            </p:nvSpPr>
+            <p:spPr/>
+            <p:txBody>
+              <a:bodyPr/>
+              <a:lstStyle/>
+              <a:p>
+                <a:pPr marL="342900" indent="-342900">
+                  <a:buFont typeface="Wingdings" panose="05000000000000000000" pitchFamily="2" charset="2"/>
+                  <a:buChar char="§"/>
+                </a:pPr>
+                <a:r>
+                  <a:rPr lang="en-US" b="1" dirty="0" smtClean="0"/>
+                  <a:t>In this work:</a:t>
+                </a:r>
+              </a:p>
+              <a:p>
+                <a:pPr marL="800100" lvl="1" indent="-342900">
+                  <a:buFont typeface="Wingdings" panose="05000000000000000000" pitchFamily="2" charset="2"/>
+                  <a:buChar char="§"/>
+                </a:pPr>
+                <a:r>
+                  <a:rPr lang="en-US" dirty="0" smtClean="0"/>
+                  <a:t>LP detection, DDRNet23sh – modify from a semantic segmentation network got </a:t>
+                </a:r>
+                <a14:m>
+                  <m:oMath xmlns:m="http://schemas.openxmlformats.org/officeDocument/2006/math">
+                    <m:r>
+                      <a:rPr lang="en-US" b="0" i="1" smtClean="0">
+                        <a:latin typeface="Cambria Math" panose="02040503050406030204" pitchFamily="18" charset="0"/>
+                      </a:rPr>
+                      <m:t>𝑚𝐼𝑂𝑈</m:t>
+                    </m:r>
+                    <m:r>
+                      <a:rPr lang="en-US" b="0" i="1" smtClean="0">
+                        <a:latin typeface="Cambria Math" panose="02040503050406030204" pitchFamily="18" charset="0"/>
+                      </a:rPr>
+                      <m:t>=95.01%</m:t>
+                    </m:r>
+                  </m:oMath>
+                </a14:m>
+                <a:r>
+                  <a:rPr lang="en-US" dirty="0" smtClean="0"/>
+                  <a:t> and </a:t>
+                </a:r>
+                <a14:m>
+                  <m:oMath xmlns:m="http://schemas.openxmlformats.org/officeDocument/2006/math">
+                    <m:sSub>
+                      <m:sSubPr>
+                        <m:ctrlPr>
+                          <a:rPr lang="en-US" i="1" smtClean="0">
+                            <a:latin typeface="Cambria Math" panose="02040503050406030204" pitchFamily="18" charset="0"/>
+                          </a:rPr>
+                        </m:ctrlPr>
+                      </m:sSubPr>
+                      <m:e>
+                        <m:r>
+                          <a:rPr lang="en-US" b="0" i="1" smtClean="0">
+                            <a:latin typeface="Cambria Math" panose="02040503050406030204" pitchFamily="18" charset="0"/>
+                          </a:rPr>
+                          <m:t>𝑃</m:t>
+                        </m:r>
+                      </m:e>
+                      <m:sub>
+                        <m:r>
+                          <a:rPr lang="en-US" b="0" i="1" smtClean="0">
+                            <a:latin typeface="Cambria Math" panose="02040503050406030204" pitchFamily="18" charset="0"/>
+                          </a:rPr>
+                          <m:t>75</m:t>
+                        </m:r>
+                      </m:sub>
+                    </m:sSub>
+                    <m:r>
+                      <a:rPr lang="en-US" b="0" i="1" smtClean="0">
+                        <a:latin typeface="Cambria Math" panose="02040503050406030204" pitchFamily="18" charset="0"/>
+                      </a:rPr>
+                      <m:t>=99.5%</m:t>
+                    </m:r>
+                  </m:oMath>
+                </a14:m>
+                <a:r>
+                  <a:rPr lang="en-US" dirty="0" smtClean="0"/>
+                  <a:t>.</a:t>
+                </a:r>
+              </a:p>
+              <a:p>
+                <a:pPr marL="800100" lvl="1" indent="-342900">
+                  <a:buFont typeface="Wingdings" panose="05000000000000000000" pitchFamily="2" charset="2"/>
+                  <a:buChar char="§"/>
+                </a:pPr>
+                <a:r>
+                  <a:rPr lang="en-US" dirty="0" smtClean="0"/>
+                  <a:t>LP OCR, VOCR achieved </a:t>
+                </a:r>
+                <a14:m>
+                  <m:oMath xmlns:m="http://schemas.openxmlformats.org/officeDocument/2006/math">
+                    <m:sSub>
+                      <m:sSubPr>
+                        <m:ctrlPr>
+                          <a:rPr lang="en-US" i="1" smtClean="0">
+                            <a:latin typeface="Cambria Math" panose="02040503050406030204" pitchFamily="18" charset="0"/>
+                          </a:rPr>
+                        </m:ctrlPr>
+                      </m:sSubPr>
+                      <m:e>
+                        <m:r>
+                          <a:rPr lang="en-US" b="0" i="1" smtClean="0">
+                            <a:latin typeface="Cambria Math" panose="02040503050406030204" pitchFamily="18" charset="0"/>
+                          </a:rPr>
+                          <m:t>𝐴𝑐𝑐</m:t>
+                        </m:r>
+                      </m:e>
+                      <m:sub>
+                        <m:r>
+                          <a:rPr lang="en-US" b="0" i="1" smtClean="0">
+                            <a:latin typeface="Cambria Math" panose="02040503050406030204" pitchFamily="18" charset="0"/>
+                          </a:rPr>
+                          <m:t>𝑠𝑒𝑞</m:t>
+                        </m:r>
+                      </m:sub>
+                    </m:sSub>
+                    <m:r>
+                      <a:rPr lang="en-US" b="0" i="1" smtClean="0">
+                        <a:latin typeface="Cambria Math" panose="02040503050406030204" pitchFamily="18" charset="0"/>
+                      </a:rPr>
+                      <m:t>=99.28%</m:t>
+                    </m:r>
+                  </m:oMath>
+                </a14:m>
+                <a:r>
+                  <a:rPr lang="en-US" dirty="0" smtClean="0"/>
+                  <a:t> , </a:t>
+                </a:r>
+                <a14:m>
+                  <m:oMath xmlns:m="http://schemas.openxmlformats.org/officeDocument/2006/math">
+                    <m:sSub>
+                      <m:sSubPr>
+                        <m:ctrlPr>
+                          <a:rPr lang="en-US" i="1">
+                            <a:latin typeface="Cambria Math" panose="02040503050406030204" pitchFamily="18" charset="0"/>
+                          </a:rPr>
+                        </m:ctrlPr>
+                      </m:sSubPr>
+                      <m:e>
+                        <m:r>
+                          <a:rPr lang="en-US" i="1">
+                            <a:latin typeface="Cambria Math" panose="02040503050406030204" pitchFamily="18" charset="0"/>
+                          </a:rPr>
+                          <m:t>𝐴𝑐𝑐</m:t>
+                        </m:r>
+                      </m:e>
+                      <m:sub>
+                        <m:r>
+                          <a:rPr lang="en-US" b="0" i="1" smtClean="0">
+                            <a:latin typeface="Cambria Math" panose="02040503050406030204" pitchFamily="18" charset="0"/>
+                          </a:rPr>
+                          <m:t>𝑐h𝑎𝑟</m:t>
+                        </m:r>
+                      </m:sub>
+                    </m:sSub>
+                    <m:r>
+                      <a:rPr lang="en-US" b="0" i="1" smtClean="0">
+                        <a:latin typeface="Cambria Math" panose="02040503050406030204" pitchFamily="18" charset="0"/>
+                      </a:rPr>
+                      <m:t>=99.7%</m:t>
+                    </m:r>
+                  </m:oMath>
+                </a14:m>
+                <a:r>
+                  <a:rPr lang="en-US" dirty="0" smtClean="0"/>
+                  <a:t>.</a:t>
+                </a:r>
+              </a:p>
+              <a:p>
+                <a:pPr marL="800100" lvl="1" indent="-342900">
+                  <a:buFont typeface="Wingdings" panose="05000000000000000000" pitchFamily="2" charset="2"/>
+                  <a:buChar char="§"/>
+                </a:pPr>
+                <a:r>
+                  <a:rPr lang="en-US" dirty="0" smtClean="0"/>
+                  <a:t>MTAVLP – </a:t>
+                </a:r>
+                <a:r>
+                  <a:rPr lang="en-US" smtClean="0"/>
+                  <a:t>a day time </a:t>
+                </a:r>
+                <a:r>
+                  <a:rPr lang="en-US" dirty="0" smtClean="0"/>
+                  <a:t>large and diverse Vietnamese vehicle and license plate dataset.</a:t>
+                </a:r>
+              </a:p>
+              <a:p>
+                <a:pPr marL="342900" indent="-342900">
+                  <a:buFont typeface="Wingdings" panose="05000000000000000000" pitchFamily="2" charset="2"/>
+                  <a:buChar char="§"/>
+                </a:pPr>
+                <a:r>
+                  <a:rPr lang="en-US" b="1" dirty="0" smtClean="0"/>
+                  <a:t>Future work:</a:t>
+                </a:r>
+              </a:p>
+              <a:p>
+                <a:pPr marL="800100" lvl="1" indent="-342900">
+                  <a:buFont typeface="Wingdings" panose="05000000000000000000" pitchFamily="2" charset="2"/>
+                  <a:buChar char="§"/>
+                </a:pPr>
+                <a:r>
+                  <a:rPr lang="en-US" dirty="0"/>
+                  <a:t> </a:t>
+                </a:r>
+                <a:r>
+                  <a:rPr lang="en-US" dirty="0" smtClean="0"/>
+                  <a:t>Expanding </a:t>
+                </a:r>
+                <a:r>
+                  <a:rPr lang="en-US" dirty="0"/>
+                  <a:t>to other </a:t>
+                </a:r>
+                <a:r>
+                  <a:rPr lang="en-US" dirty="0" smtClean="0"/>
+                  <a:t>environments such </a:t>
+                </a:r>
+                <a:r>
+                  <a:rPr lang="en-US" dirty="0"/>
+                  <a:t>as in night time and low-light conditions</a:t>
+                </a:r>
+              </a:p>
+            </p:txBody>
+          </p:sp>
+        </mc:Choice>
+        <mc:Fallback xmlns="">
+          <p:sp>
+            <p:nvSpPr>
+              <p:cNvPr id="3" name="Content Placeholder 2"/>
+              <p:cNvSpPr>
+                <a:spLocks noGrp="1" noRot="1" noChangeAspect="1" noMove="1" noResize="1" noEditPoints="1" noAdjustHandles="1" noChangeArrowheads="1" noChangeShapeType="1" noTextEdit="1"/>
+              </p:cNvSpPr>
+              <p:nvPr>
+                <p:ph sz="half" idx="2"/>
+              </p:nvPr>
+            </p:nvSpPr>
+            <p:spPr>
+              <a:blipFill>
+                <a:blip r:embed="rId2"/>
+                <a:stretch>
+                  <a:fillRect l="-427" r="-427"/>
+                </a:stretch>
+              </a:blipFill>
+            </p:spPr>
+            <p:txBody>
+              <a:bodyPr/>
+              <a:lstStyle/>
+              <a:p>
+                <a:r>
+                  <a:rPr lang="en-US">
+                    <a:noFill/>
+                  </a:rPr>
+                  <a:t> </a:t>
+                </a:r>
+              </a:p>
+            </p:txBody>
+          </p:sp>
+        </mc:Fallback>
+      </mc:AlternateContent>
+      <p:sp>
+        <p:nvSpPr>
+          <p:cNvPr id="4" name="Date Placeholder 3"/>
+          <p:cNvSpPr>
+            <a:spLocks noGrp="1"/>
+          </p:cNvSpPr>
+          <p:nvPr>
+            <p:ph type="dt" sz="half" idx="10"/>
+          </p:nvPr>
+        </p:nvSpPr>
+        <p:spPr/>
+        <p:txBody>
+          <a:bodyPr/>
+          <a:lstStyle/>
+          <a:p>
+            <a:fld id="{499624E5-6640-4B65-82B0-BACE50C7D1B2}" type="datetime1">
+              <a:rPr lang="en-US" smtClean="0"/>
+              <a:t>7/10/2021</a:t>
+            </a:fld>
+            <a:endParaRPr lang="en-US" dirty="0"/>
+          </a:p>
+        </p:txBody>
+      </p:sp>
+      <p:sp>
+        <p:nvSpPr>
+          <p:cNvPr id="5" name="Footer Placeholder 4"/>
+          <p:cNvSpPr>
+            <a:spLocks noGrp="1"/>
+          </p:cNvSpPr>
+          <p:nvPr>
+            <p:ph type="ftr" sz="quarter" idx="11"/>
+          </p:nvPr>
+        </p:nvSpPr>
+        <p:spPr/>
+        <p:txBody>
+          <a:bodyPr/>
+          <a:lstStyle/>
+          <a:p>
+            <a:r>
+              <a:rPr lang="fr-FR" smtClean="0"/>
+              <a:t>Le Quy Don Technical University</a:t>
+            </a:r>
+            <a:endParaRPr lang="en-US" dirty="0"/>
+          </a:p>
+        </p:txBody>
+      </p:sp>
+      <p:sp>
+        <p:nvSpPr>
+          <p:cNvPr id="6" name="Slide Number Placeholder 5"/>
+          <p:cNvSpPr>
+            <a:spLocks noGrp="1"/>
+          </p:cNvSpPr>
+          <p:nvPr>
+            <p:ph type="sldNum" sz="quarter" idx="12"/>
+          </p:nvPr>
+        </p:nvSpPr>
+        <p:spPr/>
+        <p:txBody>
+          <a:bodyPr/>
+          <a:lstStyle/>
+          <a:p>
+            <a:fld id="{B881B6B3-2069-452F-BF40-F653D75B3DB0}" type="slidenum">
+              <a:rPr lang="en-US" smtClean="0"/>
+              <a:t>27</a:t>
+            </a:fld>
+            <a:endParaRPr lang="en-US"/>
+          </a:p>
+        </p:txBody>
+      </p:sp>
+      <p:sp>
+        <p:nvSpPr>
+          <p:cNvPr id="7" name="Text Placeholder 6"/>
+          <p:cNvSpPr>
+            <a:spLocks noGrp="1"/>
+          </p:cNvSpPr>
+          <p:nvPr>
+            <p:ph type="body" sz="quarter" idx="13"/>
+          </p:nvPr>
+        </p:nvSpPr>
+        <p:spPr/>
+        <p:txBody>
+          <a:bodyPr/>
+          <a:lstStyle/>
+          <a:p>
+            <a:r>
+              <a:rPr lang="en-US" dirty="0" smtClean="0"/>
+              <a:t>Conclusion</a:t>
+            </a:r>
+            <a:endParaRPr lang="en-US" dirty="0"/>
+          </a:p>
+        </p:txBody>
+      </p:sp>
+      <p:sp>
+        <p:nvSpPr>
+          <p:cNvPr id="8" name="Text Placeholder 7"/>
+          <p:cNvSpPr>
+            <a:spLocks noGrp="1"/>
+          </p:cNvSpPr>
+          <p:nvPr>
+            <p:ph type="body" sz="quarter" idx="14"/>
+          </p:nvPr>
+        </p:nvSpPr>
+        <p:spPr/>
+        <p:txBody>
+          <a:bodyPr/>
+          <a:lstStyle/>
+          <a:p>
+            <a:endParaRPr lang="en-US" dirty="0"/>
+          </a:p>
+        </p:txBody>
+      </p:sp>
+    </p:spTree>
+    <p:extLst>
+      <p:ext uri="{BB962C8B-B14F-4D97-AF65-F5344CB8AC3E}">
+        <p14:creationId xmlns:p14="http://schemas.microsoft.com/office/powerpoint/2010/main" val="1787956011"/>
+      </p:ext>
+    </p:extLst>
+  </p:cSld>
+  <p:clrMapOvr>
+    <a:masterClrMapping/>
+  </p:clrMapOvr>
+  <mc:AlternateContent xmlns:mc="http://schemas.openxmlformats.org/markup-compatibility/2006" xmlns:p14="http://schemas.microsoft.com/office/powerpoint/2010/main">
+    <mc:Choice Requires="p14">
+      <p:transition spd="med" p14:dur="700">
+        <p:fade/>
+      </p:transition>
+    </mc:Choice>
+    <mc:Fallback xmlns="">
+      <p:transition spd="med">
+        <p:fade/>
+      </p:transition>
+    </mc:Fallback>
+  </mc:AlternateContent>
+  <p:timing>
+    <p:tnLst>
+      <p:par>
+        <p:cTn id="1" dur="indefinite" restart="never" nodeType="tmRoot"/>
+      </p:par>
+    </p:tnLst>
+  </p:timing>
+</p:sld>
+</file>
+
+<file path=ppt/slides/slide28.xml><?xml version="1.0" encoding="utf-8"?>
+<p:sld xmlns:a="http://schemas.openxmlformats.org/drawingml/2006/main" xmlns:r="http://schemas.openxmlformats.org/officeDocument/2006/relationships" xmlns:p="http://schemas.openxmlformats.org/presentationml/2006/main">
+  <p:cSld>
+    <p:spTree>
+      <p:nvGrpSpPr>
+        <p:cNvPr id="1" name=""/>
+        <p:cNvGrpSpPr/>
+        <p:nvPr/>
+      </p:nvGrpSpPr>
+      <p:grpSpPr>
+        <a:xfrm>
+          <a:off x="0" y="0"/>
+          <a:ext cx="0" cy="0"/>
+          <a:chOff x="0" y="0"/>
+          <a:chExt cx="0" cy="0"/>
+        </a:xfrm>
+      </p:grpSpPr>
+      <p:sp>
+        <p:nvSpPr>
+          <p:cNvPr id="2" name="Title 1"/>
+          <p:cNvSpPr>
+            <a:spLocks noGrp="1"/>
+          </p:cNvSpPr>
+          <p:nvPr>
+            <p:ph type="title"/>
+          </p:nvPr>
+        </p:nvSpPr>
+        <p:spPr/>
+        <p:txBody>
+          <a:bodyPr/>
+          <a:lstStyle/>
+          <a:p>
+            <a:r>
+              <a:rPr lang="en-US" dirty="0" smtClean="0"/>
+              <a:t>THANK FOR YOUR ATTENTION!</a:t>
+            </a:r>
+            <a:endParaRPr lang="en-US" dirty="0"/>
+          </a:p>
+        </p:txBody>
+      </p:sp>
+      <p:sp>
+        <p:nvSpPr>
+          <p:cNvPr id="3" name="Date Placeholder 2"/>
+          <p:cNvSpPr>
+            <a:spLocks noGrp="1"/>
+          </p:cNvSpPr>
+          <p:nvPr>
+            <p:ph type="dt" sz="half" idx="10"/>
+          </p:nvPr>
+        </p:nvSpPr>
+        <p:spPr/>
+        <p:txBody>
+          <a:bodyPr/>
+          <a:lstStyle/>
+          <a:p>
+            <a:fld id="{3605BC6B-0753-49C4-B818-4A6D4F4F202B}" type="datetime1">
+              <a:rPr lang="en-US" smtClean="0"/>
+              <a:t>7/10/2021</a:t>
+            </a:fld>
+            <a:endParaRPr lang="en-US" dirty="0"/>
+          </a:p>
+        </p:txBody>
+      </p:sp>
+      <p:sp>
+        <p:nvSpPr>
+          <p:cNvPr id="4" name="Footer Placeholder 3"/>
+          <p:cNvSpPr>
+            <a:spLocks noGrp="1"/>
+          </p:cNvSpPr>
+          <p:nvPr>
+            <p:ph type="ftr" sz="quarter" idx="11"/>
+          </p:nvPr>
+        </p:nvSpPr>
+        <p:spPr/>
+        <p:txBody>
+          <a:bodyPr/>
+          <a:lstStyle/>
+          <a:p>
+            <a:r>
+              <a:rPr lang="en-US" smtClean="0"/>
+              <a:t>Le Quy Don Technical University</a:t>
+            </a:r>
+            <a:endParaRPr lang="en-US" dirty="0"/>
+          </a:p>
+        </p:txBody>
+      </p:sp>
+      <p:sp>
+        <p:nvSpPr>
+          <p:cNvPr id="5" name="Slide Number Placeholder 4"/>
+          <p:cNvSpPr>
+            <a:spLocks noGrp="1"/>
+          </p:cNvSpPr>
+          <p:nvPr>
+            <p:ph type="sldNum" sz="quarter" idx="12"/>
+          </p:nvPr>
+        </p:nvSpPr>
+        <p:spPr/>
+        <p:txBody>
+          <a:bodyPr/>
+          <a:lstStyle/>
+          <a:p>
+            <a:fld id="{B881B6B3-2069-452F-BF40-F653D75B3DB0}" type="slidenum">
+              <a:rPr lang="en-US" smtClean="0"/>
+              <a:pPr/>
+              <a:t>28</a:t>
+            </a:fld>
+            <a:endParaRPr lang="en-US" dirty="0"/>
+          </a:p>
+        </p:txBody>
+      </p:sp>
+    </p:spTree>
+    <p:extLst>
+      <p:ext uri="{BB962C8B-B14F-4D97-AF65-F5344CB8AC3E}">
+        <p14:creationId xmlns:p14="http://schemas.microsoft.com/office/powerpoint/2010/main" val="2669836689"/>
+      </p:ext>
+    </p:extLst>
+  </p:cSld>
+  <p:clrMapOvr>
+    <a:masterClrMapping/>
+  </p:clrMapOvr>
+  <p:timing>
+    <p:tnLst>
+      <p:par>
+        <p:cTn id="1" dur="indefinite" restart="never" nodeType="tmRoot"/>
+      </p:par>
+    </p:tnLst>
+  </p:timing>
+</p:sld>
+</file>
+
 <file path=ppt/slides/slide3.xml><?xml version="1.0" encoding="utf-8"?>
 <p:sld xmlns:a="http://schemas.openxmlformats.org/drawingml/2006/main" xmlns:r="http://schemas.openxmlformats.org/officeDocument/2006/relationships" xmlns:p="http://schemas.openxmlformats.org/presentationml/2006/main">
   <p:cSld>
@@ -8559,7 +12880,7 @@
           <a:p>
             <a:fld id="{499624E5-6640-4B65-82B0-BACE50C7D1B2}" type="datetime1">
               <a:rPr lang="en-US" smtClean="0"/>
-              <a:t>10/6/2021</a:t>
+              <a:t>7/10/2021</a:t>
             </a:fld>
             <a:endParaRPr lang="en-US" dirty="0"/>
           </a:p>
@@ -8901,7 +13222,7 @@
           <a:p>
             <a:fld id="{499624E5-6640-4B65-82B0-BACE50C7D1B2}" type="datetime1">
               <a:rPr lang="en-US" smtClean="0"/>
-              <a:t>10/6/2021</a:t>
+              <a:t>7/10/2021</a:t>
             </a:fld>
             <a:endParaRPr lang="en-US" dirty="0"/>
           </a:p>
@@ -9114,7 +13435,7 @@
           <a:p>
             <a:fld id="{499624E5-6640-4B65-82B0-BACE50C7D1B2}" type="datetime1">
               <a:rPr lang="en-US" smtClean="0"/>
-              <a:t>10/6/2021</a:t>
+              <a:t>7/10/2021</a:t>
             </a:fld>
             <a:endParaRPr lang="en-US" dirty="0"/>
           </a:p>
@@ -9446,7 +13767,7 @@
           <a:p>
             <a:fld id="{499624E5-6640-4B65-82B0-BACE50C7D1B2}" type="datetime1">
               <a:rPr lang="en-US" smtClean="0"/>
-              <a:t>10/6/2021</a:t>
+              <a:t>7/10/2021</a:t>
             </a:fld>
             <a:endParaRPr lang="en-US" dirty="0"/>
           </a:p>
@@ -9600,9 +13921,10 @@
           <a:lstStyle/>
           <a:p>
             <a:r>
-              <a:rPr lang="en-US" dirty="0"/>
-              <a:t>Two main approaches for ALPR</a:t>
-            </a:r>
+              <a:rPr lang="en-US" dirty="0" smtClean="0"/>
+              <a:t>Our main contributions in this work</a:t>
+            </a:r>
+            <a:endParaRPr lang="en-US" dirty="0"/>
           </a:p>
         </p:txBody>
       </p:sp>
@@ -9627,27 +13949,35 @@
             </a:pPr>
             <a:r>
               <a:rPr lang="en-US" dirty="0"/>
-              <a:t>Multi-stage license plate recognition systems.</a:t>
-            </a:r>
-          </a:p>
-          <a:p>
-            <a:pPr marL="742950" lvl="1" indent="-285750">
-              <a:buFont typeface="Wingdings" panose="05000000000000000000" pitchFamily="2" charset="2"/>
-              <a:buChar char="§"/>
-            </a:pPr>
+              <a:t>W</a:t>
+            </a:r>
+            <a:r>
+              <a:rPr lang="en-US" dirty="0" smtClean="0"/>
+              <a:t>e solved non-rectangular object detection </a:t>
+            </a:r>
             <a:r>
               <a:rPr lang="en-US" dirty="0"/>
-              <a:t>License plate detection: traditional image processing techniques, CNN.</a:t>
-            </a:r>
-          </a:p>
-          <a:p>
-            <a:pPr marL="742950" lvl="1" indent="-285750">
-              <a:buFont typeface="Wingdings" panose="05000000000000000000" pitchFamily="2" charset="2"/>
-              <a:buChar char="§"/>
-            </a:pPr>
+              <a:t>based on </a:t>
+            </a:r>
+            <a:r>
+              <a:rPr lang="en-US" dirty="0" err="1"/>
+              <a:t>keypoints</a:t>
+            </a:r>
             <a:r>
               <a:rPr lang="en-US" dirty="0"/>
-              <a:t>LP OCR: segmentation-based and segmentation-free approaches.</a:t>
+              <a:t> </a:t>
+            </a:r>
+            <a:r>
+              <a:rPr lang="en-US" dirty="0" smtClean="0"/>
+              <a:t>detection by modifying a semantic segmentation network called </a:t>
+            </a:r>
+            <a:r>
+              <a:rPr lang="en-US" dirty="0" err="1" smtClean="0"/>
+              <a:t>DDRNet</a:t>
+            </a:r>
+            <a:r>
+              <a:rPr lang="en-US" dirty="0" smtClean="0"/>
+              <a:t>.</a:t>
             </a:r>
           </a:p>
           <a:p>
@@ -9656,19 +13986,34 @@
               <a:buAutoNum type="arabicPeriod"/>
             </a:pPr>
             <a:r>
+              <a:rPr lang="en-US" dirty="0" smtClean="0"/>
+              <a:t>Our </a:t>
+            </a:r>
+            <a:r>
               <a:rPr lang="en-US" dirty="0"/>
-              <a:t>Single-stage LP recognition systems.</a:t>
-            </a:r>
-          </a:p>
-          <a:p>
-            <a:pPr marL="742950" lvl="1" indent="-285750">
-              <a:buFont typeface="Wingdings" panose="05000000000000000000" pitchFamily="2" charset="2"/>
-              <a:buChar char="§"/>
+              <a:t>system identifies plate based on </a:t>
+            </a:r>
+            <a:r>
+              <a:rPr lang="en-US" dirty="0" smtClean="0"/>
+              <a:t>segmentation-free approach combined CNN with RNN integrated with Attention mechanism.</a:t>
+            </a:r>
+          </a:p>
+          <a:p>
+            <a:pPr marL="457200" indent="-457200">
+              <a:buFont typeface="+mj-lt"/>
+              <a:buAutoNum type="arabicPeriod"/>
             </a:pPr>
             <a:r>
-              <a:rPr lang="en-US" dirty="0"/>
-              <a:t>They design a complex neural network to do both LP detection and LP OCR tasks.</a:t>
-            </a:r>
+              <a:rPr lang="en-US" dirty="0" smtClean="0"/>
+              <a:t>We build MATVLP, which is a large and diverse dataset, including Vietnamese vehicle images and license plate images.</a:t>
+            </a:r>
+          </a:p>
+          <a:p>
+            <a:pPr marL="457200" indent="-457200">
+              <a:buFont typeface="+mj-lt"/>
+              <a:buAutoNum type="arabicPeriod"/>
+            </a:pPr>
+            <a:endParaRPr lang="en-US" dirty="0"/>
           </a:p>
         </p:txBody>
       </p:sp>
@@ -9689,7 +14034,7 @@
           <a:p>
             <a:fld id="{499624E5-6640-4B65-82B0-BACE50C7D1B2}" type="datetime1">
               <a:rPr lang="en-US" smtClean="0"/>
-              <a:t>10/6/2021</a:t>
+              <a:t>7/10/2021</a:t>
             </a:fld>
             <a:endParaRPr lang="en-US" dirty="0"/>
           </a:p>
@@ -9758,7 +14103,7 @@
           <a:p>
             <a:r>
               <a:rPr lang="en-US" dirty="0"/>
-              <a:t>Related work</a:t>
+              <a:t>Introduction</a:t>
             </a:r>
           </a:p>
         </p:txBody>
@@ -9779,16 +14124,17 @@
           <a:lstStyle/>
           <a:p>
             <a:r>
-              <a:rPr lang="en-US" dirty="0"/>
-              <a:t>Approaches</a:t>
-            </a:r>
+              <a:rPr lang="en-US" dirty="0" smtClean="0"/>
+              <a:t>Contributions</a:t>
+            </a:r>
+            <a:endParaRPr lang="en-US" dirty="0"/>
           </a:p>
         </p:txBody>
       </p:sp>
     </p:spTree>
     <p:extLst>
       <p:ext uri="{BB962C8B-B14F-4D97-AF65-F5344CB8AC3E}">
-        <p14:creationId xmlns:p14="http://schemas.microsoft.com/office/powerpoint/2010/main" val="1447163276"/>
+        <p14:creationId xmlns:p14="http://schemas.microsoft.com/office/powerpoint/2010/main" val="786209103"/>
       </p:ext>
     </p:extLst>
   </p:cSld>
@@ -9844,7 +14190,73 @@
           <a:p>
             <a:r>
               <a:rPr lang="en-US" dirty="0"/>
-              <a:t>A typical multi-stage ALPR system</a:t>
+              <a:t>Two main approaches for ALPR</a:t>
+            </a:r>
+          </a:p>
+        </p:txBody>
+      </p:sp>
+      <p:sp>
+        <p:nvSpPr>
+          <p:cNvPr id="3" name="Content Placeholder 2"/>
+          <p:cNvSpPr>
+            <a:spLocks noGrp="1"/>
+          </p:cNvSpPr>
+          <p:nvPr>
+            <p:ph sz="half" idx="2"/>
+          </p:nvPr>
+        </p:nvSpPr>
+        <p:spPr/>
+        <p:txBody>
+          <a:bodyPr/>
+          <a:lstStyle/>
+          <a:p>
+            <a:pPr marL="457200" indent="-457200">
+              <a:buFont typeface="+mj-lt"/>
+              <a:buAutoNum type="arabicPeriod"/>
+            </a:pPr>
+            <a:r>
+              <a:rPr lang="en-US" dirty="0"/>
+              <a:t>Multi-stage license plate recognition systems.</a:t>
+            </a:r>
+          </a:p>
+          <a:p>
+            <a:pPr marL="742950" lvl="1" indent="-285750">
+              <a:buFont typeface="Wingdings" panose="05000000000000000000" pitchFamily="2" charset="2"/>
+              <a:buChar char="§"/>
+            </a:pPr>
+            <a:r>
+              <a:rPr lang="en-US" dirty="0"/>
+              <a:t>License plate detection: traditional image processing techniques, CNN.</a:t>
+            </a:r>
+          </a:p>
+          <a:p>
+            <a:pPr marL="742950" lvl="1" indent="-285750">
+              <a:buFont typeface="Wingdings" panose="05000000000000000000" pitchFamily="2" charset="2"/>
+              <a:buChar char="§"/>
+            </a:pPr>
+            <a:r>
+              <a:rPr lang="en-US" dirty="0"/>
+              <a:t>LP OCR: segmentation-based and segmentation-free approaches.</a:t>
+            </a:r>
+          </a:p>
+          <a:p>
+            <a:pPr marL="457200" indent="-457200">
+              <a:buFont typeface="+mj-lt"/>
+              <a:buAutoNum type="arabicPeriod"/>
+            </a:pPr>
+            <a:r>
+              <a:rPr lang="en-US" dirty="0"/>
+              <a:t>Single-stage LP recognition systems.</a:t>
+            </a:r>
+          </a:p>
+          <a:p>
+            <a:pPr marL="742950" lvl="1" indent="-285750">
+              <a:buFont typeface="Wingdings" panose="05000000000000000000" pitchFamily="2" charset="2"/>
+              <a:buChar char="§"/>
+            </a:pPr>
+            <a:r>
+              <a:rPr lang="en-US" dirty="0"/>
+              <a:t>They design a complex neural network to do both LP detection and LP OCR tasks.</a:t>
             </a:r>
           </a:p>
         </p:txBody>
@@ -9866,7 +14278,7 @@
           <a:p>
             <a:fld id="{499624E5-6640-4B65-82B0-BACE50C7D1B2}" type="datetime1">
               <a:rPr lang="en-US" smtClean="0"/>
-              <a:t>10/6/2021</a:t>
+              <a:t>7/10/2021</a:t>
             </a:fld>
             <a:endParaRPr lang="en-US" dirty="0"/>
           </a:p>
@@ -9957,74 +14369,15 @@
           <a:p>
             <a:r>
               <a:rPr lang="en-US" dirty="0"/>
-              <a:t>Multi-stage</a:t>
-            </a:r>
-          </a:p>
-        </p:txBody>
-      </p:sp>
-      <p:sp>
-        <p:nvSpPr>
-          <p:cNvPr id="9" name="Text Placeholder 8"/>
-          <p:cNvSpPr>
-            <a:spLocks noGrp="1"/>
-          </p:cNvSpPr>
-          <p:nvPr>
-            <p:ph type="body" sz="quarter" idx="15"/>
-          </p:nvPr>
-        </p:nvSpPr>
-        <p:spPr>
-          <a:xfrm>
-            <a:off x="3747352" y="4659848"/>
-            <a:ext cx="4697297" cy="300082"/>
-          </a:xfrm>
-        </p:spPr>
-        <p:txBody>
-          <a:bodyPr/>
-          <a:lstStyle/>
-          <a:p>
-            <a:r>
-              <a:rPr lang="en-US" dirty="0"/>
-              <a:t>Illustration of a multi-stage ALPR system</a:t>
-            </a:r>
-          </a:p>
-        </p:txBody>
-      </p:sp>
-      <p:pic>
-        <p:nvPicPr>
-          <p:cNvPr id="10" name="Content Placeholder 9">
-            <a:extLst>
-              <a:ext uri="{FF2B5EF4-FFF2-40B4-BE49-F238E27FC236}">
-                <a16:creationId xmlns:a16="http://schemas.microsoft.com/office/drawing/2014/main" id="{ED74233F-675B-47F8-B25D-1B76A203F266}"/>
-              </a:ext>
-            </a:extLst>
-          </p:cNvPr>
-          <p:cNvPicPr>
-            <a:picLocks noGrp="1" noChangeAspect="1"/>
-          </p:cNvPicPr>
-          <p:nvPr>
-            <p:ph sz="half" idx="2"/>
-          </p:nvPr>
-        </p:nvPicPr>
-        <p:blipFill>
-          <a:blip r:embed="rId2"/>
-          <a:stretch>
-            <a:fillRect/>
-          </a:stretch>
-        </p:blipFill>
-        <p:spPr>
-          <a:xfrm>
-            <a:off x="1128019" y="2157235"/>
-            <a:ext cx="9935962" cy="2543530"/>
-          </a:xfrm>
-          <a:prstGeom prst="rect">
-            <a:avLst/>
-          </a:prstGeom>
-        </p:spPr>
-      </p:pic>
+              <a:t>Approaches</a:t>
+            </a:r>
+          </a:p>
+        </p:txBody>
+      </p:sp>
     </p:spTree>
     <p:extLst>
       <p:ext uri="{BB962C8B-B14F-4D97-AF65-F5344CB8AC3E}">
-        <p14:creationId xmlns:p14="http://schemas.microsoft.com/office/powerpoint/2010/main" val="4128267876"/>
+        <p14:creationId xmlns:p14="http://schemas.microsoft.com/office/powerpoint/2010/main" val="1447163276"/>
       </p:ext>
     </p:extLst>
   </p:cSld>
@@ -10080,7 +14433,7 @@
           <a:p>
             <a:r>
               <a:rPr lang="en-US" dirty="0"/>
-              <a:t>A typical single-stage ALPR system</a:t>
+              <a:t>A typical multi-stage ALPR system</a:t>
             </a:r>
           </a:p>
         </p:txBody>
@@ -10102,7 +14455,7 @@
           <a:p>
             <a:fld id="{499624E5-6640-4B65-82B0-BACE50C7D1B2}" type="datetime1">
               <a:rPr lang="en-US" smtClean="0"/>
-              <a:t>10/6/2021</a:t>
+              <a:t>7/10/2021</a:t>
             </a:fld>
             <a:endParaRPr lang="en-US" dirty="0"/>
           </a:p>
@@ -10193,7 +14546,7 @@
           <a:p>
             <a:r>
               <a:rPr lang="en-US" dirty="0"/>
-              <a:t>Single-stage</a:t>
+              <a:t>Multi-stage</a:t>
             </a:r>
           </a:p>
         </p:txBody>
@@ -10210,7 +14563,7 @@
         </p:nvSpPr>
         <p:spPr>
           <a:xfrm>
-            <a:off x="3745826" y="5249056"/>
+            <a:off x="3747352" y="4659848"/>
             <a:ext cx="4697297" cy="300082"/>
           </a:xfrm>
         </p:spPr>
@@ -10220,24 +14573,26 @@
           <a:p>
             <a:r>
               <a:rPr lang="en-US" dirty="0"/>
-              <a:t>Illustration of a single-stage ALPR system</a:t>
+              <a:t>Illustration of a multi-stage ALPR system</a:t>
             </a:r>
           </a:p>
         </p:txBody>
       </p:sp>
       <p:pic>
         <p:nvPicPr>
-          <p:cNvPr id="11" name="Picture 10">
+          <p:cNvPr id="10" name="Content Placeholder 9">
             <a:extLst>
               <a:ext uri="{FF2B5EF4-FFF2-40B4-BE49-F238E27FC236}">
-                <a16:creationId xmlns:a16="http://schemas.microsoft.com/office/drawing/2014/main" id="{60CAEFB5-50D2-41D6-8063-B889FA0DC2EE}"/>
+                <a16:creationId xmlns:a16="http://schemas.microsoft.com/office/drawing/2014/main" id="{ED74233F-675B-47F8-B25D-1B76A203F266}"/>
               </a:ext>
             </a:extLst>
           </p:cNvPr>
           <p:cNvPicPr>
-            <a:picLocks noChangeAspect="1"/>
+            <a:picLocks noGrp="1" noChangeAspect="1"/>
           </p:cNvPicPr>
-          <p:nvPr/>
+          <p:nvPr>
+            <p:ph sz="half" idx="2"/>
+          </p:nvPr>
         </p:nvPicPr>
         <p:blipFill>
           <a:blip r:embed="rId2"/>
@@ -10247,8 +14602,8 @@
         </p:blipFill>
         <p:spPr>
           <a:xfrm>
-            <a:off x="1013658" y="1584541"/>
-            <a:ext cx="10797342" cy="3688919"/>
+            <a:off x="1128019" y="2157235"/>
+            <a:ext cx="9935962" cy="2543530"/>
           </a:xfrm>
           <a:prstGeom prst="rect">
             <a:avLst/>
@@ -10258,7 +14613,7 @@
     </p:spTree>
     <p:extLst>
       <p:ext uri="{BB962C8B-B14F-4D97-AF65-F5344CB8AC3E}">
-        <p14:creationId xmlns:p14="http://schemas.microsoft.com/office/powerpoint/2010/main" val="305027222"/>
+        <p14:creationId xmlns:p14="http://schemas.microsoft.com/office/powerpoint/2010/main" val="4128267876"/>
       </p:ext>
     </p:extLst>
   </p:cSld>
